--- a/slides/lecture temple.pptx
+++ b/slides/lecture temple.pptx
@@ -6,6 +6,11 @@
   </p:sldMasterIdLst>
   <p:sldIdLst>
     <p:sldId id="256" r:id="rId2"/>
+    <p:sldId id="258" r:id="rId3"/>
+    <p:sldId id="259" r:id="rId4"/>
+    <p:sldId id="257" r:id="rId5"/>
+    <p:sldId id="260" r:id="rId6"/>
+    <p:sldId id="261" r:id="rId7"/>
   </p:sldIdLst>
   <p:sldSz cx="12192000" cy="6858000"/>
   <p:notesSz cx="6858000" cy="9144000"/>
@@ -270,7 +275,7 @@
           <a:p>
             <a:fld id="{B0B39031-006E-422F-B802-1299714394F9}" type="datetimeFigureOut">
               <a:rPr lang="en-US" smtClean="0"/>
-              <a:t>3/14/2020</a:t>
+              <a:t>3/15/2020</a:t>
             </a:fld>
             <a:endParaRPr lang="en-US"/>
           </a:p>
@@ -468,7 +473,7 @@
           <a:p>
             <a:fld id="{B0B39031-006E-422F-B802-1299714394F9}" type="datetimeFigureOut">
               <a:rPr lang="en-US" smtClean="0"/>
-              <a:t>3/14/2020</a:t>
+              <a:t>3/15/2020</a:t>
             </a:fld>
             <a:endParaRPr lang="en-US"/>
           </a:p>
@@ -528,6 +533,42 @@
           </a:p>
         </p:txBody>
       </p:sp>
+      <p:pic>
+        <p:nvPicPr>
+          <p:cNvPr id="7" name="Picture 6">
+            <a:extLst>
+              <a:ext uri="{FF2B5EF4-FFF2-40B4-BE49-F238E27FC236}">
+                <a16:creationId xmlns:a16="http://schemas.microsoft.com/office/drawing/2014/main" id="{D2C422FC-08B6-452A-BA51-A5F46184B8DB}"/>
+              </a:ext>
+            </a:extLst>
+          </p:cNvPr>
+          <p:cNvPicPr>
+            <a:picLocks noChangeAspect="1"/>
+          </p:cNvPicPr>
+          <p:nvPr userDrawn="1"/>
+        </p:nvPicPr>
+        <p:blipFill>
+          <a:blip r:embed="rId2">
+            <a:extLst>
+              <a:ext uri="{28A0092B-C50C-407E-A947-70E740481C1C}">
+                <a14:useLocalDpi xmlns:a14="http://schemas.microsoft.com/office/drawing/2010/main" val="0"/>
+              </a:ext>
+            </a:extLst>
+          </a:blip>
+          <a:stretch>
+            <a:fillRect/>
+          </a:stretch>
+        </p:blipFill>
+        <p:spPr>
+          <a:xfrm>
+            <a:off x="200787" y="6474132"/>
+            <a:ext cx="817626" cy="247343"/>
+          </a:xfrm>
+          <a:prstGeom prst="rect">
+            <a:avLst/>
+          </a:prstGeom>
+        </p:spPr>
+      </p:pic>
     </p:spTree>
     <p:extLst>
       <p:ext uri="{BB962C8B-B14F-4D97-AF65-F5344CB8AC3E}">
@@ -676,7 +717,7 @@
           <a:p>
             <a:fld id="{B0B39031-006E-422F-B802-1299714394F9}" type="datetimeFigureOut">
               <a:rPr lang="en-US" smtClean="0"/>
-              <a:t>3/14/2020</a:t>
+              <a:t>3/15/2020</a:t>
             </a:fld>
             <a:endParaRPr lang="en-US"/>
           </a:p>
@@ -736,6 +777,42 @@
           </a:p>
         </p:txBody>
       </p:sp>
+      <p:pic>
+        <p:nvPicPr>
+          <p:cNvPr id="7" name="Picture 6">
+            <a:extLst>
+              <a:ext uri="{FF2B5EF4-FFF2-40B4-BE49-F238E27FC236}">
+                <a16:creationId xmlns:a16="http://schemas.microsoft.com/office/drawing/2014/main" id="{E54D16F8-CA80-48AC-A445-D3EF171A19E5}"/>
+              </a:ext>
+            </a:extLst>
+          </p:cNvPr>
+          <p:cNvPicPr>
+            <a:picLocks noChangeAspect="1"/>
+          </p:cNvPicPr>
+          <p:nvPr userDrawn="1"/>
+        </p:nvPicPr>
+        <p:blipFill>
+          <a:blip r:embed="rId2">
+            <a:extLst>
+              <a:ext uri="{28A0092B-C50C-407E-A947-70E740481C1C}">
+                <a14:useLocalDpi xmlns:a14="http://schemas.microsoft.com/office/drawing/2010/main" val="0"/>
+              </a:ext>
+            </a:extLst>
+          </a:blip>
+          <a:stretch>
+            <a:fillRect/>
+          </a:stretch>
+        </p:blipFill>
+        <p:spPr>
+          <a:xfrm>
+            <a:off x="200787" y="6474132"/>
+            <a:ext cx="817626" cy="247343"/>
+          </a:xfrm>
+          <a:prstGeom prst="rect">
+            <a:avLst/>
+          </a:prstGeom>
+        </p:spPr>
+      </p:pic>
     </p:spTree>
     <p:extLst>
       <p:ext uri="{BB962C8B-B14F-4D97-AF65-F5344CB8AC3E}">
@@ -784,30 +861,95 @@
         </p:nvSpPr>
         <p:spPr/>
         <p:txBody>
+          <a:bodyPr>
+            <a:normAutofit/>
+          </a:bodyPr>
+          <a:lstStyle>
+            <a:lvl1pPr>
+              <a:defRPr sz="3200" b="1">
+                <a:latin typeface="+mn-lt"/>
+              </a:defRPr>
+            </a:lvl1pPr>
+          </a:lstStyle>
+          <a:p>
+            <a:r>
+              <a:rPr lang="en-US" dirty="0"/>
+              <a:t>Click to edit Master title style</a:t>
+            </a:r>
+          </a:p>
+        </p:txBody>
+      </p:sp>
+      <p:sp>
+        <p:nvSpPr>
+          <p:cNvPr id="3" name="Content Placeholder 2">
+            <a:extLst>
+              <a:ext uri="{FF2B5EF4-FFF2-40B4-BE49-F238E27FC236}">
+                <a16:creationId xmlns:a16="http://schemas.microsoft.com/office/drawing/2014/main" id="{5A487BC3-1082-45D5-AD04-69F0F857533F}"/>
+              </a:ext>
+            </a:extLst>
+          </p:cNvPr>
+          <p:cNvSpPr>
+            <a:spLocks noGrp="1"/>
+          </p:cNvSpPr>
+          <p:nvPr>
+            <p:ph idx="1"/>
+          </p:nvPr>
+        </p:nvSpPr>
+        <p:spPr/>
+        <p:txBody>
           <a:bodyPr/>
           <a:lstStyle/>
           <a:p>
-            <a:r>
-              <a:rPr lang="en-US"/>
-              <a:t>Click to edit Master title style</a:t>
-            </a:r>
-          </a:p>
-        </p:txBody>
-      </p:sp>
-      <p:sp>
-        <p:nvSpPr>
-          <p:cNvPr id="3" name="Content Placeholder 2">
-            <a:extLst>
-              <a:ext uri="{FF2B5EF4-FFF2-40B4-BE49-F238E27FC236}">
-                <a16:creationId xmlns:a16="http://schemas.microsoft.com/office/drawing/2014/main" id="{5A487BC3-1082-45D5-AD04-69F0F857533F}"/>
-              </a:ext>
-            </a:extLst>
-          </p:cNvPr>
-          <p:cNvSpPr>
-            <a:spLocks noGrp="1"/>
-          </p:cNvSpPr>
-          <p:nvPr>
-            <p:ph idx="1"/>
+            <a:pPr lvl="0"/>
+            <a:r>
+              <a:rPr lang="en-US" dirty="0"/>
+              <a:t>Click to edit Master text styles</a:t>
+            </a:r>
+          </a:p>
+          <a:p>
+            <a:pPr lvl="1"/>
+            <a:r>
+              <a:rPr lang="en-US" dirty="0"/>
+              <a:t>Second level</a:t>
+            </a:r>
+          </a:p>
+          <a:p>
+            <a:pPr lvl="2"/>
+            <a:r>
+              <a:rPr lang="en-US" dirty="0"/>
+              <a:t>Third level</a:t>
+            </a:r>
+          </a:p>
+          <a:p>
+            <a:pPr lvl="3"/>
+            <a:r>
+              <a:rPr lang="en-US" dirty="0"/>
+              <a:t>Fourth level</a:t>
+            </a:r>
+          </a:p>
+          <a:p>
+            <a:pPr lvl="4"/>
+            <a:r>
+              <a:rPr lang="en-US" dirty="0"/>
+              <a:t>Fifth level</a:t>
+            </a:r>
+          </a:p>
+        </p:txBody>
+      </p:sp>
+      <p:sp>
+        <p:nvSpPr>
+          <p:cNvPr id="4" name="Date Placeholder 3">
+            <a:extLst>
+              <a:ext uri="{FF2B5EF4-FFF2-40B4-BE49-F238E27FC236}">
+                <a16:creationId xmlns:a16="http://schemas.microsoft.com/office/drawing/2014/main" id="{981A81B6-1A78-4311-8018-B27C111107C1}"/>
+              </a:ext>
+            </a:extLst>
+          </p:cNvPr>
+          <p:cNvSpPr>
+            <a:spLocks noGrp="1"/>
+          </p:cNvSpPr>
+          <p:nvPr>
+            <p:ph type="dt" sz="half" idx="10"/>
           </p:nvPr>
         </p:nvSpPr>
         <p:spPr/>
@@ -815,56 +957,28 @@
           <a:bodyPr/>
           <a:lstStyle/>
           <a:p>
-            <a:pPr lvl="0"/>
-            <a:r>
-              <a:rPr lang="en-US"/>
-              <a:t>Click to edit Master text styles</a:t>
-            </a:r>
-          </a:p>
-          <a:p>
-            <a:pPr lvl="1"/>
-            <a:r>
-              <a:rPr lang="en-US"/>
-              <a:t>Second level</a:t>
-            </a:r>
-          </a:p>
-          <a:p>
-            <a:pPr lvl="2"/>
-            <a:r>
-              <a:rPr lang="en-US"/>
-              <a:t>Third level</a:t>
-            </a:r>
-          </a:p>
-          <a:p>
-            <a:pPr lvl="3"/>
-            <a:r>
-              <a:rPr lang="en-US"/>
-              <a:t>Fourth level</a:t>
-            </a:r>
-          </a:p>
-          <a:p>
-            <a:pPr lvl="4"/>
-            <a:r>
-              <a:rPr lang="en-US"/>
-              <a:t>Fifth level</a:t>
-            </a:r>
-          </a:p>
-        </p:txBody>
-      </p:sp>
-      <p:sp>
-        <p:nvSpPr>
-          <p:cNvPr id="4" name="Date Placeholder 3">
-            <a:extLst>
-              <a:ext uri="{FF2B5EF4-FFF2-40B4-BE49-F238E27FC236}">
-                <a16:creationId xmlns:a16="http://schemas.microsoft.com/office/drawing/2014/main" id="{981A81B6-1A78-4311-8018-B27C111107C1}"/>
-              </a:ext>
-            </a:extLst>
-          </p:cNvPr>
-          <p:cNvSpPr>
-            <a:spLocks noGrp="1"/>
-          </p:cNvSpPr>
-          <p:nvPr>
-            <p:ph type="dt" sz="half" idx="10"/>
+            <a:fld id="{B0B39031-006E-422F-B802-1299714394F9}" type="datetimeFigureOut">
+              <a:rPr lang="en-US" smtClean="0"/>
+              <a:t>3/15/2020</a:t>
+            </a:fld>
+            <a:endParaRPr lang="en-US"/>
+          </a:p>
+        </p:txBody>
+      </p:sp>
+      <p:sp>
+        <p:nvSpPr>
+          <p:cNvPr id="5" name="Footer Placeholder 4">
+            <a:extLst>
+              <a:ext uri="{FF2B5EF4-FFF2-40B4-BE49-F238E27FC236}">
+                <a16:creationId xmlns:a16="http://schemas.microsoft.com/office/drawing/2014/main" id="{2D90EFF7-7F95-404E-A59A-1D8F42D827B8}"/>
+              </a:ext>
+            </a:extLst>
+          </p:cNvPr>
+          <p:cNvSpPr>
+            <a:spLocks noGrp="1"/>
+          </p:cNvSpPr>
+          <p:nvPr>
+            <p:ph type="ftr" sz="quarter" idx="11"/>
           </p:nvPr>
         </p:nvSpPr>
         <p:spPr/>
@@ -872,36 +986,7 @@
           <a:bodyPr/>
           <a:lstStyle/>
           <a:p>
-            <a:fld id="{B0B39031-006E-422F-B802-1299714394F9}" type="datetimeFigureOut">
-              <a:rPr lang="en-US" smtClean="0"/>
-              <a:t>3/14/2020</a:t>
-            </a:fld>
-            <a:endParaRPr lang="en-US"/>
-          </a:p>
-        </p:txBody>
-      </p:sp>
-      <p:sp>
-        <p:nvSpPr>
-          <p:cNvPr id="5" name="Footer Placeholder 4">
-            <a:extLst>
-              <a:ext uri="{FF2B5EF4-FFF2-40B4-BE49-F238E27FC236}">
-                <a16:creationId xmlns:a16="http://schemas.microsoft.com/office/drawing/2014/main" id="{2D90EFF7-7F95-404E-A59A-1D8F42D827B8}"/>
-              </a:ext>
-            </a:extLst>
-          </p:cNvPr>
-          <p:cNvSpPr>
-            <a:spLocks noGrp="1"/>
-          </p:cNvSpPr>
-          <p:nvPr>
-            <p:ph type="ftr" sz="quarter" idx="11"/>
-          </p:nvPr>
-        </p:nvSpPr>
-        <p:spPr/>
-        <p:txBody>
-          <a:bodyPr/>
-          <a:lstStyle/>
-          <a:p>
-            <a:endParaRPr lang="en-US"/>
+            <a:endParaRPr lang="en-US" dirty="0"/>
           </a:p>
         </p:txBody>
       </p:sp>
@@ -934,6 +1019,42 @@
           </a:p>
         </p:txBody>
       </p:sp>
+      <p:pic>
+        <p:nvPicPr>
+          <p:cNvPr id="7" name="Picture 6">
+            <a:extLst>
+              <a:ext uri="{FF2B5EF4-FFF2-40B4-BE49-F238E27FC236}">
+                <a16:creationId xmlns:a16="http://schemas.microsoft.com/office/drawing/2014/main" id="{A131589A-67D1-49C9-A0AC-3548673CF6D7}"/>
+              </a:ext>
+            </a:extLst>
+          </p:cNvPr>
+          <p:cNvPicPr>
+            <a:picLocks noChangeAspect="1"/>
+          </p:cNvPicPr>
+          <p:nvPr userDrawn="1"/>
+        </p:nvPicPr>
+        <p:blipFill>
+          <a:blip r:embed="rId2">
+            <a:extLst>
+              <a:ext uri="{28A0092B-C50C-407E-A947-70E740481C1C}">
+                <a14:useLocalDpi xmlns:a14="http://schemas.microsoft.com/office/drawing/2010/main" val="0"/>
+              </a:ext>
+            </a:extLst>
+          </a:blip>
+          <a:stretch>
+            <a:fillRect/>
+          </a:stretch>
+        </p:blipFill>
+        <p:spPr>
+          <a:xfrm>
+            <a:off x="200787" y="6474132"/>
+            <a:ext cx="817626" cy="247343"/>
+          </a:xfrm>
+          <a:prstGeom prst="rect">
+            <a:avLst/>
+          </a:prstGeom>
+        </p:spPr>
+      </p:pic>
     </p:spTree>
     <p:extLst>
       <p:ext uri="{BB962C8B-B14F-4D97-AF65-F5344CB8AC3E}">
@@ -990,12 +1111,14 @@
           <a:bodyPr anchor="b"/>
           <a:lstStyle>
             <a:lvl1pPr>
-              <a:defRPr sz="6000"/>
+              <a:defRPr sz="6000" b="1">
+                <a:latin typeface="Calibri "/>
+              </a:defRPr>
             </a:lvl1pPr>
           </a:lstStyle>
           <a:p>
             <a:r>
-              <a:rPr lang="en-US"/>
+              <a:rPr lang="en-US" dirty="0"/>
               <a:t>Click to edit Master title style</a:t>
             </a:r>
           </a:p>
@@ -1149,7 +1272,7 @@
           <a:p>
             <a:fld id="{B0B39031-006E-422F-B802-1299714394F9}" type="datetimeFigureOut">
               <a:rPr lang="en-US" smtClean="0"/>
-              <a:t>3/14/2020</a:t>
+              <a:t>3/15/2020</a:t>
             </a:fld>
             <a:endParaRPr lang="en-US"/>
           </a:p>
@@ -1209,6 +1332,42 @@
           </a:p>
         </p:txBody>
       </p:sp>
+      <p:pic>
+        <p:nvPicPr>
+          <p:cNvPr id="9" name="Picture 8">
+            <a:extLst>
+              <a:ext uri="{FF2B5EF4-FFF2-40B4-BE49-F238E27FC236}">
+                <a16:creationId xmlns:a16="http://schemas.microsoft.com/office/drawing/2014/main" id="{ED7DD205-94F7-4372-B0AE-C207DFB49A25}"/>
+              </a:ext>
+            </a:extLst>
+          </p:cNvPr>
+          <p:cNvPicPr>
+            <a:picLocks noChangeAspect="1"/>
+          </p:cNvPicPr>
+          <p:nvPr userDrawn="1"/>
+        </p:nvPicPr>
+        <p:blipFill>
+          <a:blip r:embed="rId2">
+            <a:extLst>
+              <a:ext uri="{28A0092B-C50C-407E-A947-70E740481C1C}">
+                <a14:useLocalDpi xmlns:a14="http://schemas.microsoft.com/office/drawing/2010/main" val="0"/>
+              </a:ext>
+            </a:extLst>
+          </a:blip>
+          <a:stretch>
+            <a:fillRect/>
+          </a:stretch>
+        </p:blipFill>
+        <p:spPr>
+          <a:xfrm>
+            <a:off x="200787" y="6474132"/>
+            <a:ext cx="817626" cy="247343"/>
+          </a:xfrm>
+          <a:prstGeom prst="rect">
+            <a:avLst/>
+          </a:prstGeom>
+        </p:spPr>
+      </p:pic>
     </p:spTree>
     <p:extLst>
       <p:ext uri="{BB962C8B-B14F-4D97-AF65-F5344CB8AC3E}">
@@ -1257,11 +1416,19 @@
         </p:nvSpPr>
         <p:spPr/>
         <p:txBody>
-          <a:bodyPr/>
-          <a:lstStyle/>
-          <a:p>
-            <a:r>
-              <a:rPr lang="en-US"/>
+          <a:bodyPr>
+            <a:normAutofit/>
+          </a:bodyPr>
+          <a:lstStyle>
+            <a:lvl1pPr>
+              <a:defRPr sz="3200">
+                <a:latin typeface="+mn-lt"/>
+              </a:defRPr>
+            </a:lvl1pPr>
+          </a:lstStyle>
+          <a:p>
+            <a:r>
+              <a:rPr lang="en-US" dirty="0"/>
               <a:t>Click to edit Master title style</a:t>
             </a:r>
           </a:p>
@@ -1295,35 +1462,35 @@
           <a:p>
             <a:pPr lvl="0"/>
             <a:r>
-              <a:rPr lang="en-US"/>
+              <a:rPr lang="en-US" dirty="0"/>
               <a:t>Click to edit Master text styles</a:t>
             </a:r>
           </a:p>
           <a:p>
             <a:pPr lvl="1"/>
             <a:r>
-              <a:rPr lang="en-US"/>
+              <a:rPr lang="en-US" dirty="0"/>
               <a:t>Second level</a:t>
             </a:r>
           </a:p>
           <a:p>
             <a:pPr lvl="2"/>
             <a:r>
-              <a:rPr lang="en-US"/>
+              <a:rPr lang="en-US" dirty="0"/>
               <a:t>Third level</a:t>
             </a:r>
           </a:p>
           <a:p>
             <a:pPr lvl="3"/>
             <a:r>
-              <a:rPr lang="en-US"/>
+              <a:rPr lang="en-US" dirty="0"/>
               <a:t>Fourth level</a:t>
             </a:r>
           </a:p>
           <a:p>
             <a:pPr lvl="4"/>
             <a:r>
-              <a:rPr lang="en-US"/>
+              <a:rPr lang="en-US" dirty="0"/>
               <a:t>Fifth level</a:t>
             </a:r>
           </a:p>
@@ -1357,35 +1524,35 @@
           <a:p>
             <a:pPr lvl="0"/>
             <a:r>
-              <a:rPr lang="en-US"/>
+              <a:rPr lang="en-US" dirty="0"/>
               <a:t>Click to edit Master text styles</a:t>
             </a:r>
           </a:p>
           <a:p>
             <a:pPr lvl="1"/>
             <a:r>
-              <a:rPr lang="en-US"/>
+              <a:rPr lang="en-US" dirty="0"/>
               <a:t>Second level</a:t>
             </a:r>
           </a:p>
           <a:p>
             <a:pPr lvl="2"/>
             <a:r>
-              <a:rPr lang="en-US"/>
+              <a:rPr lang="en-US" dirty="0"/>
               <a:t>Third level</a:t>
             </a:r>
           </a:p>
           <a:p>
             <a:pPr lvl="3"/>
             <a:r>
-              <a:rPr lang="en-US"/>
+              <a:rPr lang="en-US" dirty="0"/>
               <a:t>Fourth level</a:t>
             </a:r>
           </a:p>
           <a:p>
             <a:pPr lvl="4"/>
             <a:r>
-              <a:rPr lang="en-US"/>
+              <a:rPr lang="en-US" dirty="0"/>
               <a:t>Fifth level</a:t>
             </a:r>
           </a:p>
@@ -1414,7 +1581,7 @@
           <a:p>
             <a:fld id="{B0B39031-006E-422F-B802-1299714394F9}" type="datetimeFigureOut">
               <a:rPr lang="en-US" smtClean="0"/>
-              <a:t>3/14/2020</a:t>
+              <a:t>3/15/2020</a:t>
             </a:fld>
             <a:endParaRPr lang="en-US"/>
           </a:p>
@@ -1474,6 +1641,42 @@
           </a:p>
         </p:txBody>
       </p:sp>
+      <p:pic>
+        <p:nvPicPr>
+          <p:cNvPr id="8" name="Picture 7">
+            <a:extLst>
+              <a:ext uri="{FF2B5EF4-FFF2-40B4-BE49-F238E27FC236}">
+                <a16:creationId xmlns:a16="http://schemas.microsoft.com/office/drawing/2014/main" id="{BC3DEA14-4D02-4BB0-BCFE-B4CD6050D9D7}"/>
+              </a:ext>
+            </a:extLst>
+          </p:cNvPr>
+          <p:cNvPicPr>
+            <a:picLocks noChangeAspect="1"/>
+          </p:cNvPicPr>
+          <p:nvPr userDrawn="1"/>
+        </p:nvPicPr>
+        <p:blipFill>
+          <a:blip r:embed="rId2">
+            <a:extLst>
+              <a:ext uri="{28A0092B-C50C-407E-A947-70E740481C1C}">
+                <a14:useLocalDpi xmlns:a14="http://schemas.microsoft.com/office/drawing/2010/main" val="0"/>
+              </a:ext>
+            </a:extLst>
+          </a:blip>
+          <a:stretch>
+            <a:fillRect/>
+          </a:stretch>
+        </p:blipFill>
+        <p:spPr>
+          <a:xfrm>
+            <a:off x="200787" y="6474132"/>
+            <a:ext cx="817626" cy="247343"/>
+          </a:xfrm>
+          <a:prstGeom prst="rect">
+            <a:avLst/>
+          </a:prstGeom>
+        </p:spPr>
+      </p:pic>
     </p:spTree>
     <p:extLst>
       <p:ext uri="{BB962C8B-B14F-4D97-AF65-F5344CB8AC3E}">
@@ -1527,11 +1730,19 @@
           </a:xfrm>
         </p:spPr>
         <p:txBody>
-          <a:bodyPr/>
-          <a:lstStyle/>
-          <a:p>
-            <a:r>
-              <a:rPr lang="en-US"/>
+          <a:bodyPr>
+            <a:normAutofit/>
+          </a:bodyPr>
+          <a:lstStyle>
+            <a:lvl1pPr>
+              <a:defRPr sz="3200" b="1">
+                <a:latin typeface="Calibri "/>
+              </a:defRPr>
+            </a:lvl1pPr>
+          </a:lstStyle>
+          <a:p>
+            <a:r>
+              <a:rPr lang="en-US" dirty="0"/>
               <a:t>Click to edit Master title style</a:t>
             </a:r>
           </a:p>
@@ -1826,7 +2037,7 @@
           <a:p>
             <a:fld id="{B0B39031-006E-422F-B802-1299714394F9}" type="datetimeFigureOut">
               <a:rPr lang="en-US" smtClean="0"/>
-              <a:t>3/14/2020</a:t>
+              <a:t>3/15/2020</a:t>
             </a:fld>
             <a:endParaRPr lang="en-US"/>
           </a:p>
@@ -1886,6 +2097,42 @@
           </a:p>
         </p:txBody>
       </p:sp>
+      <p:pic>
+        <p:nvPicPr>
+          <p:cNvPr id="10" name="Picture 9">
+            <a:extLst>
+              <a:ext uri="{FF2B5EF4-FFF2-40B4-BE49-F238E27FC236}">
+                <a16:creationId xmlns:a16="http://schemas.microsoft.com/office/drawing/2014/main" id="{F3A8AEAD-C2AA-4424-AFA5-86C6DFF54CA2}"/>
+              </a:ext>
+            </a:extLst>
+          </p:cNvPr>
+          <p:cNvPicPr>
+            <a:picLocks noChangeAspect="1"/>
+          </p:cNvPicPr>
+          <p:nvPr userDrawn="1"/>
+        </p:nvPicPr>
+        <p:blipFill>
+          <a:blip r:embed="rId2">
+            <a:extLst>
+              <a:ext uri="{28A0092B-C50C-407E-A947-70E740481C1C}">
+                <a14:useLocalDpi xmlns:a14="http://schemas.microsoft.com/office/drawing/2010/main" val="0"/>
+              </a:ext>
+            </a:extLst>
+          </a:blip>
+          <a:stretch>
+            <a:fillRect/>
+          </a:stretch>
+        </p:blipFill>
+        <p:spPr>
+          <a:xfrm>
+            <a:off x="200787" y="6474132"/>
+            <a:ext cx="817626" cy="247343"/>
+          </a:xfrm>
+          <a:prstGeom prst="rect">
+            <a:avLst/>
+          </a:prstGeom>
+        </p:spPr>
+      </p:pic>
     </p:spTree>
     <p:extLst>
       <p:ext uri="{BB962C8B-B14F-4D97-AF65-F5344CB8AC3E}">
@@ -1934,40 +2181,48 @@
         </p:nvSpPr>
         <p:spPr/>
         <p:txBody>
+          <a:bodyPr>
+            <a:normAutofit/>
+          </a:bodyPr>
+          <a:lstStyle>
+            <a:lvl1pPr>
+              <a:defRPr sz="3200" b="1">
+                <a:latin typeface="+mn-lt"/>
+              </a:defRPr>
+            </a:lvl1pPr>
+          </a:lstStyle>
+          <a:p>
+            <a:r>
+              <a:rPr lang="en-US" dirty="0"/>
+              <a:t>Click to edit Master title style</a:t>
+            </a:r>
+          </a:p>
+        </p:txBody>
+      </p:sp>
+      <p:sp>
+        <p:nvSpPr>
+          <p:cNvPr id="3" name="Date Placeholder 2">
+            <a:extLst>
+              <a:ext uri="{FF2B5EF4-FFF2-40B4-BE49-F238E27FC236}">
+                <a16:creationId xmlns:a16="http://schemas.microsoft.com/office/drawing/2014/main" id="{A81B0EED-99A8-4F1B-81C9-46BACF1817F4}"/>
+              </a:ext>
+            </a:extLst>
+          </p:cNvPr>
+          <p:cNvSpPr>
+            <a:spLocks noGrp="1"/>
+          </p:cNvSpPr>
+          <p:nvPr>
+            <p:ph type="dt" sz="half" idx="10"/>
+          </p:nvPr>
+        </p:nvSpPr>
+        <p:spPr/>
+        <p:txBody>
           <a:bodyPr/>
           <a:lstStyle/>
           <a:p>
-            <a:r>
-              <a:rPr lang="en-US"/>
-              <a:t>Click to edit Master title style</a:t>
-            </a:r>
-          </a:p>
-        </p:txBody>
-      </p:sp>
-      <p:sp>
-        <p:nvSpPr>
-          <p:cNvPr id="3" name="Date Placeholder 2">
-            <a:extLst>
-              <a:ext uri="{FF2B5EF4-FFF2-40B4-BE49-F238E27FC236}">
-                <a16:creationId xmlns:a16="http://schemas.microsoft.com/office/drawing/2014/main" id="{A81B0EED-99A8-4F1B-81C9-46BACF1817F4}"/>
-              </a:ext>
-            </a:extLst>
-          </p:cNvPr>
-          <p:cNvSpPr>
-            <a:spLocks noGrp="1"/>
-          </p:cNvSpPr>
-          <p:nvPr>
-            <p:ph type="dt" sz="half" idx="10"/>
-          </p:nvPr>
-        </p:nvSpPr>
-        <p:spPr/>
-        <p:txBody>
-          <a:bodyPr/>
-          <a:lstStyle/>
-          <a:p>
             <a:fld id="{B0B39031-006E-422F-B802-1299714394F9}" type="datetimeFigureOut">
               <a:rPr lang="en-US" smtClean="0"/>
-              <a:t>3/14/2020</a:t>
+              <a:t>3/15/2020</a:t>
             </a:fld>
             <a:endParaRPr lang="en-US"/>
           </a:p>
@@ -2027,6 +2282,42 @@
           </a:p>
         </p:txBody>
       </p:sp>
+      <p:pic>
+        <p:nvPicPr>
+          <p:cNvPr id="6" name="Picture 5">
+            <a:extLst>
+              <a:ext uri="{FF2B5EF4-FFF2-40B4-BE49-F238E27FC236}">
+                <a16:creationId xmlns:a16="http://schemas.microsoft.com/office/drawing/2014/main" id="{ADBAF6B2-EB33-4A9E-9DC1-7590EE792F65}"/>
+              </a:ext>
+            </a:extLst>
+          </p:cNvPr>
+          <p:cNvPicPr>
+            <a:picLocks noChangeAspect="1"/>
+          </p:cNvPicPr>
+          <p:nvPr userDrawn="1"/>
+        </p:nvPicPr>
+        <p:blipFill>
+          <a:blip r:embed="rId2">
+            <a:extLst>
+              <a:ext uri="{28A0092B-C50C-407E-A947-70E740481C1C}">
+                <a14:useLocalDpi xmlns:a14="http://schemas.microsoft.com/office/drawing/2010/main" val="0"/>
+              </a:ext>
+            </a:extLst>
+          </a:blip>
+          <a:stretch>
+            <a:fillRect/>
+          </a:stretch>
+        </p:blipFill>
+        <p:spPr>
+          <a:xfrm>
+            <a:off x="200787" y="6474132"/>
+            <a:ext cx="817626" cy="247343"/>
+          </a:xfrm>
+          <a:prstGeom prst="rect">
+            <a:avLst/>
+          </a:prstGeom>
+        </p:spPr>
+      </p:pic>
     </p:spTree>
     <p:extLst>
       <p:ext uri="{BB962C8B-B14F-4D97-AF65-F5344CB8AC3E}">
@@ -2080,7 +2371,7 @@
           <a:p>
             <a:fld id="{B0B39031-006E-422F-B802-1299714394F9}" type="datetimeFigureOut">
               <a:rPr lang="en-US" smtClean="0"/>
-              <a:t>3/14/2020</a:t>
+              <a:t>3/15/2020</a:t>
             </a:fld>
             <a:endParaRPr lang="en-US"/>
           </a:p>
@@ -2140,6 +2431,42 @@
           </a:p>
         </p:txBody>
       </p:sp>
+      <p:pic>
+        <p:nvPicPr>
+          <p:cNvPr id="5" name="Picture 4">
+            <a:extLst>
+              <a:ext uri="{FF2B5EF4-FFF2-40B4-BE49-F238E27FC236}">
+                <a16:creationId xmlns:a16="http://schemas.microsoft.com/office/drawing/2014/main" id="{73032169-6E29-4477-ABD2-EDFA37A4D0CD}"/>
+              </a:ext>
+            </a:extLst>
+          </p:cNvPr>
+          <p:cNvPicPr>
+            <a:picLocks noChangeAspect="1"/>
+          </p:cNvPicPr>
+          <p:nvPr userDrawn="1"/>
+        </p:nvPicPr>
+        <p:blipFill>
+          <a:blip r:embed="rId2">
+            <a:extLst>
+              <a:ext uri="{28A0092B-C50C-407E-A947-70E740481C1C}">
+                <a14:useLocalDpi xmlns:a14="http://schemas.microsoft.com/office/drawing/2010/main" val="0"/>
+              </a:ext>
+            </a:extLst>
+          </a:blip>
+          <a:stretch>
+            <a:fillRect/>
+          </a:stretch>
+        </p:blipFill>
+        <p:spPr>
+          <a:xfrm>
+            <a:off x="200787" y="6474132"/>
+            <a:ext cx="817626" cy="247343"/>
+          </a:xfrm>
+          <a:prstGeom prst="rect">
+            <a:avLst/>
+          </a:prstGeom>
+        </p:spPr>
+      </p:pic>
     </p:spTree>
     <p:extLst>
       <p:ext uri="{BB962C8B-B14F-4D97-AF65-F5344CB8AC3E}">
@@ -2391,7 +2718,7 @@
           <a:p>
             <a:fld id="{B0B39031-006E-422F-B802-1299714394F9}" type="datetimeFigureOut">
               <a:rPr lang="en-US" smtClean="0"/>
-              <a:t>3/14/2020</a:t>
+              <a:t>3/15/2020</a:t>
             </a:fld>
             <a:endParaRPr lang="en-US"/>
           </a:p>
@@ -2451,6 +2778,42 @@
           </a:p>
         </p:txBody>
       </p:sp>
+      <p:pic>
+        <p:nvPicPr>
+          <p:cNvPr id="8" name="Picture 7">
+            <a:extLst>
+              <a:ext uri="{FF2B5EF4-FFF2-40B4-BE49-F238E27FC236}">
+                <a16:creationId xmlns:a16="http://schemas.microsoft.com/office/drawing/2014/main" id="{4EC4F557-3C2E-4511-825B-F7A5FBACB9C1}"/>
+              </a:ext>
+            </a:extLst>
+          </p:cNvPr>
+          <p:cNvPicPr>
+            <a:picLocks noChangeAspect="1"/>
+          </p:cNvPicPr>
+          <p:nvPr userDrawn="1"/>
+        </p:nvPicPr>
+        <p:blipFill>
+          <a:blip r:embed="rId2">
+            <a:extLst>
+              <a:ext uri="{28A0092B-C50C-407E-A947-70E740481C1C}">
+                <a14:useLocalDpi xmlns:a14="http://schemas.microsoft.com/office/drawing/2010/main" val="0"/>
+              </a:ext>
+            </a:extLst>
+          </a:blip>
+          <a:stretch>
+            <a:fillRect/>
+          </a:stretch>
+        </p:blipFill>
+        <p:spPr>
+          <a:xfrm>
+            <a:off x="200787" y="6474132"/>
+            <a:ext cx="817626" cy="247343"/>
+          </a:xfrm>
+          <a:prstGeom prst="rect">
+            <a:avLst/>
+          </a:prstGeom>
+        </p:spPr>
+      </p:pic>
     </p:spTree>
     <p:extLst>
       <p:ext uri="{BB962C8B-B14F-4D97-AF65-F5344CB8AC3E}">
@@ -2679,7 +3042,7 @@
           <a:p>
             <a:fld id="{B0B39031-006E-422F-B802-1299714394F9}" type="datetimeFigureOut">
               <a:rPr lang="en-US" smtClean="0"/>
-              <a:t>3/14/2020</a:t>
+              <a:t>3/15/2020</a:t>
             </a:fld>
             <a:endParaRPr lang="en-US"/>
           </a:p>
@@ -2739,6 +3102,42 @@
           </a:p>
         </p:txBody>
       </p:sp>
+      <p:pic>
+        <p:nvPicPr>
+          <p:cNvPr id="8" name="Picture 7">
+            <a:extLst>
+              <a:ext uri="{FF2B5EF4-FFF2-40B4-BE49-F238E27FC236}">
+                <a16:creationId xmlns:a16="http://schemas.microsoft.com/office/drawing/2014/main" id="{39FFE875-ACFC-4229-B883-7BDA3E6C428C}"/>
+              </a:ext>
+            </a:extLst>
+          </p:cNvPr>
+          <p:cNvPicPr>
+            <a:picLocks noChangeAspect="1"/>
+          </p:cNvPicPr>
+          <p:nvPr userDrawn="1"/>
+        </p:nvPicPr>
+        <p:blipFill>
+          <a:blip r:embed="rId2">
+            <a:extLst>
+              <a:ext uri="{28A0092B-C50C-407E-A947-70E740481C1C}">
+                <a14:useLocalDpi xmlns:a14="http://schemas.microsoft.com/office/drawing/2010/main" val="0"/>
+              </a:ext>
+            </a:extLst>
+          </a:blip>
+          <a:stretch>
+            <a:fillRect/>
+          </a:stretch>
+        </p:blipFill>
+        <p:spPr>
+          <a:xfrm>
+            <a:off x="200787" y="6474132"/>
+            <a:ext cx="817626" cy="247343"/>
+          </a:xfrm>
+          <a:prstGeom prst="rect">
+            <a:avLst/>
+          </a:prstGeom>
+        </p:spPr>
+      </p:pic>
     </p:spTree>
     <p:extLst>
       <p:ext uri="{BB962C8B-B14F-4D97-AF65-F5344CB8AC3E}">
@@ -2920,7 +3319,7 @@
           <a:p>
             <a:fld id="{B0B39031-006E-422F-B802-1299714394F9}" type="datetimeFigureOut">
               <a:rPr lang="en-US" smtClean="0"/>
-              <a:t>3/14/2020</a:t>
+              <a:t>3/15/2020</a:t>
             </a:fld>
             <a:endParaRPr lang="en-US"/>
           </a:p>
@@ -3337,65 +3736,1405 @@
           <a:chExt cx="0" cy="0"/>
         </a:xfrm>
       </p:grpSpPr>
-      <p:sp>
-        <p:nvSpPr>
-          <p:cNvPr id="2" name="Title 1">
-            <a:extLst>
-              <a:ext uri="{FF2B5EF4-FFF2-40B4-BE49-F238E27FC236}">
-                <a16:creationId xmlns:a16="http://schemas.microsoft.com/office/drawing/2014/main" id="{5DAFB53D-D4A8-4DEA-8944-7EABDC2A8A75}"/>
-              </a:ext>
-            </a:extLst>
-          </p:cNvPr>
-          <p:cNvSpPr>
-            <a:spLocks noGrp="1"/>
-          </p:cNvSpPr>
-          <p:nvPr>
-            <p:ph type="ctrTitle"/>
-          </p:nvPr>
-        </p:nvSpPr>
-        <p:spPr/>
-        <p:txBody>
-          <a:bodyPr/>
+      <mc:AlternateContent xmlns:mc="http://schemas.openxmlformats.org/markup-compatibility/2006">
+        <mc:Choice xmlns:a14="http://schemas.microsoft.com/office/drawing/2010/main" Requires="a14">
+          <p:sp>
+            <p:nvSpPr>
+              <p:cNvPr id="2" name="Title 1">
+                <a:extLst>
+                  <a:ext uri="{FF2B5EF4-FFF2-40B4-BE49-F238E27FC236}">
+                    <a16:creationId xmlns:a16="http://schemas.microsoft.com/office/drawing/2014/main" id="{5DAFB53D-D4A8-4DEA-8944-7EABDC2A8A75}"/>
+                  </a:ext>
+                </a:extLst>
+              </p:cNvPr>
+              <p:cNvSpPr>
+                <a:spLocks noGrp="1"/>
+              </p:cNvSpPr>
+              <p:nvPr>
+                <p:ph type="ctrTitle"/>
+              </p:nvPr>
+            </p:nvSpPr>
+            <p:spPr>
+              <a:xfrm>
+                <a:off x="0" y="765001"/>
+                <a:ext cx="12192000" cy="1132523"/>
+              </a:xfrm>
+            </p:spPr>
+            <p:txBody>
+              <a:bodyPr>
+                <a:normAutofit fontScale="90000"/>
+              </a:bodyPr>
+              <a:lstStyle/>
+              <a:p>
+                <a:pPr/>
+                <a14:m>
+                  <m:oMathPara xmlns:m="http://schemas.openxmlformats.org/officeDocument/2006/math">
+                    <m:oMathParaPr>
+                      <m:jc m:val="center"/>
+                    </m:oMathParaPr>
+                    <m:oMath xmlns:m="http://schemas.openxmlformats.org/officeDocument/2006/math">
+                      <m:r>
+                        <a:rPr lang="en-US" sz="8000" b="1" i="1" dirty="0" smtClean="0">
+                          <a:latin typeface="Cambria Math" panose="02040503050406030204" pitchFamily="18" charset="0"/>
+                        </a:rPr>
+                        <m:t>〈</m:t>
+                      </m:r>
+                      <m:r>
+                        <m:rPr>
+                          <m:nor/>
+                        </m:rPr>
+                        <a:rPr lang="en-US" sz="8000" b="1" dirty="0">
+                          <a:latin typeface="Calibri "/>
+                        </a:rPr>
+                        <m:t>QC</m:t>
+                      </m:r>
+                      <m:r>
+                        <a:rPr lang="en-US" sz="8000" b="1" i="1">
+                          <a:latin typeface="Cambria Math" panose="02040503050406030204" pitchFamily="18" charset="0"/>
+                        </a:rPr>
+                        <m:t>|</m:t>
+                      </m:r>
+                      <m:r>
+                        <m:rPr>
+                          <m:nor/>
+                        </m:rPr>
+                        <a:rPr lang="en-US" sz="8000" b="1" dirty="0">
+                          <a:latin typeface="Calibri "/>
+                        </a:rPr>
+                        <m:t>−</m:t>
+                      </m:r>
+                      <m:r>
+                        <a:rPr lang="en-US" sz="8000" b="1" i="1">
+                          <a:latin typeface="Cambria Math" panose="02040503050406030204" pitchFamily="18" charset="0"/>
+                        </a:rPr>
+                        <m:t>|</m:t>
+                      </m:r>
+                      <m:r>
+                        <m:rPr>
+                          <m:nor/>
+                        </m:rPr>
+                        <a:rPr lang="en-US" sz="8000" b="1" dirty="0">
+                          <a:latin typeface="Calibri "/>
+                        </a:rPr>
+                        <m:t>IL</m:t>
+                      </m:r>
+                      <m:r>
+                        <a:rPr lang="en-US" sz="8000" b="1" i="1">
+                          <a:latin typeface="Cambria Math" panose="02040503050406030204" pitchFamily="18" charset="0"/>
+                        </a:rPr>
+                        <m:t>⟩</m:t>
+                      </m:r>
+                    </m:oMath>
+                  </m:oMathPara>
+                </a14:m>
+                <a:endParaRPr lang="en-US" sz="8000" b="1" dirty="0">
+                  <a:latin typeface="Calibri "/>
+                </a:endParaRPr>
+              </a:p>
+            </p:txBody>
+          </p:sp>
+        </mc:Choice>
+        <mc:Fallback>
+          <p:sp>
+            <p:nvSpPr>
+              <p:cNvPr id="2" name="Title 1">
+                <a:extLst>
+                  <a:ext uri="{FF2B5EF4-FFF2-40B4-BE49-F238E27FC236}">
+                    <a16:creationId xmlns:a16="http://schemas.microsoft.com/office/drawing/2014/main" id="{5DAFB53D-D4A8-4DEA-8944-7EABDC2A8A75}"/>
+                  </a:ext>
+                </a:extLst>
+              </p:cNvPr>
+              <p:cNvSpPr>
+                <a:spLocks noGrp="1" noRot="1" noChangeAspect="1" noMove="1" noResize="1" noEditPoints="1" noAdjustHandles="1" noChangeArrowheads="1" noChangeShapeType="1" noTextEdit="1"/>
+              </p:cNvSpPr>
+              <p:nvPr>
+                <p:ph type="ctrTitle"/>
+              </p:nvPr>
+            </p:nvSpPr>
+            <p:spPr>
+              <a:xfrm>
+                <a:off x="0" y="765001"/>
+                <a:ext cx="12192000" cy="1132523"/>
+              </a:xfrm>
+              <a:blipFill>
+                <a:blip r:embed="rId2"/>
+                <a:stretch>
+                  <a:fillRect/>
+                </a:stretch>
+              </a:blipFill>
+            </p:spPr>
+            <p:txBody>
+              <a:bodyPr/>
+              <a:lstStyle/>
+              <a:p>
+                <a:r>
+                  <a:rPr lang="en-US">
+                    <a:noFill/>
+                  </a:rPr>
+                  <a:t> </a:t>
+                </a:r>
+              </a:p>
+            </p:txBody>
+          </p:sp>
+        </mc:Fallback>
+      </mc:AlternateContent>
+      <p:sp>
+        <p:nvSpPr>
+          <p:cNvPr id="3" name="Subtitle 2">
+            <a:extLst>
+              <a:ext uri="{FF2B5EF4-FFF2-40B4-BE49-F238E27FC236}">
+                <a16:creationId xmlns:a16="http://schemas.microsoft.com/office/drawing/2014/main" id="{07846C44-9F4A-43BD-8ECA-B49D28A1C5F0}"/>
+              </a:ext>
+            </a:extLst>
+          </p:cNvPr>
+          <p:cNvSpPr>
+            <a:spLocks noGrp="1"/>
+          </p:cNvSpPr>
+          <p:nvPr>
+            <p:ph type="subTitle" idx="1"/>
+          </p:nvPr>
+        </p:nvSpPr>
+        <p:spPr>
+          <a:xfrm>
+            <a:off x="64008" y="2479749"/>
+            <a:ext cx="12192000" cy="1655762"/>
+          </a:xfrm>
+        </p:spPr>
+        <p:txBody>
+          <a:bodyPr>
+            <a:noAutofit/>
+          </a:bodyPr>
           <a:lstStyle/>
           <a:p>
             <a:r>
-              <a:rPr lang="en-US" b="1" dirty="0">
-                <a:latin typeface="+mn-lt"/>
-              </a:rPr>
-              <a:t>QC-IL</a:t>
-            </a:r>
-          </a:p>
-        </p:txBody>
-      </p:sp>
-      <p:sp>
-        <p:nvSpPr>
-          <p:cNvPr id="3" name="Subtitle 2">
-            <a:extLst>
-              <a:ext uri="{FF2B5EF4-FFF2-40B4-BE49-F238E27FC236}">
-                <a16:creationId xmlns:a16="http://schemas.microsoft.com/office/drawing/2014/main" id="{07846C44-9F4A-43BD-8ECA-B49D28A1C5F0}"/>
-              </a:ext>
-            </a:extLst>
-          </p:cNvPr>
-          <p:cNvSpPr>
-            <a:spLocks noGrp="1"/>
-          </p:cNvSpPr>
-          <p:nvPr>
-            <p:ph type="subTitle" idx="1"/>
-          </p:nvPr>
-        </p:nvSpPr>
-        <p:spPr/>
-        <p:txBody>
-          <a:bodyPr/>
-          <a:lstStyle/>
-          <a:p>
-            <a:endParaRPr lang="en-US" dirty="0"/>
-          </a:p>
-        </p:txBody>
-      </p:sp>
+              <a:rPr lang="en-US" sz="3200" b="1" dirty="0"/>
+              <a:t>First Steps in QC &amp; QML</a:t>
+            </a:r>
+          </a:p>
+          <a:p>
+            <a:r>
+              <a:rPr lang="en-US" sz="3200" dirty="0"/>
+              <a:t>(Quantum Computing &amp; Quantum Machine Learning)</a:t>
+            </a:r>
+            <a:br>
+              <a:rPr lang="en-US" sz="3200" dirty="0"/>
+            </a:br>
+            <a:endParaRPr lang="en-US" sz="3200" dirty="0"/>
+          </a:p>
+          <a:p>
+            <a:endParaRPr lang="en-US" sz="3200" dirty="0"/>
+          </a:p>
+          <a:p>
+            <a:endParaRPr lang="en-US" sz="3200" dirty="0"/>
+          </a:p>
+          <a:p>
+            <a:endParaRPr lang="en-US" sz="3200" dirty="0"/>
+          </a:p>
+          <a:p>
+            <a:r>
+              <a:rPr lang="en-US" sz="3200" b="1" dirty="0"/>
+              <a:t>March 2020</a:t>
+            </a:r>
+          </a:p>
+        </p:txBody>
+      </p:sp>
+      <p:pic>
+        <p:nvPicPr>
+          <p:cNvPr id="8" name="Picture 7">
+            <a:extLst>
+              <a:ext uri="{FF2B5EF4-FFF2-40B4-BE49-F238E27FC236}">
+                <a16:creationId xmlns:a16="http://schemas.microsoft.com/office/drawing/2014/main" id="{458EDF1B-2298-4801-9C7B-85E8E72F386D}"/>
+              </a:ext>
+            </a:extLst>
+          </p:cNvPr>
+          <p:cNvPicPr>
+            <a:picLocks noChangeAspect="1"/>
+          </p:cNvPicPr>
+          <p:nvPr/>
+        </p:nvPicPr>
+        <p:blipFill>
+          <a:blip r:embed="rId3">
+            <a:extLst>
+              <a:ext uri="{28A0092B-C50C-407E-A947-70E740481C1C}">
+                <a14:useLocalDpi xmlns:a14="http://schemas.microsoft.com/office/drawing/2010/main" val="0"/>
+              </a:ext>
+            </a:extLst>
+          </a:blip>
+          <a:stretch>
+            <a:fillRect/>
+          </a:stretch>
+        </p:blipFill>
+        <p:spPr>
+          <a:xfrm>
+            <a:off x="4216908" y="4149284"/>
+            <a:ext cx="3758184" cy="1136904"/>
+          </a:xfrm>
+          <a:prstGeom prst="rect">
+            <a:avLst/>
+          </a:prstGeom>
+        </p:spPr>
+      </p:pic>
     </p:spTree>
     <p:extLst>
       <p:ext uri="{BB962C8B-B14F-4D97-AF65-F5344CB8AC3E}">
         <p14:creationId xmlns:p14="http://schemas.microsoft.com/office/powerpoint/2010/main" val="1273845951"/>
+      </p:ext>
+    </p:extLst>
+  </p:cSld>
+  <p:clrMapOvr>
+    <a:masterClrMapping/>
+  </p:clrMapOvr>
+</p:sld>
+</file>
+
+<file path=ppt/slides/slide2.xml><?xml version="1.0" encoding="utf-8"?>
+<p:sld xmlns:a="http://schemas.openxmlformats.org/drawingml/2006/main" xmlns:r="http://schemas.openxmlformats.org/officeDocument/2006/relationships" xmlns:p="http://schemas.openxmlformats.org/presentationml/2006/main">
+  <p:cSld>
+    <p:spTree>
+      <p:nvGrpSpPr>
+        <p:cNvPr id="1" name=""/>
+        <p:cNvGrpSpPr/>
+        <p:nvPr/>
+      </p:nvGrpSpPr>
+      <p:grpSpPr>
+        <a:xfrm>
+          <a:off x="0" y="0"/>
+          <a:ext cx="0" cy="0"/>
+          <a:chOff x="0" y="0"/>
+          <a:chExt cx="0" cy="0"/>
+        </a:xfrm>
+      </p:grpSpPr>
+      <p:sp>
+        <p:nvSpPr>
+          <p:cNvPr id="2" name="Title 1">
+            <a:extLst>
+              <a:ext uri="{FF2B5EF4-FFF2-40B4-BE49-F238E27FC236}">
+                <a16:creationId xmlns:a16="http://schemas.microsoft.com/office/drawing/2014/main" id="{9DF96EDE-0F1D-4C19-A7B8-B0EBCCFE4B62}"/>
+              </a:ext>
+            </a:extLst>
+          </p:cNvPr>
+          <p:cNvSpPr>
+            <a:spLocks noGrp="1"/>
+          </p:cNvSpPr>
+          <p:nvPr>
+            <p:ph type="title"/>
+          </p:nvPr>
+        </p:nvSpPr>
+        <p:spPr/>
+        <p:txBody>
+          <a:bodyPr/>
+          <a:lstStyle/>
+          <a:p>
+            <a:r>
+              <a:rPr lang="en-US" dirty="0"/>
+              <a:t>Plan	</a:t>
+            </a:r>
+          </a:p>
+        </p:txBody>
+      </p:sp>
+      <p:sp>
+        <p:nvSpPr>
+          <p:cNvPr id="3" name="Content Placeholder 2">
+            <a:extLst>
+              <a:ext uri="{FF2B5EF4-FFF2-40B4-BE49-F238E27FC236}">
+                <a16:creationId xmlns:a16="http://schemas.microsoft.com/office/drawing/2014/main" id="{94CA94A1-F0DC-4695-B42A-29617D5AD6EF}"/>
+              </a:ext>
+            </a:extLst>
+          </p:cNvPr>
+          <p:cNvSpPr>
+            <a:spLocks noGrp="1"/>
+          </p:cNvSpPr>
+          <p:nvPr>
+            <p:ph idx="1"/>
+          </p:nvPr>
+        </p:nvSpPr>
+        <p:spPr/>
+        <p:txBody>
+          <a:bodyPr>
+            <a:normAutofit fontScale="55000" lnSpcReduction="20000"/>
+          </a:bodyPr>
+          <a:lstStyle/>
+          <a:p>
+            <a:r>
+              <a:rPr lang="en-US" dirty="0"/>
+              <a:t>Introduction to the book cover and preliminary background</a:t>
+            </a:r>
+          </a:p>
+          <a:p>
+            <a:r>
+              <a:rPr lang="en-US" dirty="0"/>
+              <a:t>Chapter 1 + 2 :	</a:t>
+            </a:r>
+          </a:p>
+          <a:p>
+            <a:pPr lvl="1"/>
+            <a:r>
+              <a:rPr lang="en-US" dirty="0"/>
+              <a:t>QUBIT, OR, NOT, NAND, Superposition, entanglement and reversibility</a:t>
+            </a:r>
+          </a:p>
+          <a:p>
+            <a:pPr lvl="1"/>
+            <a:r>
+              <a:rPr lang="en-US" dirty="0"/>
+              <a:t>History</a:t>
+            </a:r>
+          </a:p>
+          <a:p>
+            <a:r>
+              <a:rPr lang="en-US" dirty="0"/>
+              <a:t>Qubits and operators:</a:t>
+            </a:r>
+          </a:p>
+          <a:p>
+            <a:pPr lvl="1"/>
+            <a:r>
+              <a:rPr lang="en-US" dirty="0"/>
+              <a:t>BIT vs QUBIT, vector presentation, red, blue</a:t>
+            </a:r>
+          </a:p>
+          <a:p>
+            <a:pPr lvl="1"/>
+            <a:r>
+              <a:rPr lang="en-US" dirty="0"/>
+              <a:t>NOT, XOR, NANS</a:t>
+            </a:r>
+          </a:p>
+          <a:p>
+            <a:pPr lvl="1"/>
+            <a:r>
+              <a:rPr lang="en-US" dirty="0"/>
+              <a:t>Universal set: CNOT, H, T</a:t>
+            </a:r>
+          </a:p>
+          <a:p>
+            <a:pPr lvl="1"/>
+            <a:r>
+              <a:rPr lang="en-US" dirty="0"/>
+              <a:t>Example NAND classical </a:t>
+            </a:r>
+          </a:p>
+          <a:p>
+            <a:r>
+              <a:rPr lang="en-US" dirty="0"/>
+              <a:t>Chapter 5 Quantum Computers</a:t>
+            </a:r>
+          </a:p>
+          <a:p>
+            <a:r>
+              <a:rPr lang="en-US" dirty="0" err="1"/>
+              <a:t>Cirq</a:t>
+            </a:r>
+            <a:r>
+              <a:rPr lang="en-US" dirty="0"/>
+              <a:t>:</a:t>
+            </a:r>
+          </a:p>
+          <a:p>
+            <a:pPr lvl="1"/>
+            <a:r>
+              <a:rPr lang="en-US" dirty="0"/>
+              <a:t>Introduction to python and google </a:t>
+            </a:r>
+            <a:r>
+              <a:rPr lang="en-US" dirty="0" err="1"/>
+              <a:t>colab</a:t>
+            </a:r>
+            <a:endParaRPr lang="en-US" dirty="0"/>
+          </a:p>
+          <a:p>
+            <a:pPr lvl="1"/>
+            <a:r>
+              <a:rPr lang="en-US" dirty="0"/>
+              <a:t>NOT, CNOT, H, T</a:t>
+            </a:r>
+          </a:p>
+          <a:p>
+            <a:r>
+              <a:rPr lang="en-US" dirty="0"/>
+              <a:t>Teleportation</a:t>
+            </a:r>
+          </a:p>
+          <a:p>
+            <a:r>
+              <a:rPr lang="en-US" dirty="0"/>
+              <a:t>ML + QML:</a:t>
+            </a:r>
+          </a:p>
+          <a:p>
+            <a:pPr lvl="1"/>
+            <a:r>
+              <a:rPr lang="en-US" dirty="0"/>
+              <a:t>What’s machine learning</a:t>
+            </a:r>
+          </a:p>
+          <a:p>
+            <a:pPr lvl="1"/>
+            <a:r>
+              <a:rPr lang="en-US" dirty="0"/>
+              <a:t>MNIST TF</a:t>
+            </a:r>
+          </a:p>
+          <a:p>
+            <a:pPr lvl="1"/>
+            <a:r>
+              <a:rPr lang="en-US" dirty="0"/>
+              <a:t>Many worlds QML </a:t>
+            </a:r>
+          </a:p>
+        </p:txBody>
+      </p:sp>
+    </p:spTree>
+    <p:extLst>
+      <p:ext uri="{BB962C8B-B14F-4D97-AF65-F5344CB8AC3E}">
+        <p14:creationId xmlns:p14="http://schemas.microsoft.com/office/powerpoint/2010/main" val="113387824"/>
+      </p:ext>
+    </p:extLst>
+  </p:cSld>
+  <p:clrMapOvr>
+    <a:masterClrMapping/>
+  </p:clrMapOvr>
+</p:sld>
+</file>
+
+<file path=ppt/slides/slide3.xml><?xml version="1.0" encoding="utf-8"?>
+<p:sld xmlns:a="http://schemas.openxmlformats.org/drawingml/2006/main" xmlns:r="http://schemas.openxmlformats.org/officeDocument/2006/relationships" xmlns:p="http://schemas.openxmlformats.org/presentationml/2006/main">
+  <p:cSld>
+    <p:spTree>
+      <p:nvGrpSpPr>
+        <p:cNvPr id="1" name=""/>
+        <p:cNvGrpSpPr/>
+        <p:nvPr/>
+      </p:nvGrpSpPr>
+      <p:grpSpPr>
+        <a:xfrm>
+          <a:off x="0" y="0"/>
+          <a:ext cx="0" cy="0"/>
+          <a:chOff x="0" y="0"/>
+          <a:chExt cx="0" cy="0"/>
+        </a:xfrm>
+      </p:grpSpPr>
+      <p:grpSp>
+        <p:nvGrpSpPr>
+          <p:cNvPr id="13" name="Group 12">
+            <a:extLst>
+              <a:ext uri="{FF2B5EF4-FFF2-40B4-BE49-F238E27FC236}">
+                <a16:creationId xmlns:a16="http://schemas.microsoft.com/office/drawing/2014/main" id="{BD5309D1-BB9F-4F4C-9EB9-601B4C3E42BF}"/>
+              </a:ext>
+            </a:extLst>
+          </p:cNvPr>
+          <p:cNvGrpSpPr/>
+          <p:nvPr/>
+        </p:nvGrpSpPr>
+        <p:grpSpPr>
+          <a:xfrm>
+            <a:off x="7912100" y="862999"/>
+            <a:ext cx="2833159" cy="2785782"/>
+            <a:chOff x="2946400" y="1650399"/>
+            <a:chExt cx="2833159" cy="2785782"/>
+          </a:xfrm>
+        </p:grpSpPr>
+        <p:sp>
+          <p:nvSpPr>
+            <p:cNvPr id="10" name="Oval 9">
+              <a:extLst>
+                <a:ext uri="{FF2B5EF4-FFF2-40B4-BE49-F238E27FC236}">
+                  <a16:creationId xmlns:a16="http://schemas.microsoft.com/office/drawing/2014/main" id="{44D56C98-A031-4B73-98FD-3766E2A7C692}"/>
+                </a:ext>
+              </a:extLst>
+            </p:cNvPr>
+            <p:cNvSpPr/>
+            <p:nvPr/>
+          </p:nvSpPr>
+          <p:spPr>
+            <a:xfrm>
+              <a:off x="2946400" y="1650399"/>
+              <a:ext cx="2833159" cy="2785782"/>
+            </a:xfrm>
+            <a:prstGeom prst="ellipse">
+              <a:avLst/>
+            </a:prstGeom>
+            <a:gradFill>
+              <a:gsLst>
+                <a:gs pos="0">
+                  <a:srgbClr val="0000FF"/>
+                </a:gs>
+                <a:gs pos="50000">
+                  <a:srgbClr val="7D007D"/>
+                </a:gs>
+                <a:gs pos="100000">
+                  <a:srgbClr val="FF0000"/>
+                </a:gs>
+                <a:gs pos="100000">
+                  <a:srgbClr val="FF0000"/>
+                </a:gs>
+              </a:gsLst>
+              <a:lin ang="5400000" scaled="1"/>
+            </a:gradFill>
+            <a:ln w="28575">
+              <a:solidFill>
+                <a:schemeClr val="tx1"/>
+              </a:solidFill>
+            </a:ln>
+          </p:spPr>
+          <p:style>
+            <a:lnRef idx="2">
+              <a:schemeClr val="accent1">
+                <a:shade val="50000"/>
+              </a:schemeClr>
+            </a:lnRef>
+            <a:fillRef idx="1">
+              <a:schemeClr val="accent1"/>
+            </a:fillRef>
+            <a:effectRef idx="0">
+              <a:schemeClr val="accent1"/>
+            </a:effectRef>
+            <a:fontRef idx="minor">
+              <a:schemeClr val="lt1"/>
+            </a:fontRef>
+          </p:style>
+          <p:txBody>
+            <a:bodyPr rtlCol="0" anchor="ctr"/>
+            <a:lstStyle/>
+            <a:p>
+              <a:pPr algn="ctr"/>
+              <a:endParaRPr lang="en-US" dirty="0"/>
+            </a:p>
+          </p:txBody>
+        </p:sp>
+        <p:sp>
+          <p:nvSpPr>
+            <p:cNvPr id="11" name="Oval 10">
+              <a:extLst>
+                <a:ext uri="{FF2B5EF4-FFF2-40B4-BE49-F238E27FC236}">
+                  <a16:creationId xmlns:a16="http://schemas.microsoft.com/office/drawing/2014/main" id="{34A2674B-B019-475B-8F31-3F7894C65CC5}"/>
+                </a:ext>
+              </a:extLst>
+            </p:cNvPr>
+            <p:cNvSpPr/>
+            <p:nvPr/>
+          </p:nvSpPr>
+          <p:spPr>
+            <a:xfrm>
+              <a:off x="2946400" y="3014132"/>
+              <a:ext cx="2833159" cy="127219"/>
+            </a:xfrm>
+            <a:prstGeom prst="ellipse">
+              <a:avLst/>
+            </a:prstGeom>
+            <a:noFill/>
+            <a:ln w="28575">
+              <a:solidFill>
+                <a:srgbClr val="640064">
+                  <a:alpha val="60000"/>
+                </a:srgbClr>
+              </a:solidFill>
+            </a:ln>
+          </p:spPr>
+          <p:style>
+            <a:lnRef idx="2">
+              <a:schemeClr val="accent1">
+                <a:shade val="50000"/>
+              </a:schemeClr>
+            </a:lnRef>
+            <a:fillRef idx="1">
+              <a:schemeClr val="accent1"/>
+            </a:fillRef>
+            <a:effectRef idx="0">
+              <a:schemeClr val="accent1"/>
+            </a:effectRef>
+            <a:fontRef idx="minor">
+              <a:schemeClr val="lt1"/>
+            </a:fontRef>
+          </p:style>
+          <p:txBody>
+            <a:bodyPr rtlCol="0" anchor="ctr"/>
+            <a:lstStyle/>
+            <a:p>
+              <a:pPr algn="ctr"/>
+              <a:endParaRPr lang="en-US"/>
+            </a:p>
+          </p:txBody>
+        </p:sp>
+      </p:grpSp>
+    </p:spTree>
+    <p:extLst>
+      <p:ext uri="{BB962C8B-B14F-4D97-AF65-F5344CB8AC3E}">
+        <p14:creationId xmlns:p14="http://schemas.microsoft.com/office/powerpoint/2010/main" val="28212137"/>
+      </p:ext>
+    </p:extLst>
+  </p:cSld>
+  <p:clrMapOvr>
+    <a:masterClrMapping/>
+  </p:clrMapOvr>
+</p:sld>
+</file>
+
+<file path=ppt/slides/slide4.xml><?xml version="1.0" encoding="utf-8"?>
+<p:sld xmlns:a="http://schemas.openxmlformats.org/drawingml/2006/main" xmlns:r="http://schemas.openxmlformats.org/officeDocument/2006/relationships" xmlns:p="http://schemas.openxmlformats.org/presentationml/2006/main">
+  <p:cSld>
+    <p:spTree>
+      <p:nvGrpSpPr>
+        <p:cNvPr id="1" name=""/>
+        <p:cNvGrpSpPr/>
+        <p:nvPr/>
+      </p:nvGrpSpPr>
+      <p:grpSpPr>
+        <a:xfrm>
+          <a:off x="0" y="0"/>
+          <a:ext cx="0" cy="0"/>
+          <a:chOff x="0" y="0"/>
+          <a:chExt cx="0" cy="0"/>
+        </a:xfrm>
+      </p:grpSpPr>
+      <p:sp>
+        <p:nvSpPr>
+          <p:cNvPr id="2" name="Title 1">
+            <a:extLst>
+              <a:ext uri="{FF2B5EF4-FFF2-40B4-BE49-F238E27FC236}">
+                <a16:creationId xmlns:a16="http://schemas.microsoft.com/office/drawing/2014/main" id="{EEBBFB50-52BB-48E9-B2A3-57BFFAF6ECF1}"/>
+              </a:ext>
+            </a:extLst>
+          </p:cNvPr>
+          <p:cNvSpPr>
+            <a:spLocks noGrp="1"/>
+          </p:cNvSpPr>
+          <p:nvPr>
+            <p:ph type="title"/>
+          </p:nvPr>
+        </p:nvSpPr>
+        <p:spPr/>
+        <p:txBody>
+          <a:bodyPr>
+            <a:normAutofit/>
+          </a:bodyPr>
+          <a:lstStyle/>
+          <a:p>
+            <a:endParaRPr lang="en-US" sz="3200" dirty="0">
+              <a:latin typeface="Calibri "/>
+            </a:endParaRPr>
+          </a:p>
+        </p:txBody>
+      </p:sp>
+      <p:sp>
+        <p:nvSpPr>
+          <p:cNvPr id="3" name="Content Placeholder 2">
+            <a:extLst>
+              <a:ext uri="{FF2B5EF4-FFF2-40B4-BE49-F238E27FC236}">
+                <a16:creationId xmlns:a16="http://schemas.microsoft.com/office/drawing/2014/main" id="{11AAAD93-3856-432C-92B8-54E6BE418C46}"/>
+              </a:ext>
+            </a:extLst>
+          </p:cNvPr>
+          <p:cNvSpPr>
+            <a:spLocks noGrp="1"/>
+          </p:cNvSpPr>
+          <p:nvPr>
+            <p:ph idx="1"/>
+          </p:nvPr>
+        </p:nvSpPr>
+        <p:spPr/>
+        <p:txBody>
+          <a:bodyPr/>
+          <a:lstStyle/>
+          <a:p>
+            <a:endParaRPr lang="en-US" dirty="0"/>
+          </a:p>
+        </p:txBody>
+      </p:sp>
+    </p:spTree>
+    <p:extLst>
+      <p:ext uri="{BB962C8B-B14F-4D97-AF65-F5344CB8AC3E}">
+        <p14:creationId xmlns:p14="http://schemas.microsoft.com/office/powerpoint/2010/main" val="40390055"/>
+      </p:ext>
+    </p:extLst>
+  </p:cSld>
+  <p:clrMapOvr>
+    <a:masterClrMapping/>
+  </p:clrMapOvr>
+</p:sld>
+</file>
+
+<file path=ppt/slides/slide5.xml><?xml version="1.0" encoding="utf-8"?>
+<p:sld xmlns:a="http://schemas.openxmlformats.org/drawingml/2006/main" xmlns:r="http://schemas.openxmlformats.org/officeDocument/2006/relationships" xmlns:p="http://schemas.openxmlformats.org/presentationml/2006/main">
+  <p:cSld>
+    <p:spTree>
+      <p:nvGrpSpPr>
+        <p:cNvPr id="1" name=""/>
+        <p:cNvGrpSpPr/>
+        <p:nvPr/>
+      </p:nvGrpSpPr>
+      <p:grpSpPr>
+        <a:xfrm>
+          <a:off x="0" y="0"/>
+          <a:ext cx="0" cy="0"/>
+          <a:chOff x="0" y="0"/>
+          <a:chExt cx="0" cy="0"/>
+        </a:xfrm>
+      </p:grpSpPr>
+      <p:sp>
+        <p:nvSpPr>
+          <p:cNvPr id="4" name="Rectangle 3">
+            <a:extLst>
+              <a:ext uri="{FF2B5EF4-FFF2-40B4-BE49-F238E27FC236}">
+                <a16:creationId xmlns:a16="http://schemas.microsoft.com/office/drawing/2014/main" id="{7E9B249D-4B33-4167-94B6-A3B22906ADB3}"/>
+              </a:ext>
+            </a:extLst>
+          </p:cNvPr>
+          <p:cNvSpPr/>
+          <p:nvPr/>
+        </p:nvSpPr>
+        <p:spPr>
+          <a:xfrm>
+            <a:off x="5295900" y="696436"/>
+            <a:ext cx="6096000" cy="1477328"/>
+          </a:xfrm>
+          <a:prstGeom prst="rect">
+            <a:avLst/>
+          </a:prstGeom>
+        </p:spPr>
+        <p:txBody>
+          <a:bodyPr>
+            <a:spAutoFit/>
+          </a:bodyPr>
+          <a:lstStyle/>
+          <a:p>
+            <a:r>
+              <a:rPr lang="en-US" dirty="0"/>
+              <a:t>\</a:t>
+            </a:r>
+            <a:r>
+              <a:rPr lang="en-US" dirty="0" err="1"/>
+              <a:t>usepackage</a:t>
+            </a:r>
+            <a:r>
+              <a:rPr lang="en-US" dirty="0"/>
+              <a:t>[bookmarks = true, </a:t>
+            </a:r>
+            <a:r>
+              <a:rPr lang="en-US" dirty="0" err="1"/>
+              <a:t>pdfpagemode</a:t>
+            </a:r>
+            <a:r>
+              <a:rPr lang="en-US" dirty="0"/>
+              <a:t> = None, </a:t>
+            </a:r>
+            <a:r>
+              <a:rPr lang="en-US" dirty="0" err="1"/>
+              <a:t>pdfstartview</a:t>
+            </a:r>
+            <a:r>
+              <a:rPr lang="en-US" dirty="0"/>
+              <a:t> = </a:t>
+            </a:r>
+            <a:r>
+              <a:rPr lang="en-US" dirty="0" err="1"/>
+              <a:t>FitH</a:t>
+            </a:r>
+            <a:r>
+              <a:rPr lang="en-US" dirty="0"/>
+              <a:t>, </a:t>
+            </a:r>
+            <a:r>
+              <a:rPr lang="en-US" dirty="0" err="1"/>
+              <a:t>colorlinks</a:t>
+            </a:r>
+            <a:r>
+              <a:rPr lang="en-US" dirty="0"/>
+              <a:t> = true, </a:t>
+            </a:r>
+            <a:r>
+              <a:rPr lang="en-US" dirty="0" err="1"/>
+              <a:t>urlcolor</a:t>
+            </a:r>
+            <a:r>
+              <a:rPr lang="en-US" dirty="0"/>
+              <a:t> = blue]{</a:t>
+            </a:r>
+            <a:r>
+              <a:rPr lang="en-US" dirty="0" err="1"/>
+              <a:t>hyperref</a:t>
+            </a:r>
+            <a:r>
+              <a:rPr lang="en-US" dirty="0"/>
+              <a:t>}</a:t>
+            </a:r>
+          </a:p>
+          <a:p>
+            <a:r>
+              <a:rPr lang="en-US" dirty="0"/>
+              <a:t>\</a:t>
+            </a:r>
+            <a:r>
+              <a:rPr lang="en-US" dirty="0" err="1"/>
+              <a:t>usepackage</a:t>
+            </a:r>
+            <a:r>
+              <a:rPr lang="en-US" dirty="0"/>
+              <a:t>[</a:t>
+            </a:r>
+            <a:r>
+              <a:rPr lang="en-US" dirty="0" err="1"/>
+              <a:t>braket</a:t>
+            </a:r>
+            <a:r>
+              <a:rPr lang="en-US" dirty="0"/>
+              <a:t>, </a:t>
+            </a:r>
+            <a:r>
+              <a:rPr lang="en-US" dirty="0" err="1"/>
+              <a:t>qm</a:t>
+            </a:r>
+            <a:r>
+              <a:rPr lang="en-US" dirty="0"/>
+              <a:t>]{</a:t>
+            </a:r>
+            <a:r>
+              <a:rPr lang="en-US" dirty="0" err="1"/>
+              <a:t>qcircuit</a:t>
+            </a:r>
+            <a:r>
+              <a:rPr lang="en-US" dirty="0"/>
+              <a:t>}</a:t>
+            </a:r>
+          </a:p>
+          <a:p>
+            <a:r>
+              <a:rPr lang="en-US" dirty="0"/>
+              <a:t>\</a:t>
+            </a:r>
+            <a:r>
+              <a:rPr lang="en-US" dirty="0" err="1"/>
+              <a:t>usepackage</a:t>
+            </a:r>
+            <a:r>
+              <a:rPr lang="en-US" dirty="0"/>
+              <a:t>{</a:t>
+            </a:r>
+            <a:r>
+              <a:rPr lang="en-US" dirty="0" err="1"/>
+              <a:t>amsmath</a:t>
+            </a:r>
+            <a:r>
+              <a:rPr lang="en-US" dirty="0"/>
+              <a:t>} </a:t>
+            </a:r>
+          </a:p>
+          <a:p>
+            <a:r>
+              <a:rPr lang="en-US" dirty="0"/>
+              <a:t>\</a:t>
+            </a:r>
+            <a:r>
+              <a:rPr lang="en-US" dirty="0" err="1"/>
+              <a:t>usepackage</a:t>
+            </a:r>
+            <a:r>
+              <a:rPr lang="en-US" dirty="0"/>
+              <a:t>{listings}</a:t>
+            </a:r>
+          </a:p>
+        </p:txBody>
+      </p:sp>
+      <p:sp>
+        <p:nvSpPr>
+          <p:cNvPr id="5" name="Rectangle 4">
+            <a:extLst>
+              <a:ext uri="{FF2B5EF4-FFF2-40B4-BE49-F238E27FC236}">
+                <a16:creationId xmlns:a16="http://schemas.microsoft.com/office/drawing/2014/main" id="{C6E19062-AEDC-488A-BC8E-028717C4BE09}"/>
+              </a:ext>
+            </a:extLst>
+          </p:cNvPr>
+          <p:cNvSpPr/>
+          <p:nvPr/>
+        </p:nvSpPr>
+        <p:spPr>
+          <a:xfrm>
+            <a:off x="660400" y="696436"/>
+            <a:ext cx="3530600" cy="2031325"/>
+          </a:xfrm>
+          <a:prstGeom prst="rect">
+            <a:avLst/>
+          </a:prstGeom>
+        </p:spPr>
+        <p:txBody>
+          <a:bodyPr wrap="square">
+            <a:spAutoFit/>
+          </a:bodyPr>
+          <a:lstStyle/>
+          <a:p>
+            <a:r>
+              <a:rPr lang="en-US" dirty="0"/>
+              <a:t>\</a:t>
+            </a:r>
+            <a:r>
+              <a:rPr lang="en-US" dirty="0" err="1"/>
+              <a:t>Qcircuit</a:t>
+            </a:r>
+            <a:r>
+              <a:rPr lang="en-US" dirty="0"/>
+              <a:t> @C=1em @R=.7em {</a:t>
+            </a:r>
+          </a:p>
+          <a:p>
+            <a:r>
+              <a:rPr lang="en-US" dirty="0"/>
+              <a:t>&amp; \gate{H} &amp; \ctrl{1} &amp; \gate{H} &amp; \</a:t>
+            </a:r>
+            <a:r>
+              <a:rPr lang="en-US" dirty="0" err="1"/>
+              <a:t>qw</a:t>
+            </a:r>
+            <a:r>
+              <a:rPr lang="en-US" dirty="0"/>
+              <a:t> &amp; \</a:t>
+            </a:r>
+            <a:r>
+              <a:rPr lang="en-US" dirty="0" err="1"/>
+              <a:t>raisebox</a:t>
+            </a:r>
+            <a:r>
+              <a:rPr lang="en-US" dirty="0"/>
+              <a:t>{-2.2em}{=} &amp; &amp; \</a:t>
+            </a:r>
+            <a:r>
+              <a:rPr lang="en-US" dirty="0" err="1"/>
+              <a:t>targ</a:t>
+            </a:r>
+            <a:r>
+              <a:rPr lang="en-US" dirty="0"/>
+              <a:t> &amp; \</a:t>
+            </a:r>
+            <a:r>
+              <a:rPr lang="en-US" dirty="0" err="1"/>
+              <a:t>qw</a:t>
+            </a:r>
+            <a:r>
+              <a:rPr lang="en-US" dirty="0"/>
+              <a:t> \\</a:t>
+            </a:r>
+          </a:p>
+          <a:p>
+            <a:r>
+              <a:rPr lang="en-US" dirty="0"/>
+              <a:t>&amp; \gate{H} &amp; \</a:t>
+            </a:r>
+            <a:r>
+              <a:rPr lang="en-US" dirty="0" err="1"/>
+              <a:t>targ</a:t>
+            </a:r>
+            <a:r>
+              <a:rPr lang="en-US" dirty="0"/>
+              <a:t> &amp; \gate{H} &amp; \</a:t>
+            </a:r>
+            <a:r>
+              <a:rPr lang="en-US" dirty="0" err="1"/>
+              <a:t>qw</a:t>
+            </a:r>
+            <a:r>
+              <a:rPr lang="en-US" dirty="0"/>
+              <a:t> &amp; &amp; &amp; \ctrl{-1} &amp; \</a:t>
+            </a:r>
+            <a:r>
+              <a:rPr lang="en-US" dirty="0" err="1"/>
+              <a:t>qw</a:t>
+            </a:r>
+            <a:r>
+              <a:rPr lang="en-US" dirty="0"/>
+              <a:t> </a:t>
+            </a:r>
+          </a:p>
+          <a:p>
+            <a:r>
+              <a:rPr lang="en-US" dirty="0"/>
+              <a:t>} </a:t>
+            </a:r>
+          </a:p>
+        </p:txBody>
+      </p:sp>
+      <p:pic>
+        <p:nvPicPr>
+          <p:cNvPr id="6" name="Picture 5">
+            <a:extLst>
+              <a:ext uri="{FF2B5EF4-FFF2-40B4-BE49-F238E27FC236}">
+                <a16:creationId xmlns:a16="http://schemas.microsoft.com/office/drawing/2014/main" id="{7A05A891-A29C-4811-B09D-4A8E0E370998}"/>
+              </a:ext>
+            </a:extLst>
+          </p:cNvPr>
+          <p:cNvPicPr>
+            <a:picLocks noChangeAspect="1"/>
+          </p:cNvPicPr>
+          <p:nvPr/>
+        </p:nvPicPr>
+        <p:blipFill>
+          <a:blip r:embed="rId2"/>
+          <a:stretch>
+            <a:fillRect/>
+          </a:stretch>
+        </p:blipFill>
+        <p:spPr>
+          <a:xfrm>
+            <a:off x="5491162" y="2952750"/>
+            <a:ext cx="6467475" cy="3695700"/>
+          </a:xfrm>
+          <a:prstGeom prst="rect">
+            <a:avLst/>
+          </a:prstGeom>
+        </p:spPr>
+      </p:pic>
+    </p:spTree>
+    <p:extLst>
+      <p:ext uri="{BB962C8B-B14F-4D97-AF65-F5344CB8AC3E}">
+        <p14:creationId xmlns:p14="http://schemas.microsoft.com/office/powerpoint/2010/main" val="2489917508"/>
+      </p:ext>
+    </p:extLst>
+  </p:cSld>
+  <p:clrMapOvr>
+    <a:masterClrMapping/>
+  </p:clrMapOvr>
+</p:sld>
+</file>
+
+<file path=ppt/slides/slide6.xml><?xml version="1.0" encoding="utf-8"?>
+<p:sld xmlns:a="http://schemas.openxmlformats.org/drawingml/2006/main" xmlns:r="http://schemas.openxmlformats.org/officeDocument/2006/relationships" xmlns:p="http://schemas.openxmlformats.org/presentationml/2006/main">
+  <p:cSld>
+    <p:spTree>
+      <p:nvGrpSpPr>
+        <p:cNvPr id="1" name=""/>
+        <p:cNvGrpSpPr/>
+        <p:nvPr/>
+      </p:nvGrpSpPr>
+      <p:grpSpPr>
+        <a:xfrm>
+          <a:off x="0" y="0"/>
+          <a:ext cx="0" cy="0"/>
+          <a:chOff x="0" y="0"/>
+          <a:chExt cx="0" cy="0"/>
+        </a:xfrm>
+      </p:grpSpPr>
+      <p:sp>
+        <p:nvSpPr>
+          <p:cNvPr id="4" name="Rectangle 3">
+            <a:extLst>
+              <a:ext uri="{FF2B5EF4-FFF2-40B4-BE49-F238E27FC236}">
+                <a16:creationId xmlns:a16="http://schemas.microsoft.com/office/drawing/2014/main" id="{250D1B78-5E2A-4DBC-A90D-7CEA1EAEBCFC}"/>
+              </a:ext>
+            </a:extLst>
+          </p:cNvPr>
+          <p:cNvSpPr/>
+          <p:nvPr/>
+        </p:nvSpPr>
+        <p:spPr>
+          <a:xfrm>
+            <a:off x="4659429" y="1905337"/>
+            <a:ext cx="6096000" cy="2031325"/>
+          </a:xfrm>
+          <a:prstGeom prst="rect">
+            <a:avLst/>
+          </a:prstGeom>
+        </p:spPr>
+        <p:txBody>
+          <a:bodyPr>
+            <a:spAutoFit/>
+          </a:bodyPr>
+          <a:lstStyle/>
+          <a:p>
+            <a:r>
+              <a:rPr lang="en-US" dirty="0"/>
+              <a:t>\</a:t>
+            </a:r>
+            <a:r>
+              <a:rPr lang="en-US" dirty="0" err="1"/>
+              <a:t>usepackage</a:t>
+            </a:r>
+            <a:r>
+              <a:rPr lang="en-US" dirty="0"/>
+              <a:t>[bookmarks = true, </a:t>
+            </a:r>
+            <a:r>
+              <a:rPr lang="en-US" dirty="0" err="1"/>
+              <a:t>pdfpagemode</a:t>
+            </a:r>
+            <a:r>
+              <a:rPr lang="en-US" dirty="0"/>
+              <a:t> = None, </a:t>
+            </a:r>
+            <a:r>
+              <a:rPr lang="en-US" dirty="0" err="1"/>
+              <a:t>pdfstartview</a:t>
+            </a:r>
+            <a:r>
+              <a:rPr lang="en-US" dirty="0"/>
+              <a:t> = </a:t>
+            </a:r>
+            <a:r>
+              <a:rPr lang="en-US" dirty="0" err="1"/>
+              <a:t>FitH</a:t>
+            </a:r>
+            <a:r>
+              <a:rPr lang="en-US" dirty="0"/>
+              <a:t>, </a:t>
+            </a:r>
+            <a:r>
+              <a:rPr lang="en-US" dirty="0" err="1"/>
+              <a:t>colorlinks</a:t>
+            </a:r>
+            <a:r>
+              <a:rPr lang="en-US" dirty="0"/>
+              <a:t> = true, </a:t>
+            </a:r>
+            <a:r>
+              <a:rPr lang="en-US" dirty="0" err="1"/>
+              <a:t>urlcolor</a:t>
+            </a:r>
+            <a:r>
+              <a:rPr lang="en-US" dirty="0"/>
+              <a:t> = blue]{</a:t>
+            </a:r>
+            <a:r>
+              <a:rPr lang="en-US" dirty="0" err="1"/>
+              <a:t>hyperref</a:t>
+            </a:r>
+            <a:r>
+              <a:rPr lang="en-US" dirty="0"/>
+              <a:t>}</a:t>
+            </a:r>
+          </a:p>
+          <a:p>
+            <a:r>
+              <a:rPr lang="en-US" dirty="0"/>
+              <a:t>\</a:t>
+            </a:r>
+            <a:r>
+              <a:rPr lang="en-US" dirty="0" err="1"/>
+              <a:t>usepackage</a:t>
+            </a:r>
+            <a:r>
+              <a:rPr lang="en-US" dirty="0"/>
+              <a:t>[</a:t>
+            </a:r>
+            <a:r>
+              <a:rPr lang="en-US" dirty="0" err="1"/>
+              <a:t>braket</a:t>
+            </a:r>
+            <a:r>
+              <a:rPr lang="en-US" dirty="0"/>
+              <a:t>, </a:t>
+            </a:r>
+            <a:r>
+              <a:rPr lang="en-US" dirty="0" err="1"/>
+              <a:t>qm</a:t>
+            </a:r>
+            <a:r>
+              <a:rPr lang="en-US" dirty="0"/>
+              <a:t>]{</a:t>
+            </a:r>
+            <a:r>
+              <a:rPr lang="en-US" dirty="0" err="1"/>
+              <a:t>qcircuit</a:t>
+            </a:r>
+            <a:r>
+              <a:rPr lang="en-US" dirty="0"/>
+              <a:t>}</a:t>
+            </a:r>
+          </a:p>
+          <a:p>
+            <a:r>
+              <a:rPr lang="en-US" dirty="0"/>
+              <a:t>\</a:t>
+            </a:r>
+            <a:r>
+              <a:rPr lang="en-US" dirty="0" err="1"/>
+              <a:t>usepackage</a:t>
+            </a:r>
+            <a:r>
+              <a:rPr lang="en-US" dirty="0"/>
+              <a:t>{</a:t>
+            </a:r>
+            <a:r>
+              <a:rPr lang="en-US" dirty="0" err="1"/>
+              <a:t>amsmath</a:t>
+            </a:r>
+            <a:r>
+              <a:rPr lang="en-US" dirty="0"/>
+              <a:t>} </a:t>
+            </a:r>
+          </a:p>
+          <a:p>
+            <a:r>
+              <a:rPr lang="en-US" dirty="0"/>
+              <a:t>\</a:t>
+            </a:r>
+            <a:r>
+              <a:rPr lang="en-US" dirty="0" err="1"/>
+              <a:t>usepackage</a:t>
+            </a:r>
+            <a:r>
+              <a:rPr lang="en-US" dirty="0"/>
+              <a:t>{listings}</a:t>
+            </a:r>
+          </a:p>
+          <a:p>
+            <a:r>
+              <a:rPr lang="en-US" dirty="0"/>
+              <a:t>\</a:t>
+            </a:r>
+            <a:r>
+              <a:rPr lang="en-US" dirty="0" err="1"/>
+              <a:t>usepackage</a:t>
+            </a:r>
+            <a:r>
+              <a:rPr lang="en-US" dirty="0"/>
+              <a:t>{</a:t>
+            </a:r>
+            <a:r>
+              <a:rPr lang="en-US" dirty="0" err="1"/>
+              <a:t>braket</a:t>
+            </a:r>
+            <a:r>
+              <a:rPr lang="en-US" dirty="0"/>
+              <a:t>}</a:t>
+            </a:r>
+          </a:p>
+          <a:p>
+            <a:r>
+              <a:rPr lang="en-US" dirty="0"/>
+              <a:t>\</a:t>
+            </a:r>
+            <a:r>
+              <a:rPr lang="en-US" dirty="0" err="1"/>
+              <a:t>usepackage</a:t>
+            </a:r>
+            <a:r>
+              <a:rPr lang="en-US" dirty="0"/>
+              <a:t>{physics}</a:t>
+            </a:r>
+          </a:p>
+        </p:txBody>
+      </p:sp>
+      <p:sp>
+        <p:nvSpPr>
+          <p:cNvPr id="5" name="Rectangle 4">
+            <a:extLst>
+              <a:ext uri="{FF2B5EF4-FFF2-40B4-BE49-F238E27FC236}">
+                <a16:creationId xmlns:a16="http://schemas.microsoft.com/office/drawing/2014/main" id="{A0596267-4E2D-411B-9893-3FEB8CA85EA3}"/>
+              </a:ext>
+            </a:extLst>
+          </p:cNvPr>
+          <p:cNvSpPr/>
+          <p:nvPr/>
+        </p:nvSpPr>
+        <p:spPr>
+          <a:xfrm>
+            <a:off x="1322271" y="1021834"/>
+            <a:ext cx="3451458" cy="369332"/>
+          </a:xfrm>
+          <a:prstGeom prst="rect">
+            <a:avLst/>
+          </a:prstGeom>
+        </p:spPr>
+        <p:txBody>
+          <a:bodyPr wrap="none">
+            <a:spAutoFit/>
+          </a:bodyPr>
+          <a:lstStyle/>
+          <a:p>
+            <a:r>
+              <a:rPr lang="en-US" dirty="0"/>
+              <a:t>\bra{\Psi}\</a:t>
+            </a:r>
+            <a:r>
+              <a:rPr lang="en-US" dirty="0" err="1"/>
+              <a:t>ket</a:t>
+            </a:r>
+            <a:r>
+              <a:rPr lang="en-US" dirty="0"/>
+              <a:t>{\Psi} \</a:t>
+            </a:r>
+            <a:r>
+              <a:rPr lang="en-US" dirty="0" err="1"/>
+              <a:t>expval</a:t>
+            </a:r>
+            <a:r>
+              <a:rPr lang="en-US" dirty="0"/>
+              <a:t>{A}{\Psi}</a:t>
+            </a:r>
+          </a:p>
+        </p:txBody>
+      </p:sp>
+      <p:pic>
+        <p:nvPicPr>
+          <p:cNvPr id="1028" name="Picture 4">
+            <a:extLst>
+              <a:ext uri="{FF2B5EF4-FFF2-40B4-BE49-F238E27FC236}">
+                <a16:creationId xmlns:a16="http://schemas.microsoft.com/office/drawing/2014/main" id="{2C897CA8-5E40-4631-BF8E-ED7FAA162B1E}"/>
+              </a:ext>
+            </a:extLst>
+          </p:cNvPr>
+          <p:cNvPicPr>
+            <a:picLocks noChangeAspect="1" noChangeArrowheads="1"/>
+          </p:cNvPicPr>
+          <p:nvPr/>
+        </p:nvPicPr>
+        <p:blipFill>
+          <a:blip r:embed="rId2">
+            <a:extLst>
+              <a:ext uri="{28A0092B-C50C-407E-A947-70E740481C1C}">
+                <a14:useLocalDpi xmlns:a14="http://schemas.microsoft.com/office/drawing/2010/main" val="0"/>
+              </a:ext>
+            </a:extLst>
+          </a:blip>
+          <a:srcRect/>
+          <a:stretch>
+            <a:fillRect/>
+          </a:stretch>
+        </p:blipFill>
+        <p:spPr bwMode="auto">
+          <a:xfrm>
+            <a:off x="429938" y="4354511"/>
+            <a:ext cx="10411840" cy="1626850"/>
+          </a:xfrm>
+          <a:prstGeom prst="rect">
+            <a:avLst/>
+          </a:prstGeom>
+          <a:noFill/>
+          <a:ln>
+            <a:noFill/>
+          </a:ln>
+          <a:effectLst/>
+          <a:extLst>
+            <a:ext uri="{909E8E84-426E-40DD-AFC4-6F175D3DCCD1}">
+              <a14:hiddenFill xmlns:a14="http://schemas.microsoft.com/office/drawing/2010/main">
+                <a:solidFill>
+                  <a:schemeClr val="accent1"/>
+                </a:solidFill>
+              </a14:hiddenFill>
+            </a:ext>
+            <a:ext uri="{91240B29-F687-4F45-9708-019B960494DF}">
+              <a14:hiddenLine xmlns:a14="http://schemas.microsoft.com/office/drawing/2010/main" w="9525">
+                <a:solidFill>
+                  <a:schemeClr val="tx1"/>
+                </a:solidFill>
+                <a:miter lim="800000"/>
+                <a:headEnd/>
+                <a:tailEnd/>
+              </a14:hiddenLine>
+            </a:ext>
+            <a:ext uri="{AF507438-7753-43E0-B8FC-AC1667EBCBE1}">
+              <a14:hiddenEffects xmlns:a14="http://schemas.microsoft.com/office/drawing/2010/main">
+                <a:effectLst>
+                  <a:outerShdw dist="35921" dir="2700000" algn="ctr" rotWithShape="0">
+                    <a:schemeClr val="bg2"/>
+                  </a:outerShdw>
+                </a:effectLst>
+              </a14:hiddenEffects>
+            </a:ext>
+          </a:extLst>
+        </p:spPr>
+      </p:pic>
+    </p:spTree>
+    <p:extLst>
+      <p:ext uri="{BB962C8B-B14F-4D97-AF65-F5344CB8AC3E}">
+        <p14:creationId xmlns:p14="http://schemas.microsoft.com/office/powerpoint/2010/main" val="1285289488"/>
       </p:ext>
     </p:extLst>
   </p:cSld>

--- a/slides/lecture temple.pptx
+++ b/slides/lecture temple.pptx
@@ -176,7 +176,7 @@
           </a:lstStyle>
           <a:p>
             <a:r>
-              <a:rPr lang="en-US"/>
+              <a:rPr lang="en-US" dirty="0"/>
               <a:t>Click to edit Master title style</a:t>
             </a:r>
           </a:p>
@@ -535,10 +535,10 @@
       </p:sp>
       <p:pic>
         <p:nvPicPr>
-          <p:cNvPr id="7" name="Picture 6">
-            <a:extLst>
-              <a:ext uri="{FF2B5EF4-FFF2-40B4-BE49-F238E27FC236}">
-                <a16:creationId xmlns:a16="http://schemas.microsoft.com/office/drawing/2014/main" id="{D2C422FC-08B6-452A-BA51-A5F46184B8DB}"/>
+          <p:cNvPr id="8" name="Picture 7">
+            <a:extLst>
+              <a:ext uri="{FF2B5EF4-FFF2-40B4-BE49-F238E27FC236}">
+                <a16:creationId xmlns:a16="http://schemas.microsoft.com/office/drawing/2014/main" id="{B83A2645-CB77-46FD-B136-83691072F7A3}"/>
               </a:ext>
             </a:extLst>
           </p:cNvPr>
@@ -561,8 +561,8 @@
         </p:blipFill>
         <p:spPr>
           <a:xfrm>
-            <a:off x="200787" y="6474132"/>
-            <a:ext cx="817626" cy="247343"/>
+            <a:off x="162961" y="6415655"/>
+            <a:ext cx="1023043" cy="306166"/>
           </a:xfrm>
           <a:prstGeom prst="rect">
             <a:avLst/>
@@ -779,10 +779,10 @@
       </p:sp>
       <p:pic>
         <p:nvPicPr>
-          <p:cNvPr id="7" name="Picture 6">
-            <a:extLst>
-              <a:ext uri="{FF2B5EF4-FFF2-40B4-BE49-F238E27FC236}">
-                <a16:creationId xmlns:a16="http://schemas.microsoft.com/office/drawing/2014/main" id="{E54D16F8-CA80-48AC-A445-D3EF171A19E5}"/>
+          <p:cNvPr id="8" name="Picture 7">
+            <a:extLst>
+              <a:ext uri="{FF2B5EF4-FFF2-40B4-BE49-F238E27FC236}">
+                <a16:creationId xmlns:a16="http://schemas.microsoft.com/office/drawing/2014/main" id="{138B8AFB-3BA8-423C-A938-3BF8C281DAEE}"/>
               </a:ext>
             </a:extLst>
           </p:cNvPr>
@@ -805,8 +805,8 @@
         </p:blipFill>
         <p:spPr>
           <a:xfrm>
-            <a:off x="200787" y="6474132"/>
-            <a:ext cx="817626" cy="247343"/>
+            <a:off x="162961" y="6415655"/>
+            <a:ext cx="1023043" cy="306166"/>
           </a:xfrm>
           <a:prstGeom prst="rect">
             <a:avLst/>
@@ -1021,10 +1021,10 @@
       </p:sp>
       <p:pic>
         <p:nvPicPr>
-          <p:cNvPr id="7" name="Picture 6">
-            <a:extLst>
-              <a:ext uri="{FF2B5EF4-FFF2-40B4-BE49-F238E27FC236}">
-                <a16:creationId xmlns:a16="http://schemas.microsoft.com/office/drawing/2014/main" id="{A131589A-67D1-49C9-A0AC-3548673CF6D7}"/>
+          <p:cNvPr id="8" name="Picture 7">
+            <a:extLst>
+              <a:ext uri="{FF2B5EF4-FFF2-40B4-BE49-F238E27FC236}">
+                <a16:creationId xmlns:a16="http://schemas.microsoft.com/office/drawing/2014/main" id="{89186566-EFE0-442D-8D8B-6368D02B5A8C}"/>
               </a:ext>
             </a:extLst>
           </p:cNvPr>
@@ -1047,8 +1047,8 @@
         </p:blipFill>
         <p:spPr>
           <a:xfrm>
-            <a:off x="200787" y="6474132"/>
-            <a:ext cx="817626" cy="247343"/>
+            <a:off x="162961" y="6415655"/>
+            <a:ext cx="1023043" cy="306166"/>
           </a:xfrm>
           <a:prstGeom prst="rect">
             <a:avLst/>
@@ -1334,10 +1334,10 @@
       </p:sp>
       <p:pic>
         <p:nvPicPr>
-          <p:cNvPr id="9" name="Picture 8">
-            <a:extLst>
-              <a:ext uri="{FF2B5EF4-FFF2-40B4-BE49-F238E27FC236}">
-                <a16:creationId xmlns:a16="http://schemas.microsoft.com/office/drawing/2014/main" id="{ED7DD205-94F7-4372-B0AE-C207DFB49A25}"/>
+          <p:cNvPr id="8" name="Picture 7">
+            <a:extLst>
+              <a:ext uri="{FF2B5EF4-FFF2-40B4-BE49-F238E27FC236}">
+                <a16:creationId xmlns:a16="http://schemas.microsoft.com/office/drawing/2014/main" id="{901BF9E8-0289-47A3-A698-FF1C960B5F08}"/>
               </a:ext>
             </a:extLst>
           </p:cNvPr>
@@ -1360,8 +1360,8 @@
         </p:blipFill>
         <p:spPr>
           <a:xfrm>
-            <a:off x="200787" y="6474132"/>
-            <a:ext cx="817626" cy="247343"/>
+            <a:off x="162961" y="6415655"/>
+            <a:ext cx="1023043" cy="306166"/>
           </a:xfrm>
           <a:prstGeom prst="rect">
             <a:avLst/>
@@ -1643,10 +1643,10 @@
       </p:sp>
       <p:pic>
         <p:nvPicPr>
-          <p:cNvPr id="8" name="Picture 7">
-            <a:extLst>
-              <a:ext uri="{FF2B5EF4-FFF2-40B4-BE49-F238E27FC236}">
-                <a16:creationId xmlns:a16="http://schemas.microsoft.com/office/drawing/2014/main" id="{BC3DEA14-4D02-4BB0-BCFE-B4CD6050D9D7}"/>
+          <p:cNvPr id="9" name="Picture 8">
+            <a:extLst>
+              <a:ext uri="{FF2B5EF4-FFF2-40B4-BE49-F238E27FC236}">
+                <a16:creationId xmlns:a16="http://schemas.microsoft.com/office/drawing/2014/main" id="{A09A4684-CE62-4A0C-B3C1-54701BA3672D}"/>
               </a:ext>
             </a:extLst>
           </p:cNvPr>
@@ -1669,8 +1669,8 @@
         </p:blipFill>
         <p:spPr>
           <a:xfrm>
-            <a:off x="200787" y="6474132"/>
-            <a:ext cx="817626" cy="247343"/>
+            <a:off x="162961" y="6415655"/>
+            <a:ext cx="1023043" cy="306166"/>
           </a:xfrm>
           <a:prstGeom prst="rect">
             <a:avLst/>
@@ -2099,10 +2099,10 @@
       </p:sp>
       <p:pic>
         <p:nvPicPr>
-          <p:cNvPr id="10" name="Picture 9">
-            <a:extLst>
-              <a:ext uri="{FF2B5EF4-FFF2-40B4-BE49-F238E27FC236}">
-                <a16:creationId xmlns:a16="http://schemas.microsoft.com/office/drawing/2014/main" id="{F3A8AEAD-C2AA-4424-AFA5-86C6DFF54CA2}"/>
+          <p:cNvPr id="11" name="Picture 10">
+            <a:extLst>
+              <a:ext uri="{FF2B5EF4-FFF2-40B4-BE49-F238E27FC236}">
+                <a16:creationId xmlns:a16="http://schemas.microsoft.com/office/drawing/2014/main" id="{9B1FF6CE-1F62-4D5F-9F9F-3CDEBFF1DAB4}"/>
               </a:ext>
             </a:extLst>
           </p:cNvPr>
@@ -2125,8 +2125,8 @@
         </p:blipFill>
         <p:spPr>
           <a:xfrm>
-            <a:off x="200787" y="6474132"/>
-            <a:ext cx="817626" cy="247343"/>
+            <a:off x="162961" y="6415655"/>
+            <a:ext cx="1023043" cy="306166"/>
           </a:xfrm>
           <a:prstGeom prst="rect">
             <a:avLst/>
@@ -2284,10 +2284,10 @@
       </p:sp>
       <p:pic>
         <p:nvPicPr>
-          <p:cNvPr id="6" name="Picture 5">
-            <a:extLst>
-              <a:ext uri="{FF2B5EF4-FFF2-40B4-BE49-F238E27FC236}">
-                <a16:creationId xmlns:a16="http://schemas.microsoft.com/office/drawing/2014/main" id="{ADBAF6B2-EB33-4A9E-9DC1-7590EE792F65}"/>
+          <p:cNvPr id="8" name="Picture 7">
+            <a:extLst>
+              <a:ext uri="{FF2B5EF4-FFF2-40B4-BE49-F238E27FC236}">
+                <a16:creationId xmlns:a16="http://schemas.microsoft.com/office/drawing/2014/main" id="{F640B2A6-B3E2-4359-A377-EA274F2BBC2C}"/>
               </a:ext>
             </a:extLst>
           </p:cNvPr>
@@ -2310,8 +2310,8 @@
         </p:blipFill>
         <p:spPr>
           <a:xfrm>
-            <a:off x="200787" y="6474132"/>
-            <a:ext cx="817626" cy="247343"/>
+            <a:off x="162961" y="6415655"/>
+            <a:ext cx="1023043" cy="306166"/>
           </a:xfrm>
           <a:prstGeom prst="rect">
             <a:avLst/>
@@ -2433,10 +2433,10 @@
       </p:sp>
       <p:pic>
         <p:nvPicPr>
-          <p:cNvPr id="5" name="Picture 4">
-            <a:extLst>
-              <a:ext uri="{FF2B5EF4-FFF2-40B4-BE49-F238E27FC236}">
-                <a16:creationId xmlns:a16="http://schemas.microsoft.com/office/drawing/2014/main" id="{73032169-6E29-4477-ABD2-EDFA37A4D0CD}"/>
+          <p:cNvPr id="7" name="Picture 6">
+            <a:extLst>
+              <a:ext uri="{FF2B5EF4-FFF2-40B4-BE49-F238E27FC236}">
+                <a16:creationId xmlns:a16="http://schemas.microsoft.com/office/drawing/2014/main" id="{EFFB635B-0AC1-4396-B87A-A85B446759BC}"/>
               </a:ext>
             </a:extLst>
           </p:cNvPr>
@@ -2459,8 +2459,8 @@
         </p:blipFill>
         <p:spPr>
           <a:xfrm>
-            <a:off x="200787" y="6474132"/>
-            <a:ext cx="817626" cy="247343"/>
+            <a:off x="162961" y="6415655"/>
+            <a:ext cx="1023043" cy="306166"/>
           </a:xfrm>
           <a:prstGeom prst="rect">
             <a:avLst/>
@@ -2780,10 +2780,10 @@
       </p:sp>
       <p:pic>
         <p:nvPicPr>
-          <p:cNvPr id="8" name="Picture 7">
-            <a:extLst>
-              <a:ext uri="{FF2B5EF4-FFF2-40B4-BE49-F238E27FC236}">
-                <a16:creationId xmlns:a16="http://schemas.microsoft.com/office/drawing/2014/main" id="{4EC4F557-3C2E-4511-825B-F7A5FBACB9C1}"/>
+          <p:cNvPr id="9" name="Picture 8">
+            <a:extLst>
+              <a:ext uri="{FF2B5EF4-FFF2-40B4-BE49-F238E27FC236}">
+                <a16:creationId xmlns:a16="http://schemas.microsoft.com/office/drawing/2014/main" id="{2C5642B8-070B-4CFF-8C1F-1E809EE92A4B}"/>
               </a:ext>
             </a:extLst>
           </p:cNvPr>
@@ -2806,8 +2806,8 @@
         </p:blipFill>
         <p:spPr>
           <a:xfrm>
-            <a:off x="200787" y="6474132"/>
-            <a:ext cx="817626" cy="247343"/>
+            <a:off x="162961" y="6415655"/>
+            <a:ext cx="1023043" cy="306166"/>
           </a:xfrm>
           <a:prstGeom prst="rect">
             <a:avLst/>
@@ -3104,10 +3104,10 @@
       </p:sp>
       <p:pic>
         <p:nvPicPr>
-          <p:cNvPr id="8" name="Picture 7">
-            <a:extLst>
-              <a:ext uri="{FF2B5EF4-FFF2-40B4-BE49-F238E27FC236}">
-                <a16:creationId xmlns:a16="http://schemas.microsoft.com/office/drawing/2014/main" id="{39FFE875-ACFC-4229-B883-7BDA3E6C428C}"/>
+          <p:cNvPr id="9" name="Picture 8">
+            <a:extLst>
+              <a:ext uri="{FF2B5EF4-FFF2-40B4-BE49-F238E27FC236}">
+                <a16:creationId xmlns:a16="http://schemas.microsoft.com/office/drawing/2014/main" id="{6FB09310-3365-4271-8494-6E46EA125D60}"/>
               </a:ext>
             </a:extLst>
           </p:cNvPr>
@@ -3130,8 +3130,8 @@
         </p:blipFill>
         <p:spPr>
           <a:xfrm>
-            <a:off x="200787" y="6474132"/>
-            <a:ext cx="817626" cy="247343"/>
+            <a:off x="162961" y="6415655"/>
+            <a:ext cx="1023043" cy="306166"/>
           </a:xfrm>
           <a:prstGeom prst="rect">
             <a:avLst/>
@@ -3415,6 +3415,42 @@
           </a:p>
         </p:txBody>
       </p:sp>
+      <p:pic>
+        <p:nvPicPr>
+          <p:cNvPr id="7" name="Picture 6">
+            <a:extLst>
+              <a:ext uri="{FF2B5EF4-FFF2-40B4-BE49-F238E27FC236}">
+                <a16:creationId xmlns:a16="http://schemas.microsoft.com/office/drawing/2014/main" id="{E0D60DB6-331A-4468-B902-D1A92F0C9E00}"/>
+              </a:ext>
+            </a:extLst>
+          </p:cNvPr>
+          <p:cNvPicPr>
+            <a:picLocks noChangeAspect="1"/>
+          </p:cNvPicPr>
+          <p:nvPr userDrawn="1"/>
+        </p:nvPicPr>
+        <p:blipFill>
+          <a:blip r:embed="rId13">
+            <a:extLst>
+              <a:ext uri="{28A0092B-C50C-407E-A947-70E740481C1C}">
+                <a14:useLocalDpi xmlns:a14="http://schemas.microsoft.com/office/drawing/2010/main" val="0"/>
+              </a:ext>
+            </a:extLst>
+          </a:blip>
+          <a:stretch>
+            <a:fillRect/>
+          </a:stretch>
+        </p:blipFill>
+        <p:spPr>
+          <a:xfrm>
+            <a:off x="162961" y="6415655"/>
+            <a:ext cx="1023043" cy="306166"/>
+          </a:xfrm>
+          <a:prstGeom prst="rect">
+            <a:avLst/>
+          </a:prstGeom>
+        </p:spPr>
+      </p:pic>
     </p:spTree>
     <p:extLst>
       <p:ext uri="{BB962C8B-B14F-4D97-AF65-F5344CB8AC3E}">
@@ -3736,8 +3772,8 @@
           <a:chExt cx="0" cy="0"/>
         </a:xfrm>
       </p:grpSpPr>
-      <mc:AlternateContent xmlns:mc="http://schemas.openxmlformats.org/markup-compatibility/2006">
-        <mc:Choice xmlns:a14="http://schemas.microsoft.com/office/drawing/2010/main" Requires="a14">
+      <mc:AlternateContent xmlns:mc="http://schemas.openxmlformats.org/markup-compatibility/2006" xmlns:a14="http://schemas.microsoft.com/office/drawing/2010/main">
+        <mc:Choice Requires="a14">
           <p:sp>
             <p:nvSpPr>
               <p:cNvPr id="2" name="Title 1">
@@ -3834,7 +3870,7 @@
             </p:txBody>
           </p:sp>
         </mc:Choice>
-        <mc:Fallback>
+        <mc:Fallback xmlns="">
           <p:sp>
             <p:nvSpPr>
               <p:cNvPr id="2" name="Title 1">
@@ -3916,64 +3952,136 @@
               <a:rPr lang="en-US" sz="3200" dirty="0"/>
               <a:t>(Quantum Computing &amp; Quantum Machine Learning)</a:t>
             </a:r>
-            <a:br>
+          </a:p>
+          <a:p>
+            <a:endParaRPr lang="en-US" sz="3200" dirty="0"/>
+          </a:p>
+          <a:p>
+            <a:r>
+              <a:rPr lang="en-US" sz="5400" b="1" dirty="0"/>
+              <a:t>Yossi Eliaz</a:t>
+            </a:r>
+          </a:p>
+          <a:p>
+            <a:endParaRPr lang="en-US" sz="3200" dirty="0"/>
+          </a:p>
+          <a:p>
+            <a:r>
               <a:rPr lang="en-US" sz="3200" dirty="0"/>
-            </a:br>
-            <a:endParaRPr lang="en-US" sz="3200" dirty="0"/>
-          </a:p>
-          <a:p>
-            <a:endParaRPr lang="en-US" sz="3200" dirty="0"/>
-          </a:p>
-          <a:p>
-            <a:endParaRPr lang="en-US" sz="3200" dirty="0"/>
-          </a:p>
-          <a:p>
-            <a:endParaRPr lang="en-US" sz="3200" dirty="0"/>
-          </a:p>
-          <a:p>
-            <a:r>
-              <a:rPr lang="en-US" sz="3200" b="1" dirty="0"/>
               <a:t>March 2020</a:t>
             </a:r>
           </a:p>
         </p:txBody>
       </p:sp>
-      <p:pic>
-        <p:nvPicPr>
-          <p:cNvPr id="8" name="Picture 7">
-            <a:extLst>
-              <a:ext uri="{FF2B5EF4-FFF2-40B4-BE49-F238E27FC236}">
-                <a16:creationId xmlns:a16="http://schemas.microsoft.com/office/drawing/2014/main" id="{458EDF1B-2298-4801-9C7B-85E8E72F386D}"/>
-              </a:ext>
-            </a:extLst>
-          </p:cNvPr>
-          <p:cNvPicPr>
-            <a:picLocks noChangeAspect="1"/>
-          </p:cNvPicPr>
+      <p:grpSp>
+        <p:nvGrpSpPr>
+          <p:cNvPr id="9" name="Group 8">
+            <a:extLst>
+              <a:ext uri="{FF2B5EF4-FFF2-40B4-BE49-F238E27FC236}">
+                <a16:creationId xmlns:a16="http://schemas.microsoft.com/office/drawing/2014/main" id="{0962CC4E-DC0A-47A3-9CAF-A4C57ED67262}"/>
+              </a:ext>
+            </a:extLst>
+          </p:cNvPr>
+          <p:cNvGrpSpPr/>
           <p:nvPr/>
-        </p:nvPicPr>
-        <p:blipFill>
-          <a:blip r:embed="rId3">
-            <a:extLst>
-              <a:ext uri="{28A0092B-C50C-407E-A947-70E740481C1C}">
-                <a14:useLocalDpi xmlns:a14="http://schemas.microsoft.com/office/drawing/2010/main" val="0"/>
-              </a:ext>
-            </a:extLst>
-          </a:blip>
-          <a:stretch>
-            <a:fillRect/>
-          </a:stretch>
-        </p:blipFill>
-        <p:spPr>
+        </p:nvGrpSpPr>
+        <p:grpSpPr>
           <a:xfrm>
-            <a:off x="4216908" y="4149284"/>
-            <a:ext cx="3758184" cy="1136904"/>
+            <a:off x="64008" y="5696712"/>
+            <a:ext cx="2907792" cy="1161288"/>
+            <a:chOff x="64008" y="5696712"/>
+            <a:chExt cx="2907792" cy="1161288"/>
           </a:xfrm>
-          <a:prstGeom prst="rect">
-            <a:avLst/>
-          </a:prstGeom>
-        </p:spPr>
-      </p:pic>
+        </p:grpSpPr>
+        <p:sp>
+          <p:nvSpPr>
+            <p:cNvPr id="6" name="Rectangle 5">
+              <a:extLst>
+                <a:ext uri="{FF2B5EF4-FFF2-40B4-BE49-F238E27FC236}">
+                  <a16:creationId xmlns:a16="http://schemas.microsoft.com/office/drawing/2014/main" id="{45326744-4903-4AF2-B1A3-9756CE08A55C}"/>
+                </a:ext>
+              </a:extLst>
+            </p:cNvPr>
+            <p:cNvSpPr/>
+            <p:nvPr/>
+          </p:nvSpPr>
+          <p:spPr>
+            <a:xfrm>
+              <a:off x="64008" y="5696712"/>
+              <a:ext cx="2907792" cy="1161288"/>
+            </a:xfrm>
+            <a:prstGeom prst="rect">
+              <a:avLst/>
+            </a:prstGeom>
+            <a:solidFill>
+              <a:schemeClr val="bg1"/>
+            </a:solidFill>
+            <a:ln>
+              <a:solidFill>
+                <a:schemeClr val="bg1"/>
+              </a:solidFill>
+            </a:ln>
+          </p:spPr>
+          <p:style>
+            <a:lnRef idx="2">
+              <a:schemeClr val="dk1"/>
+            </a:lnRef>
+            <a:fillRef idx="1">
+              <a:schemeClr val="lt1"/>
+            </a:fillRef>
+            <a:effectRef idx="0">
+              <a:schemeClr val="dk1"/>
+            </a:effectRef>
+            <a:fontRef idx="minor">
+              <a:schemeClr val="dk1"/>
+            </a:fontRef>
+          </p:style>
+          <p:txBody>
+            <a:bodyPr rtlCol="0" anchor="ctr"/>
+            <a:lstStyle/>
+            <a:p>
+              <a:pPr algn="ctr"/>
+              <a:endParaRPr lang="en-US"/>
+            </a:p>
+          </p:txBody>
+        </p:sp>
+        <p:pic>
+          <p:nvPicPr>
+            <p:cNvPr id="7" name="Picture 6">
+              <a:extLst>
+                <a:ext uri="{FF2B5EF4-FFF2-40B4-BE49-F238E27FC236}">
+                  <a16:creationId xmlns:a16="http://schemas.microsoft.com/office/drawing/2014/main" id="{105CC48F-526B-4B5A-B4CA-20DF3CC40FC0}"/>
+                </a:ext>
+              </a:extLst>
+            </p:cNvPr>
+            <p:cNvPicPr>
+              <a:picLocks noChangeAspect="1"/>
+            </p:cNvPicPr>
+            <p:nvPr/>
+          </p:nvPicPr>
+          <p:blipFill>
+            <a:blip r:embed="rId3">
+              <a:extLst>
+                <a:ext uri="{28A0092B-C50C-407E-A947-70E740481C1C}">
+                  <a14:useLocalDpi xmlns:a14="http://schemas.microsoft.com/office/drawing/2010/main" val="0"/>
+                </a:ext>
+              </a:extLst>
+            </a:blip>
+            <a:stretch>
+              <a:fillRect/>
+            </a:stretch>
+          </p:blipFill>
+          <p:spPr>
+            <a:xfrm>
+              <a:off x="370476" y="5868480"/>
+              <a:ext cx="2294855" cy="686781"/>
+            </a:xfrm>
+            <a:prstGeom prst="rect">
+              <a:avLst/>
+            </a:prstGeom>
+          </p:spPr>
+        </p:pic>
+      </p:grpSp>
     </p:spTree>
     <p:extLst>
       <p:ext uri="{BB962C8B-B14F-4D97-AF65-F5344CB8AC3E}">

--- a/slides/lecture temple.pptx
+++ b/slides/lecture temple.pptx
@@ -7,10 +7,21 @@
   <p:sldIdLst>
     <p:sldId id="256" r:id="rId2"/>
     <p:sldId id="258" r:id="rId3"/>
-    <p:sldId id="259" r:id="rId4"/>
-    <p:sldId id="257" r:id="rId5"/>
-    <p:sldId id="260" r:id="rId6"/>
-    <p:sldId id="261" r:id="rId7"/>
+    <p:sldId id="262" r:id="rId4"/>
+    <p:sldId id="263" r:id="rId5"/>
+    <p:sldId id="264" r:id="rId6"/>
+    <p:sldId id="265" r:id="rId7"/>
+    <p:sldId id="266" r:id="rId8"/>
+    <p:sldId id="267" r:id="rId9"/>
+    <p:sldId id="269" r:id="rId10"/>
+    <p:sldId id="270" r:id="rId11"/>
+    <p:sldId id="271" r:id="rId12"/>
+    <p:sldId id="272" r:id="rId13"/>
+    <p:sldId id="273" r:id="rId14"/>
+    <p:sldId id="259" r:id="rId15"/>
+    <p:sldId id="268" r:id="rId16"/>
+    <p:sldId id="260" r:id="rId17"/>
+    <p:sldId id="261" r:id="rId18"/>
   </p:sldIdLst>
   <p:sldSz cx="12192000" cy="6858000"/>
   <p:notesSz cx="6858000" cy="9144000"/>
@@ -117,7 +128,7 @@
             <a:srgbClr val="A4A3A4"/>
           </p15:clr>
         </p15:guide>
-        <p15:guide id="2" pos="3840" userDrawn="1">
+        <p15:guide id="2" pos="3864" userDrawn="1">
           <p15:clr>
             <a:srgbClr val="A4A3A4"/>
           </p15:clr>
@@ -275,7 +286,7 @@
           <a:p>
             <a:fld id="{B0B39031-006E-422F-B802-1299714394F9}" type="datetimeFigureOut">
               <a:rPr lang="en-US" smtClean="0"/>
-              <a:t>3/15/2020</a:t>
+              <a:t>3/16/2020</a:t>
             </a:fld>
             <a:endParaRPr lang="en-US"/>
           </a:p>
@@ -473,7 +484,7 @@
           <a:p>
             <a:fld id="{B0B39031-006E-422F-B802-1299714394F9}" type="datetimeFigureOut">
               <a:rPr lang="en-US" smtClean="0"/>
-              <a:t>3/15/2020</a:t>
+              <a:t>3/16/2020</a:t>
             </a:fld>
             <a:endParaRPr lang="en-US"/>
           </a:p>
@@ -717,7 +728,7 @@
           <a:p>
             <a:fld id="{B0B39031-006E-422F-B802-1299714394F9}" type="datetimeFigureOut">
               <a:rPr lang="en-US" smtClean="0"/>
-              <a:t>3/15/2020</a:t>
+              <a:t>3/16/2020</a:t>
             </a:fld>
             <a:endParaRPr lang="en-US"/>
           </a:p>
@@ -959,7 +970,7 @@
           <a:p>
             <a:fld id="{B0B39031-006E-422F-B802-1299714394F9}" type="datetimeFigureOut">
               <a:rPr lang="en-US" smtClean="0"/>
-              <a:t>3/15/2020</a:t>
+              <a:t>3/16/2020</a:t>
             </a:fld>
             <a:endParaRPr lang="en-US"/>
           </a:p>
@@ -1272,7 +1283,7 @@
           <a:p>
             <a:fld id="{B0B39031-006E-422F-B802-1299714394F9}" type="datetimeFigureOut">
               <a:rPr lang="en-US" smtClean="0"/>
-              <a:t>3/15/2020</a:t>
+              <a:t>3/16/2020</a:t>
             </a:fld>
             <a:endParaRPr lang="en-US"/>
           </a:p>
@@ -1581,7 +1592,7 @@
           <a:p>
             <a:fld id="{B0B39031-006E-422F-B802-1299714394F9}" type="datetimeFigureOut">
               <a:rPr lang="en-US" smtClean="0"/>
-              <a:t>3/15/2020</a:t>
+              <a:t>3/16/2020</a:t>
             </a:fld>
             <a:endParaRPr lang="en-US"/>
           </a:p>
@@ -2037,7 +2048,7 @@
           <a:p>
             <a:fld id="{B0B39031-006E-422F-B802-1299714394F9}" type="datetimeFigureOut">
               <a:rPr lang="en-US" smtClean="0"/>
-              <a:t>3/15/2020</a:t>
+              <a:t>3/16/2020</a:t>
             </a:fld>
             <a:endParaRPr lang="en-US"/>
           </a:p>
@@ -2222,7 +2233,7 @@
           <a:p>
             <a:fld id="{B0B39031-006E-422F-B802-1299714394F9}" type="datetimeFigureOut">
               <a:rPr lang="en-US" smtClean="0"/>
-              <a:t>3/15/2020</a:t>
+              <a:t>3/16/2020</a:t>
             </a:fld>
             <a:endParaRPr lang="en-US"/>
           </a:p>
@@ -2371,7 +2382,7 @@
           <a:p>
             <a:fld id="{B0B39031-006E-422F-B802-1299714394F9}" type="datetimeFigureOut">
               <a:rPr lang="en-US" smtClean="0"/>
-              <a:t>3/15/2020</a:t>
+              <a:t>3/16/2020</a:t>
             </a:fld>
             <a:endParaRPr lang="en-US"/>
           </a:p>
@@ -2718,7 +2729,7 @@
           <a:p>
             <a:fld id="{B0B39031-006E-422F-B802-1299714394F9}" type="datetimeFigureOut">
               <a:rPr lang="en-US" smtClean="0"/>
-              <a:t>3/15/2020</a:t>
+              <a:t>3/16/2020</a:t>
             </a:fld>
             <a:endParaRPr lang="en-US"/>
           </a:p>
@@ -3042,7 +3053,7 @@
           <a:p>
             <a:fld id="{B0B39031-006E-422F-B802-1299714394F9}" type="datetimeFigureOut">
               <a:rPr lang="en-US" smtClean="0"/>
-              <a:t>3/15/2020</a:t>
+              <a:t>3/16/2020</a:t>
             </a:fld>
             <a:endParaRPr lang="en-US"/>
           </a:p>
@@ -3319,7 +3330,7 @@
           <a:p>
             <a:fld id="{B0B39031-006E-422F-B802-1299714394F9}" type="datetimeFigureOut">
               <a:rPr lang="en-US" smtClean="0"/>
-              <a:t>3/15/2020</a:t>
+              <a:t>3/16/2020</a:t>
             </a:fld>
             <a:endParaRPr lang="en-US"/>
           </a:p>
@@ -3932,7 +3943,7 @@
         </p:nvSpPr>
         <p:spPr>
           <a:xfrm>
-            <a:off x="64008" y="2479749"/>
+            <a:off x="0" y="2479749"/>
             <a:ext cx="12192000" cy="1655762"/>
           </a:xfrm>
         </p:spPr>
@@ -3958,7 +3969,7 @@
           </a:p>
           <a:p>
             <a:r>
-              <a:rPr lang="en-US" sz="5400" b="1" dirty="0"/>
+              <a:rPr lang="en-US" sz="4800" b="1" dirty="0"/>
               <a:t>Yossi Eliaz</a:t>
             </a:r>
           </a:p>
@@ -4095,7 +4106,7 @@
 </p:sld>
 </file>
 
-<file path=ppt/slides/slide2.xml><?xml version="1.0" encoding="utf-8"?>
+<file path=ppt/slides/slide10.xml><?xml version="1.0" encoding="utf-8"?>
 <p:sld xmlns:a="http://schemas.openxmlformats.org/drawingml/2006/main" xmlns:r="http://schemas.openxmlformats.org/officeDocument/2006/relationships" xmlns:p="http://schemas.openxmlformats.org/presentationml/2006/main">
   <p:cSld>
     <p:spTree>
@@ -4117,7 +4128,7 @@
           <p:cNvPr id="2" name="Title 1">
             <a:extLst>
               <a:ext uri="{FF2B5EF4-FFF2-40B4-BE49-F238E27FC236}">
-                <a16:creationId xmlns:a16="http://schemas.microsoft.com/office/drawing/2014/main" id="{9DF96EDE-0F1D-4C19-A7B8-B0EBCCFE4B62}"/>
+                <a16:creationId xmlns:a16="http://schemas.microsoft.com/office/drawing/2014/main" id="{466F8231-FB16-4CD0-86A7-766C857140F7}"/>
               </a:ext>
             </a:extLst>
           </p:cNvPr>
@@ -4135,7 +4146,7 @@
           <a:p>
             <a:r>
               <a:rPr lang="en-US" dirty="0"/>
-              <a:t>Plan	</a:t>
+              <a:t>History of computational physics and chemistry </a:t>
             </a:r>
           </a:p>
         </p:txBody>
@@ -4145,7 +4156,1627 @@
           <p:cNvPr id="3" name="Content Placeholder 2">
             <a:extLst>
               <a:ext uri="{FF2B5EF4-FFF2-40B4-BE49-F238E27FC236}">
-                <a16:creationId xmlns:a16="http://schemas.microsoft.com/office/drawing/2014/main" id="{94CA94A1-F0DC-4695-B42A-29617D5AD6EF}"/>
+                <a16:creationId xmlns:a16="http://schemas.microsoft.com/office/drawing/2014/main" id="{059805B0-6BF4-4CF2-AC11-6240FCA27E2A}"/>
+              </a:ext>
+            </a:extLst>
+          </p:cNvPr>
+          <p:cNvSpPr>
+            <a:spLocks noGrp="1"/>
+          </p:cNvSpPr>
+          <p:nvPr>
+            <p:ph idx="1"/>
+          </p:nvPr>
+        </p:nvSpPr>
+        <p:spPr>
+          <a:xfrm>
+            <a:off x="838200" y="1825625"/>
+            <a:ext cx="9347200" cy="4351338"/>
+          </a:xfrm>
+        </p:spPr>
+        <p:txBody>
+          <a:bodyPr/>
+          <a:lstStyle/>
+          <a:p>
+            <a:r>
+              <a:rPr lang="en-US" dirty="0"/>
+              <a:t>1975: Michael Levitt &amp; </a:t>
+            </a:r>
+            <a:r>
+              <a:rPr lang="en-US" dirty="0" err="1"/>
+              <a:t>Arieh</a:t>
+            </a:r>
+            <a:r>
+              <a:rPr lang="en-US" dirty="0"/>
+              <a:t> </a:t>
+            </a:r>
+            <a:r>
+              <a:rPr lang="en-US" dirty="0" err="1"/>
+              <a:t>Warshel</a:t>
+            </a:r>
+            <a:r>
+              <a:rPr lang="en-US" dirty="0"/>
+              <a:t> published in Nature:</a:t>
+            </a:r>
+          </a:p>
+          <a:p>
+            <a:pPr marL="0" indent="0" algn="ctr">
+              <a:buNone/>
+            </a:pPr>
+            <a:r>
+              <a:rPr lang="en-US" i="1" dirty="0"/>
+              <a:t>“Computer simulation of protein folding”</a:t>
+            </a:r>
+          </a:p>
+          <a:p>
+            <a:r>
+              <a:rPr lang="en-US" dirty="0"/>
+              <a:t>1979: Paul Benioff submit the paper:</a:t>
+            </a:r>
+          </a:p>
+          <a:p>
+            <a:pPr marL="0" indent="0" algn="ctr">
+              <a:buNone/>
+            </a:pPr>
+            <a:r>
+              <a:rPr lang="en-US" i="1" dirty="0"/>
+              <a:t>“The computer as a physical system: A microscopic quantum mechanical Hamiltonian model of computers as represented by Turing machines”</a:t>
+            </a:r>
+          </a:p>
+          <a:p>
+            <a:r>
+              <a:rPr lang="en-US" dirty="0"/>
+              <a:t>1981: Richard Feynman gives the lecture: </a:t>
+            </a:r>
+          </a:p>
+          <a:p>
+            <a:pPr marL="0" indent="0" algn="ctr">
+              <a:buNone/>
+            </a:pPr>
+            <a:r>
+              <a:rPr lang="en-US" dirty="0"/>
+              <a:t>“</a:t>
+            </a:r>
+            <a:r>
+              <a:rPr lang="en-US" i="1" dirty="0"/>
+              <a:t>Simulating </a:t>
+            </a:r>
+            <a:r>
+              <a:rPr lang="en-US" dirty="0"/>
+              <a:t>(Quantum)</a:t>
+            </a:r>
+            <a:r>
+              <a:rPr lang="en-US" i="1" dirty="0"/>
+              <a:t> Physics with Computers</a:t>
+            </a:r>
+            <a:r>
+              <a:rPr lang="en-US" dirty="0"/>
+              <a:t>”</a:t>
+            </a:r>
+          </a:p>
+          <a:p>
+            <a:endParaRPr lang="en-US" dirty="0"/>
+          </a:p>
+          <a:p>
+            <a:pPr marL="0" indent="0">
+              <a:buNone/>
+            </a:pPr>
+            <a:endParaRPr lang="en-US" dirty="0"/>
+          </a:p>
+        </p:txBody>
+      </p:sp>
+      <p:grpSp>
+        <p:nvGrpSpPr>
+          <p:cNvPr id="4" name="Group 3">
+            <a:extLst>
+              <a:ext uri="{FF2B5EF4-FFF2-40B4-BE49-F238E27FC236}">
+                <a16:creationId xmlns:a16="http://schemas.microsoft.com/office/drawing/2014/main" id="{80CD87A4-EC49-4E9F-9645-7CBB48204841}"/>
+              </a:ext>
+            </a:extLst>
+          </p:cNvPr>
+          <p:cNvGrpSpPr/>
+          <p:nvPr/>
+        </p:nvGrpSpPr>
+        <p:grpSpPr>
+          <a:xfrm>
+            <a:off x="10313537" y="3623230"/>
+            <a:ext cx="1422400" cy="1791732"/>
+            <a:chOff x="10278730" y="3146980"/>
+            <a:chExt cx="1422400" cy="1791732"/>
+          </a:xfrm>
+        </p:grpSpPr>
+        <p:pic>
+          <p:nvPicPr>
+            <p:cNvPr id="3074" name="Picture 2">
+              <a:extLst>
+                <a:ext uri="{FF2B5EF4-FFF2-40B4-BE49-F238E27FC236}">
+                  <a16:creationId xmlns:a16="http://schemas.microsoft.com/office/drawing/2014/main" id="{750A68D1-834F-43AC-9F4E-D90D5984042B}"/>
+                </a:ext>
+              </a:extLst>
+            </p:cNvPr>
+            <p:cNvPicPr>
+              <a:picLocks noChangeAspect="1" noChangeArrowheads="1"/>
+            </p:cNvPicPr>
+            <p:nvPr/>
+          </p:nvPicPr>
+          <p:blipFill>
+            <a:blip r:embed="rId2">
+              <a:extLst>
+                <a:ext uri="{28A0092B-C50C-407E-A947-70E740481C1C}">
+                  <a14:useLocalDpi xmlns:a14="http://schemas.microsoft.com/office/drawing/2010/main" val="0"/>
+                </a:ext>
+              </a:extLst>
+            </a:blip>
+            <a:srcRect/>
+            <a:stretch>
+              <a:fillRect/>
+            </a:stretch>
+          </p:blipFill>
+          <p:spPr bwMode="auto">
+            <a:xfrm>
+              <a:off x="10278730" y="3146980"/>
+              <a:ext cx="1422400" cy="1422400"/>
+            </a:xfrm>
+            <a:prstGeom prst="rect">
+              <a:avLst/>
+            </a:prstGeom>
+            <a:noFill/>
+            <a:extLst>
+              <a:ext uri="{909E8E84-426E-40DD-AFC4-6F175D3DCCD1}">
+                <a14:hiddenFill xmlns:a14="http://schemas.microsoft.com/office/drawing/2010/main">
+                  <a:solidFill>
+                    <a:srgbClr val="FFFFFF"/>
+                  </a:solidFill>
+                </a14:hiddenFill>
+              </a:ext>
+            </a:extLst>
+          </p:spPr>
+        </p:pic>
+        <p:sp>
+          <p:nvSpPr>
+            <p:cNvPr id="5" name="Rectangle 4">
+              <a:extLst>
+                <a:ext uri="{FF2B5EF4-FFF2-40B4-BE49-F238E27FC236}">
+                  <a16:creationId xmlns:a16="http://schemas.microsoft.com/office/drawing/2014/main" id="{38926111-0624-44A0-AFC9-B13CC4857D85}"/>
+                </a:ext>
+              </a:extLst>
+            </p:cNvPr>
+            <p:cNvSpPr/>
+            <p:nvPr/>
+          </p:nvSpPr>
+          <p:spPr>
+            <a:xfrm>
+              <a:off x="10397460" y="4569380"/>
+              <a:ext cx="1184940" cy="369332"/>
+            </a:xfrm>
+            <a:prstGeom prst="rect">
+              <a:avLst/>
+            </a:prstGeom>
+          </p:spPr>
+          <p:txBody>
+            <a:bodyPr wrap="none">
+              <a:spAutoFit/>
+            </a:bodyPr>
+            <a:lstStyle/>
+            <a:p>
+              <a:r>
+                <a:rPr lang="en-US" dirty="0">
+                  <a:solidFill>
+                    <a:schemeClr val="bg2">
+                      <a:lumMod val="75000"/>
+                    </a:schemeClr>
+                  </a:solidFill>
+                </a:rPr>
+                <a:t>Wikimedia</a:t>
+              </a:r>
+            </a:p>
+          </p:txBody>
+        </p:sp>
+      </p:grpSp>
+      <p:grpSp>
+        <p:nvGrpSpPr>
+          <p:cNvPr id="7" name="Group 6">
+            <a:extLst>
+              <a:ext uri="{FF2B5EF4-FFF2-40B4-BE49-F238E27FC236}">
+                <a16:creationId xmlns:a16="http://schemas.microsoft.com/office/drawing/2014/main" id="{CE50D2B0-CEB7-4847-9E14-472E647B0988}"/>
+              </a:ext>
+            </a:extLst>
+          </p:cNvPr>
+          <p:cNvGrpSpPr/>
+          <p:nvPr/>
+        </p:nvGrpSpPr>
+        <p:grpSpPr>
+          <a:xfrm>
+            <a:off x="9732796" y="1825625"/>
+            <a:ext cx="2282184" cy="1691203"/>
+            <a:chOff x="9732796" y="1825625"/>
+            <a:chExt cx="2282184" cy="1691203"/>
+          </a:xfrm>
+        </p:grpSpPr>
+        <p:grpSp>
+          <p:nvGrpSpPr>
+            <p:cNvPr id="6" name="Group 5">
+              <a:extLst>
+                <a:ext uri="{FF2B5EF4-FFF2-40B4-BE49-F238E27FC236}">
+                  <a16:creationId xmlns:a16="http://schemas.microsoft.com/office/drawing/2014/main" id="{2E83D9F3-5B1C-4344-A68A-F98A77431B20}"/>
+                </a:ext>
+              </a:extLst>
+            </p:cNvPr>
+            <p:cNvGrpSpPr/>
+            <p:nvPr/>
+          </p:nvGrpSpPr>
+          <p:grpSpPr>
+            <a:xfrm>
+              <a:off x="9732796" y="1825625"/>
+              <a:ext cx="2282184" cy="1371600"/>
+              <a:chOff x="9694696" y="1905882"/>
+              <a:chExt cx="2282184" cy="1371600"/>
+            </a:xfrm>
+          </p:grpSpPr>
+          <p:pic>
+            <p:nvPicPr>
+              <p:cNvPr id="3076" name="Picture 4">
+                <a:extLst>
+                  <a:ext uri="{FF2B5EF4-FFF2-40B4-BE49-F238E27FC236}">
+                    <a16:creationId xmlns:a16="http://schemas.microsoft.com/office/drawing/2014/main" id="{F81CC4F5-4252-419E-92EF-E4DC52074E3B}"/>
+                  </a:ext>
+                </a:extLst>
+              </p:cNvPr>
+              <p:cNvPicPr>
+                <a:picLocks noChangeAspect="1" noChangeArrowheads="1"/>
+              </p:cNvPicPr>
+              <p:nvPr/>
+            </p:nvPicPr>
+            <p:blipFill>
+              <a:blip r:embed="rId3">
+                <a:extLst>
+                  <a:ext uri="{28A0092B-C50C-407E-A947-70E740481C1C}">
+                    <a14:useLocalDpi xmlns:a14="http://schemas.microsoft.com/office/drawing/2010/main" val="0"/>
+                  </a:ext>
+                </a:extLst>
+              </a:blip>
+              <a:srcRect/>
+              <a:stretch>
+                <a:fillRect/>
+              </a:stretch>
+            </p:blipFill>
+            <p:spPr bwMode="auto">
+              <a:xfrm>
+                <a:off x="9694696" y="1905882"/>
+                <a:ext cx="1161482" cy="1371600"/>
+              </a:xfrm>
+              <a:prstGeom prst="rect">
+                <a:avLst/>
+              </a:prstGeom>
+              <a:noFill/>
+              <a:extLst>
+                <a:ext uri="{909E8E84-426E-40DD-AFC4-6F175D3DCCD1}">
+                  <a14:hiddenFill xmlns:a14="http://schemas.microsoft.com/office/drawing/2010/main">
+                    <a:solidFill>
+                      <a:srgbClr val="FFFFFF"/>
+                    </a:solidFill>
+                  </a14:hiddenFill>
+                </a:ext>
+              </a:extLst>
+            </p:spPr>
+          </p:pic>
+          <p:pic>
+            <p:nvPicPr>
+              <p:cNvPr id="3078" name="Picture 6">
+                <a:extLst>
+                  <a:ext uri="{FF2B5EF4-FFF2-40B4-BE49-F238E27FC236}">
+                    <a16:creationId xmlns:a16="http://schemas.microsoft.com/office/drawing/2014/main" id="{6A1B658D-7D00-4322-A467-A5A16C68B392}"/>
+                  </a:ext>
+                </a:extLst>
+              </p:cNvPr>
+              <p:cNvPicPr>
+                <a:picLocks noChangeAspect="1" noChangeArrowheads="1"/>
+              </p:cNvPicPr>
+              <p:nvPr/>
+            </p:nvPicPr>
+            <p:blipFill>
+              <a:blip r:embed="rId4">
+                <a:extLst>
+                  <a:ext uri="{28A0092B-C50C-407E-A947-70E740481C1C}">
+                    <a14:useLocalDpi xmlns:a14="http://schemas.microsoft.com/office/drawing/2010/main" val="0"/>
+                  </a:ext>
+                </a:extLst>
+              </a:blip>
+              <a:srcRect/>
+              <a:stretch>
+                <a:fillRect/>
+              </a:stretch>
+            </p:blipFill>
+            <p:spPr bwMode="auto">
+              <a:xfrm>
+                <a:off x="10862764" y="1905882"/>
+                <a:ext cx="1114116" cy="1371600"/>
+              </a:xfrm>
+              <a:prstGeom prst="rect">
+                <a:avLst/>
+              </a:prstGeom>
+              <a:noFill/>
+              <a:extLst>
+                <a:ext uri="{909E8E84-426E-40DD-AFC4-6F175D3DCCD1}">
+                  <a14:hiddenFill xmlns:a14="http://schemas.microsoft.com/office/drawing/2010/main">
+                    <a:solidFill>
+                      <a:srgbClr val="FFFFFF"/>
+                    </a:solidFill>
+                  </a14:hiddenFill>
+                </a:ext>
+              </a:extLst>
+            </p:spPr>
+          </p:pic>
+        </p:grpSp>
+        <p:sp>
+          <p:nvSpPr>
+            <p:cNvPr id="10" name="Rectangle 9">
+              <a:extLst>
+                <a:ext uri="{FF2B5EF4-FFF2-40B4-BE49-F238E27FC236}">
+                  <a16:creationId xmlns:a16="http://schemas.microsoft.com/office/drawing/2014/main" id="{A24642B3-282F-433C-AC12-2C8EAC8ACA7D}"/>
+                </a:ext>
+              </a:extLst>
+            </p:cNvPr>
+            <p:cNvSpPr/>
+            <p:nvPr/>
+          </p:nvSpPr>
+          <p:spPr>
+            <a:xfrm>
+              <a:off x="10313537" y="3147496"/>
+              <a:ext cx="1184940" cy="369332"/>
+            </a:xfrm>
+            <a:prstGeom prst="rect">
+              <a:avLst/>
+            </a:prstGeom>
+          </p:spPr>
+          <p:txBody>
+            <a:bodyPr wrap="none">
+              <a:spAutoFit/>
+            </a:bodyPr>
+            <a:lstStyle/>
+            <a:p>
+              <a:r>
+                <a:rPr lang="en-US" dirty="0">
+                  <a:solidFill>
+                    <a:schemeClr val="bg2">
+                      <a:lumMod val="75000"/>
+                    </a:schemeClr>
+                  </a:solidFill>
+                </a:rPr>
+                <a:t>Wikimedia</a:t>
+              </a:r>
+            </a:p>
+          </p:txBody>
+        </p:sp>
+      </p:grpSp>
+    </p:spTree>
+    <p:extLst>
+      <p:ext uri="{BB962C8B-B14F-4D97-AF65-F5344CB8AC3E}">
+        <p14:creationId xmlns:p14="http://schemas.microsoft.com/office/powerpoint/2010/main" val="4033416843"/>
+      </p:ext>
+    </p:extLst>
+  </p:cSld>
+  <p:clrMapOvr>
+    <a:masterClrMapping/>
+  </p:clrMapOvr>
+</p:sld>
+</file>
+
+<file path=ppt/slides/slide11.xml><?xml version="1.0" encoding="utf-8"?>
+<p:sld xmlns:a="http://schemas.openxmlformats.org/drawingml/2006/main" xmlns:r="http://schemas.openxmlformats.org/officeDocument/2006/relationships" xmlns:p="http://schemas.openxmlformats.org/presentationml/2006/main">
+  <p:cSld>
+    <p:spTree>
+      <p:nvGrpSpPr>
+        <p:cNvPr id="1" name=""/>
+        <p:cNvGrpSpPr/>
+        <p:nvPr/>
+      </p:nvGrpSpPr>
+      <p:grpSpPr>
+        <a:xfrm>
+          <a:off x="0" y="0"/>
+          <a:ext cx="0" cy="0"/>
+          <a:chOff x="0" y="0"/>
+          <a:chExt cx="0" cy="0"/>
+        </a:xfrm>
+      </p:grpSpPr>
+      <p:sp>
+        <p:nvSpPr>
+          <p:cNvPr id="2" name="Title 1">
+            <a:extLst>
+              <a:ext uri="{FF2B5EF4-FFF2-40B4-BE49-F238E27FC236}">
+                <a16:creationId xmlns:a16="http://schemas.microsoft.com/office/drawing/2014/main" id="{1BF7AF4B-D7B3-432C-A96E-6293FB3A4D14}"/>
+              </a:ext>
+            </a:extLst>
+          </p:cNvPr>
+          <p:cNvSpPr>
+            <a:spLocks noGrp="1"/>
+          </p:cNvSpPr>
+          <p:nvPr>
+            <p:ph type="title"/>
+          </p:nvPr>
+        </p:nvSpPr>
+        <p:spPr/>
+        <p:txBody>
+          <a:bodyPr/>
+          <a:lstStyle/>
+          <a:p>
+            <a:r>
+              <a:rPr lang="en-US" dirty="0"/>
+              <a:t>Richard Feynman</a:t>
+            </a:r>
+          </a:p>
+        </p:txBody>
+      </p:sp>
+      <p:sp>
+        <p:nvSpPr>
+          <p:cNvPr id="5" name="Content Placeholder 4">
+            <a:extLst>
+              <a:ext uri="{FF2B5EF4-FFF2-40B4-BE49-F238E27FC236}">
+                <a16:creationId xmlns:a16="http://schemas.microsoft.com/office/drawing/2014/main" id="{D8AB3D74-BD85-46BE-85B4-9B07E6EF9925}"/>
+              </a:ext>
+            </a:extLst>
+          </p:cNvPr>
+          <p:cNvSpPr>
+            <a:spLocks noGrp="1"/>
+          </p:cNvSpPr>
+          <p:nvPr>
+            <p:ph idx="1"/>
+          </p:nvPr>
+        </p:nvSpPr>
+        <p:spPr>
+          <a:xfrm>
+            <a:off x="838200" y="1825625"/>
+            <a:ext cx="7594600" cy="4351338"/>
+          </a:xfrm>
+        </p:spPr>
+        <p:txBody>
+          <a:bodyPr>
+            <a:normAutofit/>
+          </a:bodyPr>
+          <a:lstStyle/>
+          <a:p>
+            <a:r>
+              <a:rPr lang="en-US" dirty="0"/>
+              <a:t>Nobel Prize in Physics in 1965 </a:t>
+            </a:r>
+          </a:p>
+          <a:p>
+            <a:r>
+              <a:rPr lang="en-US" dirty="0">
+                <a:hlinkClick r:id="rId2"/>
+              </a:rPr>
+              <a:t>Lectures</a:t>
+            </a:r>
+            <a:r>
+              <a:rPr lang="en-US" dirty="0"/>
+              <a:t> on Project Tuva by Microsoft:</a:t>
+            </a:r>
+            <a:br>
+              <a:rPr lang="en-US" dirty="0"/>
+            </a:br>
+            <a:r>
+              <a:rPr lang="en-US" dirty="0"/>
+              <a:t>"Best science lectures I've ever seen.“ Bill Gates</a:t>
+            </a:r>
+          </a:p>
+          <a:p>
+            <a:r>
+              <a:rPr lang="en-US" dirty="0">
+                <a:hlinkClick r:id="rId3"/>
+              </a:rPr>
+              <a:t>Free online version of his lectures’ book</a:t>
+            </a:r>
+            <a:endParaRPr lang="en-US" dirty="0"/>
+          </a:p>
+          <a:p>
+            <a:r>
+              <a:rPr lang="en-US" dirty="0"/>
+              <a:t>The Faraday Project (</a:t>
+            </a:r>
+            <a:r>
+              <a:rPr lang="en-US" dirty="0">
+                <a:hlinkClick r:id="rId4"/>
+              </a:rPr>
+              <a:t>Lectures</a:t>
+            </a:r>
+            <a:r>
+              <a:rPr lang="en-US" dirty="0"/>
+              <a:t> with Hebrew subtitles)</a:t>
+            </a:r>
+          </a:p>
+          <a:p>
+            <a:r>
+              <a:rPr lang="en-US" dirty="0"/>
+              <a:t>Explained why it’s intractable using a classical computer to simulate quantum mechanics. </a:t>
+            </a:r>
+            <a:br>
+              <a:rPr lang="en-US" dirty="0"/>
+            </a:br>
+            <a:endParaRPr lang="en-US" dirty="0"/>
+          </a:p>
+        </p:txBody>
+      </p:sp>
+      <p:pic>
+        <p:nvPicPr>
+          <p:cNvPr id="9" name="Picture 2">
+            <a:extLst>
+              <a:ext uri="{FF2B5EF4-FFF2-40B4-BE49-F238E27FC236}">
+                <a16:creationId xmlns:a16="http://schemas.microsoft.com/office/drawing/2014/main" id="{E8193A52-6BE9-4B85-ABD9-469BA76A6118}"/>
+              </a:ext>
+            </a:extLst>
+          </p:cNvPr>
+          <p:cNvPicPr>
+            <a:picLocks noChangeAspect="1" noChangeArrowheads="1"/>
+          </p:cNvPicPr>
+          <p:nvPr/>
+        </p:nvPicPr>
+        <p:blipFill>
+          <a:blip r:embed="rId5">
+            <a:extLst>
+              <a:ext uri="{28A0092B-C50C-407E-A947-70E740481C1C}">
+                <a14:useLocalDpi xmlns:a14="http://schemas.microsoft.com/office/drawing/2010/main" val="0"/>
+              </a:ext>
+            </a:extLst>
+          </a:blip>
+          <a:srcRect/>
+          <a:stretch>
+            <a:fillRect/>
+          </a:stretch>
+        </p:blipFill>
+        <p:spPr bwMode="auto">
+          <a:xfrm>
+            <a:off x="8607383" y="681037"/>
+            <a:ext cx="3229017" cy="4711600"/>
+          </a:xfrm>
+          <a:prstGeom prst="rect">
+            <a:avLst/>
+          </a:prstGeom>
+          <a:noFill/>
+          <a:extLst>
+            <a:ext uri="{909E8E84-426E-40DD-AFC4-6F175D3DCCD1}">
+              <a14:hiddenFill xmlns:a14="http://schemas.microsoft.com/office/drawing/2010/main">
+                <a:solidFill>
+                  <a:srgbClr val="FFFFFF"/>
+                </a:solidFill>
+              </a14:hiddenFill>
+            </a:ext>
+          </a:extLst>
+        </p:spPr>
+      </p:pic>
+      <p:pic>
+        <p:nvPicPr>
+          <p:cNvPr id="10" name="Picture 9">
+            <a:extLst>
+              <a:ext uri="{FF2B5EF4-FFF2-40B4-BE49-F238E27FC236}">
+                <a16:creationId xmlns:a16="http://schemas.microsoft.com/office/drawing/2014/main" id="{54605F9E-DAED-48A0-B9EF-EC350BEA2E68}"/>
+              </a:ext>
+            </a:extLst>
+          </p:cNvPr>
+          <p:cNvPicPr>
+            <a:picLocks noChangeAspect="1"/>
+          </p:cNvPicPr>
+          <p:nvPr/>
+        </p:nvPicPr>
+        <p:blipFill>
+          <a:blip r:embed="rId6"/>
+          <a:stretch>
+            <a:fillRect/>
+          </a:stretch>
+        </p:blipFill>
+        <p:spPr>
+          <a:xfrm>
+            <a:off x="9574191" y="5392637"/>
+            <a:ext cx="1295400" cy="485775"/>
+          </a:xfrm>
+          <a:prstGeom prst="rect">
+            <a:avLst/>
+          </a:prstGeom>
+        </p:spPr>
+      </p:pic>
+    </p:spTree>
+    <p:extLst>
+      <p:ext uri="{BB962C8B-B14F-4D97-AF65-F5344CB8AC3E}">
+        <p14:creationId xmlns:p14="http://schemas.microsoft.com/office/powerpoint/2010/main" val="102511402"/>
+      </p:ext>
+    </p:extLst>
+  </p:cSld>
+  <p:clrMapOvr>
+    <a:masterClrMapping/>
+  </p:clrMapOvr>
+</p:sld>
+</file>
+
+<file path=ppt/slides/slide12.xml><?xml version="1.0" encoding="utf-8"?>
+<p:sld xmlns:a="http://schemas.openxmlformats.org/drawingml/2006/main" xmlns:r="http://schemas.openxmlformats.org/officeDocument/2006/relationships" xmlns:p="http://schemas.openxmlformats.org/presentationml/2006/main">
+  <p:cSld>
+    <p:spTree>
+      <p:nvGrpSpPr>
+        <p:cNvPr id="1" name=""/>
+        <p:cNvGrpSpPr/>
+        <p:nvPr/>
+      </p:nvGrpSpPr>
+      <p:grpSpPr>
+        <a:xfrm>
+          <a:off x="0" y="0"/>
+          <a:ext cx="0" cy="0"/>
+          <a:chOff x="0" y="0"/>
+          <a:chExt cx="0" cy="0"/>
+        </a:xfrm>
+      </p:grpSpPr>
+      <p:sp>
+        <p:nvSpPr>
+          <p:cNvPr id="2" name="Title 1">
+            <a:extLst>
+              <a:ext uri="{FF2B5EF4-FFF2-40B4-BE49-F238E27FC236}">
+                <a16:creationId xmlns:a16="http://schemas.microsoft.com/office/drawing/2014/main" id="{E9E1C574-2489-449A-859D-E5594AA81FA9}"/>
+              </a:ext>
+            </a:extLst>
+          </p:cNvPr>
+          <p:cNvSpPr>
+            <a:spLocks noGrp="1"/>
+          </p:cNvSpPr>
+          <p:nvPr>
+            <p:ph type="title"/>
+          </p:nvPr>
+        </p:nvSpPr>
+        <p:spPr/>
+        <p:txBody>
+          <a:bodyPr/>
+          <a:lstStyle/>
+          <a:p>
+            <a:r>
+              <a:rPr lang="en-US" dirty="0"/>
+              <a:t>Later history of quantum computing (QC)</a:t>
+            </a:r>
+          </a:p>
+        </p:txBody>
+      </p:sp>
+      <mc:AlternateContent xmlns:mc="http://schemas.openxmlformats.org/markup-compatibility/2006">
+        <mc:Choice xmlns:a14="http://schemas.microsoft.com/office/drawing/2010/main" Requires="a14">
+          <p:sp>
+            <p:nvSpPr>
+              <p:cNvPr id="3" name="Content Placeholder 2">
+                <a:extLst>
+                  <a:ext uri="{FF2B5EF4-FFF2-40B4-BE49-F238E27FC236}">
+                    <a16:creationId xmlns:a16="http://schemas.microsoft.com/office/drawing/2014/main" id="{582D6E3E-75A7-4DA6-A01E-A2C94F746A5E}"/>
+                  </a:ext>
+                </a:extLst>
+              </p:cNvPr>
+              <p:cNvSpPr>
+                <a:spLocks noGrp="1"/>
+              </p:cNvSpPr>
+              <p:nvPr>
+                <p:ph idx="1"/>
+              </p:nvPr>
+            </p:nvSpPr>
+            <p:spPr>
+              <a:xfrm>
+                <a:off x="838200" y="1825625"/>
+                <a:ext cx="8078920" cy="4351338"/>
+              </a:xfrm>
+            </p:spPr>
+            <p:txBody>
+              <a:bodyPr/>
+              <a:lstStyle/>
+              <a:p>
+                <a:r>
+                  <a:rPr lang="en-US" dirty="0"/>
+                  <a:t>1985: David Deutsch, suggested the theoretical framework for QC to find if Black Box is constant or balanced returns half the times red and blue the other half. Deterministic advantage. </a:t>
+                </a:r>
+              </a:p>
+              <a:p>
+                <a:r>
+                  <a:rPr lang="en-US" dirty="0"/>
+                  <a:t>1993: Bernstein-</a:t>
+                </a:r>
+                <a:r>
+                  <a:rPr lang="en-US" dirty="0" err="1"/>
+                  <a:t>Vazirani</a:t>
+                </a:r>
+                <a:r>
+                  <a:rPr lang="en-US" dirty="0"/>
+                  <a:t> (BV) published their algorithm show a QC advantage over classical computer: </a:t>
+                </a:r>
+                <a14:m>
+                  <m:oMath xmlns:m="http://schemas.openxmlformats.org/officeDocument/2006/math">
+                    <m:r>
+                      <a:rPr lang="en-US" b="0" i="1" smtClean="0">
+                        <a:latin typeface="Cambria Math" panose="02040503050406030204" pitchFamily="18" charset="0"/>
+                      </a:rPr>
+                      <m:t>𝑂</m:t>
+                    </m:r>
+                    <m:r>
+                      <a:rPr lang="en-US" b="0" i="1" smtClean="0">
+                        <a:latin typeface="Cambria Math" panose="02040503050406030204" pitchFamily="18" charset="0"/>
+                      </a:rPr>
+                      <m:t>(1)</m:t>
+                    </m:r>
+                  </m:oMath>
+                </a14:m>
+                <a:r>
+                  <a:rPr lang="en-US" dirty="0"/>
+                  <a:t> vs. </a:t>
+                </a:r>
+                <a14:m>
+                  <m:oMath xmlns:m="http://schemas.openxmlformats.org/officeDocument/2006/math">
+                    <m:r>
+                      <a:rPr lang="en-US" b="0" i="1" smtClean="0">
+                        <a:latin typeface="Cambria Math" panose="02040503050406030204" pitchFamily="18" charset="0"/>
+                      </a:rPr>
+                      <m:t>𝑂</m:t>
+                    </m:r>
+                    <m:r>
+                      <a:rPr lang="en-US" b="0" i="1" smtClean="0">
+                        <a:latin typeface="Cambria Math" panose="02040503050406030204" pitchFamily="18" charset="0"/>
+                      </a:rPr>
+                      <m:t>(</m:t>
+                    </m:r>
+                    <m:r>
+                      <a:rPr lang="en-US" b="0" i="1" smtClean="0">
+                        <a:latin typeface="Cambria Math" panose="02040503050406030204" pitchFamily="18" charset="0"/>
+                      </a:rPr>
+                      <m:t>𝑛</m:t>
+                    </m:r>
+                    <m:r>
+                      <a:rPr lang="en-US" b="0" i="1" smtClean="0">
+                        <a:latin typeface="Cambria Math" panose="02040503050406030204" pitchFamily="18" charset="0"/>
+                      </a:rPr>
+                      <m:t>)</m:t>
+                    </m:r>
+                  </m:oMath>
+                </a14:m>
+                <a:r>
+                  <a:rPr lang="en-US" dirty="0"/>
+                  <a:t>. Non-deterministic advantage. </a:t>
+                </a:r>
+              </a:p>
+              <a:p>
+                <a:r>
+                  <a:rPr lang="en-US" dirty="0"/>
+                  <a:t>1994: Peter Shor developed a Quantum Fourier Transform (</a:t>
+                </a:r>
+                <a:r>
+                  <a:rPr lang="en-US" b="1" dirty="0"/>
+                  <a:t>QFT</a:t>
+                </a:r>
+                <a:r>
+                  <a:rPr lang="en-US" dirty="0"/>
+                  <a:t>). See 3Blue1Brown FT </a:t>
+                </a:r>
+                <a:r>
+                  <a:rPr lang="en-US" dirty="0">
+                    <a:hlinkClick r:id="rId2"/>
+                  </a:rPr>
+                  <a:t>video</a:t>
+                </a:r>
+                <a:r>
+                  <a:rPr lang="en-US" dirty="0"/>
+                  <a:t>.</a:t>
+                </a:r>
+              </a:p>
+              <a:p>
+                <a:endParaRPr lang="en-US" dirty="0"/>
+              </a:p>
+              <a:p>
+                <a:endParaRPr lang="en-US" dirty="0"/>
+              </a:p>
+            </p:txBody>
+          </p:sp>
+        </mc:Choice>
+        <mc:Fallback>
+          <p:sp>
+            <p:nvSpPr>
+              <p:cNvPr id="3" name="Content Placeholder 2">
+                <a:extLst>
+                  <a:ext uri="{FF2B5EF4-FFF2-40B4-BE49-F238E27FC236}">
+                    <a16:creationId xmlns:a16="http://schemas.microsoft.com/office/drawing/2014/main" id="{582D6E3E-75A7-4DA6-A01E-A2C94F746A5E}"/>
+                  </a:ext>
+                </a:extLst>
+              </p:cNvPr>
+              <p:cNvSpPr>
+                <a:spLocks noGrp="1" noRot="1" noChangeAspect="1" noMove="1" noResize="1" noEditPoints="1" noAdjustHandles="1" noChangeArrowheads="1" noChangeShapeType="1" noTextEdit="1"/>
+              </p:cNvSpPr>
+              <p:nvPr>
+                <p:ph idx="1"/>
+              </p:nvPr>
+            </p:nvSpPr>
+            <p:spPr>
+              <a:xfrm>
+                <a:off x="838200" y="1825625"/>
+                <a:ext cx="8078920" cy="4351338"/>
+              </a:xfrm>
+              <a:blipFill>
+                <a:blip r:embed="rId3"/>
+                <a:stretch>
+                  <a:fillRect l="-1358" t="-2241" b="-140"/>
+                </a:stretch>
+              </a:blipFill>
+            </p:spPr>
+            <p:txBody>
+              <a:bodyPr/>
+              <a:lstStyle/>
+              <a:p>
+                <a:r>
+                  <a:rPr lang="en-US">
+                    <a:noFill/>
+                  </a:rPr>
+                  <a:t> </a:t>
+                </a:r>
+              </a:p>
+            </p:txBody>
+          </p:sp>
+        </mc:Fallback>
+      </mc:AlternateContent>
+      <p:sp>
+        <p:nvSpPr>
+          <p:cNvPr id="5" name="Rectangle 4">
+            <a:extLst>
+              <a:ext uri="{FF2B5EF4-FFF2-40B4-BE49-F238E27FC236}">
+                <a16:creationId xmlns:a16="http://schemas.microsoft.com/office/drawing/2014/main" id="{FC97585E-6512-4DBF-9D40-8DEB65F0802D}"/>
+              </a:ext>
+            </a:extLst>
+          </p:cNvPr>
+          <p:cNvSpPr/>
+          <p:nvPr/>
+        </p:nvSpPr>
+        <p:spPr>
+          <a:xfrm>
+            <a:off x="9695392" y="1927751"/>
+            <a:ext cx="2077508" cy="2077508"/>
+          </a:xfrm>
+          <a:prstGeom prst="rect">
+            <a:avLst/>
+          </a:prstGeom>
+          <a:solidFill>
+            <a:schemeClr val="dk1"/>
+          </a:solidFill>
+          <a:ln>
+            <a:noFill/>
+          </a:ln>
+        </p:spPr>
+        <p:style>
+          <a:lnRef idx="0">
+            <a:scrgbClr r="0" g="0" b="0"/>
+          </a:lnRef>
+          <a:fillRef idx="0">
+            <a:scrgbClr r="0" g="0" b="0"/>
+          </a:fillRef>
+          <a:effectRef idx="0">
+            <a:scrgbClr r="0" g="0" b="0"/>
+          </a:effectRef>
+          <a:fontRef idx="minor">
+            <a:schemeClr val="lt1"/>
+          </a:fontRef>
+        </p:style>
+        <p:txBody>
+          <a:bodyPr rtlCol="0" anchor="ctr"/>
+          <a:lstStyle/>
+          <a:p>
+            <a:pPr algn="ctr"/>
+            <a:r>
+              <a:rPr lang="en-US" sz="2800" dirty="0">
+                <a:solidFill>
+                  <a:schemeClr val="bg1"/>
+                </a:solidFill>
+              </a:rPr>
+              <a:t>Black Box</a:t>
+            </a:r>
+            <a:endParaRPr lang="en-US" dirty="0">
+              <a:solidFill>
+                <a:schemeClr val="bg1"/>
+              </a:solidFill>
+            </a:endParaRPr>
+          </a:p>
+        </p:txBody>
+      </p:sp>
+      <p:cxnSp>
+        <p:nvCxnSpPr>
+          <p:cNvPr id="17" name="Straight Arrow Connector 16">
+            <a:extLst>
+              <a:ext uri="{FF2B5EF4-FFF2-40B4-BE49-F238E27FC236}">
+                <a16:creationId xmlns:a16="http://schemas.microsoft.com/office/drawing/2014/main" id="{79CF9C18-A3BC-4D69-98A5-B3B825C3E971}"/>
+              </a:ext>
+            </a:extLst>
+          </p:cNvPr>
+          <p:cNvCxnSpPr>
+            <a:cxnSpLocks/>
+          </p:cNvCxnSpPr>
+          <p:nvPr/>
+        </p:nvCxnSpPr>
+        <p:spPr>
+          <a:xfrm>
+            <a:off x="9234223" y="2063748"/>
+            <a:ext cx="457200" cy="0"/>
+          </a:xfrm>
+          <a:prstGeom prst="straightConnector1">
+            <a:avLst/>
+          </a:prstGeom>
+          <a:ln w="76200">
+            <a:tailEnd type="triangle"/>
+          </a:ln>
+        </p:spPr>
+        <p:style>
+          <a:lnRef idx="3">
+            <a:schemeClr val="dk1"/>
+          </a:lnRef>
+          <a:fillRef idx="0">
+            <a:schemeClr val="dk1"/>
+          </a:fillRef>
+          <a:effectRef idx="2">
+            <a:schemeClr val="dk1"/>
+          </a:effectRef>
+          <a:fontRef idx="minor">
+            <a:schemeClr val="tx1"/>
+          </a:fontRef>
+        </p:style>
+      </p:cxnSp>
+      <p:cxnSp>
+        <p:nvCxnSpPr>
+          <p:cNvPr id="47" name="Straight Arrow Connector 46">
+            <a:extLst>
+              <a:ext uri="{FF2B5EF4-FFF2-40B4-BE49-F238E27FC236}">
+                <a16:creationId xmlns:a16="http://schemas.microsoft.com/office/drawing/2014/main" id="{EB937176-C10C-430B-9C9B-D2B8E6E52EDC}"/>
+              </a:ext>
+            </a:extLst>
+          </p:cNvPr>
+          <p:cNvCxnSpPr>
+            <a:cxnSpLocks/>
+          </p:cNvCxnSpPr>
+          <p:nvPr/>
+        </p:nvCxnSpPr>
+        <p:spPr>
+          <a:xfrm>
+            <a:off x="9234223" y="3935940"/>
+            <a:ext cx="457200" cy="0"/>
+          </a:xfrm>
+          <a:prstGeom prst="straightConnector1">
+            <a:avLst/>
+          </a:prstGeom>
+          <a:ln w="76200">
+            <a:tailEnd type="triangle"/>
+          </a:ln>
+        </p:spPr>
+        <p:style>
+          <a:lnRef idx="3">
+            <a:schemeClr val="dk1"/>
+          </a:lnRef>
+          <a:fillRef idx="0">
+            <a:schemeClr val="dk1"/>
+          </a:fillRef>
+          <a:effectRef idx="2">
+            <a:schemeClr val="dk1"/>
+          </a:effectRef>
+          <a:fontRef idx="minor">
+            <a:schemeClr val="tx1"/>
+          </a:fontRef>
+        </p:style>
+      </p:cxnSp>
+      <p:cxnSp>
+        <p:nvCxnSpPr>
+          <p:cNvPr id="48" name="Straight Arrow Connector 47">
+            <a:extLst>
+              <a:ext uri="{FF2B5EF4-FFF2-40B4-BE49-F238E27FC236}">
+                <a16:creationId xmlns:a16="http://schemas.microsoft.com/office/drawing/2014/main" id="{333FDC8D-E864-403C-9EC9-80F2F1B2C217}"/>
+              </a:ext>
+            </a:extLst>
+          </p:cNvPr>
+          <p:cNvCxnSpPr>
+            <a:cxnSpLocks/>
+          </p:cNvCxnSpPr>
+          <p:nvPr/>
+        </p:nvCxnSpPr>
+        <p:spPr>
+          <a:xfrm>
+            <a:off x="9234223" y="3311876"/>
+            <a:ext cx="457200" cy="0"/>
+          </a:xfrm>
+          <a:prstGeom prst="straightConnector1">
+            <a:avLst/>
+          </a:prstGeom>
+          <a:ln w="76200">
+            <a:tailEnd type="triangle"/>
+          </a:ln>
+        </p:spPr>
+        <p:style>
+          <a:lnRef idx="3">
+            <a:schemeClr val="dk1"/>
+          </a:lnRef>
+          <a:fillRef idx="0">
+            <a:schemeClr val="dk1"/>
+          </a:fillRef>
+          <a:effectRef idx="2">
+            <a:schemeClr val="dk1"/>
+          </a:effectRef>
+          <a:fontRef idx="minor">
+            <a:schemeClr val="tx1"/>
+          </a:fontRef>
+        </p:style>
+      </p:cxnSp>
+      <p:cxnSp>
+        <p:nvCxnSpPr>
+          <p:cNvPr id="49" name="Straight Arrow Connector 48">
+            <a:extLst>
+              <a:ext uri="{FF2B5EF4-FFF2-40B4-BE49-F238E27FC236}">
+                <a16:creationId xmlns:a16="http://schemas.microsoft.com/office/drawing/2014/main" id="{E0B3CA1E-BF1A-4483-8DF9-38735B71D149}"/>
+              </a:ext>
+            </a:extLst>
+          </p:cNvPr>
+          <p:cNvCxnSpPr>
+            <a:cxnSpLocks/>
+          </p:cNvCxnSpPr>
+          <p:nvPr/>
+        </p:nvCxnSpPr>
+        <p:spPr>
+          <a:xfrm>
+            <a:off x="9234223" y="2999844"/>
+            <a:ext cx="457200" cy="0"/>
+          </a:xfrm>
+          <a:prstGeom prst="straightConnector1">
+            <a:avLst/>
+          </a:prstGeom>
+          <a:ln w="76200">
+            <a:tailEnd type="triangle"/>
+          </a:ln>
+        </p:spPr>
+        <p:style>
+          <a:lnRef idx="3">
+            <a:schemeClr val="dk1"/>
+          </a:lnRef>
+          <a:fillRef idx="0">
+            <a:schemeClr val="dk1"/>
+          </a:fillRef>
+          <a:effectRef idx="2">
+            <a:schemeClr val="dk1"/>
+          </a:effectRef>
+          <a:fontRef idx="minor">
+            <a:schemeClr val="tx1"/>
+          </a:fontRef>
+        </p:style>
+      </p:cxnSp>
+      <p:cxnSp>
+        <p:nvCxnSpPr>
+          <p:cNvPr id="50" name="Straight Arrow Connector 49">
+            <a:extLst>
+              <a:ext uri="{FF2B5EF4-FFF2-40B4-BE49-F238E27FC236}">
+                <a16:creationId xmlns:a16="http://schemas.microsoft.com/office/drawing/2014/main" id="{36ED7517-28BF-4751-8E6A-F36BD1D11B7A}"/>
+              </a:ext>
+            </a:extLst>
+          </p:cNvPr>
+          <p:cNvCxnSpPr>
+            <a:cxnSpLocks/>
+          </p:cNvCxnSpPr>
+          <p:nvPr/>
+        </p:nvCxnSpPr>
+        <p:spPr>
+          <a:xfrm>
+            <a:off x="9234223" y="3623908"/>
+            <a:ext cx="457200" cy="0"/>
+          </a:xfrm>
+          <a:prstGeom prst="straightConnector1">
+            <a:avLst/>
+          </a:prstGeom>
+          <a:ln w="76200">
+            <a:tailEnd type="triangle"/>
+          </a:ln>
+        </p:spPr>
+        <p:style>
+          <a:lnRef idx="3">
+            <a:schemeClr val="dk1"/>
+          </a:lnRef>
+          <a:fillRef idx="0">
+            <a:schemeClr val="dk1"/>
+          </a:fillRef>
+          <a:effectRef idx="2">
+            <a:schemeClr val="dk1"/>
+          </a:effectRef>
+          <a:fontRef idx="minor">
+            <a:schemeClr val="tx1"/>
+          </a:fontRef>
+        </p:style>
+      </p:cxnSp>
+      <p:cxnSp>
+        <p:nvCxnSpPr>
+          <p:cNvPr id="51" name="Straight Arrow Connector 50">
+            <a:extLst>
+              <a:ext uri="{FF2B5EF4-FFF2-40B4-BE49-F238E27FC236}">
+                <a16:creationId xmlns:a16="http://schemas.microsoft.com/office/drawing/2014/main" id="{68CC5200-20BE-4BF7-84E5-26C157040402}"/>
+              </a:ext>
+            </a:extLst>
+          </p:cNvPr>
+          <p:cNvCxnSpPr>
+            <a:cxnSpLocks/>
+          </p:cNvCxnSpPr>
+          <p:nvPr/>
+        </p:nvCxnSpPr>
+        <p:spPr>
+          <a:xfrm>
+            <a:off x="9234223" y="2687812"/>
+            <a:ext cx="457200" cy="0"/>
+          </a:xfrm>
+          <a:prstGeom prst="straightConnector1">
+            <a:avLst/>
+          </a:prstGeom>
+          <a:ln w="76200">
+            <a:tailEnd type="triangle"/>
+          </a:ln>
+        </p:spPr>
+        <p:style>
+          <a:lnRef idx="3">
+            <a:schemeClr val="dk1"/>
+          </a:lnRef>
+          <a:fillRef idx="0">
+            <a:schemeClr val="dk1"/>
+          </a:fillRef>
+          <a:effectRef idx="2">
+            <a:schemeClr val="dk1"/>
+          </a:effectRef>
+          <a:fontRef idx="minor">
+            <a:schemeClr val="tx1"/>
+          </a:fontRef>
+        </p:style>
+      </p:cxnSp>
+      <p:cxnSp>
+        <p:nvCxnSpPr>
+          <p:cNvPr id="52" name="Straight Arrow Connector 51">
+            <a:extLst>
+              <a:ext uri="{FF2B5EF4-FFF2-40B4-BE49-F238E27FC236}">
+                <a16:creationId xmlns:a16="http://schemas.microsoft.com/office/drawing/2014/main" id="{0D4984E4-C0A9-4867-BE43-2539F7C7174F}"/>
+              </a:ext>
+            </a:extLst>
+          </p:cNvPr>
+          <p:cNvCxnSpPr>
+            <a:cxnSpLocks/>
+          </p:cNvCxnSpPr>
+          <p:nvPr/>
+        </p:nvCxnSpPr>
+        <p:spPr>
+          <a:xfrm>
+            <a:off x="9234223" y="2375780"/>
+            <a:ext cx="457200" cy="0"/>
+          </a:xfrm>
+          <a:prstGeom prst="straightConnector1">
+            <a:avLst/>
+          </a:prstGeom>
+          <a:ln w="76200">
+            <a:tailEnd type="triangle"/>
+          </a:ln>
+        </p:spPr>
+        <p:style>
+          <a:lnRef idx="3">
+            <a:schemeClr val="dk1"/>
+          </a:lnRef>
+          <a:fillRef idx="0">
+            <a:schemeClr val="dk1"/>
+          </a:fillRef>
+          <a:effectRef idx="2">
+            <a:schemeClr val="dk1"/>
+          </a:effectRef>
+          <a:fontRef idx="minor">
+            <a:schemeClr val="tx1"/>
+          </a:fontRef>
+        </p:style>
+      </p:cxnSp>
+      <p:grpSp>
+        <p:nvGrpSpPr>
+          <p:cNvPr id="55" name="Group 54">
+            <a:extLst>
+              <a:ext uri="{FF2B5EF4-FFF2-40B4-BE49-F238E27FC236}">
+                <a16:creationId xmlns:a16="http://schemas.microsoft.com/office/drawing/2014/main" id="{71AFAE88-1632-41FC-BF36-42E56F1D0381}"/>
+              </a:ext>
+            </a:extLst>
+          </p:cNvPr>
+          <p:cNvGrpSpPr/>
+          <p:nvPr/>
+        </p:nvGrpSpPr>
+        <p:grpSpPr>
+          <a:xfrm>
+            <a:off x="8463889" y="1470551"/>
+            <a:ext cx="914400" cy="914400"/>
+            <a:chOff x="4617629" y="601247"/>
+            <a:chExt cx="914400" cy="914400"/>
+          </a:xfrm>
+        </p:grpSpPr>
+        <p:pic>
+          <p:nvPicPr>
+            <p:cNvPr id="56" name="Graphic 55">
+              <a:extLst>
+                <a:ext uri="{FF2B5EF4-FFF2-40B4-BE49-F238E27FC236}">
+                  <a16:creationId xmlns:a16="http://schemas.microsoft.com/office/drawing/2014/main" id="{0ED792CC-FC89-4553-8A87-778241D167C9}"/>
+                </a:ext>
+                <a:ext uri="{C183D7F6-B498-43B3-948B-1728B52AA6E4}">
+                  <adec:decorative xmlns:adec="http://schemas.microsoft.com/office/drawing/2017/decorative" val="1"/>
+                </a:ext>
+              </a:extLst>
+            </p:cNvPr>
+            <p:cNvPicPr>
+              <a:picLocks noChangeAspect="1"/>
+            </p:cNvPicPr>
+            <p:nvPr/>
+          </p:nvPicPr>
+          <p:blipFill>
+            <a:blip r:embed="rId4">
+              <a:extLst>
+                <a:ext uri="{28A0092B-C50C-407E-A947-70E740481C1C}">
+                  <a14:useLocalDpi xmlns:a14="http://schemas.microsoft.com/office/drawing/2010/main" val="0"/>
+                </a:ext>
+                <a:ext uri="{96DAC541-7B7A-43D3-8B79-37D633B846F1}">
+                  <asvg:svgBlip xmlns:asvg="http://schemas.microsoft.com/office/drawing/2016/SVG/main" r:embed="rId5"/>
+                </a:ext>
+              </a:extLst>
+            </a:blip>
+            <a:stretch>
+              <a:fillRect/>
+            </a:stretch>
+          </p:blipFill>
+          <p:spPr>
+            <a:xfrm>
+              <a:off x="4617629" y="601247"/>
+              <a:ext cx="914400" cy="914400"/>
+            </a:xfrm>
+            <a:prstGeom prst="rect">
+              <a:avLst/>
+            </a:prstGeom>
+          </p:spPr>
+        </p:pic>
+        <p:sp>
+          <p:nvSpPr>
+            <p:cNvPr id="57" name="Rectangle 56">
+              <a:extLst>
+                <a:ext uri="{FF2B5EF4-FFF2-40B4-BE49-F238E27FC236}">
+                  <a16:creationId xmlns:a16="http://schemas.microsoft.com/office/drawing/2014/main" id="{555873D5-3093-4AA3-A710-6A86B2767527}"/>
+                </a:ext>
+              </a:extLst>
+            </p:cNvPr>
+            <p:cNvSpPr/>
+            <p:nvPr/>
+          </p:nvSpPr>
+          <p:spPr>
+            <a:xfrm>
+              <a:off x="4674542" y="1017333"/>
+              <a:ext cx="726481" cy="369332"/>
+            </a:xfrm>
+            <a:prstGeom prst="rect">
+              <a:avLst/>
+            </a:prstGeom>
+          </p:spPr>
+          <p:txBody>
+            <a:bodyPr wrap="none">
+              <a:spAutoFit/>
+            </a:bodyPr>
+            <a:lstStyle/>
+            <a:p>
+              <a:pPr algn="ctr"/>
+              <a:r>
+                <a:rPr lang="en-US" b="1" dirty="0"/>
+                <a:t>Qubit</a:t>
+              </a:r>
+            </a:p>
+          </p:txBody>
+        </p:sp>
+      </p:grpSp>
+      <p:grpSp>
+        <p:nvGrpSpPr>
+          <p:cNvPr id="58" name="Group 57">
+            <a:extLst>
+              <a:ext uri="{FF2B5EF4-FFF2-40B4-BE49-F238E27FC236}">
+                <a16:creationId xmlns:a16="http://schemas.microsoft.com/office/drawing/2014/main" id="{0BE8E1AD-8F9B-4ED7-BF6D-F5C1235495B1}"/>
+              </a:ext>
+            </a:extLst>
+          </p:cNvPr>
+          <p:cNvGrpSpPr/>
+          <p:nvPr/>
+        </p:nvGrpSpPr>
+        <p:grpSpPr>
+          <a:xfrm>
+            <a:off x="8426842" y="3421063"/>
+            <a:ext cx="914400" cy="914400"/>
+            <a:chOff x="4617629" y="601247"/>
+            <a:chExt cx="914400" cy="914400"/>
+          </a:xfrm>
+        </p:grpSpPr>
+        <p:pic>
+          <p:nvPicPr>
+            <p:cNvPr id="59" name="Graphic 58">
+              <a:extLst>
+                <a:ext uri="{FF2B5EF4-FFF2-40B4-BE49-F238E27FC236}">
+                  <a16:creationId xmlns:a16="http://schemas.microsoft.com/office/drawing/2014/main" id="{1CAC66BA-D6FB-4D62-82A3-A99994D68D86}"/>
+                </a:ext>
+                <a:ext uri="{C183D7F6-B498-43B3-948B-1728B52AA6E4}">
+                  <adec:decorative xmlns:adec="http://schemas.microsoft.com/office/drawing/2017/decorative" val="1"/>
+                </a:ext>
+              </a:extLst>
+            </p:cNvPr>
+            <p:cNvPicPr>
+              <a:picLocks noChangeAspect="1"/>
+            </p:cNvPicPr>
+            <p:nvPr/>
+          </p:nvPicPr>
+          <p:blipFill>
+            <a:blip r:embed="rId4">
+              <a:extLst>
+                <a:ext uri="{28A0092B-C50C-407E-A947-70E740481C1C}">
+                  <a14:useLocalDpi xmlns:a14="http://schemas.microsoft.com/office/drawing/2010/main" val="0"/>
+                </a:ext>
+                <a:ext uri="{96DAC541-7B7A-43D3-8B79-37D633B846F1}">
+                  <asvg:svgBlip xmlns:asvg="http://schemas.microsoft.com/office/drawing/2016/SVG/main" r:embed="rId5"/>
+                </a:ext>
+              </a:extLst>
+            </a:blip>
+            <a:stretch>
+              <a:fillRect/>
+            </a:stretch>
+          </p:blipFill>
+          <p:spPr>
+            <a:xfrm>
+              <a:off x="4617629" y="601247"/>
+              <a:ext cx="914400" cy="914400"/>
+            </a:xfrm>
+            <a:prstGeom prst="rect">
+              <a:avLst/>
+            </a:prstGeom>
+          </p:spPr>
+        </p:pic>
+        <p:sp>
+          <p:nvSpPr>
+            <p:cNvPr id="60" name="Rectangle 59">
+              <a:extLst>
+                <a:ext uri="{FF2B5EF4-FFF2-40B4-BE49-F238E27FC236}">
+                  <a16:creationId xmlns:a16="http://schemas.microsoft.com/office/drawing/2014/main" id="{F253D67A-25CB-41D3-80D4-F734734F6606}"/>
+                </a:ext>
+              </a:extLst>
+            </p:cNvPr>
+            <p:cNvSpPr/>
+            <p:nvPr/>
+          </p:nvSpPr>
+          <p:spPr>
+            <a:xfrm>
+              <a:off x="4674541" y="1017333"/>
+              <a:ext cx="726482" cy="369332"/>
+            </a:xfrm>
+            <a:prstGeom prst="rect">
+              <a:avLst/>
+            </a:prstGeom>
+          </p:spPr>
+          <p:txBody>
+            <a:bodyPr wrap="none">
+              <a:spAutoFit/>
+            </a:bodyPr>
+            <a:lstStyle/>
+            <a:p>
+              <a:pPr algn="ctr"/>
+              <a:r>
+                <a:rPr lang="en-US" b="1" dirty="0"/>
+                <a:t>Qubit</a:t>
+              </a:r>
+            </a:p>
+          </p:txBody>
+        </p:sp>
+      </p:grpSp>
+      <p:sp>
+        <p:nvSpPr>
+          <p:cNvPr id="61" name="Oval 60">
+            <a:extLst>
+              <a:ext uri="{FF2B5EF4-FFF2-40B4-BE49-F238E27FC236}">
+                <a16:creationId xmlns:a16="http://schemas.microsoft.com/office/drawing/2014/main" id="{71E0CFE3-DEEB-4C4A-8126-A0DBCE8A51DB}"/>
+              </a:ext>
+            </a:extLst>
+          </p:cNvPr>
+          <p:cNvSpPr/>
+          <p:nvPr/>
+        </p:nvSpPr>
+        <p:spPr>
+          <a:xfrm>
+            <a:off x="8823429" y="2579598"/>
+            <a:ext cx="152792" cy="152792"/>
+          </a:xfrm>
+          <a:prstGeom prst="ellipse">
+            <a:avLst/>
+          </a:prstGeom>
+          <a:solidFill>
+            <a:schemeClr val="bg1"/>
+          </a:solidFill>
+          <a:ln w="28575">
+            <a:solidFill>
+              <a:schemeClr val="tx1"/>
+            </a:solidFill>
+          </a:ln>
+        </p:spPr>
+        <p:style>
+          <a:lnRef idx="2">
+            <a:schemeClr val="accent1">
+              <a:shade val="50000"/>
+            </a:schemeClr>
+          </a:lnRef>
+          <a:fillRef idx="1">
+            <a:schemeClr val="accent1"/>
+          </a:fillRef>
+          <a:effectRef idx="0">
+            <a:schemeClr val="accent1"/>
+          </a:effectRef>
+          <a:fontRef idx="minor">
+            <a:schemeClr val="lt1"/>
+          </a:fontRef>
+        </p:style>
+        <p:txBody>
+          <a:bodyPr rtlCol="0" anchor="ctr"/>
+          <a:lstStyle/>
+          <a:p>
+            <a:pPr algn="ctr"/>
+            <a:endParaRPr lang="en-US"/>
+          </a:p>
+        </p:txBody>
+      </p:sp>
+      <p:sp>
+        <p:nvSpPr>
+          <p:cNvPr id="62" name="Oval 61">
+            <a:extLst>
+              <a:ext uri="{FF2B5EF4-FFF2-40B4-BE49-F238E27FC236}">
+                <a16:creationId xmlns:a16="http://schemas.microsoft.com/office/drawing/2014/main" id="{E14D5E7B-9B7F-4CC1-9B82-48767D53256E}"/>
+              </a:ext>
+            </a:extLst>
+          </p:cNvPr>
+          <p:cNvSpPr/>
+          <p:nvPr/>
+        </p:nvSpPr>
+        <p:spPr>
+          <a:xfrm>
+            <a:off x="8823429" y="3235480"/>
+            <a:ext cx="152792" cy="152792"/>
+          </a:xfrm>
+          <a:prstGeom prst="ellipse">
+            <a:avLst/>
+          </a:prstGeom>
+          <a:solidFill>
+            <a:schemeClr val="bg1"/>
+          </a:solidFill>
+          <a:ln w="28575">
+            <a:solidFill>
+              <a:schemeClr val="tx1"/>
+            </a:solidFill>
+          </a:ln>
+        </p:spPr>
+        <p:style>
+          <a:lnRef idx="2">
+            <a:schemeClr val="accent1">
+              <a:shade val="50000"/>
+            </a:schemeClr>
+          </a:lnRef>
+          <a:fillRef idx="1">
+            <a:schemeClr val="accent1"/>
+          </a:fillRef>
+          <a:effectRef idx="0">
+            <a:schemeClr val="accent1"/>
+          </a:effectRef>
+          <a:fontRef idx="minor">
+            <a:schemeClr val="lt1"/>
+          </a:fontRef>
+        </p:style>
+        <p:txBody>
+          <a:bodyPr rtlCol="0" anchor="ctr"/>
+          <a:lstStyle/>
+          <a:p>
+            <a:pPr algn="ctr"/>
+            <a:endParaRPr lang="en-US"/>
+          </a:p>
+        </p:txBody>
+      </p:sp>
+      <p:sp>
+        <p:nvSpPr>
+          <p:cNvPr id="63" name="Oval 62">
+            <a:extLst>
+              <a:ext uri="{FF2B5EF4-FFF2-40B4-BE49-F238E27FC236}">
+                <a16:creationId xmlns:a16="http://schemas.microsoft.com/office/drawing/2014/main" id="{1E27F625-8833-4D84-9975-6B55A225AA7C}"/>
+              </a:ext>
+            </a:extLst>
+          </p:cNvPr>
+          <p:cNvSpPr/>
+          <p:nvPr/>
+        </p:nvSpPr>
+        <p:spPr>
+          <a:xfrm>
+            <a:off x="8823429" y="2907539"/>
+            <a:ext cx="152792" cy="152792"/>
+          </a:xfrm>
+          <a:prstGeom prst="ellipse">
+            <a:avLst/>
+          </a:prstGeom>
+          <a:solidFill>
+            <a:schemeClr val="bg1"/>
+          </a:solidFill>
+          <a:ln w="28575">
+            <a:solidFill>
+              <a:schemeClr val="tx1"/>
+            </a:solidFill>
+          </a:ln>
+        </p:spPr>
+        <p:style>
+          <a:lnRef idx="2">
+            <a:schemeClr val="accent1">
+              <a:shade val="50000"/>
+            </a:schemeClr>
+          </a:lnRef>
+          <a:fillRef idx="1">
+            <a:schemeClr val="accent1"/>
+          </a:fillRef>
+          <a:effectRef idx="0">
+            <a:schemeClr val="accent1"/>
+          </a:effectRef>
+          <a:fontRef idx="minor">
+            <a:schemeClr val="lt1"/>
+          </a:fontRef>
+        </p:style>
+        <p:txBody>
+          <a:bodyPr rtlCol="0" anchor="ctr"/>
+          <a:lstStyle/>
+          <a:p>
+            <a:pPr algn="ctr"/>
+            <a:endParaRPr lang="en-US"/>
+          </a:p>
+        </p:txBody>
+      </p:sp>
+    </p:spTree>
+    <p:extLst>
+      <p:ext uri="{BB962C8B-B14F-4D97-AF65-F5344CB8AC3E}">
+        <p14:creationId xmlns:p14="http://schemas.microsoft.com/office/powerpoint/2010/main" val="1359970049"/>
+      </p:ext>
+    </p:extLst>
+  </p:cSld>
+  <p:clrMapOvr>
+    <a:masterClrMapping/>
+  </p:clrMapOvr>
+</p:sld>
+</file>
+
+<file path=ppt/slides/slide13.xml><?xml version="1.0" encoding="utf-8"?>
+<p:sld xmlns:a="http://schemas.openxmlformats.org/drawingml/2006/main" xmlns:r="http://schemas.openxmlformats.org/officeDocument/2006/relationships" xmlns:p="http://schemas.openxmlformats.org/presentationml/2006/main">
+  <p:cSld>
+    <p:spTree>
+      <p:nvGrpSpPr>
+        <p:cNvPr id="1" name=""/>
+        <p:cNvGrpSpPr/>
+        <p:nvPr/>
+      </p:nvGrpSpPr>
+      <p:grpSpPr>
+        <a:xfrm>
+          <a:off x="0" y="0"/>
+          <a:ext cx="0" cy="0"/>
+          <a:chOff x="0" y="0"/>
+          <a:chExt cx="0" cy="0"/>
+        </a:xfrm>
+      </p:grpSpPr>
+      <p:sp>
+        <p:nvSpPr>
+          <p:cNvPr id="2" name="Title 1">
+            <a:extLst>
+              <a:ext uri="{FF2B5EF4-FFF2-40B4-BE49-F238E27FC236}">
+                <a16:creationId xmlns:a16="http://schemas.microsoft.com/office/drawing/2014/main" id="{1DB79D96-DFEE-4A26-A6E4-858AF7B69C39}"/>
+              </a:ext>
+            </a:extLst>
+          </p:cNvPr>
+          <p:cNvSpPr>
+            <a:spLocks noGrp="1"/>
+          </p:cNvSpPr>
+          <p:nvPr>
+            <p:ph type="title"/>
+          </p:nvPr>
+        </p:nvSpPr>
+        <p:spPr/>
+        <p:txBody>
+          <a:bodyPr/>
+          <a:lstStyle/>
+          <a:p>
+            <a:r>
+              <a:rPr lang="en-US" dirty="0"/>
+              <a:t>Fast Fourier Transform (FFT)</a:t>
+            </a:r>
+          </a:p>
+        </p:txBody>
+      </p:sp>
+      <p:sp>
+        <p:nvSpPr>
+          <p:cNvPr id="3" name="Content Placeholder 2">
+            <a:extLst>
+              <a:ext uri="{FF2B5EF4-FFF2-40B4-BE49-F238E27FC236}">
+                <a16:creationId xmlns:a16="http://schemas.microsoft.com/office/drawing/2014/main" id="{37A4E52E-8418-48B9-A613-B07702FCE4F1}"/>
               </a:ext>
             </a:extLst>
           </p:cNvPr>
@@ -4158,144 +5789,17 @@
         </p:nvSpPr>
         <p:spPr/>
         <p:txBody>
-          <a:bodyPr>
-            <a:normAutofit fontScale="55000" lnSpcReduction="20000"/>
-          </a:bodyPr>
+          <a:bodyPr/>
           <a:lstStyle/>
           <a:p>
-            <a:r>
-              <a:rPr lang="en-US" dirty="0"/>
-              <a:t>Introduction to the book cover and preliminary background</a:t>
-            </a:r>
-          </a:p>
-          <a:p>
-            <a:r>
-              <a:rPr lang="en-US" dirty="0"/>
-              <a:t>Chapter 1 + 2 :	</a:t>
-            </a:r>
-          </a:p>
-          <a:p>
-            <a:pPr lvl="1"/>
-            <a:r>
-              <a:rPr lang="en-US" dirty="0"/>
-              <a:t>QUBIT, OR, NOT, NAND, Superposition, entanglement and reversibility</a:t>
-            </a:r>
-          </a:p>
-          <a:p>
-            <a:pPr lvl="1"/>
-            <a:r>
-              <a:rPr lang="en-US" dirty="0"/>
-              <a:t>History</a:t>
-            </a:r>
-          </a:p>
-          <a:p>
-            <a:r>
-              <a:rPr lang="en-US" dirty="0"/>
-              <a:t>Qubits and operators:</a:t>
-            </a:r>
-          </a:p>
-          <a:p>
-            <a:pPr lvl="1"/>
-            <a:r>
-              <a:rPr lang="en-US" dirty="0"/>
-              <a:t>BIT vs QUBIT, vector presentation, red, blue</a:t>
-            </a:r>
-          </a:p>
-          <a:p>
-            <a:pPr lvl="1"/>
-            <a:r>
-              <a:rPr lang="en-US" dirty="0"/>
-              <a:t>NOT, XOR, NANS</a:t>
-            </a:r>
-          </a:p>
-          <a:p>
-            <a:pPr lvl="1"/>
-            <a:r>
-              <a:rPr lang="en-US" dirty="0"/>
-              <a:t>Universal set: CNOT, H, T</a:t>
-            </a:r>
-          </a:p>
-          <a:p>
-            <a:pPr lvl="1"/>
-            <a:r>
-              <a:rPr lang="en-US" dirty="0"/>
-              <a:t>Example NAND classical </a:t>
-            </a:r>
-          </a:p>
-          <a:p>
-            <a:r>
-              <a:rPr lang="en-US" dirty="0"/>
-              <a:t>Chapter 5 Quantum Computers</a:t>
-            </a:r>
-          </a:p>
-          <a:p>
-            <a:r>
-              <a:rPr lang="en-US" dirty="0" err="1"/>
-              <a:t>Cirq</a:t>
-            </a:r>
-            <a:r>
-              <a:rPr lang="en-US" dirty="0"/>
-              <a:t>:</a:t>
-            </a:r>
-          </a:p>
-          <a:p>
-            <a:pPr lvl="1"/>
-            <a:r>
-              <a:rPr lang="en-US" dirty="0"/>
-              <a:t>Introduction to python and google </a:t>
-            </a:r>
-            <a:r>
-              <a:rPr lang="en-US" dirty="0" err="1"/>
-              <a:t>colab</a:t>
-            </a:r>
             <a:endParaRPr lang="en-US" dirty="0"/>
-          </a:p>
-          <a:p>
-            <a:pPr lvl="1"/>
-            <a:r>
-              <a:rPr lang="en-US" dirty="0"/>
-              <a:t>NOT, CNOT, H, T</a:t>
-            </a:r>
-          </a:p>
-          <a:p>
-            <a:r>
-              <a:rPr lang="en-US" dirty="0"/>
-              <a:t>Teleportation</a:t>
-            </a:r>
-          </a:p>
-          <a:p>
-            <a:r>
-              <a:rPr lang="en-US" dirty="0"/>
-              <a:t>ML + QML:</a:t>
-            </a:r>
-          </a:p>
-          <a:p>
-            <a:pPr lvl="1"/>
-            <a:r>
-              <a:rPr lang="en-US" dirty="0"/>
-              <a:t>What’s machine learning</a:t>
-            </a:r>
-          </a:p>
-          <a:p>
-            <a:pPr lvl="1"/>
-            <a:r>
-              <a:rPr lang="en-US" dirty="0"/>
-              <a:t>MNIST TF</a:t>
-            </a:r>
-          </a:p>
-          <a:p>
-            <a:pPr lvl="1"/>
-            <a:r>
-              <a:rPr lang="en-US" dirty="0"/>
-              <a:t>Many worlds QML </a:t>
-            </a:r>
           </a:p>
         </p:txBody>
       </p:sp>
     </p:spTree>
     <p:extLst>
       <p:ext uri="{BB962C8B-B14F-4D97-AF65-F5344CB8AC3E}">
-        <p14:creationId xmlns:p14="http://schemas.microsoft.com/office/powerpoint/2010/main" val="113387824"/>
+        <p14:creationId xmlns:p14="http://schemas.microsoft.com/office/powerpoint/2010/main" val="3914110823"/>
       </p:ext>
     </p:extLst>
   </p:cSld>
@@ -4305,7 +5809,7 @@
 </p:sld>
 </file>
 
-<file path=ppt/slides/slide3.xml><?xml version="1.0" encoding="utf-8"?>
+<file path=ppt/slides/slide14.xml><?xml version="1.0" encoding="utf-8"?>
 <p:sld xmlns:a="http://schemas.openxmlformats.org/drawingml/2006/main" xmlns:r="http://schemas.openxmlformats.org/officeDocument/2006/relationships" xmlns:p="http://schemas.openxmlformats.org/presentationml/2006/main">
   <p:cSld>
     <p:spTree>
@@ -4336,7 +5840,7 @@
         </p:nvGrpSpPr>
         <p:grpSpPr>
           <a:xfrm>
-            <a:off x="7912100" y="862999"/>
+            <a:off x="8213852" y="561247"/>
             <a:ext cx="2833159" cy="2785782"/>
             <a:chOff x="2946400" y="1650399"/>
             <a:chExt cx="2833159" cy="2785782"/>
@@ -4465,6 +5969,1416 @@
           </p:txBody>
         </p:sp>
       </p:grpSp>
+      <mc:AlternateContent xmlns:mc="http://schemas.openxmlformats.org/markup-compatibility/2006">
+        <mc:Choice xmlns:a14="http://schemas.microsoft.com/office/drawing/2010/main" Requires="a14">
+          <p:sp>
+            <p:nvSpPr>
+              <p:cNvPr id="5" name="TextBox 4">
+                <a:extLst>
+                  <a:ext uri="{FF2B5EF4-FFF2-40B4-BE49-F238E27FC236}">
+                    <a16:creationId xmlns:a16="http://schemas.microsoft.com/office/drawing/2014/main" id="{46A62555-6D55-4D80-B9D8-D199A3317488}"/>
+                  </a:ext>
+                </a:extLst>
+              </p:cNvPr>
+              <p:cNvSpPr txBox="1"/>
+              <p:nvPr/>
+            </p:nvSpPr>
+            <p:spPr>
+              <a:xfrm>
+                <a:off x="9025593" y="191915"/>
+                <a:ext cx="1323975" cy="369332"/>
+              </a:xfrm>
+              <a:prstGeom prst="rect">
+                <a:avLst/>
+              </a:prstGeom>
+              <a:noFill/>
+            </p:spPr>
+            <p:txBody>
+              <a:bodyPr wrap="square" rtlCol="0">
+                <a:spAutoFit/>
+              </a:bodyPr>
+              <a:lstStyle/>
+              <a:p>
+                <a14:m>
+                  <m:oMathPara xmlns:m="http://schemas.openxmlformats.org/officeDocument/2006/math">
+                    <m:oMathParaPr>
+                      <m:jc m:val="centerGroup"/>
+                    </m:oMathParaPr>
+                    <m:oMath xmlns:m="http://schemas.openxmlformats.org/officeDocument/2006/math">
+                      <m:r>
+                        <a:rPr lang="en-US" b="0" i="1" smtClean="0">
+                          <a:latin typeface="Cambria Math" panose="02040503050406030204" pitchFamily="18" charset="0"/>
+                        </a:rPr>
+                        <m:t>|1⟩</m:t>
+                      </m:r>
+                    </m:oMath>
+                  </m:oMathPara>
+                </a14:m>
+                <a:endParaRPr lang="en-US" dirty="0"/>
+              </a:p>
+            </p:txBody>
+          </p:sp>
+        </mc:Choice>
+        <mc:Fallback>
+          <p:sp>
+            <p:nvSpPr>
+              <p:cNvPr id="5" name="TextBox 4">
+                <a:extLst>
+                  <a:ext uri="{FF2B5EF4-FFF2-40B4-BE49-F238E27FC236}">
+                    <a16:creationId xmlns:a16="http://schemas.microsoft.com/office/drawing/2014/main" id="{46A62555-6D55-4D80-B9D8-D199A3317488}"/>
+                  </a:ext>
+                </a:extLst>
+              </p:cNvPr>
+              <p:cNvSpPr txBox="1">
+                <a:spLocks noRot="1" noChangeAspect="1" noMove="1" noResize="1" noEditPoints="1" noAdjustHandles="1" noChangeArrowheads="1" noChangeShapeType="1" noTextEdit="1"/>
+              </p:cNvSpPr>
+              <p:nvPr/>
+            </p:nvSpPr>
+            <p:spPr>
+              <a:xfrm>
+                <a:off x="9025593" y="191915"/>
+                <a:ext cx="1323975" cy="369332"/>
+              </a:xfrm>
+              <a:prstGeom prst="rect">
+                <a:avLst/>
+              </a:prstGeom>
+              <a:blipFill>
+                <a:blip r:embed="rId2"/>
+                <a:stretch>
+                  <a:fillRect b="-13115"/>
+                </a:stretch>
+              </a:blipFill>
+            </p:spPr>
+            <p:txBody>
+              <a:bodyPr/>
+              <a:lstStyle/>
+              <a:p>
+                <a:r>
+                  <a:rPr lang="en-US">
+                    <a:noFill/>
+                  </a:rPr>
+                  <a:t> </a:t>
+                </a:r>
+              </a:p>
+            </p:txBody>
+          </p:sp>
+        </mc:Fallback>
+      </mc:AlternateContent>
+      <mc:AlternateContent xmlns:mc="http://schemas.openxmlformats.org/markup-compatibility/2006">
+        <mc:Choice xmlns:a14="http://schemas.microsoft.com/office/drawing/2010/main" Requires="a14">
+          <p:sp>
+            <p:nvSpPr>
+              <p:cNvPr id="12" name="TextBox 11">
+                <a:extLst>
+                  <a:ext uri="{FF2B5EF4-FFF2-40B4-BE49-F238E27FC236}">
+                    <a16:creationId xmlns:a16="http://schemas.microsoft.com/office/drawing/2014/main" id="{0ACF9D84-A7F2-477C-B171-360597930E8E}"/>
+                  </a:ext>
+                </a:extLst>
+              </p:cNvPr>
+              <p:cNvSpPr txBox="1"/>
+              <p:nvPr/>
+            </p:nvSpPr>
+            <p:spPr>
+              <a:xfrm>
+                <a:off x="9025593" y="3326306"/>
+                <a:ext cx="1323975" cy="369332"/>
+              </a:xfrm>
+              <a:prstGeom prst="rect">
+                <a:avLst/>
+              </a:prstGeom>
+              <a:noFill/>
+            </p:spPr>
+            <p:txBody>
+              <a:bodyPr wrap="square" rtlCol="0">
+                <a:spAutoFit/>
+              </a:bodyPr>
+              <a:lstStyle/>
+              <a:p>
+                <a14:m>
+                  <m:oMathPara xmlns:m="http://schemas.openxmlformats.org/officeDocument/2006/math">
+                    <m:oMathParaPr>
+                      <m:jc m:val="centerGroup"/>
+                    </m:oMathParaPr>
+                    <m:oMath xmlns:m="http://schemas.openxmlformats.org/officeDocument/2006/math">
+                      <m:r>
+                        <a:rPr lang="en-US" b="0" i="1" smtClean="0">
+                          <a:latin typeface="Cambria Math" panose="02040503050406030204" pitchFamily="18" charset="0"/>
+                        </a:rPr>
+                        <m:t>|0⟩</m:t>
+                      </m:r>
+                    </m:oMath>
+                  </m:oMathPara>
+                </a14:m>
+                <a:endParaRPr lang="en-US" dirty="0"/>
+              </a:p>
+            </p:txBody>
+          </p:sp>
+        </mc:Choice>
+        <mc:Fallback>
+          <p:sp>
+            <p:nvSpPr>
+              <p:cNvPr id="12" name="TextBox 11">
+                <a:extLst>
+                  <a:ext uri="{FF2B5EF4-FFF2-40B4-BE49-F238E27FC236}">
+                    <a16:creationId xmlns:a16="http://schemas.microsoft.com/office/drawing/2014/main" id="{0ACF9D84-A7F2-477C-B171-360597930E8E}"/>
+                  </a:ext>
+                </a:extLst>
+              </p:cNvPr>
+              <p:cNvSpPr txBox="1">
+                <a:spLocks noRot="1" noChangeAspect="1" noMove="1" noResize="1" noEditPoints="1" noAdjustHandles="1" noChangeArrowheads="1" noChangeShapeType="1" noTextEdit="1"/>
+              </p:cNvSpPr>
+              <p:nvPr/>
+            </p:nvSpPr>
+            <p:spPr>
+              <a:xfrm>
+                <a:off x="9025593" y="3326306"/>
+                <a:ext cx="1323975" cy="369332"/>
+              </a:xfrm>
+              <a:prstGeom prst="rect">
+                <a:avLst/>
+              </a:prstGeom>
+              <a:blipFill>
+                <a:blip r:embed="rId3"/>
+                <a:stretch>
+                  <a:fillRect b="-13333"/>
+                </a:stretch>
+              </a:blipFill>
+            </p:spPr>
+            <p:txBody>
+              <a:bodyPr/>
+              <a:lstStyle/>
+              <a:p>
+                <a:r>
+                  <a:rPr lang="en-US">
+                    <a:noFill/>
+                  </a:rPr>
+                  <a:t> </a:t>
+                </a:r>
+              </a:p>
+            </p:txBody>
+          </p:sp>
+        </mc:Fallback>
+      </mc:AlternateContent>
+      <mc:AlternateContent xmlns:mc="http://schemas.openxmlformats.org/markup-compatibility/2006">
+        <mc:Choice xmlns:a14="http://schemas.microsoft.com/office/drawing/2010/main" Requires="a14">
+          <p:sp>
+            <p:nvSpPr>
+              <p:cNvPr id="14" name="TextBox 13">
+                <a:extLst>
+                  <a:ext uri="{FF2B5EF4-FFF2-40B4-BE49-F238E27FC236}">
+                    <a16:creationId xmlns:a16="http://schemas.microsoft.com/office/drawing/2014/main" id="{970FA26B-3124-4435-8D16-D6415AD48AF2}"/>
+                  </a:ext>
+                </a:extLst>
+              </p:cNvPr>
+              <p:cNvSpPr txBox="1"/>
+              <p:nvPr/>
+            </p:nvSpPr>
+            <p:spPr>
+              <a:xfrm>
+                <a:off x="2143125" y="2052199"/>
+                <a:ext cx="2128307" cy="369332"/>
+              </a:xfrm>
+              <a:prstGeom prst="rect">
+                <a:avLst/>
+              </a:prstGeom>
+              <a:noFill/>
+            </p:spPr>
+            <p:txBody>
+              <a:bodyPr wrap="square" rtlCol="0">
+                <a:spAutoFit/>
+              </a:bodyPr>
+              <a:lstStyle/>
+              <a:p>
+                <a:pPr algn="ctr"/>
+                <a14:m>
+                  <m:oMathPara xmlns:m="http://schemas.openxmlformats.org/officeDocument/2006/math">
+                    <m:oMathParaPr>
+                      <m:jc m:val="centerGroup"/>
+                    </m:oMathParaPr>
+                    <m:oMath xmlns:m="http://schemas.openxmlformats.org/officeDocument/2006/math">
+                      <m:d>
+                        <m:dPr>
+                          <m:begChr m:val="|"/>
+                          <m:endChr m:val="⟩"/>
+                          <m:ctrlPr>
+                            <a:rPr lang="en-US" b="0" i="0" smtClean="0">
+                              <a:latin typeface="Cambria Math" panose="02040503050406030204" pitchFamily="18" charset="0"/>
+                            </a:rPr>
+                          </m:ctrlPr>
+                        </m:dPr>
+                        <m:e>
+                          <m:r>
+                            <m:rPr>
+                              <m:sty m:val="p"/>
+                            </m:rPr>
+                            <a:rPr lang="en-US" b="0" i="0" smtClean="0">
+                              <a:latin typeface="Cambria Math" panose="02040503050406030204" pitchFamily="18" charset="0"/>
+                            </a:rPr>
+                            <m:t>ψ</m:t>
+                          </m:r>
+                        </m:e>
+                      </m:d>
+                      <m:r>
+                        <a:rPr lang="en-US" b="0" i="1" smtClean="0">
+                          <a:latin typeface="Cambria Math" panose="02040503050406030204" pitchFamily="18" charset="0"/>
+                        </a:rPr>
+                        <m:t>=</m:t>
+                      </m:r>
+                      <m:r>
+                        <m:rPr>
+                          <m:sty m:val="p"/>
+                        </m:rPr>
+                        <a:rPr lang="en-US" b="0" i="0" smtClean="0">
+                          <a:latin typeface="Cambria Math" panose="02040503050406030204" pitchFamily="18" charset="0"/>
+                        </a:rPr>
+                        <m:t>α</m:t>
+                      </m:r>
+                      <m:d>
+                        <m:dPr>
+                          <m:begChr m:val="|"/>
+                          <m:endChr m:val="⟩"/>
+                          <m:ctrlPr>
+                            <a:rPr lang="en-US" b="0" i="1" smtClean="0">
+                              <a:latin typeface="Cambria Math" panose="02040503050406030204" pitchFamily="18" charset="0"/>
+                            </a:rPr>
+                          </m:ctrlPr>
+                        </m:dPr>
+                        <m:e>
+                          <m:r>
+                            <a:rPr lang="en-US" b="0" i="1" smtClean="0">
+                              <a:latin typeface="Cambria Math" panose="02040503050406030204" pitchFamily="18" charset="0"/>
+                            </a:rPr>
+                            <m:t>0</m:t>
+                          </m:r>
+                        </m:e>
+                      </m:d>
+                      <m:r>
+                        <a:rPr lang="en-US" b="0" i="1" smtClean="0">
+                          <a:latin typeface="Cambria Math" panose="02040503050406030204" pitchFamily="18" charset="0"/>
+                        </a:rPr>
+                        <m:t>+</m:t>
+                      </m:r>
+                      <m:r>
+                        <m:rPr>
+                          <m:sty m:val="p"/>
+                        </m:rPr>
+                        <a:rPr lang="en-US" b="0" i="0" smtClean="0">
+                          <a:latin typeface="Cambria Math" panose="02040503050406030204" pitchFamily="18" charset="0"/>
+                        </a:rPr>
+                        <m:t>β</m:t>
+                      </m:r>
+                      <m:d>
+                        <m:dPr>
+                          <m:begChr m:val="|"/>
+                          <m:endChr m:val="⟩"/>
+                          <m:ctrlPr>
+                            <a:rPr lang="en-US" i="1">
+                              <a:latin typeface="Cambria Math" panose="02040503050406030204" pitchFamily="18" charset="0"/>
+                            </a:rPr>
+                          </m:ctrlPr>
+                        </m:dPr>
+                        <m:e>
+                          <m:r>
+                            <a:rPr lang="en-US" b="0" i="1" smtClean="0">
+                              <a:latin typeface="Cambria Math" panose="02040503050406030204" pitchFamily="18" charset="0"/>
+                            </a:rPr>
+                            <m:t>1</m:t>
+                          </m:r>
+                        </m:e>
+                      </m:d>
+                    </m:oMath>
+                  </m:oMathPara>
+                </a14:m>
+                <a:endParaRPr lang="en-US" dirty="0"/>
+              </a:p>
+            </p:txBody>
+          </p:sp>
+        </mc:Choice>
+        <mc:Fallback>
+          <p:sp>
+            <p:nvSpPr>
+              <p:cNvPr id="14" name="TextBox 13">
+                <a:extLst>
+                  <a:ext uri="{FF2B5EF4-FFF2-40B4-BE49-F238E27FC236}">
+                    <a16:creationId xmlns:a16="http://schemas.microsoft.com/office/drawing/2014/main" id="{970FA26B-3124-4435-8D16-D6415AD48AF2}"/>
+                  </a:ext>
+                </a:extLst>
+              </p:cNvPr>
+              <p:cNvSpPr txBox="1">
+                <a:spLocks noRot="1" noChangeAspect="1" noMove="1" noResize="1" noEditPoints="1" noAdjustHandles="1" noChangeArrowheads="1" noChangeShapeType="1" noTextEdit="1"/>
+              </p:cNvSpPr>
+              <p:nvPr/>
+            </p:nvSpPr>
+            <p:spPr>
+              <a:xfrm>
+                <a:off x="2143125" y="2052199"/>
+                <a:ext cx="2128307" cy="369332"/>
+              </a:xfrm>
+              <a:prstGeom prst="rect">
+                <a:avLst/>
+              </a:prstGeom>
+              <a:blipFill>
+                <a:blip r:embed="rId4"/>
+                <a:stretch>
+                  <a:fillRect b="-13333"/>
+                </a:stretch>
+              </a:blipFill>
+            </p:spPr>
+            <p:txBody>
+              <a:bodyPr/>
+              <a:lstStyle/>
+              <a:p>
+                <a:r>
+                  <a:rPr lang="en-US">
+                    <a:noFill/>
+                  </a:rPr>
+                  <a:t> </a:t>
+                </a:r>
+              </a:p>
+            </p:txBody>
+          </p:sp>
+        </mc:Fallback>
+      </mc:AlternateContent>
+      <mc:AlternateContent xmlns:mc="http://schemas.openxmlformats.org/markup-compatibility/2006">
+        <mc:Choice xmlns:a14="http://schemas.microsoft.com/office/drawing/2010/main" Requires="a14">
+          <p:sp>
+            <p:nvSpPr>
+              <p:cNvPr id="24" name="TextBox 23">
+                <a:extLst>
+                  <a:ext uri="{FF2B5EF4-FFF2-40B4-BE49-F238E27FC236}">
+                    <a16:creationId xmlns:a16="http://schemas.microsoft.com/office/drawing/2014/main" id="{6213CB8F-2A80-4155-AB77-04F950D3A65A}"/>
+                  </a:ext>
+                </a:extLst>
+              </p:cNvPr>
+              <p:cNvSpPr txBox="1"/>
+              <p:nvPr/>
+            </p:nvSpPr>
+            <p:spPr>
+              <a:xfrm>
+                <a:off x="10306839" y="839330"/>
+                <a:ext cx="1323975" cy="369332"/>
+              </a:xfrm>
+              <a:prstGeom prst="rect">
+                <a:avLst/>
+              </a:prstGeom>
+              <a:noFill/>
+            </p:spPr>
+            <p:txBody>
+              <a:bodyPr wrap="square" rtlCol="0">
+                <a:spAutoFit/>
+              </a:bodyPr>
+              <a:lstStyle/>
+              <a:p>
+                <a14:m>
+                  <m:oMathPara xmlns:m="http://schemas.openxmlformats.org/officeDocument/2006/math">
+                    <m:oMathParaPr>
+                      <m:jc m:val="centerGroup"/>
+                    </m:oMathParaPr>
+                    <m:oMath xmlns:m="http://schemas.openxmlformats.org/officeDocument/2006/math">
+                      <m:r>
+                        <a:rPr lang="en-US" smtClean="0">
+                          <a:latin typeface="Cambria Math" panose="02040503050406030204" pitchFamily="18" charset="0"/>
+                        </a:rPr>
+                        <m:t>|</m:t>
+                      </m:r>
+                      <m:r>
+                        <m:rPr>
+                          <m:sty m:val="p"/>
+                        </m:rPr>
+                        <a:rPr lang="en-US" b="0" i="0" smtClean="0">
+                          <a:latin typeface="Cambria Math" panose="02040503050406030204" pitchFamily="18" charset="0"/>
+                        </a:rPr>
+                        <m:t>A</m:t>
+                      </m:r>
+                      <m:r>
+                        <a:rPr lang="en-US" b="0" i="1" smtClean="0">
+                          <a:latin typeface="Cambria Math" panose="02040503050406030204" pitchFamily="18" charset="0"/>
+                        </a:rPr>
+                        <m:t>⟩</m:t>
+                      </m:r>
+                    </m:oMath>
+                  </m:oMathPara>
+                </a14:m>
+                <a:endParaRPr lang="en-US" dirty="0"/>
+              </a:p>
+            </p:txBody>
+          </p:sp>
+        </mc:Choice>
+        <mc:Fallback>
+          <p:sp>
+            <p:nvSpPr>
+              <p:cNvPr id="24" name="TextBox 23">
+                <a:extLst>
+                  <a:ext uri="{FF2B5EF4-FFF2-40B4-BE49-F238E27FC236}">
+                    <a16:creationId xmlns:a16="http://schemas.microsoft.com/office/drawing/2014/main" id="{6213CB8F-2A80-4155-AB77-04F950D3A65A}"/>
+                  </a:ext>
+                </a:extLst>
+              </p:cNvPr>
+              <p:cNvSpPr txBox="1">
+                <a:spLocks noRot="1" noChangeAspect="1" noMove="1" noResize="1" noEditPoints="1" noAdjustHandles="1" noChangeArrowheads="1" noChangeShapeType="1" noTextEdit="1"/>
+              </p:cNvSpPr>
+              <p:nvPr/>
+            </p:nvSpPr>
+            <p:spPr>
+              <a:xfrm>
+                <a:off x="10306839" y="839330"/>
+                <a:ext cx="1323975" cy="369332"/>
+              </a:xfrm>
+              <a:prstGeom prst="rect">
+                <a:avLst/>
+              </a:prstGeom>
+              <a:blipFill>
+                <a:blip r:embed="rId5"/>
+                <a:stretch>
+                  <a:fillRect b="-13333"/>
+                </a:stretch>
+              </a:blipFill>
+            </p:spPr>
+            <p:txBody>
+              <a:bodyPr/>
+              <a:lstStyle/>
+              <a:p>
+                <a:r>
+                  <a:rPr lang="en-US">
+                    <a:noFill/>
+                  </a:rPr>
+                  <a:t> </a:t>
+                </a:r>
+              </a:p>
+            </p:txBody>
+          </p:sp>
+        </mc:Fallback>
+      </mc:AlternateContent>
+      <p:grpSp>
+        <p:nvGrpSpPr>
+          <p:cNvPr id="37" name="Group 36">
+            <a:extLst>
+              <a:ext uri="{FF2B5EF4-FFF2-40B4-BE49-F238E27FC236}">
+                <a16:creationId xmlns:a16="http://schemas.microsoft.com/office/drawing/2014/main" id="{140A1051-36C2-4FB5-9B79-F1D73B887EB2}"/>
+              </a:ext>
+            </a:extLst>
+          </p:cNvPr>
+          <p:cNvGrpSpPr/>
+          <p:nvPr/>
+        </p:nvGrpSpPr>
+        <p:grpSpPr>
+          <a:xfrm>
+            <a:off x="5789676" y="191915"/>
+            <a:ext cx="914400" cy="914400"/>
+            <a:chOff x="4617629" y="601247"/>
+            <a:chExt cx="914400" cy="914400"/>
+          </a:xfrm>
+        </p:grpSpPr>
+        <p:pic>
+          <p:nvPicPr>
+            <p:cNvPr id="30" name="Graphic 29">
+              <a:extLst>
+                <a:ext uri="{FF2B5EF4-FFF2-40B4-BE49-F238E27FC236}">
+                  <a16:creationId xmlns:a16="http://schemas.microsoft.com/office/drawing/2014/main" id="{80B55997-6FF8-4028-9D19-936B91B916AD}"/>
+                </a:ext>
+                <a:ext uri="{C183D7F6-B498-43B3-948B-1728B52AA6E4}">
+                  <adec:decorative xmlns:adec="http://schemas.microsoft.com/office/drawing/2017/decorative" val="1"/>
+                </a:ext>
+              </a:extLst>
+            </p:cNvPr>
+            <p:cNvPicPr>
+              <a:picLocks noChangeAspect="1"/>
+            </p:cNvPicPr>
+            <p:nvPr/>
+          </p:nvPicPr>
+          <p:blipFill>
+            <a:blip r:embed="rId6">
+              <a:extLst>
+                <a:ext uri="{28A0092B-C50C-407E-A947-70E740481C1C}">
+                  <a14:useLocalDpi xmlns:a14="http://schemas.microsoft.com/office/drawing/2010/main" val="0"/>
+                </a:ext>
+                <a:ext uri="{96DAC541-7B7A-43D3-8B79-37D633B846F1}">
+                  <asvg:svgBlip xmlns:asvg="http://schemas.microsoft.com/office/drawing/2016/SVG/main" r:embed="rId7"/>
+                </a:ext>
+              </a:extLst>
+            </a:blip>
+            <a:stretch>
+              <a:fillRect/>
+            </a:stretch>
+          </p:blipFill>
+          <p:spPr>
+            <a:xfrm>
+              <a:off x="4617629" y="601247"/>
+              <a:ext cx="914400" cy="914400"/>
+            </a:xfrm>
+            <a:prstGeom prst="rect">
+              <a:avLst/>
+            </a:prstGeom>
+          </p:spPr>
+        </p:pic>
+        <p:sp>
+          <p:nvSpPr>
+            <p:cNvPr id="32" name="Rectangle 31">
+              <a:extLst>
+                <a:ext uri="{FF2B5EF4-FFF2-40B4-BE49-F238E27FC236}">
+                  <a16:creationId xmlns:a16="http://schemas.microsoft.com/office/drawing/2014/main" id="{80445687-89CA-45D2-9CB1-15801B0B8498}"/>
+                </a:ext>
+              </a:extLst>
+            </p:cNvPr>
+            <p:cNvSpPr/>
+            <p:nvPr/>
+          </p:nvSpPr>
+          <p:spPr>
+            <a:xfrm>
+              <a:off x="4886937" y="1017333"/>
+              <a:ext cx="301685" cy="369332"/>
+            </a:xfrm>
+            <a:prstGeom prst="rect">
+              <a:avLst/>
+            </a:prstGeom>
+          </p:spPr>
+          <p:txBody>
+            <a:bodyPr wrap="none">
+              <a:spAutoFit/>
+            </a:bodyPr>
+            <a:lstStyle/>
+            <a:p>
+              <a:pPr algn="ctr"/>
+              <a:r>
+                <a:rPr lang="en-US" dirty="0">
+                  <a:solidFill>
+                    <a:schemeClr val="bg1"/>
+                  </a:solidFill>
+                </a:rPr>
+                <a:t>1</a:t>
+              </a:r>
+            </a:p>
+          </p:txBody>
+        </p:sp>
+      </p:grpSp>
+      <p:grpSp>
+        <p:nvGrpSpPr>
+          <p:cNvPr id="38" name="Group 37">
+            <a:extLst>
+              <a:ext uri="{FF2B5EF4-FFF2-40B4-BE49-F238E27FC236}">
+                <a16:creationId xmlns:a16="http://schemas.microsoft.com/office/drawing/2014/main" id="{25754EAB-5B6A-49CC-8019-CC60E3004567}"/>
+              </a:ext>
+            </a:extLst>
+          </p:cNvPr>
+          <p:cNvGrpSpPr/>
+          <p:nvPr/>
+        </p:nvGrpSpPr>
+        <p:grpSpPr>
+          <a:xfrm>
+            <a:off x="5789676" y="2781238"/>
+            <a:ext cx="914400" cy="914400"/>
+            <a:chOff x="4617629" y="2432629"/>
+            <a:chExt cx="914400" cy="914400"/>
+          </a:xfrm>
+        </p:grpSpPr>
+        <p:pic>
+          <p:nvPicPr>
+            <p:cNvPr id="33" name="Graphic 32">
+              <a:extLst>
+                <a:ext uri="{FF2B5EF4-FFF2-40B4-BE49-F238E27FC236}">
+                  <a16:creationId xmlns:a16="http://schemas.microsoft.com/office/drawing/2014/main" id="{C1D2B62F-AC82-425E-B4D2-4E2F8E314495}"/>
+                </a:ext>
+                <a:ext uri="{C183D7F6-B498-43B3-948B-1728B52AA6E4}">
+                  <adec:decorative xmlns:adec="http://schemas.microsoft.com/office/drawing/2017/decorative" val="1"/>
+                </a:ext>
+              </a:extLst>
+            </p:cNvPr>
+            <p:cNvPicPr>
+              <a:picLocks noChangeAspect="1"/>
+            </p:cNvPicPr>
+            <p:nvPr/>
+          </p:nvPicPr>
+          <p:blipFill>
+            <a:blip r:embed="rId8">
+              <a:extLst>
+                <a:ext uri="{28A0092B-C50C-407E-A947-70E740481C1C}">
+                  <a14:useLocalDpi xmlns:a14="http://schemas.microsoft.com/office/drawing/2010/main" val="0"/>
+                </a:ext>
+                <a:ext uri="{96DAC541-7B7A-43D3-8B79-37D633B846F1}">
+                  <asvg:svgBlip xmlns:asvg="http://schemas.microsoft.com/office/drawing/2016/SVG/main" r:embed="rId9"/>
+                </a:ext>
+              </a:extLst>
+            </a:blip>
+            <a:stretch>
+              <a:fillRect/>
+            </a:stretch>
+          </p:blipFill>
+          <p:spPr>
+            <a:xfrm>
+              <a:off x="4617629" y="2432629"/>
+              <a:ext cx="914400" cy="914400"/>
+            </a:xfrm>
+            <a:prstGeom prst="rect">
+              <a:avLst/>
+            </a:prstGeom>
+          </p:spPr>
+        </p:pic>
+        <p:sp>
+          <p:nvSpPr>
+            <p:cNvPr id="34" name="Rectangle 33">
+              <a:extLst>
+                <a:ext uri="{FF2B5EF4-FFF2-40B4-BE49-F238E27FC236}">
+                  <a16:creationId xmlns:a16="http://schemas.microsoft.com/office/drawing/2014/main" id="{23912091-6453-48B1-AA54-117977D88AAE}"/>
+                </a:ext>
+              </a:extLst>
+            </p:cNvPr>
+            <p:cNvSpPr/>
+            <p:nvPr/>
+          </p:nvSpPr>
+          <p:spPr>
+            <a:xfrm>
+              <a:off x="4886937" y="2848715"/>
+              <a:ext cx="301685" cy="369332"/>
+            </a:xfrm>
+            <a:prstGeom prst="rect">
+              <a:avLst/>
+            </a:prstGeom>
+          </p:spPr>
+          <p:txBody>
+            <a:bodyPr wrap="none">
+              <a:spAutoFit/>
+            </a:bodyPr>
+            <a:lstStyle/>
+            <a:p>
+              <a:pPr algn="ctr"/>
+              <a:r>
+                <a:rPr lang="en-US" dirty="0">
+                  <a:solidFill>
+                    <a:schemeClr val="bg1"/>
+                  </a:solidFill>
+                </a:rPr>
+                <a:t>0</a:t>
+              </a:r>
+            </a:p>
+          </p:txBody>
+        </p:sp>
+      </p:grpSp>
+      <p:pic>
+        <p:nvPicPr>
+          <p:cNvPr id="39" name="Graphic 38">
+            <a:extLst>
+              <a:ext uri="{FF2B5EF4-FFF2-40B4-BE49-F238E27FC236}">
+                <a16:creationId xmlns:a16="http://schemas.microsoft.com/office/drawing/2014/main" id="{9260DA12-4B1B-4DDC-AB50-0643D2FE6D6C}"/>
+              </a:ext>
+              <a:ext uri="{C183D7F6-B498-43B3-948B-1728B52AA6E4}">
+                <adec:decorative xmlns:adec="http://schemas.microsoft.com/office/drawing/2017/decorative" val="1"/>
+              </a:ext>
+            </a:extLst>
+          </p:cNvPr>
+          <p:cNvPicPr>
+            <a:picLocks noChangeAspect="1"/>
+          </p:cNvPicPr>
+          <p:nvPr/>
+        </p:nvPicPr>
+        <p:blipFill>
+          <a:blip r:embed="rId10">
+            <a:extLst>
+              <a:ext uri="{28A0092B-C50C-407E-A947-70E740481C1C}">
+                <a14:useLocalDpi xmlns:a14="http://schemas.microsoft.com/office/drawing/2010/main" val="0"/>
+              </a:ext>
+              <a:ext uri="{96DAC541-7B7A-43D3-8B79-37D633B846F1}">
+                <asvg:svgBlip xmlns:asvg="http://schemas.microsoft.com/office/drawing/2016/SVG/main" r:embed="rId11"/>
+              </a:ext>
+            </a:extLst>
+          </a:blip>
+          <a:stretch>
+            <a:fillRect/>
+          </a:stretch>
+        </p:blipFill>
+        <p:spPr>
+          <a:xfrm>
+            <a:off x="6462522" y="4456161"/>
+            <a:ext cx="914400" cy="914400"/>
+          </a:xfrm>
+          <a:prstGeom prst="rect">
+            <a:avLst/>
+          </a:prstGeom>
+        </p:spPr>
+      </p:pic>
+      <p:sp>
+        <p:nvSpPr>
+          <p:cNvPr id="40" name="Rectangle 39">
+            <a:extLst>
+              <a:ext uri="{FF2B5EF4-FFF2-40B4-BE49-F238E27FC236}">
+                <a16:creationId xmlns:a16="http://schemas.microsoft.com/office/drawing/2014/main" id="{7E030F32-EFCD-4D4B-AF6A-DF90AF2B7A20}"/>
+              </a:ext>
+            </a:extLst>
+          </p:cNvPr>
+          <p:cNvSpPr/>
+          <p:nvPr/>
+        </p:nvSpPr>
+        <p:spPr>
+          <a:xfrm>
+            <a:off x="6723815" y="4872247"/>
+            <a:ext cx="317716" cy="369332"/>
+          </a:xfrm>
+          <a:prstGeom prst="rect">
+            <a:avLst/>
+          </a:prstGeom>
+        </p:spPr>
+        <p:txBody>
+          <a:bodyPr wrap="none">
+            <a:spAutoFit/>
+          </a:bodyPr>
+          <a:lstStyle/>
+          <a:p>
+            <a:pPr algn="ctr"/>
+            <a:r>
+              <a:rPr lang="en-US" dirty="0">
+                <a:solidFill>
+                  <a:schemeClr val="bg1"/>
+                </a:solidFill>
+              </a:rPr>
+              <a:t>A</a:t>
+            </a:r>
+          </a:p>
+        </p:txBody>
+      </p:sp>
+      <p:grpSp>
+        <p:nvGrpSpPr>
+          <p:cNvPr id="55" name="Group 54">
+            <a:extLst>
+              <a:ext uri="{FF2B5EF4-FFF2-40B4-BE49-F238E27FC236}">
+                <a16:creationId xmlns:a16="http://schemas.microsoft.com/office/drawing/2014/main" id="{AA978BE0-4B0F-42C4-A74E-A95C151E93DB}"/>
+              </a:ext>
+            </a:extLst>
+          </p:cNvPr>
+          <p:cNvGrpSpPr/>
+          <p:nvPr/>
+        </p:nvGrpSpPr>
+        <p:grpSpPr>
+          <a:xfrm>
+            <a:off x="9119913" y="547207"/>
+            <a:ext cx="1633811" cy="1431858"/>
+            <a:chOff x="9119913" y="547207"/>
+            <a:chExt cx="1633811" cy="1431858"/>
+          </a:xfrm>
+        </p:grpSpPr>
+        <p:grpSp>
+          <p:nvGrpSpPr>
+            <p:cNvPr id="53" name="Group 52">
+              <a:extLst>
+                <a:ext uri="{FF2B5EF4-FFF2-40B4-BE49-F238E27FC236}">
+                  <a16:creationId xmlns:a16="http://schemas.microsoft.com/office/drawing/2014/main" id="{32722BDA-7C2D-4CD2-AABC-E121A5EE76B9}"/>
+                </a:ext>
+              </a:extLst>
+            </p:cNvPr>
+            <p:cNvGrpSpPr/>
+            <p:nvPr/>
+          </p:nvGrpSpPr>
+          <p:grpSpPr>
+            <a:xfrm>
+              <a:off x="9522410" y="547207"/>
+              <a:ext cx="1231314" cy="1431858"/>
+              <a:chOff x="9522410" y="547207"/>
+              <a:chExt cx="1231314" cy="1431858"/>
+            </a:xfrm>
+          </p:grpSpPr>
+          <p:grpSp>
+            <p:nvGrpSpPr>
+              <p:cNvPr id="51" name="Group 50">
+                <a:extLst>
+                  <a:ext uri="{FF2B5EF4-FFF2-40B4-BE49-F238E27FC236}">
+                    <a16:creationId xmlns:a16="http://schemas.microsoft.com/office/drawing/2014/main" id="{2F07E429-3A3A-4777-8054-420EB26ECD51}"/>
+                  </a:ext>
+                </a:extLst>
+              </p:cNvPr>
+              <p:cNvGrpSpPr/>
+              <p:nvPr/>
+            </p:nvGrpSpPr>
+            <p:grpSpPr>
+              <a:xfrm>
+                <a:off x="9659005" y="547207"/>
+                <a:ext cx="1094719" cy="1431858"/>
+                <a:chOff x="9659005" y="547207"/>
+                <a:chExt cx="1094719" cy="1431858"/>
+              </a:xfrm>
+            </p:grpSpPr>
+            <p:cxnSp>
+              <p:nvCxnSpPr>
+                <p:cNvPr id="17" name="Straight Arrow Connector 16">
+                  <a:extLst>
+                    <a:ext uri="{FF2B5EF4-FFF2-40B4-BE49-F238E27FC236}">
+                      <a16:creationId xmlns:a16="http://schemas.microsoft.com/office/drawing/2014/main" id="{5D9B07AF-0F5E-4FB9-B829-FF95C222C8F5}"/>
+                    </a:ext>
+                  </a:extLst>
+                </p:cNvPr>
+                <p:cNvCxnSpPr>
+                  <a:cxnSpLocks/>
+                  <a:stCxn id="47" idx="7"/>
+                </p:cNvCxnSpPr>
+                <p:nvPr/>
+              </p:nvCxnSpPr>
+              <p:spPr>
+                <a:xfrm flipV="1">
+                  <a:off x="9707786" y="1128176"/>
+                  <a:ext cx="1045938" cy="802108"/>
+                </a:xfrm>
+                <a:prstGeom prst="straightConnector1">
+                  <a:avLst/>
+                </a:prstGeom>
+                <a:ln w="28575">
+                  <a:solidFill>
+                    <a:schemeClr val="bg1"/>
+                  </a:solidFill>
+                  <a:tailEnd type="triangle"/>
+                </a:ln>
+              </p:spPr>
+              <p:style>
+                <a:lnRef idx="3">
+                  <a:schemeClr val="dk1"/>
+                </a:lnRef>
+                <a:fillRef idx="0">
+                  <a:schemeClr val="dk1"/>
+                </a:fillRef>
+                <a:effectRef idx="2">
+                  <a:schemeClr val="dk1"/>
+                </a:effectRef>
+                <a:fontRef idx="minor">
+                  <a:schemeClr val="tx1"/>
+                </a:fontRef>
+              </p:style>
+            </p:cxnSp>
+            <p:cxnSp>
+              <p:nvCxnSpPr>
+                <p:cNvPr id="43" name="Straight Arrow Connector 42">
+                  <a:extLst>
+                    <a:ext uri="{FF2B5EF4-FFF2-40B4-BE49-F238E27FC236}">
+                      <a16:creationId xmlns:a16="http://schemas.microsoft.com/office/drawing/2014/main" id="{63D914C1-EC13-4DB5-8319-BF93D05253F4}"/>
+                    </a:ext>
+                  </a:extLst>
+                </p:cNvPr>
+                <p:cNvCxnSpPr>
+                  <a:cxnSpLocks/>
+                  <a:stCxn id="47" idx="0"/>
+                </p:cNvCxnSpPr>
+                <p:nvPr/>
+              </p:nvCxnSpPr>
+              <p:spPr>
+                <a:xfrm flipH="1" flipV="1">
+                  <a:off x="9677594" y="547207"/>
+                  <a:ext cx="9986" cy="1374708"/>
+                </a:xfrm>
+                <a:prstGeom prst="straightConnector1">
+                  <a:avLst/>
+                </a:prstGeom>
+                <a:ln w="28575">
+                  <a:solidFill>
+                    <a:schemeClr val="bg1"/>
+                  </a:solidFill>
+                  <a:tailEnd type="triangle"/>
+                </a:ln>
+              </p:spPr>
+              <p:style>
+                <a:lnRef idx="3">
+                  <a:schemeClr val="dk1"/>
+                </a:lnRef>
+                <a:fillRef idx="0">
+                  <a:schemeClr val="dk1"/>
+                </a:fillRef>
+                <a:effectRef idx="2">
+                  <a:schemeClr val="dk1"/>
+                </a:effectRef>
+                <a:fontRef idx="minor">
+                  <a:schemeClr val="tx1"/>
+                </a:fontRef>
+              </p:style>
+            </p:cxnSp>
+            <p:sp>
+              <p:nvSpPr>
+                <p:cNvPr id="47" name="Oval 46">
+                  <a:extLst>
+                    <a:ext uri="{FF2B5EF4-FFF2-40B4-BE49-F238E27FC236}">
+                      <a16:creationId xmlns:a16="http://schemas.microsoft.com/office/drawing/2014/main" id="{00456318-23E0-4BFB-8529-1896227EB708}"/>
+                    </a:ext>
+                  </a:extLst>
+                </p:cNvPr>
+                <p:cNvSpPr/>
+                <p:nvPr/>
+              </p:nvSpPr>
+              <p:spPr>
+                <a:xfrm>
+                  <a:off x="9659005" y="1921915"/>
+                  <a:ext cx="57150" cy="57150"/>
+                </a:xfrm>
+                <a:prstGeom prst="ellipse">
+                  <a:avLst/>
+                </a:prstGeom>
+                <a:solidFill>
+                  <a:schemeClr val="bg1"/>
+                </a:solidFill>
+                <a:ln>
+                  <a:solidFill>
+                    <a:schemeClr val="bg1"/>
+                  </a:solidFill>
+                </a:ln>
+              </p:spPr>
+              <p:style>
+                <a:lnRef idx="2">
+                  <a:schemeClr val="accent1">
+                    <a:shade val="50000"/>
+                  </a:schemeClr>
+                </a:lnRef>
+                <a:fillRef idx="1">
+                  <a:schemeClr val="accent1"/>
+                </a:fillRef>
+                <a:effectRef idx="0">
+                  <a:schemeClr val="accent1"/>
+                </a:effectRef>
+                <a:fontRef idx="minor">
+                  <a:schemeClr val="lt1"/>
+                </a:fontRef>
+              </p:style>
+              <p:txBody>
+                <a:bodyPr rtlCol="0" anchor="ctr"/>
+                <a:lstStyle/>
+                <a:p>
+                  <a:pPr algn="ctr"/>
+                  <a:endParaRPr lang="en-US"/>
+                </a:p>
+              </p:txBody>
+            </p:sp>
+          </p:grpSp>
+          <p:sp>
+            <p:nvSpPr>
+              <p:cNvPr id="52" name="Arc 51">
+                <a:extLst>
+                  <a:ext uri="{FF2B5EF4-FFF2-40B4-BE49-F238E27FC236}">
+                    <a16:creationId xmlns:a16="http://schemas.microsoft.com/office/drawing/2014/main" id="{548B46A3-F7E4-46A2-9D85-CF55FBF7DC1A}"/>
+                  </a:ext>
+                </a:extLst>
+              </p:cNvPr>
+              <p:cNvSpPr/>
+              <p:nvPr/>
+            </p:nvSpPr>
+            <p:spPr>
+              <a:xfrm>
+                <a:off x="9522410" y="1542224"/>
+                <a:ext cx="387489" cy="402100"/>
+              </a:xfrm>
+              <a:prstGeom prst="arc">
+                <a:avLst>
+                  <a:gd name="adj1" fmla="val 15899889"/>
+                  <a:gd name="adj2" fmla="val 331360"/>
+                </a:avLst>
+              </a:prstGeom>
+              <a:ln w="12700">
+                <a:solidFill>
+                  <a:schemeClr val="bg1"/>
+                </a:solidFill>
+                <a:prstDash val="sysDot"/>
+              </a:ln>
+            </p:spPr>
+            <p:style>
+              <a:lnRef idx="1">
+                <a:schemeClr val="accent1"/>
+              </a:lnRef>
+              <a:fillRef idx="0">
+                <a:schemeClr val="accent1"/>
+              </a:fillRef>
+              <a:effectRef idx="0">
+                <a:schemeClr val="accent1"/>
+              </a:effectRef>
+              <a:fontRef idx="minor">
+                <a:schemeClr val="tx1"/>
+              </a:fontRef>
+            </p:style>
+            <p:txBody>
+              <a:bodyPr rtlCol="0" anchor="ctr"/>
+              <a:lstStyle/>
+              <a:p>
+                <a:pPr algn="ctr"/>
+                <a:endParaRPr lang="en-US"/>
+              </a:p>
+            </p:txBody>
+          </p:sp>
+        </p:grpSp>
+        <mc:AlternateContent xmlns:mc="http://schemas.openxmlformats.org/markup-compatibility/2006">
+          <mc:Choice xmlns:a14="http://schemas.microsoft.com/office/drawing/2010/main" Requires="a14">
+            <p:sp>
+              <p:nvSpPr>
+                <p:cNvPr id="54" name="TextBox 53">
+                  <a:extLst>
+                    <a:ext uri="{FF2B5EF4-FFF2-40B4-BE49-F238E27FC236}">
+                      <a16:creationId xmlns:a16="http://schemas.microsoft.com/office/drawing/2014/main" id="{D35F7CD1-96EC-4D9B-B307-5726D3CB035D}"/>
+                    </a:ext>
+                  </a:extLst>
+                </p:cNvPr>
+                <p:cNvSpPr txBox="1"/>
+                <p:nvPr/>
+              </p:nvSpPr>
+              <p:spPr>
+                <a:xfrm>
+                  <a:off x="9119913" y="1525321"/>
+                  <a:ext cx="1323975" cy="369332"/>
+                </a:xfrm>
+                <a:prstGeom prst="rect">
+                  <a:avLst/>
+                </a:prstGeom>
+                <a:noFill/>
+              </p:spPr>
+              <p:txBody>
+                <a:bodyPr wrap="square" rtlCol="0">
+                  <a:spAutoFit/>
+                </a:bodyPr>
+                <a:lstStyle/>
+                <a:p>
+                  <a14:m>
+                    <m:oMathPara xmlns:m="http://schemas.openxmlformats.org/officeDocument/2006/math">
+                      <m:oMathParaPr>
+                        <m:jc m:val="centerGroup"/>
+                      </m:oMathParaPr>
+                      <m:oMath xmlns:m="http://schemas.openxmlformats.org/officeDocument/2006/math">
+                        <m:r>
+                          <a:rPr lang="en-US" b="0" i="1" smtClean="0">
+                            <a:solidFill>
+                              <a:schemeClr val="bg1"/>
+                            </a:solidFill>
+                            <a:latin typeface="Cambria Math" panose="02040503050406030204" pitchFamily="18" charset="0"/>
+                          </a:rPr>
+                          <m:t>𝜃</m:t>
+                        </m:r>
+                      </m:oMath>
+                    </m:oMathPara>
+                  </a14:m>
+                  <a:endParaRPr lang="en-US" i="1" dirty="0"/>
+                </a:p>
+              </p:txBody>
+            </p:sp>
+          </mc:Choice>
+          <mc:Fallback>
+            <p:sp>
+              <p:nvSpPr>
+                <p:cNvPr id="54" name="TextBox 53">
+                  <a:extLst>
+                    <a:ext uri="{FF2B5EF4-FFF2-40B4-BE49-F238E27FC236}">
+                      <a16:creationId xmlns:a16="http://schemas.microsoft.com/office/drawing/2014/main" id="{D35F7CD1-96EC-4D9B-B307-5726D3CB035D}"/>
+                    </a:ext>
+                  </a:extLst>
+                </p:cNvPr>
+                <p:cNvSpPr txBox="1">
+                  <a:spLocks noRot="1" noChangeAspect="1" noMove="1" noResize="1" noEditPoints="1" noAdjustHandles="1" noChangeArrowheads="1" noChangeShapeType="1" noTextEdit="1"/>
+                </p:cNvSpPr>
+                <p:nvPr/>
+              </p:nvSpPr>
+              <p:spPr>
+                <a:xfrm>
+                  <a:off x="9119913" y="1525321"/>
+                  <a:ext cx="1323975" cy="369332"/>
+                </a:xfrm>
+                <a:prstGeom prst="rect">
+                  <a:avLst/>
+                </a:prstGeom>
+                <a:blipFill>
+                  <a:blip r:embed="rId12"/>
+                  <a:stretch>
+                    <a:fillRect/>
+                  </a:stretch>
+                </a:blipFill>
+              </p:spPr>
+              <p:txBody>
+                <a:bodyPr/>
+                <a:lstStyle/>
+                <a:p>
+                  <a:r>
+                    <a:rPr lang="en-US">
+                      <a:noFill/>
+                    </a:rPr>
+                    <a:t> </a:t>
+                  </a:r>
+                </a:p>
+              </p:txBody>
+            </p:sp>
+          </mc:Fallback>
+        </mc:AlternateContent>
+      </p:grpSp>
+      <p:sp>
+        <p:nvSpPr>
+          <p:cNvPr id="57" name="Graphic 34">
+            <a:extLst>
+              <a:ext uri="{FF2B5EF4-FFF2-40B4-BE49-F238E27FC236}">
+                <a16:creationId xmlns:a16="http://schemas.microsoft.com/office/drawing/2014/main" id="{A4CF06F8-461E-47B1-82AA-43C0C618BEF8}"/>
+              </a:ext>
+              <a:ext uri="{C183D7F6-B498-43B3-948B-1728B52AA6E4}">
+                <adec:decorative xmlns:adec="http://schemas.microsoft.com/office/drawing/2017/decorative" val="1"/>
+              </a:ext>
+            </a:extLst>
+          </p:cNvPr>
+          <p:cNvSpPr/>
+          <p:nvPr/>
+        </p:nvSpPr>
+        <p:spPr>
+          <a:xfrm>
+            <a:off x="763919" y="763172"/>
+            <a:ext cx="762069" cy="590551"/>
+          </a:xfrm>
+          <a:custGeom>
+            <a:avLst/>
+            <a:gdLst>
+              <a:gd name="connsiteX0" fmla="*/ 684917 w 762069"/>
+              <a:gd name="connsiteY0" fmla="*/ 191452 h 590551"/>
+              <a:gd name="connsiteX1" fmla="*/ 685869 w 762069"/>
+              <a:gd name="connsiteY1" fmla="*/ 171450 h 590551"/>
+              <a:gd name="connsiteX2" fmla="*/ 514419 w 762069"/>
+              <a:gd name="connsiteY2" fmla="*/ 0 h 590551"/>
+              <a:gd name="connsiteX3" fmla="*/ 342969 w 762069"/>
+              <a:gd name="connsiteY3" fmla="*/ 171450 h 590551"/>
+              <a:gd name="connsiteX4" fmla="*/ 383927 w 762069"/>
+              <a:gd name="connsiteY4" fmla="*/ 281940 h 590551"/>
+              <a:gd name="connsiteX5" fmla="*/ 49599 w 762069"/>
+              <a:gd name="connsiteY5" fmla="*/ 247650 h 590551"/>
+              <a:gd name="connsiteX6" fmla="*/ 21024 w 762069"/>
+              <a:gd name="connsiteY6" fmla="*/ 259080 h 590551"/>
+              <a:gd name="connsiteX7" fmla="*/ 37217 w 762069"/>
+              <a:gd name="connsiteY7" fmla="*/ 490538 h 590551"/>
+              <a:gd name="connsiteX8" fmla="*/ 366782 w 762069"/>
+              <a:gd name="connsiteY8" fmla="*/ 590550 h 590551"/>
+              <a:gd name="connsiteX9" fmla="*/ 646817 w 762069"/>
+              <a:gd name="connsiteY9" fmla="*/ 470535 h 590551"/>
+              <a:gd name="connsiteX10" fmla="*/ 591572 w 762069"/>
+              <a:gd name="connsiteY10" fmla="*/ 324803 h 590551"/>
+              <a:gd name="connsiteX11" fmla="*/ 647769 w 762069"/>
+              <a:gd name="connsiteY11" fmla="*/ 275273 h 590551"/>
+              <a:gd name="connsiteX12" fmla="*/ 743019 w 762069"/>
+              <a:gd name="connsiteY12" fmla="*/ 229552 h 590551"/>
+              <a:gd name="connsiteX13" fmla="*/ 762069 w 762069"/>
+              <a:gd name="connsiteY13" fmla="*/ 200977 h 590551"/>
+              <a:gd name="connsiteX14" fmla="*/ 684917 w 762069"/>
+              <a:gd name="connsiteY14" fmla="*/ 191452 h 590551"/>
+              <a:gd name="connsiteX15" fmla="*/ 599192 w 762069"/>
+              <a:gd name="connsiteY15" fmla="*/ 171450 h 590551"/>
+              <a:gd name="connsiteX16" fmla="*/ 570617 w 762069"/>
+              <a:gd name="connsiteY16" fmla="*/ 142875 h 590551"/>
+              <a:gd name="connsiteX17" fmla="*/ 599192 w 762069"/>
+              <a:gd name="connsiteY17" fmla="*/ 114300 h 590551"/>
+              <a:gd name="connsiteX18" fmla="*/ 627767 w 762069"/>
+              <a:gd name="connsiteY18" fmla="*/ 142875 h 590551"/>
+              <a:gd name="connsiteX19" fmla="*/ 599192 w 762069"/>
+              <a:gd name="connsiteY19" fmla="*/ 171450 h 590551"/>
+            </a:gdLst>
+            <a:ahLst/>
+            <a:cxnLst>
+              <a:cxn ang="0">
+                <a:pos x="connsiteX0" y="connsiteY0"/>
+              </a:cxn>
+              <a:cxn ang="0">
+                <a:pos x="connsiteX1" y="connsiteY1"/>
+              </a:cxn>
+              <a:cxn ang="0">
+                <a:pos x="connsiteX2" y="connsiteY2"/>
+              </a:cxn>
+              <a:cxn ang="0">
+                <a:pos x="connsiteX3" y="connsiteY3"/>
+              </a:cxn>
+              <a:cxn ang="0">
+                <a:pos x="connsiteX4" y="connsiteY4"/>
+              </a:cxn>
+              <a:cxn ang="0">
+                <a:pos x="connsiteX5" y="connsiteY5"/>
+              </a:cxn>
+              <a:cxn ang="0">
+                <a:pos x="connsiteX6" y="connsiteY6"/>
+              </a:cxn>
+              <a:cxn ang="0">
+                <a:pos x="connsiteX7" y="connsiteY7"/>
+              </a:cxn>
+              <a:cxn ang="0">
+                <a:pos x="connsiteX8" y="connsiteY8"/>
+              </a:cxn>
+              <a:cxn ang="0">
+                <a:pos x="connsiteX9" y="connsiteY9"/>
+              </a:cxn>
+              <a:cxn ang="0">
+                <a:pos x="connsiteX10" y="connsiteY10"/>
+              </a:cxn>
+              <a:cxn ang="0">
+                <a:pos x="connsiteX11" y="connsiteY11"/>
+              </a:cxn>
+              <a:cxn ang="0">
+                <a:pos x="connsiteX12" y="connsiteY12"/>
+              </a:cxn>
+              <a:cxn ang="0">
+                <a:pos x="connsiteX13" y="connsiteY13"/>
+              </a:cxn>
+              <a:cxn ang="0">
+                <a:pos x="connsiteX14" y="connsiteY14"/>
+              </a:cxn>
+              <a:cxn ang="0">
+                <a:pos x="connsiteX15" y="connsiteY15"/>
+              </a:cxn>
+              <a:cxn ang="0">
+                <a:pos x="connsiteX16" y="connsiteY16"/>
+              </a:cxn>
+              <a:cxn ang="0">
+                <a:pos x="connsiteX17" y="connsiteY17"/>
+              </a:cxn>
+              <a:cxn ang="0">
+                <a:pos x="connsiteX18" y="connsiteY18"/>
+              </a:cxn>
+              <a:cxn ang="0">
+                <a:pos x="connsiteX19" y="connsiteY19"/>
+              </a:cxn>
+            </a:cxnLst>
+            <a:rect l="l" t="t" r="r" b="b"/>
+            <a:pathLst>
+              <a:path w="762069" h="590551">
+                <a:moveTo>
+                  <a:pt x="684917" y="191452"/>
+                </a:moveTo>
+                <a:cubicBezTo>
+                  <a:pt x="685869" y="184785"/>
+                  <a:pt x="685869" y="178118"/>
+                  <a:pt x="685869" y="171450"/>
+                </a:cubicBezTo>
+                <a:cubicBezTo>
+                  <a:pt x="685869" y="77153"/>
+                  <a:pt x="608717" y="0"/>
+                  <a:pt x="514419" y="0"/>
+                </a:cubicBezTo>
+                <a:cubicBezTo>
+                  <a:pt x="420122" y="0"/>
+                  <a:pt x="342969" y="77153"/>
+                  <a:pt x="342969" y="171450"/>
+                </a:cubicBezTo>
+                <a:cubicBezTo>
+                  <a:pt x="342969" y="213360"/>
+                  <a:pt x="358209" y="252413"/>
+                  <a:pt x="383927" y="281940"/>
+                </a:cubicBezTo>
+                <a:cubicBezTo>
+                  <a:pt x="295344" y="293370"/>
+                  <a:pt x="224859" y="359093"/>
+                  <a:pt x="49599" y="247650"/>
+                </a:cubicBezTo>
+                <a:cubicBezTo>
+                  <a:pt x="39122" y="240983"/>
+                  <a:pt x="23882" y="246698"/>
+                  <a:pt x="21024" y="259080"/>
+                </a:cubicBezTo>
+                <a:cubicBezTo>
+                  <a:pt x="-7551" y="360998"/>
+                  <a:pt x="-11361" y="419100"/>
+                  <a:pt x="37217" y="490538"/>
+                </a:cubicBezTo>
+                <a:cubicBezTo>
+                  <a:pt x="105797" y="589598"/>
+                  <a:pt x="179139" y="590550"/>
+                  <a:pt x="366782" y="590550"/>
+                </a:cubicBezTo>
+                <a:cubicBezTo>
+                  <a:pt x="554424" y="590550"/>
+                  <a:pt x="646817" y="592455"/>
+                  <a:pt x="646817" y="470535"/>
+                </a:cubicBezTo>
+                <a:cubicBezTo>
+                  <a:pt x="646817" y="406718"/>
+                  <a:pt x="632529" y="357188"/>
+                  <a:pt x="591572" y="324803"/>
+                </a:cubicBezTo>
+                <a:cubicBezTo>
+                  <a:pt x="614432" y="313373"/>
+                  <a:pt x="638244" y="290513"/>
+                  <a:pt x="647769" y="275273"/>
+                </a:cubicBezTo>
+                <a:cubicBezTo>
+                  <a:pt x="692537" y="270510"/>
+                  <a:pt x="724922" y="249555"/>
+                  <a:pt x="743019" y="229552"/>
+                </a:cubicBezTo>
+                <a:cubicBezTo>
+                  <a:pt x="752544" y="220027"/>
+                  <a:pt x="758259" y="208598"/>
+                  <a:pt x="762069" y="200977"/>
+                </a:cubicBezTo>
+                <a:lnTo>
+                  <a:pt x="684917" y="191452"/>
+                </a:lnTo>
+                <a:close/>
+                <a:moveTo>
+                  <a:pt x="599192" y="171450"/>
+                </a:moveTo>
+                <a:cubicBezTo>
+                  <a:pt x="582999" y="171450"/>
+                  <a:pt x="570617" y="159068"/>
+                  <a:pt x="570617" y="142875"/>
+                </a:cubicBezTo>
+                <a:cubicBezTo>
+                  <a:pt x="570617" y="126682"/>
+                  <a:pt x="582999" y="114300"/>
+                  <a:pt x="599192" y="114300"/>
+                </a:cubicBezTo>
+                <a:cubicBezTo>
+                  <a:pt x="615384" y="114300"/>
+                  <a:pt x="627767" y="126682"/>
+                  <a:pt x="627767" y="142875"/>
+                </a:cubicBezTo>
+                <a:cubicBezTo>
+                  <a:pt x="627767" y="159068"/>
+                  <a:pt x="615384" y="171450"/>
+                  <a:pt x="599192" y="171450"/>
+                </a:cubicBezTo>
+                <a:close/>
+              </a:path>
+            </a:pathLst>
+          </a:custGeom>
+          <a:solidFill>
+            <a:srgbClr val="0000FF"/>
+          </a:solidFill>
+          <a:ln w="19050" cap="flat">
+            <a:solidFill>
+              <a:schemeClr val="tx1"/>
+            </a:solidFill>
+            <a:prstDash val="solid"/>
+            <a:miter/>
+          </a:ln>
+        </p:spPr>
+        <p:txBody>
+          <a:bodyPr rtlCol="0" anchor="ctr"/>
+          <a:lstStyle/>
+          <a:p>
+            <a:endParaRPr lang="en-US"/>
+          </a:p>
+        </p:txBody>
+      </p:sp>
+      <p:sp>
+        <p:nvSpPr>
+          <p:cNvPr id="36" name="Rectangle 35">
+            <a:extLst>
+              <a:ext uri="{FF2B5EF4-FFF2-40B4-BE49-F238E27FC236}">
+                <a16:creationId xmlns:a16="http://schemas.microsoft.com/office/drawing/2014/main" id="{0C7DDD0D-C0D8-4170-8921-ED87B4A4E938}"/>
+              </a:ext>
+            </a:extLst>
+          </p:cNvPr>
+          <p:cNvSpPr/>
+          <p:nvPr/>
+        </p:nvSpPr>
+        <p:spPr>
+          <a:xfrm>
+            <a:off x="957097" y="1017333"/>
+            <a:ext cx="301685" cy="369332"/>
+          </a:xfrm>
+          <a:prstGeom prst="rect">
+            <a:avLst/>
+          </a:prstGeom>
+        </p:spPr>
+        <p:txBody>
+          <a:bodyPr wrap="none">
+            <a:spAutoFit/>
+          </a:bodyPr>
+          <a:lstStyle/>
+          <a:p>
+            <a:pPr algn="ctr"/>
+            <a:r>
+              <a:rPr lang="en-US" dirty="0">
+                <a:solidFill>
+                  <a:schemeClr val="bg1"/>
+                </a:solidFill>
+              </a:rPr>
+              <a:t>1</a:t>
+            </a:r>
+          </a:p>
+        </p:txBody>
+      </p:sp>
     </p:spTree>
     <p:extLst>
       <p:ext uri="{BB962C8B-B14F-4D97-AF65-F5344CB8AC3E}">
@@ -4478,7 +7392,7 @@
 </p:sld>
 </file>
 
-<file path=ppt/slides/slide4.xml><?xml version="1.0" encoding="utf-8"?>
+<file path=ppt/slides/slide15.xml><?xml version="1.0" encoding="utf-8"?>
 <p:sld xmlns:a="http://schemas.openxmlformats.org/drawingml/2006/main" xmlns:r="http://schemas.openxmlformats.org/officeDocument/2006/relationships" xmlns:p="http://schemas.openxmlformats.org/presentationml/2006/main">
   <p:cSld>
     <p:spTree>
@@ -4500,7 +7414,7 @@
           <p:cNvPr id="2" name="Title 1">
             <a:extLst>
               <a:ext uri="{FF2B5EF4-FFF2-40B4-BE49-F238E27FC236}">
-                <a16:creationId xmlns:a16="http://schemas.microsoft.com/office/drawing/2014/main" id="{EEBBFB50-52BB-48E9-B2A3-57BFFAF6ECF1}"/>
+                <a16:creationId xmlns:a16="http://schemas.microsoft.com/office/drawing/2014/main" id="{724891BF-65C9-48D5-90FA-B6E4D4C747F5}"/>
               </a:ext>
             </a:extLst>
           </p:cNvPr>
@@ -4513,14 +7427,10 @@
         </p:nvSpPr>
         <p:spPr/>
         <p:txBody>
-          <a:bodyPr>
-            <a:normAutofit/>
-          </a:bodyPr>
+          <a:bodyPr/>
           <a:lstStyle/>
           <a:p>
-            <a:endParaRPr lang="en-US" sz="3200" dirty="0">
-              <a:latin typeface="Calibri "/>
-            </a:endParaRPr>
+            <a:endParaRPr lang="en-US"/>
           </a:p>
         </p:txBody>
       </p:sp>
@@ -4529,7 +7439,7 @@
           <p:cNvPr id="3" name="Content Placeholder 2">
             <a:extLst>
               <a:ext uri="{FF2B5EF4-FFF2-40B4-BE49-F238E27FC236}">
-                <a16:creationId xmlns:a16="http://schemas.microsoft.com/office/drawing/2014/main" id="{11AAAD93-3856-432C-92B8-54E6BE418C46}"/>
+                <a16:creationId xmlns:a16="http://schemas.microsoft.com/office/drawing/2014/main" id="{EA8B1175-F4CD-42E7-9D76-F44A27FB0B4C}"/>
               </a:ext>
             </a:extLst>
           </p:cNvPr>
@@ -4545,6 +7455,12 @@
           <a:bodyPr/>
           <a:lstStyle/>
           <a:p>
+            <a:r>
+              <a:rPr lang="en-US" dirty="0">
+                <a:hlinkClick r:id="rId2"/>
+              </a:rPr>
+              <a:t>https://towardsdatascience.com/exploring-tensorflow-quantum-googles-new-framework-for-creating-quantum-machine-learning-models-3af27ba916e9?gi=7d8932eba7ad</a:t>
+            </a:r>
             <a:endParaRPr lang="en-US" dirty="0"/>
           </a:p>
         </p:txBody>
@@ -4552,7 +7468,7 @@
     </p:spTree>
     <p:extLst>
       <p:ext uri="{BB962C8B-B14F-4D97-AF65-F5344CB8AC3E}">
-        <p14:creationId xmlns:p14="http://schemas.microsoft.com/office/powerpoint/2010/main" val="40390055"/>
+        <p14:creationId xmlns:p14="http://schemas.microsoft.com/office/powerpoint/2010/main" val="2010202617"/>
       </p:ext>
     </p:extLst>
   </p:cSld>
@@ -4562,7 +7478,7 @@
 </p:sld>
 </file>
 
-<file path=ppt/slides/slide5.xml><?xml version="1.0" encoding="utf-8"?>
+<file path=ppt/slides/slide16.xml><?xml version="1.0" encoding="utf-8"?>
 <p:sld xmlns:a="http://schemas.openxmlformats.org/drawingml/2006/main" xmlns:r="http://schemas.openxmlformats.org/officeDocument/2006/relationships" xmlns:p="http://schemas.openxmlformats.org/presentationml/2006/main">
   <p:cSld>
     <p:spTree>
@@ -4902,7 +7818,7 @@
 </p:sld>
 </file>
 
-<file path=ppt/slides/slide6.xml><?xml version="1.0" encoding="utf-8"?>
+<file path=ppt/slides/slide17.xml><?xml version="1.0" encoding="utf-8"?>
 <p:sld xmlns:a="http://schemas.openxmlformats.org/drawingml/2006/main" xmlns:r="http://schemas.openxmlformats.org/officeDocument/2006/relationships" xmlns:p="http://schemas.openxmlformats.org/presentationml/2006/main">
   <p:cSld>
     <p:spTree>
@@ -5243,6 +8159,6047 @@
     <p:extLst>
       <p:ext uri="{BB962C8B-B14F-4D97-AF65-F5344CB8AC3E}">
         <p14:creationId xmlns:p14="http://schemas.microsoft.com/office/powerpoint/2010/main" val="1285289488"/>
+      </p:ext>
+    </p:extLst>
+  </p:cSld>
+  <p:clrMapOvr>
+    <a:masterClrMapping/>
+  </p:clrMapOvr>
+</p:sld>
+</file>
+
+<file path=ppt/slides/slide2.xml><?xml version="1.0" encoding="utf-8"?>
+<p:sld xmlns:a="http://schemas.openxmlformats.org/drawingml/2006/main" xmlns:r="http://schemas.openxmlformats.org/officeDocument/2006/relationships" xmlns:p="http://schemas.openxmlformats.org/presentationml/2006/main">
+  <p:cSld>
+    <p:spTree>
+      <p:nvGrpSpPr>
+        <p:cNvPr id="1" name=""/>
+        <p:cNvGrpSpPr/>
+        <p:nvPr/>
+      </p:nvGrpSpPr>
+      <p:grpSpPr>
+        <a:xfrm>
+          <a:off x="0" y="0"/>
+          <a:ext cx="0" cy="0"/>
+          <a:chOff x="0" y="0"/>
+          <a:chExt cx="0" cy="0"/>
+        </a:xfrm>
+      </p:grpSpPr>
+      <p:sp>
+        <p:nvSpPr>
+          <p:cNvPr id="2" name="Title 1">
+            <a:extLst>
+              <a:ext uri="{FF2B5EF4-FFF2-40B4-BE49-F238E27FC236}">
+                <a16:creationId xmlns:a16="http://schemas.microsoft.com/office/drawing/2014/main" id="{9DF96EDE-0F1D-4C19-A7B8-B0EBCCFE4B62}"/>
+              </a:ext>
+            </a:extLst>
+          </p:cNvPr>
+          <p:cNvSpPr>
+            <a:spLocks noGrp="1"/>
+          </p:cNvSpPr>
+          <p:nvPr>
+            <p:ph type="title"/>
+          </p:nvPr>
+        </p:nvSpPr>
+        <p:spPr>
+          <a:xfrm>
+            <a:off x="838200" y="-192659"/>
+            <a:ext cx="10515600" cy="1325563"/>
+          </a:xfrm>
+        </p:spPr>
+        <p:txBody>
+          <a:bodyPr/>
+          <a:lstStyle/>
+          <a:p>
+            <a:r>
+              <a:rPr lang="en-US" dirty="0"/>
+              <a:t>Outline	</a:t>
+            </a:r>
+          </a:p>
+        </p:txBody>
+      </p:sp>
+      <p:sp>
+        <p:nvSpPr>
+          <p:cNvPr id="3" name="Content Placeholder 2">
+            <a:extLst>
+              <a:ext uri="{FF2B5EF4-FFF2-40B4-BE49-F238E27FC236}">
+                <a16:creationId xmlns:a16="http://schemas.microsoft.com/office/drawing/2014/main" id="{94CA94A1-F0DC-4695-B42A-29617D5AD6EF}"/>
+              </a:ext>
+            </a:extLst>
+          </p:cNvPr>
+          <p:cNvSpPr>
+            <a:spLocks noGrp="1"/>
+          </p:cNvSpPr>
+          <p:nvPr>
+            <p:ph idx="1"/>
+          </p:nvPr>
+        </p:nvSpPr>
+        <p:spPr>
+          <a:xfrm>
+            <a:off x="838200" y="698500"/>
+            <a:ext cx="10515600" cy="5478463"/>
+          </a:xfrm>
+        </p:spPr>
+        <p:txBody>
+          <a:bodyPr>
+            <a:normAutofit fontScale="70000" lnSpcReduction="20000"/>
+          </a:bodyPr>
+          <a:lstStyle/>
+          <a:p>
+            <a:r>
+              <a:rPr lang="en-US" dirty="0"/>
+              <a:t>Quantum Computing: An Applied Approach by Jack D. Hidary</a:t>
+            </a:r>
+          </a:p>
+          <a:p>
+            <a:r>
+              <a:rPr lang="en-US" dirty="0"/>
+              <a:t>Python and the Google Colab cloud platform</a:t>
+            </a:r>
+          </a:p>
+          <a:p>
+            <a:r>
+              <a:rPr lang="en-US" dirty="0"/>
+              <a:t>Introduction (Chapters 1 and 2) :</a:t>
+            </a:r>
+          </a:p>
+          <a:p>
+            <a:pPr lvl="1"/>
+            <a:r>
+              <a:rPr lang="en-US" dirty="0"/>
+              <a:t>Classical BIT, QUBIT, NOT, AND, Classical Universality  </a:t>
+            </a:r>
+          </a:p>
+          <a:p>
+            <a:pPr lvl="1"/>
+            <a:r>
+              <a:rPr lang="en-US" dirty="0"/>
+              <a:t>Superposition, Entanglement and Reversibility</a:t>
+            </a:r>
+          </a:p>
+          <a:p>
+            <a:pPr lvl="1"/>
+            <a:r>
+              <a:rPr lang="en-US" dirty="0"/>
+              <a:t>History of Computational Physics and Chemistry </a:t>
+            </a:r>
+          </a:p>
+          <a:p>
+            <a:r>
+              <a:rPr lang="en-US" dirty="0"/>
+              <a:t>Bits, qubits and operators (Chapter 3):</a:t>
+            </a:r>
+          </a:p>
+          <a:p>
+            <a:pPr lvl="1"/>
+            <a:r>
+              <a:rPr lang="en-US" dirty="0"/>
+              <a:t>BIT vs QUBIT, vector presentation, red, blue quantum states</a:t>
+            </a:r>
+          </a:p>
+          <a:p>
+            <a:pPr lvl="1"/>
+            <a:r>
+              <a:rPr lang="en-US" dirty="0"/>
+              <a:t>Universal set: CNOT, H, T</a:t>
+            </a:r>
+          </a:p>
+          <a:p>
+            <a:r>
+              <a:rPr lang="en-US"/>
+              <a:t>Types </a:t>
+            </a:r>
+            <a:r>
+              <a:rPr lang="en-US" dirty="0"/>
+              <a:t>of quantum computers (Chapter 5)</a:t>
+            </a:r>
+          </a:p>
+          <a:p>
+            <a:r>
+              <a:rPr lang="en-US" dirty="0"/>
+              <a:t>Quantum programming with Cirq:</a:t>
+            </a:r>
+          </a:p>
+          <a:p>
+            <a:pPr lvl="1"/>
+            <a:r>
+              <a:rPr lang="en-US" dirty="0"/>
+              <a:t>Implement NOT, CNOT, H, T</a:t>
+            </a:r>
+          </a:p>
+          <a:p>
+            <a:pPr lvl="1"/>
+            <a:r>
+              <a:rPr lang="en-US" dirty="0"/>
+              <a:t>LaTeX to visualize quantum gates</a:t>
+            </a:r>
+          </a:p>
+          <a:p>
+            <a:r>
+              <a:rPr lang="en-US" dirty="0"/>
+              <a:t>Teleportation (Chapter 7)</a:t>
+            </a:r>
+          </a:p>
+          <a:p>
+            <a:r>
+              <a:rPr lang="en-US" dirty="0"/>
+              <a:t>ML + QML (Chapter 9 and TensorFlow Quantum):</a:t>
+            </a:r>
+          </a:p>
+          <a:p>
+            <a:pPr lvl="1"/>
+            <a:r>
+              <a:rPr lang="en-US" dirty="0"/>
+              <a:t>What’re artificial intelligence, machine learning and deep learning</a:t>
+            </a:r>
+          </a:p>
+          <a:p>
+            <a:pPr lvl="1"/>
+            <a:r>
+              <a:rPr lang="en-US" dirty="0"/>
+              <a:t>MNIST using classical TensorFlow </a:t>
+            </a:r>
+          </a:p>
+          <a:p>
+            <a:pPr lvl="1"/>
+            <a:r>
+              <a:rPr lang="en-US" dirty="0"/>
+              <a:t>Quantum many hello worlds using TensorFlow Quantum (TFQ)</a:t>
+            </a:r>
+          </a:p>
+        </p:txBody>
+      </p:sp>
+    </p:spTree>
+    <p:extLst>
+      <p:ext uri="{BB962C8B-B14F-4D97-AF65-F5344CB8AC3E}">
+        <p14:creationId xmlns:p14="http://schemas.microsoft.com/office/powerpoint/2010/main" val="113387824"/>
+      </p:ext>
+    </p:extLst>
+  </p:cSld>
+  <p:clrMapOvr>
+    <a:masterClrMapping/>
+  </p:clrMapOvr>
+</p:sld>
+</file>
+
+<file path=ppt/slides/slide3.xml><?xml version="1.0" encoding="utf-8"?>
+<p:sld xmlns:a="http://schemas.openxmlformats.org/drawingml/2006/main" xmlns:r="http://schemas.openxmlformats.org/officeDocument/2006/relationships" xmlns:p="http://schemas.openxmlformats.org/presentationml/2006/main">
+  <p:cSld>
+    <p:spTree>
+      <p:nvGrpSpPr>
+        <p:cNvPr id="1" name=""/>
+        <p:cNvGrpSpPr/>
+        <p:nvPr/>
+      </p:nvGrpSpPr>
+      <p:grpSpPr>
+        <a:xfrm>
+          <a:off x="0" y="0"/>
+          <a:ext cx="0" cy="0"/>
+          <a:chOff x="0" y="0"/>
+          <a:chExt cx="0" cy="0"/>
+        </a:xfrm>
+      </p:grpSpPr>
+      <p:sp>
+        <p:nvSpPr>
+          <p:cNvPr id="2" name="Title 1">
+            <a:extLst>
+              <a:ext uri="{FF2B5EF4-FFF2-40B4-BE49-F238E27FC236}">
+                <a16:creationId xmlns:a16="http://schemas.microsoft.com/office/drawing/2014/main" id="{D5E4C7D6-8BDB-40FD-8C29-E6174D34A2C4}"/>
+              </a:ext>
+            </a:extLst>
+          </p:cNvPr>
+          <p:cNvSpPr>
+            <a:spLocks noGrp="1"/>
+          </p:cNvSpPr>
+          <p:nvPr>
+            <p:ph type="title"/>
+          </p:nvPr>
+        </p:nvSpPr>
+        <p:spPr/>
+        <p:txBody>
+          <a:bodyPr>
+            <a:normAutofit/>
+          </a:bodyPr>
+          <a:lstStyle/>
+          <a:p>
+            <a:pPr algn="ctr" fontAlgn="base"/>
+            <a:r>
+              <a:rPr lang="en-US" dirty="0"/>
+              <a:t>Quantum Computing: An Applied Approach </a:t>
+            </a:r>
+            <a:br>
+              <a:rPr lang="en-US" dirty="0"/>
+            </a:br>
+            <a:r>
+              <a:rPr lang="en-US" dirty="0"/>
+              <a:t>Jack D. Hidary, 2019</a:t>
+            </a:r>
+          </a:p>
+        </p:txBody>
+      </p:sp>
+      <p:sp>
+        <p:nvSpPr>
+          <p:cNvPr id="4" name="Rectangle 3">
+            <a:extLst>
+              <a:ext uri="{FF2B5EF4-FFF2-40B4-BE49-F238E27FC236}">
+                <a16:creationId xmlns:a16="http://schemas.microsoft.com/office/drawing/2014/main" id="{E86F01BB-DC84-4ED0-A97A-A94BBB8B80D3}"/>
+              </a:ext>
+            </a:extLst>
+          </p:cNvPr>
+          <p:cNvSpPr/>
+          <p:nvPr/>
+        </p:nvSpPr>
+        <p:spPr>
+          <a:xfrm>
+            <a:off x="6579937" y="6197846"/>
+            <a:ext cx="5477525" cy="369332"/>
+          </a:xfrm>
+          <a:prstGeom prst="rect">
+            <a:avLst/>
+          </a:prstGeom>
+        </p:spPr>
+        <p:txBody>
+          <a:bodyPr wrap="none">
+            <a:spAutoFit/>
+          </a:bodyPr>
+          <a:lstStyle/>
+          <a:p>
+            <a:r>
+              <a:rPr lang="en-US" dirty="0">
+                <a:hlinkClick r:id="rId2"/>
+              </a:rPr>
+              <a:t>https://github.com/JackHidary/quantumcomputingbook</a:t>
+            </a:r>
+            <a:endParaRPr lang="en-US" dirty="0"/>
+          </a:p>
+        </p:txBody>
+      </p:sp>
+      <p:pic>
+        <p:nvPicPr>
+          <p:cNvPr id="7" name="Content Placeholder 6">
+            <a:extLst>
+              <a:ext uri="{FF2B5EF4-FFF2-40B4-BE49-F238E27FC236}">
+                <a16:creationId xmlns:a16="http://schemas.microsoft.com/office/drawing/2014/main" id="{FF65503C-5C50-4690-B86A-CB56DABDE0EE}"/>
+              </a:ext>
+            </a:extLst>
+          </p:cNvPr>
+          <p:cNvPicPr>
+            <a:picLocks noGrp="1" noChangeAspect="1"/>
+          </p:cNvPicPr>
+          <p:nvPr>
+            <p:ph idx="1"/>
+          </p:nvPr>
+        </p:nvPicPr>
+        <p:blipFill>
+          <a:blip r:embed="rId3">
+            <a:extLst>
+              <a:ext uri="{28A0092B-C50C-407E-A947-70E740481C1C}">
+                <a14:useLocalDpi xmlns:a14="http://schemas.microsoft.com/office/drawing/2010/main" val="0"/>
+              </a:ext>
+            </a:extLst>
+          </a:blip>
+          <a:stretch>
+            <a:fillRect/>
+          </a:stretch>
+        </p:blipFill>
+        <p:spPr>
+          <a:xfrm>
+            <a:off x="4650441" y="1690688"/>
+            <a:ext cx="2891118" cy="4351338"/>
+          </a:xfrm>
+        </p:spPr>
+      </p:pic>
+    </p:spTree>
+    <p:extLst>
+      <p:ext uri="{BB962C8B-B14F-4D97-AF65-F5344CB8AC3E}">
+        <p14:creationId xmlns:p14="http://schemas.microsoft.com/office/powerpoint/2010/main" val="3560642549"/>
+      </p:ext>
+    </p:extLst>
+  </p:cSld>
+  <p:clrMapOvr>
+    <a:masterClrMapping/>
+  </p:clrMapOvr>
+</p:sld>
+</file>
+
+<file path=ppt/slides/slide4.xml><?xml version="1.0" encoding="utf-8"?>
+<p:sld xmlns:a="http://schemas.openxmlformats.org/drawingml/2006/main" xmlns:r="http://schemas.openxmlformats.org/officeDocument/2006/relationships" xmlns:p="http://schemas.openxmlformats.org/presentationml/2006/main">
+  <p:cSld>
+    <p:spTree>
+      <p:nvGrpSpPr>
+        <p:cNvPr id="1" name=""/>
+        <p:cNvGrpSpPr/>
+        <p:nvPr/>
+      </p:nvGrpSpPr>
+      <p:grpSpPr>
+        <a:xfrm>
+          <a:off x="0" y="0"/>
+          <a:ext cx="0" cy="0"/>
+          <a:chOff x="0" y="0"/>
+          <a:chExt cx="0" cy="0"/>
+        </a:xfrm>
+      </p:grpSpPr>
+      <p:pic>
+        <p:nvPicPr>
+          <p:cNvPr id="8" name="Picture 7">
+            <a:extLst>
+              <a:ext uri="{FF2B5EF4-FFF2-40B4-BE49-F238E27FC236}">
+                <a16:creationId xmlns:a16="http://schemas.microsoft.com/office/drawing/2014/main" id="{E58AB4C6-0AAB-48FD-9CFF-59E7A9C57B37}"/>
+              </a:ext>
+            </a:extLst>
+          </p:cNvPr>
+          <p:cNvPicPr>
+            <a:picLocks noChangeAspect="1"/>
+          </p:cNvPicPr>
+          <p:nvPr/>
+        </p:nvPicPr>
+        <p:blipFill>
+          <a:blip r:embed="rId2"/>
+          <a:stretch>
+            <a:fillRect/>
+          </a:stretch>
+        </p:blipFill>
+        <p:spPr>
+          <a:xfrm>
+            <a:off x="1457325" y="2266950"/>
+            <a:ext cx="9277350" cy="4057650"/>
+          </a:xfrm>
+          <a:prstGeom prst="rect">
+            <a:avLst/>
+          </a:prstGeom>
+        </p:spPr>
+      </p:pic>
+      <p:sp>
+        <p:nvSpPr>
+          <p:cNvPr id="2" name="Title 1">
+            <a:extLst>
+              <a:ext uri="{FF2B5EF4-FFF2-40B4-BE49-F238E27FC236}">
+                <a16:creationId xmlns:a16="http://schemas.microsoft.com/office/drawing/2014/main" id="{9293D1BF-F669-41D7-867F-6089F0A6620B}"/>
+              </a:ext>
+            </a:extLst>
+          </p:cNvPr>
+          <p:cNvSpPr>
+            <a:spLocks noGrp="1"/>
+          </p:cNvSpPr>
+          <p:nvPr>
+            <p:ph type="title"/>
+          </p:nvPr>
+        </p:nvSpPr>
+        <p:spPr/>
+        <p:txBody>
+          <a:bodyPr/>
+          <a:lstStyle/>
+          <a:p>
+            <a:r>
+              <a:rPr lang="en-US" dirty="0"/>
+              <a:t>Google </a:t>
+            </a:r>
+            <a:r>
+              <a:rPr lang="en-US" dirty="0" err="1"/>
+              <a:t>Colaboratory</a:t>
+            </a:r>
+            <a:r>
+              <a:rPr lang="en-US" dirty="0"/>
+              <a:t> </a:t>
+            </a:r>
+          </a:p>
+        </p:txBody>
+      </p:sp>
+      <p:sp>
+        <p:nvSpPr>
+          <p:cNvPr id="3" name="Content Placeholder 2">
+            <a:extLst>
+              <a:ext uri="{FF2B5EF4-FFF2-40B4-BE49-F238E27FC236}">
+                <a16:creationId xmlns:a16="http://schemas.microsoft.com/office/drawing/2014/main" id="{81B5B2ED-9D08-4474-9EA5-E505C0DD1E85}"/>
+              </a:ext>
+            </a:extLst>
+          </p:cNvPr>
+          <p:cNvSpPr>
+            <a:spLocks noGrp="1"/>
+          </p:cNvSpPr>
+          <p:nvPr>
+            <p:ph idx="1"/>
+          </p:nvPr>
+        </p:nvSpPr>
+        <p:spPr>
+          <a:xfrm>
+            <a:off x="838200" y="1496441"/>
+            <a:ext cx="10515600" cy="4351338"/>
+          </a:xfrm>
+        </p:spPr>
+        <p:txBody>
+          <a:bodyPr>
+            <a:normAutofit/>
+          </a:bodyPr>
+          <a:lstStyle/>
+          <a:p>
+            <a:r>
+              <a:rPr lang="en-US" sz="1800" dirty="0">
+                <a:hlinkClick r:id="rId3"/>
+              </a:rPr>
+              <a:t>Google Colab </a:t>
+            </a:r>
+            <a:r>
+              <a:rPr lang="en-US" sz="1800" dirty="0"/>
+              <a:t>is a free cloud-based platform to execute Python code. </a:t>
+            </a:r>
+          </a:p>
+          <a:p>
+            <a:r>
+              <a:rPr lang="en-US" sz="1800" dirty="0">
+                <a:hlinkClick r:id="rId4"/>
+              </a:rPr>
+              <a:t>https://github.com/zozo123/QC-IL/blob/master/notebooks/helloworld.ipynb</a:t>
+            </a:r>
+            <a:endParaRPr lang="en-US" sz="1800" dirty="0"/>
+          </a:p>
+        </p:txBody>
+      </p:sp>
+      <p:sp>
+        <p:nvSpPr>
+          <p:cNvPr id="6" name="Arrow: Down 5">
+            <a:extLst>
+              <a:ext uri="{FF2B5EF4-FFF2-40B4-BE49-F238E27FC236}">
+                <a16:creationId xmlns:a16="http://schemas.microsoft.com/office/drawing/2014/main" id="{15D91FE5-A9AE-4F78-B57E-DE41A8E78654}"/>
+              </a:ext>
+            </a:extLst>
+          </p:cNvPr>
+          <p:cNvSpPr/>
+          <p:nvPr/>
+        </p:nvSpPr>
+        <p:spPr>
+          <a:xfrm rot="5400000">
+            <a:off x="5250218" y="3216340"/>
+            <a:ext cx="274320" cy="914400"/>
+          </a:xfrm>
+          <a:prstGeom prst="downArrow">
+            <a:avLst/>
+          </a:prstGeom>
+        </p:spPr>
+        <p:style>
+          <a:lnRef idx="0">
+            <a:schemeClr val="accent1"/>
+          </a:lnRef>
+          <a:fillRef idx="3">
+            <a:schemeClr val="accent1"/>
+          </a:fillRef>
+          <a:effectRef idx="3">
+            <a:schemeClr val="accent1"/>
+          </a:effectRef>
+          <a:fontRef idx="minor">
+            <a:schemeClr val="lt1"/>
+          </a:fontRef>
+        </p:style>
+        <p:txBody>
+          <a:bodyPr rtlCol="0" anchor="ctr"/>
+          <a:lstStyle/>
+          <a:p>
+            <a:pPr algn="ctr"/>
+            <a:endParaRPr lang="en-US"/>
+          </a:p>
+        </p:txBody>
+      </p:sp>
+      <p:sp>
+        <p:nvSpPr>
+          <p:cNvPr id="7" name="Arrow: Down 6">
+            <a:extLst>
+              <a:ext uri="{FF2B5EF4-FFF2-40B4-BE49-F238E27FC236}">
+                <a16:creationId xmlns:a16="http://schemas.microsoft.com/office/drawing/2014/main" id="{559C8C1E-B947-4042-89B4-73514DC4DE69}"/>
+              </a:ext>
+            </a:extLst>
+          </p:cNvPr>
+          <p:cNvSpPr/>
+          <p:nvPr/>
+        </p:nvSpPr>
+        <p:spPr>
+          <a:xfrm rot="5400000">
+            <a:off x="5250218" y="4100580"/>
+            <a:ext cx="274320" cy="914400"/>
+          </a:xfrm>
+          <a:prstGeom prst="downArrow">
+            <a:avLst/>
+          </a:prstGeom>
+        </p:spPr>
+        <p:style>
+          <a:lnRef idx="0">
+            <a:schemeClr val="accent2"/>
+          </a:lnRef>
+          <a:fillRef idx="3">
+            <a:schemeClr val="accent2"/>
+          </a:fillRef>
+          <a:effectRef idx="3">
+            <a:schemeClr val="accent2"/>
+          </a:effectRef>
+          <a:fontRef idx="minor">
+            <a:schemeClr val="lt1"/>
+          </a:fontRef>
+        </p:style>
+        <p:txBody>
+          <a:bodyPr rtlCol="0" anchor="ctr"/>
+          <a:lstStyle/>
+          <a:p>
+            <a:pPr algn="ctr"/>
+            <a:endParaRPr lang="en-US"/>
+          </a:p>
+        </p:txBody>
+      </p:sp>
+      <p:sp>
+        <p:nvSpPr>
+          <p:cNvPr id="9" name="Arrow: Down 8">
+            <a:extLst>
+              <a:ext uri="{FF2B5EF4-FFF2-40B4-BE49-F238E27FC236}">
+                <a16:creationId xmlns:a16="http://schemas.microsoft.com/office/drawing/2014/main" id="{697177A5-D17D-4D7C-BE17-C800865BB46E}"/>
+              </a:ext>
+            </a:extLst>
+          </p:cNvPr>
+          <p:cNvSpPr/>
+          <p:nvPr/>
+        </p:nvSpPr>
+        <p:spPr>
+          <a:xfrm rot="5400000">
+            <a:off x="5250218" y="5426938"/>
+            <a:ext cx="274320" cy="914400"/>
+          </a:xfrm>
+          <a:prstGeom prst="downArrow">
+            <a:avLst/>
+          </a:prstGeom>
+          <a:gradFill flip="none" rotWithShape="1">
+            <a:gsLst>
+              <a:gs pos="0">
+                <a:schemeClr val="accent6">
+                  <a:lumMod val="67000"/>
+                </a:schemeClr>
+              </a:gs>
+              <a:gs pos="48000">
+                <a:schemeClr val="accent6">
+                  <a:lumMod val="97000"/>
+                  <a:lumOff val="3000"/>
+                </a:schemeClr>
+              </a:gs>
+              <a:gs pos="100000">
+                <a:schemeClr val="accent6">
+                  <a:lumMod val="60000"/>
+                  <a:lumOff val="40000"/>
+                </a:schemeClr>
+              </a:gs>
+            </a:gsLst>
+            <a:lin ang="16200000" scaled="1"/>
+            <a:tileRect/>
+          </a:gradFill>
+          <a:ln>
+            <a:noFill/>
+          </a:ln>
+        </p:spPr>
+        <p:style>
+          <a:lnRef idx="0">
+            <a:scrgbClr r="0" g="0" b="0"/>
+          </a:lnRef>
+          <a:fillRef idx="0">
+            <a:scrgbClr r="0" g="0" b="0"/>
+          </a:fillRef>
+          <a:effectRef idx="0">
+            <a:scrgbClr r="0" g="0" b="0"/>
+          </a:effectRef>
+          <a:fontRef idx="minor">
+            <a:schemeClr val="lt1"/>
+          </a:fontRef>
+        </p:style>
+        <p:txBody>
+          <a:bodyPr rtlCol="0" anchor="ctr"/>
+          <a:lstStyle/>
+          <a:p>
+            <a:pPr algn="ctr"/>
+            <a:endParaRPr lang="en-US"/>
+          </a:p>
+        </p:txBody>
+      </p:sp>
+    </p:spTree>
+    <p:extLst>
+      <p:ext uri="{BB962C8B-B14F-4D97-AF65-F5344CB8AC3E}">
+        <p14:creationId xmlns:p14="http://schemas.microsoft.com/office/powerpoint/2010/main" val="316911470"/>
+      </p:ext>
+    </p:extLst>
+  </p:cSld>
+  <p:clrMapOvr>
+    <a:masterClrMapping/>
+  </p:clrMapOvr>
+  <p:timing>
+    <p:tnLst>
+      <p:par>
+        <p:cTn id="1" dur="indefinite" restart="never" nodeType="tmRoot">
+          <p:childTnLst>
+            <p:seq concurrent="1" nextAc="seek">
+              <p:cTn id="2" dur="indefinite" nodeType="mainSeq">
+                <p:childTnLst>
+                  <p:par>
+                    <p:cTn id="3" fill="hold">
+                      <p:stCondLst>
+                        <p:cond delay="indefinite"/>
+                      </p:stCondLst>
+                      <p:childTnLst>
+                        <p:par>
+                          <p:cTn id="4" fill="hold">
+                            <p:stCondLst>
+                              <p:cond delay="0"/>
+                            </p:stCondLst>
+                            <p:childTnLst>
+                              <p:par>
+                                <p:cTn id="5" presetID="1" presetClass="entr" presetSubtype="0" fill="hold" nodeType="clickEffect">
+                                  <p:stCondLst>
+                                    <p:cond delay="0"/>
+                                  </p:stCondLst>
+                                  <p:childTnLst>
+                                    <p:set>
+                                      <p:cBhvr>
+                                        <p:cTn id="6" dur="1" fill="hold">
+                                          <p:stCondLst>
+                                            <p:cond delay="0"/>
+                                          </p:stCondLst>
+                                        </p:cTn>
+                                        <p:tgtEl>
+                                          <p:spTgt spid="3">
+                                            <p:txEl>
+                                              <p:pRg st="1" end="1"/>
+                                            </p:txEl>
+                                          </p:spTgt>
+                                        </p:tgtEl>
+                                        <p:attrNameLst>
+                                          <p:attrName>style.visibility</p:attrName>
+                                        </p:attrNameLst>
+                                      </p:cBhvr>
+                                      <p:to>
+                                        <p:strVal val="visible"/>
+                                      </p:to>
+                                    </p:set>
+                                  </p:childTnLst>
+                                </p:cTn>
+                              </p:par>
+                              <p:par>
+                                <p:cTn id="7" presetID="1" presetClass="entr" presetSubtype="0" fill="hold" nodeType="withEffect">
+                                  <p:stCondLst>
+                                    <p:cond delay="0"/>
+                                  </p:stCondLst>
+                                  <p:childTnLst>
+                                    <p:set>
+                                      <p:cBhvr>
+                                        <p:cTn id="8" dur="1" fill="hold">
+                                          <p:stCondLst>
+                                            <p:cond delay="0"/>
+                                          </p:stCondLst>
+                                        </p:cTn>
+                                        <p:tgtEl>
+                                          <p:spTgt spid="8"/>
+                                        </p:tgtEl>
+                                        <p:attrNameLst>
+                                          <p:attrName>style.visibility</p:attrName>
+                                        </p:attrNameLst>
+                                      </p:cBhvr>
+                                      <p:to>
+                                        <p:strVal val="visible"/>
+                                      </p:to>
+                                    </p:set>
+                                  </p:childTnLst>
+                                </p:cTn>
+                              </p:par>
+                            </p:childTnLst>
+                          </p:cTn>
+                        </p:par>
+                      </p:childTnLst>
+                    </p:cTn>
+                  </p:par>
+                  <p:par>
+                    <p:cTn id="9" fill="hold">
+                      <p:stCondLst>
+                        <p:cond delay="indefinite"/>
+                      </p:stCondLst>
+                      <p:childTnLst>
+                        <p:par>
+                          <p:cTn id="10" fill="hold">
+                            <p:stCondLst>
+                              <p:cond delay="0"/>
+                            </p:stCondLst>
+                            <p:childTnLst>
+                              <p:par>
+                                <p:cTn id="11" presetID="53" presetClass="entr" presetSubtype="16" fill="hold" grpId="0" nodeType="clickEffect">
+                                  <p:stCondLst>
+                                    <p:cond delay="0"/>
+                                  </p:stCondLst>
+                                  <p:childTnLst>
+                                    <p:set>
+                                      <p:cBhvr>
+                                        <p:cTn id="12" dur="1" fill="hold">
+                                          <p:stCondLst>
+                                            <p:cond delay="0"/>
+                                          </p:stCondLst>
+                                        </p:cTn>
+                                        <p:tgtEl>
+                                          <p:spTgt spid="6"/>
+                                        </p:tgtEl>
+                                        <p:attrNameLst>
+                                          <p:attrName>style.visibility</p:attrName>
+                                        </p:attrNameLst>
+                                      </p:cBhvr>
+                                      <p:to>
+                                        <p:strVal val="visible"/>
+                                      </p:to>
+                                    </p:set>
+                                    <p:anim calcmode="lin" valueType="num">
+                                      <p:cBhvr>
+                                        <p:cTn id="13" dur="500" fill="hold"/>
+                                        <p:tgtEl>
+                                          <p:spTgt spid="6"/>
+                                        </p:tgtEl>
+                                        <p:attrNameLst>
+                                          <p:attrName>ppt_w</p:attrName>
+                                        </p:attrNameLst>
+                                      </p:cBhvr>
+                                      <p:tavLst>
+                                        <p:tav tm="0">
+                                          <p:val>
+                                            <p:fltVal val="0"/>
+                                          </p:val>
+                                        </p:tav>
+                                        <p:tav tm="100000">
+                                          <p:val>
+                                            <p:strVal val="#ppt_w"/>
+                                          </p:val>
+                                        </p:tav>
+                                      </p:tavLst>
+                                    </p:anim>
+                                    <p:anim calcmode="lin" valueType="num">
+                                      <p:cBhvr>
+                                        <p:cTn id="14" dur="500" fill="hold"/>
+                                        <p:tgtEl>
+                                          <p:spTgt spid="6"/>
+                                        </p:tgtEl>
+                                        <p:attrNameLst>
+                                          <p:attrName>ppt_h</p:attrName>
+                                        </p:attrNameLst>
+                                      </p:cBhvr>
+                                      <p:tavLst>
+                                        <p:tav tm="0">
+                                          <p:val>
+                                            <p:fltVal val="0"/>
+                                          </p:val>
+                                        </p:tav>
+                                        <p:tav tm="100000">
+                                          <p:val>
+                                            <p:strVal val="#ppt_h"/>
+                                          </p:val>
+                                        </p:tav>
+                                      </p:tavLst>
+                                    </p:anim>
+                                    <p:animEffect transition="in" filter="fade">
+                                      <p:cBhvr>
+                                        <p:cTn id="15" dur="500"/>
+                                        <p:tgtEl>
+                                          <p:spTgt spid="6"/>
+                                        </p:tgtEl>
+                                      </p:cBhvr>
+                                    </p:animEffect>
+                                  </p:childTnLst>
+                                </p:cTn>
+                              </p:par>
+                            </p:childTnLst>
+                          </p:cTn>
+                        </p:par>
+                      </p:childTnLst>
+                    </p:cTn>
+                  </p:par>
+                  <p:par>
+                    <p:cTn id="16" fill="hold">
+                      <p:stCondLst>
+                        <p:cond delay="indefinite"/>
+                      </p:stCondLst>
+                      <p:childTnLst>
+                        <p:par>
+                          <p:cTn id="17" fill="hold">
+                            <p:stCondLst>
+                              <p:cond delay="0"/>
+                            </p:stCondLst>
+                            <p:childTnLst>
+                              <p:par>
+                                <p:cTn id="18" presetID="53" presetClass="entr" presetSubtype="16" fill="hold" grpId="0" nodeType="clickEffect">
+                                  <p:stCondLst>
+                                    <p:cond delay="0"/>
+                                  </p:stCondLst>
+                                  <p:childTnLst>
+                                    <p:set>
+                                      <p:cBhvr>
+                                        <p:cTn id="19" dur="1" fill="hold">
+                                          <p:stCondLst>
+                                            <p:cond delay="0"/>
+                                          </p:stCondLst>
+                                        </p:cTn>
+                                        <p:tgtEl>
+                                          <p:spTgt spid="7"/>
+                                        </p:tgtEl>
+                                        <p:attrNameLst>
+                                          <p:attrName>style.visibility</p:attrName>
+                                        </p:attrNameLst>
+                                      </p:cBhvr>
+                                      <p:to>
+                                        <p:strVal val="visible"/>
+                                      </p:to>
+                                    </p:set>
+                                    <p:anim calcmode="lin" valueType="num">
+                                      <p:cBhvr>
+                                        <p:cTn id="20" dur="500" fill="hold"/>
+                                        <p:tgtEl>
+                                          <p:spTgt spid="7"/>
+                                        </p:tgtEl>
+                                        <p:attrNameLst>
+                                          <p:attrName>ppt_w</p:attrName>
+                                        </p:attrNameLst>
+                                      </p:cBhvr>
+                                      <p:tavLst>
+                                        <p:tav tm="0">
+                                          <p:val>
+                                            <p:fltVal val="0"/>
+                                          </p:val>
+                                        </p:tav>
+                                        <p:tav tm="100000">
+                                          <p:val>
+                                            <p:strVal val="#ppt_w"/>
+                                          </p:val>
+                                        </p:tav>
+                                      </p:tavLst>
+                                    </p:anim>
+                                    <p:anim calcmode="lin" valueType="num">
+                                      <p:cBhvr>
+                                        <p:cTn id="21" dur="500" fill="hold"/>
+                                        <p:tgtEl>
+                                          <p:spTgt spid="7"/>
+                                        </p:tgtEl>
+                                        <p:attrNameLst>
+                                          <p:attrName>ppt_h</p:attrName>
+                                        </p:attrNameLst>
+                                      </p:cBhvr>
+                                      <p:tavLst>
+                                        <p:tav tm="0">
+                                          <p:val>
+                                            <p:fltVal val="0"/>
+                                          </p:val>
+                                        </p:tav>
+                                        <p:tav tm="100000">
+                                          <p:val>
+                                            <p:strVal val="#ppt_h"/>
+                                          </p:val>
+                                        </p:tav>
+                                      </p:tavLst>
+                                    </p:anim>
+                                    <p:animEffect transition="in" filter="fade">
+                                      <p:cBhvr>
+                                        <p:cTn id="22" dur="500"/>
+                                        <p:tgtEl>
+                                          <p:spTgt spid="7"/>
+                                        </p:tgtEl>
+                                      </p:cBhvr>
+                                    </p:animEffect>
+                                  </p:childTnLst>
+                                </p:cTn>
+                              </p:par>
+                            </p:childTnLst>
+                          </p:cTn>
+                        </p:par>
+                      </p:childTnLst>
+                    </p:cTn>
+                  </p:par>
+                  <p:par>
+                    <p:cTn id="23" fill="hold">
+                      <p:stCondLst>
+                        <p:cond delay="indefinite"/>
+                      </p:stCondLst>
+                      <p:childTnLst>
+                        <p:par>
+                          <p:cTn id="24" fill="hold">
+                            <p:stCondLst>
+                              <p:cond delay="0"/>
+                            </p:stCondLst>
+                            <p:childTnLst>
+                              <p:par>
+                                <p:cTn id="25" presetID="53" presetClass="entr" presetSubtype="16" fill="hold" grpId="0" nodeType="clickEffect">
+                                  <p:stCondLst>
+                                    <p:cond delay="0"/>
+                                  </p:stCondLst>
+                                  <p:childTnLst>
+                                    <p:set>
+                                      <p:cBhvr>
+                                        <p:cTn id="26" dur="1" fill="hold">
+                                          <p:stCondLst>
+                                            <p:cond delay="0"/>
+                                          </p:stCondLst>
+                                        </p:cTn>
+                                        <p:tgtEl>
+                                          <p:spTgt spid="9"/>
+                                        </p:tgtEl>
+                                        <p:attrNameLst>
+                                          <p:attrName>style.visibility</p:attrName>
+                                        </p:attrNameLst>
+                                      </p:cBhvr>
+                                      <p:to>
+                                        <p:strVal val="visible"/>
+                                      </p:to>
+                                    </p:set>
+                                    <p:anim calcmode="lin" valueType="num">
+                                      <p:cBhvr>
+                                        <p:cTn id="27" dur="500" fill="hold"/>
+                                        <p:tgtEl>
+                                          <p:spTgt spid="9"/>
+                                        </p:tgtEl>
+                                        <p:attrNameLst>
+                                          <p:attrName>ppt_w</p:attrName>
+                                        </p:attrNameLst>
+                                      </p:cBhvr>
+                                      <p:tavLst>
+                                        <p:tav tm="0">
+                                          <p:val>
+                                            <p:fltVal val="0"/>
+                                          </p:val>
+                                        </p:tav>
+                                        <p:tav tm="100000">
+                                          <p:val>
+                                            <p:strVal val="#ppt_w"/>
+                                          </p:val>
+                                        </p:tav>
+                                      </p:tavLst>
+                                    </p:anim>
+                                    <p:anim calcmode="lin" valueType="num">
+                                      <p:cBhvr>
+                                        <p:cTn id="28" dur="500" fill="hold"/>
+                                        <p:tgtEl>
+                                          <p:spTgt spid="9"/>
+                                        </p:tgtEl>
+                                        <p:attrNameLst>
+                                          <p:attrName>ppt_h</p:attrName>
+                                        </p:attrNameLst>
+                                      </p:cBhvr>
+                                      <p:tavLst>
+                                        <p:tav tm="0">
+                                          <p:val>
+                                            <p:fltVal val="0"/>
+                                          </p:val>
+                                        </p:tav>
+                                        <p:tav tm="100000">
+                                          <p:val>
+                                            <p:strVal val="#ppt_h"/>
+                                          </p:val>
+                                        </p:tav>
+                                      </p:tavLst>
+                                    </p:anim>
+                                    <p:animEffect transition="in" filter="fade">
+                                      <p:cBhvr>
+                                        <p:cTn id="29" dur="500"/>
+                                        <p:tgtEl>
+                                          <p:spTgt spid="9"/>
+                                        </p:tgtEl>
+                                      </p:cBhvr>
+                                    </p:animEffect>
+                                  </p:childTnLst>
+                                </p:cTn>
+                              </p:par>
+                            </p:childTnLst>
+                          </p:cTn>
+                        </p:par>
+                      </p:childTnLst>
+                    </p:cTn>
+                  </p:par>
+                </p:childTnLst>
+              </p:cTn>
+              <p:prevCondLst>
+                <p:cond evt="onPrev" delay="0">
+                  <p:tgtEl>
+                    <p:sldTgt/>
+                  </p:tgtEl>
+                </p:cond>
+              </p:prevCondLst>
+              <p:nextCondLst>
+                <p:cond evt="onNext" delay="0">
+                  <p:tgtEl>
+                    <p:sldTgt/>
+                  </p:tgtEl>
+                </p:cond>
+              </p:nextCondLst>
+            </p:seq>
+          </p:childTnLst>
+        </p:cTn>
+      </p:par>
+    </p:tnLst>
+    <p:bldLst>
+      <p:bldP spid="6" grpId="0" animBg="1"/>
+      <p:bldP spid="7" grpId="0" animBg="1"/>
+      <p:bldP spid="9" grpId="0" animBg="1"/>
+    </p:bldLst>
+  </p:timing>
+</p:sld>
+</file>
+
+<file path=ppt/slides/slide5.xml><?xml version="1.0" encoding="utf-8"?>
+<p:sld xmlns:a="http://schemas.openxmlformats.org/drawingml/2006/main" xmlns:r="http://schemas.openxmlformats.org/officeDocument/2006/relationships" xmlns:p="http://schemas.openxmlformats.org/presentationml/2006/main">
+  <p:cSld>
+    <p:spTree>
+      <p:nvGrpSpPr>
+        <p:cNvPr id="1" name=""/>
+        <p:cNvGrpSpPr/>
+        <p:nvPr/>
+      </p:nvGrpSpPr>
+      <p:grpSpPr>
+        <a:xfrm>
+          <a:off x="0" y="0"/>
+          <a:ext cx="0" cy="0"/>
+          <a:chOff x="0" y="0"/>
+          <a:chExt cx="0" cy="0"/>
+        </a:xfrm>
+      </p:grpSpPr>
+      <p:sp>
+        <p:nvSpPr>
+          <p:cNvPr id="2" name="Title 1">
+            <a:extLst>
+              <a:ext uri="{FF2B5EF4-FFF2-40B4-BE49-F238E27FC236}">
+                <a16:creationId xmlns:a16="http://schemas.microsoft.com/office/drawing/2014/main" id="{91A95F8D-3072-4E26-A692-CFCC8B22038C}"/>
+              </a:ext>
+            </a:extLst>
+          </p:cNvPr>
+          <p:cNvSpPr>
+            <a:spLocks noGrp="1"/>
+          </p:cNvSpPr>
+          <p:nvPr>
+            <p:ph type="title"/>
+          </p:nvPr>
+        </p:nvSpPr>
+        <p:spPr/>
+        <p:txBody>
+          <a:bodyPr/>
+          <a:lstStyle/>
+          <a:p>
+            <a:r>
+              <a:rPr lang="en-US" dirty="0"/>
+              <a:t>Introduction to classical and quantum computing</a:t>
+            </a:r>
+          </a:p>
+        </p:txBody>
+      </p:sp>
+      <p:sp>
+        <p:nvSpPr>
+          <p:cNvPr id="3" name="Content Placeholder 2">
+            <a:extLst>
+              <a:ext uri="{FF2B5EF4-FFF2-40B4-BE49-F238E27FC236}">
+                <a16:creationId xmlns:a16="http://schemas.microsoft.com/office/drawing/2014/main" id="{445B7811-8F44-467E-8FD2-FF986FCBF138}"/>
+              </a:ext>
+            </a:extLst>
+          </p:cNvPr>
+          <p:cNvSpPr>
+            <a:spLocks noGrp="1"/>
+          </p:cNvSpPr>
+          <p:nvPr>
+            <p:ph idx="1"/>
+          </p:nvPr>
+        </p:nvSpPr>
+        <p:spPr>
+          <a:xfrm>
+            <a:off x="838200" y="1825625"/>
+            <a:ext cx="8839200" cy="4351338"/>
+          </a:xfrm>
+        </p:spPr>
+        <p:txBody>
+          <a:bodyPr/>
+          <a:lstStyle/>
+          <a:p>
+            <a:r>
+              <a:rPr lang="en-US" dirty="0"/>
+              <a:t>Claude Shannon redefined in 1948 rigorously three terms:</a:t>
+            </a:r>
+          </a:p>
+          <a:p>
+            <a:pPr lvl="1"/>
+            <a:r>
+              <a:rPr lang="en-US" dirty="0"/>
+              <a:t>Information any type of message/data that can be communicated. </a:t>
+            </a:r>
+          </a:p>
+          <a:p>
+            <a:pPr lvl="1"/>
+            <a:r>
+              <a:rPr lang="en-US" dirty="0"/>
+              <a:t>Bit is the minimal unit of information to distinguish between </a:t>
+            </a:r>
+            <a:br>
+              <a:rPr lang="en-US" dirty="0"/>
+            </a:br>
+            <a:r>
+              <a:rPr lang="en-US" dirty="0"/>
+              <a:t>two states: On vs. Off, 0 vs. 1, or </a:t>
+            </a:r>
+            <a:r>
+              <a:rPr lang="en-US" dirty="0">
+                <a:solidFill>
+                  <a:srgbClr val="FF0000"/>
+                </a:solidFill>
+              </a:rPr>
+              <a:t>Red</a:t>
+            </a:r>
+            <a:r>
+              <a:rPr lang="en-US" dirty="0"/>
+              <a:t> vs. </a:t>
+            </a:r>
+            <a:r>
+              <a:rPr lang="en-US" dirty="0">
+                <a:solidFill>
+                  <a:srgbClr val="0000FF"/>
+                </a:solidFill>
+              </a:rPr>
+              <a:t>Blue</a:t>
+            </a:r>
+            <a:r>
+              <a:rPr lang="en-US" dirty="0"/>
+              <a:t>. </a:t>
+            </a:r>
+          </a:p>
+          <a:p>
+            <a:pPr lvl="1"/>
+            <a:r>
+              <a:rPr lang="en-US" dirty="0"/>
+              <a:t>Entropy measures the number of possible values a set of bits </a:t>
+            </a:r>
+            <a:br>
+              <a:rPr lang="en-US" dirty="0"/>
+            </a:br>
+            <a:r>
+              <a:rPr lang="en-US" dirty="0"/>
+              <a:t>can store. </a:t>
+            </a:r>
+          </a:p>
+          <a:p>
+            <a:pPr lvl="1"/>
+            <a:endParaRPr lang="en-US" dirty="0"/>
+          </a:p>
+        </p:txBody>
+      </p:sp>
+      <p:grpSp>
+        <p:nvGrpSpPr>
+          <p:cNvPr id="7" name="Group 6">
+            <a:extLst>
+              <a:ext uri="{FF2B5EF4-FFF2-40B4-BE49-F238E27FC236}">
+                <a16:creationId xmlns:a16="http://schemas.microsoft.com/office/drawing/2014/main" id="{DAB57D4A-E324-4B82-A908-547B2245CC02}"/>
+              </a:ext>
+            </a:extLst>
+          </p:cNvPr>
+          <p:cNvGrpSpPr/>
+          <p:nvPr/>
+        </p:nvGrpSpPr>
+        <p:grpSpPr>
+          <a:xfrm>
+            <a:off x="9982200" y="1825625"/>
+            <a:ext cx="1476375" cy="2404299"/>
+            <a:chOff x="10515600" y="1444625"/>
+            <a:chExt cx="1476375" cy="2404299"/>
+          </a:xfrm>
+        </p:grpSpPr>
+        <p:pic>
+          <p:nvPicPr>
+            <p:cNvPr id="5" name="Picture 4">
+              <a:extLst>
+                <a:ext uri="{FF2B5EF4-FFF2-40B4-BE49-F238E27FC236}">
+                  <a16:creationId xmlns:a16="http://schemas.microsoft.com/office/drawing/2014/main" id="{399B56A1-0BE4-481B-B661-354EE29DAB1A}"/>
+                </a:ext>
+              </a:extLst>
+            </p:cNvPr>
+            <p:cNvPicPr>
+              <a:picLocks noChangeAspect="1"/>
+            </p:cNvPicPr>
+            <p:nvPr/>
+          </p:nvPicPr>
+          <p:blipFill>
+            <a:blip r:embed="rId2">
+              <a:extLst>
+                <a:ext uri="{28A0092B-C50C-407E-A947-70E740481C1C}">
+                  <a14:useLocalDpi xmlns:a14="http://schemas.microsoft.com/office/drawing/2010/main" val="0"/>
+                </a:ext>
+              </a:extLst>
+            </a:blip>
+            <a:stretch>
+              <a:fillRect/>
+            </a:stretch>
+          </p:blipFill>
+          <p:spPr>
+            <a:xfrm>
+              <a:off x="10515600" y="1444625"/>
+              <a:ext cx="1476375" cy="2084696"/>
+            </a:xfrm>
+            <a:prstGeom prst="rect">
+              <a:avLst/>
+            </a:prstGeom>
+          </p:spPr>
+        </p:pic>
+        <p:sp>
+          <p:nvSpPr>
+            <p:cNvPr id="6" name="Rectangle 5">
+              <a:extLst>
+                <a:ext uri="{FF2B5EF4-FFF2-40B4-BE49-F238E27FC236}">
+                  <a16:creationId xmlns:a16="http://schemas.microsoft.com/office/drawing/2014/main" id="{A5A16469-019E-4183-8282-CCD0BD28D173}"/>
+                </a:ext>
+              </a:extLst>
+            </p:cNvPr>
+            <p:cNvSpPr/>
+            <p:nvPr/>
+          </p:nvSpPr>
+          <p:spPr>
+            <a:xfrm>
+              <a:off x="10661317" y="3479592"/>
+              <a:ext cx="1184940" cy="369332"/>
+            </a:xfrm>
+            <a:prstGeom prst="rect">
+              <a:avLst/>
+            </a:prstGeom>
+          </p:spPr>
+          <p:txBody>
+            <a:bodyPr wrap="none">
+              <a:spAutoFit/>
+            </a:bodyPr>
+            <a:lstStyle/>
+            <a:p>
+              <a:r>
+                <a:rPr lang="en-US" dirty="0">
+                  <a:solidFill>
+                    <a:schemeClr val="bg2">
+                      <a:lumMod val="75000"/>
+                    </a:schemeClr>
+                  </a:solidFill>
+                </a:rPr>
+                <a:t>Wikimedia</a:t>
+              </a:r>
+            </a:p>
+          </p:txBody>
+        </p:sp>
+      </p:grpSp>
+    </p:spTree>
+    <p:extLst>
+      <p:ext uri="{BB962C8B-B14F-4D97-AF65-F5344CB8AC3E}">
+        <p14:creationId xmlns:p14="http://schemas.microsoft.com/office/powerpoint/2010/main" val="4135313756"/>
+      </p:ext>
+    </p:extLst>
+  </p:cSld>
+  <p:clrMapOvr>
+    <a:masterClrMapping/>
+  </p:clrMapOvr>
+  <p:timing>
+    <p:tnLst>
+      <p:par>
+        <p:cTn id="1" dur="indefinite" restart="never" nodeType="tmRoot">
+          <p:childTnLst>
+            <p:seq concurrent="1" nextAc="seek">
+              <p:cTn id="2" dur="indefinite" nodeType="mainSeq">
+                <p:childTnLst>
+                  <p:par>
+                    <p:cTn id="3" fill="hold">
+                      <p:stCondLst>
+                        <p:cond delay="indefinite"/>
+                      </p:stCondLst>
+                      <p:childTnLst>
+                        <p:par>
+                          <p:cTn id="4" fill="hold">
+                            <p:stCondLst>
+                              <p:cond delay="0"/>
+                            </p:stCondLst>
+                            <p:childTnLst>
+                              <p:par>
+                                <p:cTn id="5" presetID="1" presetClass="entr" presetSubtype="0" fill="hold" nodeType="clickEffect">
+                                  <p:stCondLst>
+                                    <p:cond delay="0"/>
+                                  </p:stCondLst>
+                                  <p:childTnLst>
+                                    <p:set>
+                                      <p:cBhvr>
+                                        <p:cTn id="6" dur="1" fill="hold">
+                                          <p:stCondLst>
+                                            <p:cond delay="0"/>
+                                          </p:stCondLst>
+                                        </p:cTn>
+                                        <p:tgtEl>
+                                          <p:spTgt spid="3">
+                                            <p:txEl>
+                                              <p:pRg st="1" end="1"/>
+                                            </p:txEl>
+                                          </p:spTgt>
+                                        </p:tgtEl>
+                                        <p:attrNameLst>
+                                          <p:attrName>style.visibility</p:attrName>
+                                        </p:attrNameLst>
+                                      </p:cBhvr>
+                                      <p:to>
+                                        <p:strVal val="visible"/>
+                                      </p:to>
+                                    </p:set>
+                                  </p:childTnLst>
+                                </p:cTn>
+                              </p:par>
+                            </p:childTnLst>
+                          </p:cTn>
+                        </p:par>
+                      </p:childTnLst>
+                    </p:cTn>
+                  </p:par>
+                  <p:par>
+                    <p:cTn id="7" fill="hold">
+                      <p:stCondLst>
+                        <p:cond delay="indefinite"/>
+                      </p:stCondLst>
+                      <p:childTnLst>
+                        <p:par>
+                          <p:cTn id="8" fill="hold">
+                            <p:stCondLst>
+                              <p:cond delay="0"/>
+                            </p:stCondLst>
+                            <p:childTnLst>
+                              <p:par>
+                                <p:cTn id="9" presetID="1" presetClass="entr" presetSubtype="0" fill="hold" nodeType="clickEffect">
+                                  <p:stCondLst>
+                                    <p:cond delay="0"/>
+                                  </p:stCondLst>
+                                  <p:childTnLst>
+                                    <p:set>
+                                      <p:cBhvr>
+                                        <p:cTn id="10" dur="1" fill="hold">
+                                          <p:stCondLst>
+                                            <p:cond delay="0"/>
+                                          </p:stCondLst>
+                                        </p:cTn>
+                                        <p:tgtEl>
+                                          <p:spTgt spid="3">
+                                            <p:txEl>
+                                              <p:pRg st="2" end="2"/>
+                                            </p:txEl>
+                                          </p:spTgt>
+                                        </p:tgtEl>
+                                        <p:attrNameLst>
+                                          <p:attrName>style.visibility</p:attrName>
+                                        </p:attrNameLst>
+                                      </p:cBhvr>
+                                      <p:to>
+                                        <p:strVal val="visible"/>
+                                      </p:to>
+                                    </p:set>
+                                  </p:childTnLst>
+                                </p:cTn>
+                              </p:par>
+                            </p:childTnLst>
+                          </p:cTn>
+                        </p:par>
+                      </p:childTnLst>
+                    </p:cTn>
+                  </p:par>
+                  <p:par>
+                    <p:cTn id="11" fill="hold">
+                      <p:stCondLst>
+                        <p:cond delay="indefinite"/>
+                      </p:stCondLst>
+                      <p:childTnLst>
+                        <p:par>
+                          <p:cTn id="12" fill="hold">
+                            <p:stCondLst>
+                              <p:cond delay="0"/>
+                            </p:stCondLst>
+                            <p:childTnLst>
+                              <p:par>
+                                <p:cTn id="13" presetID="1" presetClass="entr" presetSubtype="0" fill="hold" nodeType="clickEffect">
+                                  <p:stCondLst>
+                                    <p:cond delay="0"/>
+                                  </p:stCondLst>
+                                  <p:childTnLst>
+                                    <p:set>
+                                      <p:cBhvr>
+                                        <p:cTn id="14" dur="1" fill="hold">
+                                          <p:stCondLst>
+                                            <p:cond delay="0"/>
+                                          </p:stCondLst>
+                                        </p:cTn>
+                                        <p:tgtEl>
+                                          <p:spTgt spid="3">
+                                            <p:txEl>
+                                              <p:pRg st="3" end="3"/>
+                                            </p:txEl>
+                                          </p:spTgt>
+                                        </p:tgtEl>
+                                        <p:attrNameLst>
+                                          <p:attrName>style.visibility</p:attrName>
+                                        </p:attrNameLst>
+                                      </p:cBhvr>
+                                      <p:to>
+                                        <p:strVal val="visible"/>
+                                      </p:to>
+                                    </p:set>
+                                  </p:childTnLst>
+                                </p:cTn>
+                              </p:par>
+                            </p:childTnLst>
+                          </p:cTn>
+                        </p:par>
+                      </p:childTnLst>
+                    </p:cTn>
+                  </p:par>
+                </p:childTnLst>
+              </p:cTn>
+              <p:prevCondLst>
+                <p:cond evt="onPrev" delay="0">
+                  <p:tgtEl>
+                    <p:sldTgt/>
+                  </p:tgtEl>
+                </p:cond>
+              </p:prevCondLst>
+              <p:nextCondLst>
+                <p:cond evt="onNext" delay="0">
+                  <p:tgtEl>
+                    <p:sldTgt/>
+                  </p:tgtEl>
+                </p:cond>
+              </p:nextCondLst>
+            </p:seq>
+          </p:childTnLst>
+        </p:cTn>
+      </p:par>
+    </p:tnLst>
+  </p:timing>
+</p:sld>
+</file>
+
+<file path=ppt/slides/slide6.xml><?xml version="1.0" encoding="utf-8"?>
+<p:sld xmlns:a="http://schemas.openxmlformats.org/drawingml/2006/main" xmlns:r="http://schemas.openxmlformats.org/officeDocument/2006/relationships" xmlns:p="http://schemas.openxmlformats.org/presentationml/2006/main">
+  <p:cSld>
+    <p:spTree>
+      <p:nvGrpSpPr>
+        <p:cNvPr id="1" name=""/>
+        <p:cNvGrpSpPr/>
+        <p:nvPr/>
+      </p:nvGrpSpPr>
+      <p:grpSpPr>
+        <a:xfrm>
+          <a:off x="0" y="0"/>
+          <a:ext cx="0" cy="0"/>
+          <a:chOff x="0" y="0"/>
+          <a:chExt cx="0" cy="0"/>
+        </a:xfrm>
+      </p:grpSpPr>
+      <p:grpSp>
+        <p:nvGrpSpPr>
+          <p:cNvPr id="29" name="Group 28">
+            <a:extLst>
+              <a:ext uri="{FF2B5EF4-FFF2-40B4-BE49-F238E27FC236}">
+                <a16:creationId xmlns:a16="http://schemas.microsoft.com/office/drawing/2014/main" id="{5D93604B-3111-44F4-A010-90C7388826A2}"/>
+              </a:ext>
+            </a:extLst>
+          </p:cNvPr>
+          <p:cNvGrpSpPr/>
+          <p:nvPr/>
+        </p:nvGrpSpPr>
+        <p:grpSpPr>
+          <a:xfrm>
+            <a:off x="2446816" y="5327054"/>
+            <a:ext cx="914400" cy="914400"/>
+            <a:chOff x="4617629" y="2432629"/>
+            <a:chExt cx="914400" cy="914400"/>
+          </a:xfrm>
+        </p:grpSpPr>
+        <p:pic>
+          <p:nvPicPr>
+            <p:cNvPr id="31" name="Graphic 30">
+              <a:extLst>
+                <a:ext uri="{FF2B5EF4-FFF2-40B4-BE49-F238E27FC236}">
+                  <a16:creationId xmlns:a16="http://schemas.microsoft.com/office/drawing/2014/main" id="{FD060ED8-EDF6-497E-AB37-8608ACFD2D41}"/>
+                </a:ext>
+                <a:ext uri="{C183D7F6-B498-43B3-948B-1728B52AA6E4}">
+                  <adec:decorative xmlns:adec="http://schemas.microsoft.com/office/drawing/2017/decorative" val="1"/>
+                </a:ext>
+              </a:extLst>
+            </p:cNvPr>
+            <p:cNvPicPr>
+              <a:picLocks noChangeAspect="1"/>
+            </p:cNvPicPr>
+            <p:nvPr/>
+          </p:nvPicPr>
+          <p:blipFill>
+            <a:blip r:embed="rId2">
+              <a:extLst>
+                <a:ext uri="{28A0092B-C50C-407E-A947-70E740481C1C}">
+                  <a14:useLocalDpi xmlns:a14="http://schemas.microsoft.com/office/drawing/2010/main" val="0"/>
+                </a:ext>
+                <a:ext uri="{96DAC541-7B7A-43D3-8B79-37D633B846F1}">
+                  <asvg:svgBlip xmlns:asvg="http://schemas.microsoft.com/office/drawing/2016/SVG/main" r:embed="rId3"/>
+                </a:ext>
+              </a:extLst>
+            </a:blip>
+            <a:stretch>
+              <a:fillRect/>
+            </a:stretch>
+          </p:blipFill>
+          <p:spPr>
+            <a:xfrm>
+              <a:off x="4617629" y="2432629"/>
+              <a:ext cx="914400" cy="914400"/>
+            </a:xfrm>
+            <a:prstGeom prst="rect">
+              <a:avLst/>
+            </a:prstGeom>
+          </p:spPr>
+        </p:pic>
+        <p:sp>
+          <p:nvSpPr>
+            <p:cNvPr id="32" name="Rectangle 31">
+              <a:extLst>
+                <a:ext uri="{FF2B5EF4-FFF2-40B4-BE49-F238E27FC236}">
+                  <a16:creationId xmlns:a16="http://schemas.microsoft.com/office/drawing/2014/main" id="{F070EFA2-1FF2-4CEB-A792-5A382D9AF741}"/>
+                </a:ext>
+              </a:extLst>
+            </p:cNvPr>
+            <p:cNvSpPr/>
+            <p:nvPr/>
+          </p:nvSpPr>
+          <p:spPr>
+            <a:xfrm>
+              <a:off x="4886937" y="2848715"/>
+              <a:ext cx="301685" cy="369332"/>
+            </a:xfrm>
+            <a:prstGeom prst="rect">
+              <a:avLst/>
+            </a:prstGeom>
+          </p:spPr>
+          <p:txBody>
+            <a:bodyPr wrap="none">
+              <a:spAutoFit/>
+            </a:bodyPr>
+            <a:lstStyle/>
+            <a:p>
+              <a:pPr algn="ctr"/>
+              <a:r>
+                <a:rPr lang="en-US" dirty="0">
+                  <a:solidFill>
+                    <a:schemeClr val="bg1"/>
+                  </a:solidFill>
+                </a:rPr>
+                <a:t>1</a:t>
+              </a:r>
+            </a:p>
+          </p:txBody>
+        </p:sp>
+      </p:grpSp>
+      <p:grpSp>
+        <p:nvGrpSpPr>
+          <p:cNvPr id="22" name="Group 21">
+            <a:extLst>
+              <a:ext uri="{FF2B5EF4-FFF2-40B4-BE49-F238E27FC236}">
+                <a16:creationId xmlns:a16="http://schemas.microsoft.com/office/drawing/2014/main" id="{3E97E4F0-0708-4055-93FB-F9CFFAF10A62}"/>
+              </a:ext>
+            </a:extLst>
+          </p:cNvPr>
+          <p:cNvGrpSpPr/>
+          <p:nvPr/>
+        </p:nvGrpSpPr>
+        <p:grpSpPr>
+          <a:xfrm>
+            <a:off x="2452244" y="4001294"/>
+            <a:ext cx="914400" cy="914400"/>
+            <a:chOff x="4617629" y="2432629"/>
+            <a:chExt cx="914400" cy="914400"/>
+          </a:xfrm>
+        </p:grpSpPr>
+        <p:pic>
+          <p:nvPicPr>
+            <p:cNvPr id="23" name="Graphic 22">
+              <a:extLst>
+                <a:ext uri="{FF2B5EF4-FFF2-40B4-BE49-F238E27FC236}">
+                  <a16:creationId xmlns:a16="http://schemas.microsoft.com/office/drawing/2014/main" id="{575F187C-BA93-483F-A4C7-61D1AC6B9350}"/>
+                </a:ext>
+                <a:ext uri="{C183D7F6-B498-43B3-948B-1728B52AA6E4}">
+                  <adec:decorative xmlns:adec="http://schemas.microsoft.com/office/drawing/2017/decorative" val="1"/>
+                </a:ext>
+              </a:extLst>
+            </p:cNvPr>
+            <p:cNvPicPr>
+              <a:picLocks noChangeAspect="1"/>
+            </p:cNvPicPr>
+            <p:nvPr/>
+          </p:nvPicPr>
+          <p:blipFill>
+            <a:blip r:embed="rId4">
+              <a:extLst>
+                <a:ext uri="{28A0092B-C50C-407E-A947-70E740481C1C}">
+                  <a14:useLocalDpi xmlns:a14="http://schemas.microsoft.com/office/drawing/2010/main" val="0"/>
+                </a:ext>
+                <a:ext uri="{96DAC541-7B7A-43D3-8B79-37D633B846F1}">
+                  <asvg:svgBlip xmlns:asvg="http://schemas.microsoft.com/office/drawing/2016/SVG/main" r:embed="rId5"/>
+                </a:ext>
+              </a:extLst>
+            </a:blip>
+            <a:stretch>
+              <a:fillRect/>
+            </a:stretch>
+          </p:blipFill>
+          <p:spPr>
+            <a:xfrm>
+              <a:off x="4617629" y="2432629"/>
+              <a:ext cx="914400" cy="914400"/>
+            </a:xfrm>
+            <a:prstGeom prst="rect">
+              <a:avLst/>
+            </a:prstGeom>
+          </p:spPr>
+        </p:pic>
+        <p:sp>
+          <p:nvSpPr>
+            <p:cNvPr id="24" name="Rectangle 23">
+              <a:extLst>
+                <a:ext uri="{FF2B5EF4-FFF2-40B4-BE49-F238E27FC236}">
+                  <a16:creationId xmlns:a16="http://schemas.microsoft.com/office/drawing/2014/main" id="{CF95C38B-E475-4C15-BE24-E74CDD86A2D6}"/>
+                </a:ext>
+              </a:extLst>
+            </p:cNvPr>
+            <p:cNvSpPr/>
+            <p:nvPr/>
+          </p:nvSpPr>
+          <p:spPr>
+            <a:xfrm>
+              <a:off x="4886937" y="2848715"/>
+              <a:ext cx="301685" cy="369332"/>
+            </a:xfrm>
+            <a:prstGeom prst="rect">
+              <a:avLst/>
+            </a:prstGeom>
+          </p:spPr>
+          <p:txBody>
+            <a:bodyPr wrap="none">
+              <a:spAutoFit/>
+            </a:bodyPr>
+            <a:lstStyle/>
+            <a:p>
+              <a:pPr algn="ctr"/>
+              <a:r>
+                <a:rPr lang="en-US" dirty="0">
+                  <a:solidFill>
+                    <a:schemeClr val="bg1"/>
+                  </a:solidFill>
+                </a:rPr>
+                <a:t>0</a:t>
+              </a:r>
+            </a:p>
+          </p:txBody>
+        </p:sp>
+      </p:grpSp>
+      <p:grpSp>
+        <p:nvGrpSpPr>
+          <p:cNvPr id="28" name="Group 27">
+            <a:extLst>
+              <a:ext uri="{FF2B5EF4-FFF2-40B4-BE49-F238E27FC236}">
+                <a16:creationId xmlns:a16="http://schemas.microsoft.com/office/drawing/2014/main" id="{20957F4B-2D8D-46DB-B8F5-9793D8AEB8F3}"/>
+              </a:ext>
+            </a:extLst>
+          </p:cNvPr>
+          <p:cNvGrpSpPr/>
+          <p:nvPr/>
+        </p:nvGrpSpPr>
+        <p:grpSpPr>
+          <a:xfrm>
+            <a:off x="4547394" y="5327054"/>
+            <a:ext cx="914400" cy="914400"/>
+            <a:chOff x="4617629" y="601247"/>
+            <a:chExt cx="914400" cy="914400"/>
+          </a:xfrm>
+        </p:grpSpPr>
+        <p:pic>
+          <p:nvPicPr>
+            <p:cNvPr id="33" name="Graphic 32">
+              <a:extLst>
+                <a:ext uri="{FF2B5EF4-FFF2-40B4-BE49-F238E27FC236}">
+                  <a16:creationId xmlns:a16="http://schemas.microsoft.com/office/drawing/2014/main" id="{FD8C9464-F007-40E1-B091-914B7A093CFE}"/>
+                </a:ext>
+                <a:ext uri="{C183D7F6-B498-43B3-948B-1728B52AA6E4}">
+                  <adec:decorative xmlns:adec="http://schemas.microsoft.com/office/drawing/2017/decorative" val="1"/>
+                </a:ext>
+              </a:extLst>
+            </p:cNvPr>
+            <p:cNvPicPr>
+              <a:picLocks noChangeAspect="1"/>
+            </p:cNvPicPr>
+            <p:nvPr/>
+          </p:nvPicPr>
+          <p:blipFill>
+            <a:blip r:embed="rId4">
+              <a:extLst>
+                <a:ext uri="{28A0092B-C50C-407E-A947-70E740481C1C}">
+                  <a14:useLocalDpi xmlns:a14="http://schemas.microsoft.com/office/drawing/2010/main" val="0"/>
+                </a:ext>
+                <a:ext uri="{96DAC541-7B7A-43D3-8B79-37D633B846F1}">
+                  <asvg:svgBlip xmlns:asvg="http://schemas.microsoft.com/office/drawing/2016/SVG/main" r:embed="rId5"/>
+                </a:ext>
+              </a:extLst>
+            </a:blip>
+            <a:stretch>
+              <a:fillRect/>
+            </a:stretch>
+          </p:blipFill>
+          <p:spPr>
+            <a:xfrm>
+              <a:off x="4617629" y="601247"/>
+              <a:ext cx="914400" cy="914400"/>
+            </a:xfrm>
+            <a:prstGeom prst="rect">
+              <a:avLst/>
+            </a:prstGeom>
+          </p:spPr>
+        </p:pic>
+        <p:sp>
+          <p:nvSpPr>
+            <p:cNvPr id="34" name="Rectangle 33">
+              <a:extLst>
+                <a:ext uri="{FF2B5EF4-FFF2-40B4-BE49-F238E27FC236}">
+                  <a16:creationId xmlns:a16="http://schemas.microsoft.com/office/drawing/2014/main" id="{4B631D80-02AB-45FD-8764-09606F1F24BF}"/>
+                </a:ext>
+              </a:extLst>
+            </p:cNvPr>
+            <p:cNvSpPr/>
+            <p:nvPr/>
+          </p:nvSpPr>
+          <p:spPr>
+            <a:xfrm>
+              <a:off x="4886937" y="1017333"/>
+              <a:ext cx="301685" cy="369332"/>
+            </a:xfrm>
+            <a:prstGeom prst="rect">
+              <a:avLst/>
+            </a:prstGeom>
+          </p:spPr>
+          <p:txBody>
+            <a:bodyPr wrap="none">
+              <a:spAutoFit/>
+            </a:bodyPr>
+            <a:lstStyle/>
+            <a:p>
+              <a:pPr algn="ctr"/>
+              <a:r>
+                <a:rPr lang="en-US" dirty="0">
+                  <a:solidFill>
+                    <a:schemeClr val="bg1"/>
+                  </a:solidFill>
+                </a:rPr>
+                <a:t>0</a:t>
+              </a:r>
+            </a:p>
+          </p:txBody>
+        </p:sp>
+      </p:grpSp>
+      <p:grpSp>
+        <p:nvGrpSpPr>
+          <p:cNvPr id="19" name="Group 18">
+            <a:extLst>
+              <a:ext uri="{FF2B5EF4-FFF2-40B4-BE49-F238E27FC236}">
+                <a16:creationId xmlns:a16="http://schemas.microsoft.com/office/drawing/2014/main" id="{7C1A362E-9D9D-4C1F-99D2-75A2512C3F34}"/>
+              </a:ext>
+            </a:extLst>
+          </p:cNvPr>
+          <p:cNvGrpSpPr/>
+          <p:nvPr/>
+        </p:nvGrpSpPr>
+        <p:grpSpPr>
+          <a:xfrm>
+            <a:off x="4552822" y="4001294"/>
+            <a:ext cx="914400" cy="914400"/>
+            <a:chOff x="4617629" y="601247"/>
+            <a:chExt cx="914400" cy="914400"/>
+          </a:xfrm>
+        </p:grpSpPr>
+        <p:pic>
+          <p:nvPicPr>
+            <p:cNvPr id="20" name="Graphic 19">
+              <a:extLst>
+                <a:ext uri="{FF2B5EF4-FFF2-40B4-BE49-F238E27FC236}">
+                  <a16:creationId xmlns:a16="http://schemas.microsoft.com/office/drawing/2014/main" id="{1B9F34BF-675E-4B5D-A5D3-58FCEF94030B}"/>
+                </a:ext>
+                <a:ext uri="{C183D7F6-B498-43B3-948B-1728B52AA6E4}">
+                  <adec:decorative xmlns:adec="http://schemas.microsoft.com/office/drawing/2017/decorative" val="1"/>
+                </a:ext>
+              </a:extLst>
+            </p:cNvPr>
+            <p:cNvPicPr>
+              <a:picLocks noChangeAspect="1"/>
+            </p:cNvPicPr>
+            <p:nvPr/>
+          </p:nvPicPr>
+          <p:blipFill>
+            <a:blip r:embed="rId2">
+              <a:extLst>
+                <a:ext uri="{28A0092B-C50C-407E-A947-70E740481C1C}">
+                  <a14:useLocalDpi xmlns:a14="http://schemas.microsoft.com/office/drawing/2010/main" val="0"/>
+                </a:ext>
+                <a:ext uri="{96DAC541-7B7A-43D3-8B79-37D633B846F1}">
+                  <asvg:svgBlip xmlns:asvg="http://schemas.microsoft.com/office/drawing/2016/SVG/main" r:embed="rId3"/>
+                </a:ext>
+              </a:extLst>
+            </a:blip>
+            <a:stretch>
+              <a:fillRect/>
+            </a:stretch>
+          </p:blipFill>
+          <p:spPr>
+            <a:xfrm>
+              <a:off x="4617629" y="601247"/>
+              <a:ext cx="914400" cy="914400"/>
+            </a:xfrm>
+            <a:prstGeom prst="rect">
+              <a:avLst/>
+            </a:prstGeom>
+          </p:spPr>
+        </p:pic>
+        <p:sp>
+          <p:nvSpPr>
+            <p:cNvPr id="21" name="Rectangle 20">
+              <a:extLst>
+                <a:ext uri="{FF2B5EF4-FFF2-40B4-BE49-F238E27FC236}">
+                  <a16:creationId xmlns:a16="http://schemas.microsoft.com/office/drawing/2014/main" id="{881EA960-A2F0-4A6C-93C2-110385F7222E}"/>
+                </a:ext>
+              </a:extLst>
+            </p:cNvPr>
+            <p:cNvSpPr/>
+            <p:nvPr/>
+          </p:nvSpPr>
+          <p:spPr>
+            <a:xfrm>
+              <a:off x="4886937" y="1017333"/>
+              <a:ext cx="301685" cy="369332"/>
+            </a:xfrm>
+            <a:prstGeom prst="rect">
+              <a:avLst/>
+            </a:prstGeom>
+          </p:spPr>
+          <p:txBody>
+            <a:bodyPr wrap="none">
+              <a:spAutoFit/>
+            </a:bodyPr>
+            <a:lstStyle/>
+            <a:p>
+              <a:pPr algn="ctr"/>
+              <a:r>
+                <a:rPr lang="en-US" dirty="0">
+                  <a:solidFill>
+                    <a:schemeClr val="bg1"/>
+                  </a:solidFill>
+                </a:rPr>
+                <a:t>1</a:t>
+              </a:r>
+            </a:p>
+          </p:txBody>
+        </p:sp>
+      </p:grpSp>
+      <p:sp>
+        <p:nvSpPr>
+          <p:cNvPr id="30" name="Rectangle 29">
+            <a:extLst>
+              <a:ext uri="{FF2B5EF4-FFF2-40B4-BE49-F238E27FC236}">
+                <a16:creationId xmlns:a16="http://schemas.microsoft.com/office/drawing/2014/main" id="{7CD91174-737F-4C53-9511-50C48439B699}"/>
+              </a:ext>
+            </a:extLst>
+          </p:cNvPr>
+          <p:cNvSpPr/>
+          <p:nvPr/>
+        </p:nvSpPr>
+        <p:spPr>
+          <a:xfrm>
+            <a:off x="4547394" y="5412779"/>
+            <a:ext cx="914400" cy="742950"/>
+          </a:xfrm>
+          <a:prstGeom prst="rect">
+            <a:avLst/>
+          </a:prstGeom>
+          <a:gradFill flip="none" rotWithShape="1">
+            <a:gsLst>
+              <a:gs pos="0">
+                <a:schemeClr val="accent3">
+                  <a:lumMod val="67000"/>
+                </a:schemeClr>
+              </a:gs>
+              <a:gs pos="48000">
+                <a:schemeClr val="accent3">
+                  <a:lumMod val="97000"/>
+                  <a:lumOff val="3000"/>
+                </a:schemeClr>
+              </a:gs>
+              <a:gs pos="100000">
+                <a:schemeClr val="accent3">
+                  <a:lumMod val="60000"/>
+                  <a:lumOff val="40000"/>
+                </a:schemeClr>
+              </a:gs>
+            </a:gsLst>
+            <a:lin ang="16200000" scaled="1"/>
+            <a:tileRect/>
+          </a:gradFill>
+          <a:ln>
+            <a:noFill/>
+          </a:ln>
+        </p:spPr>
+        <p:style>
+          <a:lnRef idx="0">
+            <a:scrgbClr r="0" g="0" b="0"/>
+          </a:lnRef>
+          <a:fillRef idx="0">
+            <a:scrgbClr r="0" g="0" b="0"/>
+          </a:fillRef>
+          <a:effectRef idx="0">
+            <a:scrgbClr r="0" g="0" b="0"/>
+          </a:effectRef>
+          <a:fontRef idx="minor">
+            <a:schemeClr val="lt1"/>
+          </a:fontRef>
+        </p:style>
+        <p:txBody>
+          <a:bodyPr rtlCol="0" anchor="ctr"/>
+          <a:lstStyle/>
+          <a:p>
+            <a:pPr algn="ctr"/>
+            <a:r>
+              <a:rPr lang="en-US" dirty="0"/>
+              <a:t>NOT</a:t>
+            </a:r>
+          </a:p>
+        </p:txBody>
+      </p:sp>
+      <p:sp>
+        <p:nvSpPr>
+          <p:cNvPr id="25" name="Rectangle 24">
+            <a:extLst>
+              <a:ext uri="{FF2B5EF4-FFF2-40B4-BE49-F238E27FC236}">
+                <a16:creationId xmlns:a16="http://schemas.microsoft.com/office/drawing/2014/main" id="{EE60845A-ED49-4832-A7FC-67815AAAE169}"/>
+              </a:ext>
+            </a:extLst>
+          </p:cNvPr>
+          <p:cNvSpPr/>
+          <p:nvPr/>
+        </p:nvSpPr>
+        <p:spPr>
+          <a:xfrm>
+            <a:off x="4552822" y="4087019"/>
+            <a:ext cx="914400" cy="742950"/>
+          </a:xfrm>
+          <a:prstGeom prst="rect">
+            <a:avLst/>
+          </a:prstGeom>
+          <a:gradFill flip="none" rotWithShape="1">
+            <a:gsLst>
+              <a:gs pos="0">
+                <a:schemeClr val="accent3">
+                  <a:lumMod val="67000"/>
+                </a:schemeClr>
+              </a:gs>
+              <a:gs pos="48000">
+                <a:schemeClr val="accent3">
+                  <a:lumMod val="97000"/>
+                  <a:lumOff val="3000"/>
+                </a:schemeClr>
+              </a:gs>
+              <a:gs pos="100000">
+                <a:schemeClr val="accent3">
+                  <a:lumMod val="60000"/>
+                  <a:lumOff val="40000"/>
+                </a:schemeClr>
+              </a:gs>
+            </a:gsLst>
+            <a:lin ang="16200000" scaled="1"/>
+            <a:tileRect/>
+          </a:gradFill>
+          <a:ln>
+            <a:noFill/>
+          </a:ln>
+        </p:spPr>
+        <p:style>
+          <a:lnRef idx="0">
+            <a:scrgbClr r="0" g="0" b="0"/>
+          </a:lnRef>
+          <a:fillRef idx="0">
+            <a:scrgbClr r="0" g="0" b="0"/>
+          </a:fillRef>
+          <a:effectRef idx="0">
+            <a:scrgbClr r="0" g="0" b="0"/>
+          </a:effectRef>
+          <a:fontRef idx="minor">
+            <a:schemeClr val="lt1"/>
+          </a:fontRef>
+        </p:style>
+        <p:txBody>
+          <a:bodyPr rtlCol="0" anchor="ctr"/>
+          <a:lstStyle/>
+          <a:p>
+            <a:pPr algn="ctr"/>
+            <a:r>
+              <a:rPr lang="en-US" dirty="0"/>
+              <a:t>NOT</a:t>
+            </a:r>
+          </a:p>
+        </p:txBody>
+      </p:sp>
+      <p:sp>
+        <p:nvSpPr>
+          <p:cNvPr id="2" name="Title 1">
+            <a:extLst>
+              <a:ext uri="{FF2B5EF4-FFF2-40B4-BE49-F238E27FC236}">
+                <a16:creationId xmlns:a16="http://schemas.microsoft.com/office/drawing/2014/main" id="{91A95F8D-3072-4E26-A692-CFCC8B22038C}"/>
+              </a:ext>
+            </a:extLst>
+          </p:cNvPr>
+          <p:cNvSpPr>
+            <a:spLocks noGrp="1"/>
+          </p:cNvSpPr>
+          <p:nvPr>
+            <p:ph type="title"/>
+          </p:nvPr>
+        </p:nvSpPr>
+        <p:spPr/>
+        <p:txBody>
+          <a:bodyPr/>
+          <a:lstStyle/>
+          <a:p>
+            <a:r>
+              <a:rPr lang="en-US" dirty="0"/>
+              <a:t>Binary operations store information by changing the values of bits</a:t>
+            </a:r>
+          </a:p>
+        </p:txBody>
+      </p:sp>
+      <p:sp>
+        <p:nvSpPr>
+          <p:cNvPr id="3" name="Content Placeholder 2">
+            <a:extLst>
+              <a:ext uri="{FF2B5EF4-FFF2-40B4-BE49-F238E27FC236}">
+                <a16:creationId xmlns:a16="http://schemas.microsoft.com/office/drawing/2014/main" id="{445B7811-8F44-467E-8FD2-FF986FCBF138}"/>
+              </a:ext>
+            </a:extLst>
+          </p:cNvPr>
+          <p:cNvSpPr>
+            <a:spLocks noGrp="1"/>
+          </p:cNvSpPr>
+          <p:nvPr>
+            <p:ph idx="1"/>
+          </p:nvPr>
+        </p:nvSpPr>
+        <p:spPr>
+          <a:xfrm>
+            <a:off x="838200" y="1825625"/>
+            <a:ext cx="8839200" cy="4351338"/>
+          </a:xfrm>
+        </p:spPr>
+        <p:txBody>
+          <a:bodyPr>
+            <a:normAutofit/>
+          </a:bodyPr>
+          <a:lstStyle/>
+          <a:p>
+            <a:pPr lvl="1"/>
+            <a:r>
+              <a:rPr lang="en-US" sz="2800" dirty="0"/>
+              <a:t>From now on, a bit is a rubber duck.</a:t>
+            </a:r>
+          </a:p>
+          <a:p>
+            <a:pPr lvl="1"/>
+            <a:r>
+              <a:rPr lang="en-US" sz="2800" dirty="0"/>
+              <a:t>The duck can be colored as red (0) or blue (1). And by invest energy we can change its color multiple times. </a:t>
+            </a:r>
+          </a:p>
+          <a:p>
+            <a:pPr lvl="1"/>
+            <a:r>
+              <a:rPr lang="en-US" sz="2800" dirty="0"/>
+              <a:t>The NOT gate allows to change the color of the duck</a:t>
+            </a:r>
+          </a:p>
+          <a:p>
+            <a:pPr lvl="1"/>
+            <a:endParaRPr lang="en-US" sz="2800" dirty="0"/>
+          </a:p>
+          <a:p>
+            <a:pPr lvl="1"/>
+            <a:endParaRPr lang="en-US" sz="2800" dirty="0"/>
+          </a:p>
+        </p:txBody>
+      </p:sp>
+      <p:sp>
+        <p:nvSpPr>
+          <p:cNvPr id="14" name="Rectangle 13">
+            <a:extLst>
+              <a:ext uri="{FF2B5EF4-FFF2-40B4-BE49-F238E27FC236}">
+                <a16:creationId xmlns:a16="http://schemas.microsoft.com/office/drawing/2014/main" id="{64485816-307D-4F6F-A706-15F55E325A29}"/>
+              </a:ext>
+            </a:extLst>
+          </p:cNvPr>
+          <p:cNvSpPr/>
+          <p:nvPr/>
+        </p:nvSpPr>
+        <p:spPr>
+          <a:xfrm>
+            <a:off x="3534859" y="3278877"/>
+            <a:ext cx="301685" cy="369332"/>
+          </a:xfrm>
+          <a:prstGeom prst="rect">
+            <a:avLst/>
+          </a:prstGeom>
+        </p:spPr>
+        <p:txBody>
+          <a:bodyPr wrap="none">
+            <a:spAutoFit/>
+          </a:bodyPr>
+          <a:lstStyle/>
+          <a:p>
+            <a:pPr algn="ctr"/>
+            <a:r>
+              <a:rPr lang="en-US" dirty="0">
+                <a:solidFill>
+                  <a:schemeClr val="bg1"/>
+                </a:solidFill>
+              </a:rPr>
+              <a:t>1</a:t>
+            </a:r>
+          </a:p>
+        </p:txBody>
+      </p:sp>
+      <p:graphicFrame>
+        <p:nvGraphicFramePr>
+          <p:cNvPr id="35" name="Table 35">
+            <a:extLst>
+              <a:ext uri="{FF2B5EF4-FFF2-40B4-BE49-F238E27FC236}">
+                <a16:creationId xmlns:a16="http://schemas.microsoft.com/office/drawing/2014/main" id="{C248D696-685E-485A-94C3-71BB0DC7A481}"/>
+              </a:ext>
+            </a:extLst>
+          </p:cNvPr>
+          <p:cNvGraphicFramePr>
+            <a:graphicFrameLocks noGrp="1"/>
+          </p:cNvGraphicFramePr>
+          <p:nvPr>
+            <p:extLst>
+              <p:ext uri="{D42A27DB-BD31-4B8C-83A1-F6EECF244321}">
+                <p14:modId xmlns:p14="http://schemas.microsoft.com/office/powerpoint/2010/main" val="2175370729"/>
+              </p:ext>
+            </p:extLst>
+          </p:nvPr>
+        </p:nvGraphicFramePr>
+        <p:xfrm>
+          <a:off x="8807992" y="4087019"/>
+          <a:ext cx="2027220" cy="1737360"/>
+        </p:xfrm>
+        <a:graphic>
+          <a:graphicData uri="http://schemas.openxmlformats.org/drawingml/2006/table">
+            <a:tbl>
+              <a:tblPr firstRow="1" bandRow="1">
+                <a:tableStyleId>{5940675A-B579-460E-94D1-54222C63F5DA}</a:tableStyleId>
+              </a:tblPr>
+              <a:tblGrid>
+                <a:gridCol w="1014695">
+                  <a:extLst>
+                    <a:ext uri="{9D8B030D-6E8A-4147-A177-3AD203B41FA5}">
+                      <a16:colId xmlns:a16="http://schemas.microsoft.com/office/drawing/2014/main" val="2392549934"/>
+                    </a:ext>
+                  </a:extLst>
+                </a:gridCol>
+                <a:gridCol w="1012525">
+                  <a:extLst>
+                    <a:ext uri="{9D8B030D-6E8A-4147-A177-3AD203B41FA5}">
+                      <a16:colId xmlns:a16="http://schemas.microsoft.com/office/drawing/2014/main" val="948188163"/>
+                    </a:ext>
+                  </a:extLst>
+                </a:gridCol>
+              </a:tblGrid>
+              <a:tr h="557392">
+                <a:tc gridSpan="2">
+                  <a:txBody>
+                    <a:bodyPr/>
+                    <a:lstStyle/>
+                    <a:p>
+                      <a:pPr algn="ctr"/>
+                      <a:r>
+                        <a:rPr lang="en-US" sz="1800" b="1" dirty="0">
+                          <a:solidFill>
+                            <a:schemeClr val="bg1"/>
+                          </a:solidFill>
+                        </a:rPr>
+                        <a:t>NOT Gate</a:t>
+                      </a:r>
+                    </a:p>
+                    <a:p>
+                      <a:pPr algn="ctr"/>
+                      <a:r>
+                        <a:rPr lang="en-US" sz="1800" b="1" dirty="0">
+                          <a:solidFill>
+                            <a:schemeClr val="bg1"/>
+                          </a:solidFill>
+                        </a:rPr>
+                        <a:t>Truth Table </a:t>
+                      </a:r>
+                    </a:p>
+                  </a:txBody>
+                  <a:tcPr>
+                    <a:solidFill>
+                      <a:schemeClr val="tx1">
+                        <a:lumMod val="75000"/>
+                        <a:lumOff val="25000"/>
+                      </a:schemeClr>
+                    </a:solidFill>
+                  </a:tcPr>
+                </a:tc>
+                <a:tc hMerge="1">
+                  <a:txBody>
+                    <a:bodyPr/>
+                    <a:lstStyle/>
+                    <a:p>
+                      <a:pPr algn="ctr"/>
+                      <a:endParaRPr lang="en-US" b="1" dirty="0"/>
+                    </a:p>
+                  </a:txBody>
+                  <a:tcPr/>
+                </a:tc>
+                <a:extLst>
+                  <a:ext uri="{0D108BD9-81ED-4DB2-BD59-A6C34878D82A}">
+                    <a16:rowId xmlns:a16="http://schemas.microsoft.com/office/drawing/2014/main" val="867875689"/>
+                  </a:ext>
+                </a:extLst>
+              </a:tr>
+              <a:tr h="222957">
+                <a:tc>
+                  <a:txBody>
+                    <a:bodyPr/>
+                    <a:lstStyle/>
+                    <a:p>
+                      <a:pPr algn="ctr"/>
+                      <a:r>
+                        <a:rPr lang="en-US" sz="1800" b="1" dirty="0"/>
+                        <a:t>INPUT</a:t>
+                      </a:r>
+                    </a:p>
+                  </a:txBody>
+                  <a:tcPr/>
+                </a:tc>
+                <a:tc>
+                  <a:txBody>
+                    <a:bodyPr/>
+                    <a:lstStyle/>
+                    <a:p>
+                      <a:pPr algn="ctr"/>
+                      <a:r>
+                        <a:rPr lang="en-US" sz="1800" b="1" dirty="0"/>
+                        <a:t>OUTPUT</a:t>
+                      </a:r>
+                    </a:p>
+                  </a:txBody>
+                  <a:tcPr/>
+                </a:tc>
+                <a:extLst>
+                  <a:ext uri="{0D108BD9-81ED-4DB2-BD59-A6C34878D82A}">
+                    <a16:rowId xmlns:a16="http://schemas.microsoft.com/office/drawing/2014/main" val="238136025"/>
+                  </a:ext>
+                </a:extLst>
+              </a:tr>
+              <a:tr h="222957">
+                <a:tc>
+                  <a:txBody>
+                    <a:bodyPr/>
+                    <a:lstStyle/>
+                    <a:p>
+                      <a:pPr algn="ctr"/>
+                      <a:r>
+                        <a:rPr lang="en-US" sz="1800" b="1" dirty="0">
+                          <a:solidFill>
+                            <a:schemeClr val="bg1"/>
+                          </a:solidFill>
+                        </a:rPr>
+                        <a:t>0</a:t>
+                      </a:r>
+                    </a:p>
+                  </a:txBody>
+                  <a:tcPr>
+                    <a:solidFill>
+                      <a:srgbClr val="FF0000"/>
+                    </a:solidFill>
+                  </a:tcPr>
+                </a:tc>
+                <a:tc>
+                  <a:txBody>
+                    <a:bodyPr/>
+                    <a:lstStyle/>
+                    <a:p>
+                      <a:pPr algn="ctr"/>
+                      <a:r>
+                        <a:rPr lang="en-US" sz="1800" b="1" dirty="0">
+                          <a:solidFill>
+                            <a:schemeClr val="bg1"/>
+                          </a:solidFill>
+                        </a:rPr>
+                        <a:t>1</a:t>
+                      </a:r>
+                    </a:p>
+                  </a:txBody>
+                  <a:tcPr>
+                    <a:solidFill>
+                      <a:srgbClr val="0000FF"/>
+                    </a:solidFill>
+                  </a:tcPr>
+                </a:tc>
+                <a:extLst>
+                  <a:ext uri="{0D108BD9-81ED-4DB2-BD59-A6C34878D82A}">
+                    <a16:rowId xmlns:a16="http://schemas.microsoft.com/office/drawing/2014/main" val="2120038812"/>
+                  </a:ext>
+                </a:extLst>
+              </a:tr>
+              <a:tr h="222957">
+                <a:tc>
+                  <a:txBody>
+                    <a:bodyPr/>
+                    <a:lstStyle/>
+                    <a:p>
+                      <a:pPr algn="ctr"/>
+                      <a:r>
+                        <a:rPr lang="en-US" sz="1800" b="1" dirty="0">
+                          <a:solidFill>
+                            <a:schemeClr val="bg1"/>
+                          </a:solidFill>
+                        </a:rPr>
+                        <a:t>1</a:t>
+                      </a:r>
+                    </a:p>
+                  </a:txBody>
+                  <a:tcPr>
+                    <a:solidFill>
+                      <a:srgbClr val="0000FF"/>
+                    </a:solidFill>
+                  </a:tcPr>
+                </a:tc>
+                <a:tc>
+                  <a:txBody>
+                    <a:bodyPr/>
+                    <a:lstStyle/>
+                    <a:p>
+                      <a:pPr algn="ctr"/>
+                      <a:r>
+                        <a:rPr lang="en-US" sz="1800" b="1" dirty="0">
+                          <a:solidFill>
+                            <a:schemeClr val="bg1"/>
+                          </a:solidFill>
+                        </a:rPr>
+                        <a:t>0</a:t>
+                      </a:r>
+                    </a:p>
+                  </a:txBody>
+                  <a:tcPr>
+                    <a:solidFill>
+                      <a:srgbClr val="FF0000"/>
+                    </a:solidFill>
+                  </a:tcPr>
+                </a:tc>
+                <a:extLst>
+                  <a:ext uri="{0D108BD9-81ED-4DB2-BD59-A6C34878D82A}">
+                    <a16:rowId xmlns:a16="http://schemas.microsoft.com/office/drawing/2014/main" val="434520181"/>
+                  </a:ext>
+                </a:extLst>
+              </a:tr>
+            </a:tbl>
+          </a:graphicData>
+        </a:graphic>
+      </p:graphicFrame>
+      <p:grpSp>
+        <p:nvGrpSpPr>
+          <p:cNvPr id="40" name="Group 39">
+            <a:extLst>
+              <a:ext uri="{FF2B5EF4-FFF2-40B4-BE49-F238E27FC236}">
+                <a16:creationId xmlns:a16="http://schemas.microsoft.com/office/drawing/2014/main" id="{B7A20380-2297-4A1F-A240-C89898A68498}"/>
+              </a:ext>
+            </a:extLst>
+          </p:cNvPr>
+          <p:cNvGrpSpPr/>
+          <p:nvPr/>
+        </p:nvGrpSpPr>
+        <p:grpSpPr>
+          <a:xfrm>
+            <a:off x="9904476" y="1690688"/>
+            <a:ext cx="914400" cy="914400"/>
+            <a:chOff x="4617629" y="601247"/>
+            <a:chExt cx="914400" cy="914400"/>
+          </a:xfrm>
+        </p:grpSpPr>
+        <p:pic>
+          <p:nvPicPr>
+            <p:cNvPr id="41" name="Graphic 40">
+              <a:extLst>
+                <a:ext uri="{FF2B5EF4-FFF2-40B4-BE49-F238E27FC236}">
+                  <a16:creationId xmlns:a16="http://schemas.microsoft.com/office/drawing/2014/main" id="{4C657067-1E19-4D6E-8E64-1BF7D6AE199B}"/>
+                </a:ext>
+                <a:ext uri="{C183D7F6-B498-43B3-948B-1728B52AA6E4}">
+                  <adec:decorative xmlns:adec="http://schemas.microsoft.com/office/drawing/2017/decorative" val="1"/>
+                </a:ext>
+              </a:extLst>
+            </p:cNvPr>
+            <p:cNvPicPr>
+              <a:picLocks noChangeAspect="1"/>
+            </p:cNvPicPr>
+            <p:nvPr/>
+          </p:nvPicPr>
+          <p:blipFill>
+            <a:blip r:embed="rId6">
+              <a:extLst>
+                <a:ext uri="{28A0092B-C50C-407E-A947-70E740481C1C}">
+                  <a14:useLocalDpi xmlns:a14="http://schemas.microsoft.com/office/drawing/2010/main" val="0"/>
+                </a:ext>
+                <a:ext uri="{96DAC541-7B7A-43D3-8B79-37D633B846F1}">
+                  <asvg:svgBlip xmlns:asvg="http://schemas.microsoft.com/office/drawing/2016/SVG/main" r:embed="rId7"/>
+                </a:ext>
+              </a:extLst>
+            </a:blip>
+            <a:stretch>
+              <a:fillRect/>
+            </a:stretch>
+          </p:blipFill>
+          <p:spPr>
+            <a:xfrm>
+              <a:off x="4617629" y="601247"/>
+              <a:ext cx="914400" cy="914400"/>
+            </a:xfrm>
+            <a:prstGeom prst="rect">
+              <a:avLst/>
+            </a:prstGeom>
+          </p:spPr>
+        </p:pic>
+        <p:sp>
+          <p:nvSpPr>
+            <p:cNvPr id="42" name="Rectangle 41">
+              <a:extLst>
+                <a:ext uri="{FF2B5EF4-FFF2-40B4-BE49-F238E27FC236}">
+                  <a16:creationId xmlns:a16="http://schemas.microsoft.com/office/drawing/2014/main" id="{3DC27FD8-D352-416E-A626-B600C785DE49}"/>
+                </a:ext>
+              </a:extLst>
+            </p:cNvPr>
+            <p:cNvSpPr/>
+            <p:nvPr/>
+          </p:nvSpPr>
+          <p:spPr>
+            <a:xfrm>
+              <a:off x="4812398" y="1017333"/>
+              <a:ext cx="450764" cy="369332"/>
+            </a:xfrm>
+            <a:prstGeom prst="rect">
+              <a:avLst/>
+            </a:prstGeom>
+          </p:spPr>
+          <p:txBody>
+            <a:bodyPr wrap="none">
+              <a:spAutoFit/>
+            </a:bodyPr>
+            <a:lstStyle/>
+            <a:p>
+              <a:pPr algn="ctr"/>
+              <a:r>
+                <a:rPr lang="en-US" b="1" dirty="0"/>
+                <a:t>Bit</a:t>
+              </a:r>
+            </a:p>
+          </p:txBody>
+        </p:sp>
+      </p:grpSp>
+      <p:sp>
+        <p:nvSpPr>
+          <p:cNvPr id="43" name="Rectangle 42">
+            <a:extLst>
+              <a:ext uri="{FF2B5EF4-FFF2-40B4-BE49-F238E27FC236}">
+                <a16:creationId xmlns:a16="http://schemas.microsoft.com/office/drawing/2014/main" id="{F215E5F8-9612-434E-A9F1-CD4BD177F163}"/>
+              </a:ext>
+            </a:extLst>
+          </p:cNvPr>
+          <p:cNvSpPr/>
+          <p:nvPr/>
+        </p:nvSpPr>
+        <p:spPr>
+          <a:xfrm>
+            <a:off x="1765300" y="3648209"/>
+            <a:ext cx="6375400" cy="2968491"/>
+          </a:xfrm>
+          <a:prstGeom prst="rect">
+            <a:avLst/>
+          </a:prstGeom>
+          <a:ln>
+            <a:solidFill>
+              <a:schemeClr val="bg1"/>
+            </a:solidFill>
+          </a:ln>
+        </p:spPr>
+        <p:style>
+          <a:lnRef idx="2">
+            <a:schemeClr val="accent1"/>
+          </a:lnRef>
+          <a:fillRef idx="1">
+            <a:schemeClr val="lt1"/>
+          </a:fillRef>
+          <a:effectRef idx="0">
+            <a:schemeClr val="accent1"/>
+          </a:effectRef>
+          <a:fontRef idx="minor">
+            <a:schemeClr val="dk1"/>
+          </a:fontRef>
+        </p:style>
+        <p:txBody>
+          <a:bodyPr rtlCol="0" anchor="ctr"/>
+          <a:lstStyle/>
+          <a:p>
+            <a:pPr algn="ctr"/>
+            <a:endParaRPr lang="en-US"/>
+          </a:p>
+        </p:txBody>
+      </p:sp>
+    </p:spTree>
+    <p:extLst>
+      <p:ext uri="{BB962C8B-B14F-4D97-AF65-F5344CB8AC3E}">
+        <p14:creationId xmlns:p14="http://schemas.microsoft.com/office/powerpoint/2010/main" val="2125734654"/>
+      </p:ext>
+    </p:extLst>
+  </p:cSld>
+  <p:clrMapOvr>
+    <a:masterClrMapping/>
+  </p:clrMapOvr>
+  <p:timing>
+    <p:tnLst>
+      <p:par>
+        <p:cTn id="1" dur="indefinite" restart="never" nodeType="tmRoot">
+          <p:childTnLst>
+            <p:seq concurrent="1" nextAc="seek">
+              <p:cTn id="2" dur="indefinite" nodeType="mainSeq">
+                <p:childTnLst>
+                  <p:par>
+                    <p:cTn id="3" fill="hold">
+                      <p:stCondLst>
+                        <p:cond delay="indefinite"/>
+                      </p:stCondLst>
+                      <p:childTnLst>
+                        <p:par>
+                          <p:cTn id="4" fill="hold">
+                            <p:stCondLst>
+                              <p:cond delay="0"/>
+                            </p:stCondLst>
+                            <p:childTnLst>
+                              <p:par>
+                                <p:cTn id="5" presetID="1" presetClass="entr" presetSubtype="0" fill="hold" nodeType="clickEffect">
+                                  <p:stCondLst>
+                                    <p:cond delay="0"/>
+                                  </p:stCondLst>
+                                  <p:childTnLst>
+                                    <p:set>
+                                      <p:cBhvr>
+                                        <p:cTn id="6" dur="1" fill="hold">
+                                          <p:stCondLst>
+                                            <p:cond delay="0"/>
+                                          </p:stCondLst>
+                                        </p:cTn>
+                                        <p:tgtEl>
+                                          <p:spTgt spid="3">
+                                            <p:txEl>
+                                              <p:pRg st="1" end="1"/>
+                                            </p:txEl>
+                                          </p:spTgt>
+                                        </p:tgtEl>
+                                        <p:attrNameLst>
+                                          <p:attrName>style.visibility</p:attrName>
+                                        </p:attrNameLst>
+                                      </p:cBhvr>
+                                      <p:to>
+                                        <p:strVal val="visible"/>
+                                      </p:to>
+                                    </p:set>
+                                  </p:childTnLst>
+                                </p:cTn>
+                              </p:par>
+                            </p:childTnLst>
+                          </p:cTn>
+                        </p:par>
+                      </p:childTnLst>
+                    </p:cTn>
+                  </p:par>
+                  <p:par>
+                    <p:cTn id="7" fill="hold">
+                      <p:stCondLst>
+                        <p:cond delay="indefinite"/>
+                      </p:stCondLst>
+                      <p:childTnLst>
+                        <p:par>
+                          <p:cTn id="8" fill="hold">
+                            <p:stCondLst>
+                              <p:cond delay="0"/>
+                            </p:stCondLst>
+                            <p:childTnLst>
+                              <p:par>
+                                <p:cTn id="9" presetID="1" presetClass="entr" presetSubtype="0" fill="hold" nodeType="clickEffect">
+                                  <p:stCondLst>
+                                    <p:cond delay="0"/>
+                                  </p:stCondLst>
+                                  <p:childTnLst>
+                                    <p:set>
+                                      <p:cBhvr>
+                                        <p:cTn id="10" dur="1" fill="hold">
+                                          <p:stCondLst>
+                                            <p:cond delay="0"/>
+                                          </p:stCondLst>
+                                        </p:cTn>
+                                        <p:tgtEl>
+                                          <p:spTgt spid="3">
+                                            <p:txEl>
+                                              <p:pRg st="2" end="2"/>
+                                            </p:txEl>
+                                          </p:spTgt>
+                                        </p:tgtEl>
+                                        <p:attrNameLst>
+                                          <p:attrName>style.visibility</p:attrName>
+                                        </p:attrNameLst>
+                                      </p:cBhvr>
+                                      <p:to>
+                                        <p:strVal val="visible"/>
+                                      </p:to>
+                                    </p:set>
+                                  </p:childTnLst>
+                                </p:cTn>
+                              </p:par>
+                            </p:childTnLst>
+                          </p:cTn>
+                        </p:par>
+                      </p:childTnLst>
+                    </p:cTn>
+                  </p:par>
+                  <p:par>
+                    <p:cTn id="11" fill="hold">
+                      <p:stCondLst>
+                        <p:cond delay="indefinite"/>
+                      </p:stCondLst>
+                      <p:childTnLst>
+                        <p:par>
+                          <p:cTn id="12" fill="hold">
+                            <p:stCondLst>
+                              <p:cond delay="0"/>
+                            </p:stCondLst>
+                            <p:childTnLst>
+                              <p:par>
+                                <p:cTn id="13" presetID="1" presetClass="exit" presetSubtype="0" fill="hold" grpId="0" nodeType="clickEffect">
+                                  <p:stCondLst>
+                                    <p:cond delay="0"/>
+                                  </p:stCondLst>
+                                  <p:childTnLst>
+                                    <p:set>
+                                      <p:cBhvr>
+                                        <p:cTn id="14" dur="1" fill="hold">
+                                          <p:stCondLst>
+                                            <p:cond delay="0"/>
+                                          </p:stCondLst>
+                                        </p:cTn>
+                                        <p:tgtEl>
+                                          <p:spTgt spid="43"/>
+                                        </p:tgtEl>
+                                        <p:attrNameLst>
+                                          <p:attrName>style.visibility</p:attrName>
+                                        </p:attrNameLst>
+                                      </p:cBhvr>
+                                      <p:to>
+                                        <p:strVal val="hidden"/>
+                                      </p:to>
+                                    </p:set>
+                                  </p:childTnLst>
+                                </p:cTn>
+                              </p:par>
+                            </p:childTnLst>
+                          </p:cTn>
+                        </p:par>
+                      </p:childTnLst>
+                    </p:cTn>
+                  </p:par>
+                  <p:par>
+                    <p:cTn id="15" fill="hold">
+                      <p:stCondLst>
+                        <p:cond delay="indefinite"/>
+                      </p:stCondLst>
+                      <p:childTnLst>
+                        <p:par>
+                          <p:cTn id="16" fill="hold">
+                            <p:stCondLst>
+                              <p:cond delay="0"/>
+                            </p:stCondLst>
+                            <p:childTnLst>
+                              <p:par>
+                                <p:cTn id="17" presetID="42" presetClass="path" presetSubtype="0" accel="50000" decel="50000" fill="hold" nodeType="clickEffect">
+                                  <p:stCondLst>
+                                    <p:cond delay="0"/>
+                                  </p:stCondLst>
+                                  <p:childTnLst>
+                                    <p:animMotion origin="layout" path="M -1.875E-6 -1.48148E-6 L 0.17175 -0.00602 " pathEditMode="relative" rAng="0" ptsTypes="AA">
+                                      <p:cBhvr>
+                                        <p:cTn id="18" dur="2000" fill="hold"/>
+                                        <p:tgtEl>
+                                          <p:spTgt spid="22"/>
+                                        </p:tgtEl>
+                                        <p:attrNameLst>
+                                          <p:attrName>ppt_x</p:attrName>
+                                          <p:attrName>ppt_y</p:attrName>
+                                        </p:attrNameLst>
+                                      </p:cBhvr>
+                                      <p:rCtr x="8581" y="-301"/>
+                                    </p:animMotion>
+                                  </p:childTnLst>
+                                </p:cTn>
+                              </p:par>
+                            </p:childTnLst>
+                          </p:cTn>
+                        </p:par>
+                      </p:childTnLst>
+                    </p:cTn>
+                  </p:par>
+                  <p:par>
+                    <p:cTn id="19" fill="hold">
+                      <p:stCondLst>
+                        <p:cond delay="indefinite"/>
+                      </p:stCondLst>
+                      <p:childTnLst>
+                        <p:par>
+                          <p:cTn id="20" fill="hold">
+                            <p:stCondLst>
+                              <p:cond delay="0"/>
+                            </p:stCondLst>
+                            <p:childTnLst>
+                              <p:par>
+                                <p:cTn id="21" presetID="42" presetClass="path" presetSubtype="0" accel="50000" decel="50000" fill="hold" nodeType="clickEffect">
+                                  <p:stCondLst>
+                                    <p:cond delay="0"/>
+                                  </p:stCondLst>
+                                  <p:childTnLst>
+                                    <p:animMotion origin="layout" path="M 2.5E-6 -1.48148E-6 L 0.16237 -0.00023 " pathEditMode="relative" rAng="0" ptsTypes="AA">
+                                      <p:cBhvr>
+                                        <p:cTn id="22" dur="2000" fill="hold"/>
+                                        <p:tgtEl>
+                                          <p:spTgt spid="19"/>
+                                        </p:tgtEl>
+                                        <p:attrNameLst>
+                                          <p:attrName>ppt_x</p:attrName>
+                                          <p:attrName>ppt_y</p:attrName>
+                                        </p:attrNameLst>
+                                      </p:cBhvr>
+                                      <p:rCtr x="8112" y="-23"/>
+                                    </p:animMotion>
+                                  </p:childTnLst>
+                                </p:cTn>
+                              </p:par>
+                            </p:childTnLst>
+                          </p:cTn>
+                        </p:par>
+                      </p:childTnLst>
+                    </p:cTn>
+                  </p:par>
+                  <p:par>
+                    <p:cTn id="23" fill="hold">
+                      <p:stCondLst>
+                        <p:cond delay="indefinite"/>
+                      </p:stCondLst>
+                      <p:childTnLst>
+                        <p:par>
+                          <p:cTn id="24" fill="hold">
+                            <p:stCondLst>
+                              <p:cond delay="0"/>
+                            </p:stCondLst>
+                            <p:childTnLst>
+                              <p:par>
+                                <p:cTn id="25" presetID="42" presetClass="path" presetSubtype="0" accel="50000" decel="50000" fill="hold" nodeType="clickEffect">
+                                  <p:stCondLst>
+                                    <p:cond delay="0"/>
+                                  </p:stCondLst>
+                                  <p:childTnLst>
+                                    <p:animMotion origin="layout" path="M -1.04167E-6 1.48148E-6 L 0.17227 -0.00602 " pathEditMode="relative" rAng="0" ptsTypes="AA">
+                                      <p:cBhvr>
+                                        <p:cTn id="26" dur="2000" fill="hold"/>
+                                        <p:tgtEl>
+                                          <p:spTgt spid="29"/>
+                                        </p:tgtEl>
+                                        <p:attrNameLst>
+                                          <p:attrName>ppt_x</p:attrName>
+                                          <p:attrName>ppt_y</p:attrName>
+                                        </p:attrNameLst>
+                                      </p:cBhvr>
+                                      <p:rCtr x="8607" y="-301"/>
+                                    </p:animMotion>
+                                  </p:childTnLst>
+                                </p:cTn>
+                              </p:par>
+                            </p:childTnLst>
+                          </p:cTn>
+                        </p:par>
+                      </p:childTnLst>
+                    </p:cTn>
+                  </p:par>
+                  <p:par>
+                    <p:cTn id="27" fill="hold">
+                      <p:stCondLst>
+                        <p:cond delay="indefinite"/>
+                      </p:stCondLst>
+                      <p:childTnLst>
+                        <p:par>
+                          <p:cTn id="28" fill="hold">
+                            <p:stCondLst>
+                              <p:cond delay="0"/>
+                            </p:stCondLst>
+                            <p:childTnLst>
+                              <p:par>
+                                <p:cTn id="29" presetID="42" presetClass="path" presetSubtype="0" accel="50000" decel="50000" fill="hold" nodeType="clickEffect">
+                                  <p:stCondLst>
+                                    <p:cond delay="0"/>
+                                  </p:stCondLst>
+                                  <p:childTnLst>
+                                    <p:animMotion origin="layout" path="M 3.125E-6 1.48148E-6 L 0.16185 -0.00602 " pathEditMode="relative" rAng="0" ptsTypes="AA">
+                                      <p:cBhvr>
+                                        <p:cTn id="30" dur="2000" fill="hold"/>
+                                        <p:tgtEl>
+                                          <p:spTgt spid="28"/>
+                                        </p:tgtEl>
+                                        <p:attrNameLst>
+                                          <p:attrName>ppt_x</p:attrName>
+                                          <p:attrName>ppt_y</p:attrName>
+                                        </p:attrNameLst>
+                                      </p:cBhvr>
+                                      <p:rCtr x="8086" y="-301"/>
+                                    </p:animMotion>
+                                  </p:childTnLst>
+                                </p:cTn>
+                              </p:par>
+                            </p:childTnLst>
+                          </p:cTn>
+                        </p:par>
+                      </p:childTnLst>
+                    </p:cTn>
+                  </p:par>
+                  <p:par>
+                    <p:cTn id="31" fill="hold">
+                      <p:stCondLst>
+                        <p:cond delay="indefinite"/>
+                      </p:stCondLst>
+                      <p:childTnLst>
+                        <p:par>
+                          <p:cTn id="32" fill="hold">
+                            <p:stCondLst>
+                              <p:cond delay="0"/>
+                            </p:stCondLst>
+                            <p:childTnLst>
+                              <p:par>
+                                <p:cTn id="33" presetID="1" presetClass="entr" presetSubtype="0" fill="hold" nodeType="clickEffect">
+                                  <p:stCondLst>
+                                    <p:cond delay="0"/>
+                                  </p:stCondLst>
+                                  <p:childTnLst>
+                                    <p:set>
+                                      <p:cBhvr>
+                                        <p:cTn id="34" dur="1" fill="hold">
+                                          <p:stCondLst>
+                                            <p:cond delay="0"/>
+                                          </p:stCondLst>
+                                        </p:cTn>
+                                        <p:tgtEl>
+                                          <p:spTgt spid="35"/>
+                                        </p:tgtEl>
+                                        <p:attrNameLst>
+                                          <p:attrName>style.visibility</p:attrName>
+                                        </p:attrNameLst>
+                                      </p:cBhvr>
+                                      <p:to>
+                                        <p:strVal val="visible"/>
+                                      </p:to>
+                                    </p:set>
+                                  </p:childTnLst>
+                                </p:cTn>
+                              </p:par>
+                            </p:childTnLst>
+                          </p:cTn>
+                        </p:par>
+                      </p:childTnLst>
+                    </p:cTn>
+                  </p:par>
+                </p:childTnLst>
+              </p:cTn>
+              <p:prevCondLst>
+                <p:cond evt="onPrev" delay="0">
+                  <p:tgtEl>
+                    <p:sldTgt/>
+                  </p:tgtEl>
+                </p:cond>
+              </p:prevCondLst>
+              <p:nextCondLst>
+                <p:cond evt="onNext" delay="0">
+                  <p:tgtEl>
+                    <p:sldTgt/>
+                  </p:tgtEl>
+                </p:cond>
+              </p:nextCondLst>
+            </p:seq>
+          </p:childTnLst>
+        </p:cTn>
+      </p:par>
+    </p:tnLst>
+    <p:bldLst>
+      <p:bldP spid="43" grpId="0" animBg="1"/>
+    </p:bldLst>
+  </p:timing>
+</p:sld>
+</file>
+
+<file path=ppt/slides/slide7.xml><?xml version="1.0" encoding="utf-8"?>
+<p:sld xmlns:a="http://schemas.openxmlformats.org/drawingml/2006/main" xmlns:r="http://schemas.openxmlformats.org/officeDocument/2006/relationships" xmlns:p="http://schemas.openxmlformats.org/presentationml/2006/main">
+  <p:cSld>
+    <p:spTree>
+      <p:nvGrpSpPr>
+        <p:cNvPr id="1" name=""/>
+        <p:cNvGrpSpPr/>
+        <p:nvPr/>
+      </p:nvGrpSpPr>
+      <p:grpSpPr>
+        <a:xfrm>
+          <a:off x="0" y="0"/>
+          <a:ext cx="0" cy="0"/>
+          <a:chOff x="0" y="0"/>
+          <a:chExt cx="0" cy="0"/>
+        </a:xfrm>
+      </p:grpSpPr>
+      <p:sp>
+        <p:nvSpPr>
+          <p:cNvPr id="2" name="Title 1">
+            <a:extLst>
+              <a:ext uri="{FF2B5EF4-FFF2-40B4-BE49-F238E27FC236}">
+                <a16:creationId xmlns:a16="http://schemas.microsoft.com/office/drawing/2014/main" id="{903CD14D-0D49-4DB5-9248-C3D6F974ADAD}"/>
+              </a:ext>
+            </a:extLst>
+          </p:cNvPr>
+          <p:cNvSpPr>
+            <a:spLocks noGrp="1"/>
+          </p:cNvSpPr>
+          <p:nvPr>
+            <p:ph type="title"/>
+          </p:nvPr>
+        </p:nvSpPr>
+        <p:spPr>
+          <a:xfrm>
+            <a:off x="838200" y="145375"/>
+            <a:ext cx="10515600" cy="1325563"/>
+          </a:xfrm>
+        </p:spPr>
+        <p:txBody>
+          <a:bodyPr/>
+          <a:lstStyle/>
+          <a:p>
+            <a:r>
+              <a:rPr lang="en-US" dirty="0"/>
+              <a:t>Binary operators with two input bits</a:t>
+            </a:r>
+          </a:p>
+        </p:txBody>
+      </p:sp>
+      <p:sp>
+        <p:nvSpPr>
+          <p:cNvPr id="3" name="Content Placeholder 2">
+            <a:extLst>
+              <a:ext uri="{FF2B5EF4-FFF2-40B4-BE49-F238E27FC236}">
+                <a16:creationId xmlns:a16="http://schemas.microsoft.com/office/drawing/2014/main" id="{661EBDD7-2F57-46E3-B3E9-0EA9DB938DCE}"/>
+              </a:ext>
+            </a:extLst>
+          </p:cNvPr>
+          <p:cNvSpPr>
+            <a:spLocks noGrp="1"/>
+          </p:cNvSpPr>
+          <p:nvPr>
+            <p:ph idx="1"/>
+          </p:nvPr>
+        </p:nvSpPr>
+        <p:spPr>
+          <a:xfrm>
+            <a:off x="838200" y="1470938"/>
+            <a:ext cx="10515600" cy="4351338"/>
+          </a:xfrm>
+        </p:spPr>
+        <p:txBody>
+          <a:bodyPr/>
+          <a:lstStyle/>
+          <a:p>
+            <a:r>
+              <a:rPr lang="en-US" dirty="0"/>
+              <a:t>AND gate outputs 1 if and only if all inputs are 1.</a:t>
+            </a:r>
+          </a:p>
+          <a:p>
+            <a:r>
+              <a:rPr lang="en-US" dirty="0"/>
+              <a:t>The {AND, NOT} is universal  for classical computing.   </a:t>
+            </a:r>
+          </a:p>
+          <a:p>
+            <a:r>
+              <a:rPr lang="en-US" dirty="0"/>
+              <a:t>Using NOT and </a:t>
+            </a:r>
+            <a:r>
+              <a:rPr lang="en-US" dirty="0" err="1"/>
+              <a:t>AND</a:t>
+            </a:r>
+            <a:r>
+              <a:rPr lang="en-US" dirty="0"/>
+              <a:t> gates we can represent any </a:t>
+            </a:r>
+            <a:br>
+              <a:rPr lang="en-US" dirty="0"/>
+            </a:br>
+            <a:r>
+              <a:rPr lang="en-US" dirty="0"/>
+              <a:t>binary gate.</a:t>
+            </a:r>
+          </a:p>
+          <a:p>
+            <a:endParaRPr lang="en-US" dirty="0"/>
+          </a:p>
+        </p:txBody>
+      </p:sp>
+      <p:graphicFrame>
+        <p:nvGraphicFramePr>
+          <p:cNvPr id="4" name="Table 35">
+            <a:extLst>
+              <a:ext uri="{FF2B5EF4-FFF2-40B4-BE49-F238E27FC236}">
+                <a16:creationId xmlns:a16="http://schemas.microsoft.com/office/drawing/2014/main" id="{C5764B22-D266-46F4-B3C2-7694A9292F7A}"/>
+              </a:ext>
+            </a:extLst>
+          </p:cNvPr>
+          <p:cNvGraphicFramePr>
+            <a:graphicFrameLocks noGrp="1"/>
+          </p:cNvGraphicFramePr>
+          <p:nvPr>
+            <p:extLst>
+              <p:ext uri="{D42A27DB-BD31-4B8C-83A1-F6EECF244321}">
+                <p14:modId xmlns:p14="http://schemas.microsoft.com/office/powerpoint/2010/main" val="967211042"/>
+              </p:ext>
+            </p:extLst>
+          </p:nvPr>
+        </p:nvGraphicFramePr>
+        <p:xfrm>
+          <a:off x="8997410" y="1697435"/>
+          <a:ext cx="3028409" cy="4053840"/>
+        </p:xfrm>
+        <a:graphic>
+          <a:graphicData uri="http://schemas.openxmlformats.org/drawingml/2006/table">
+            <a:tbl>
+              <a:tblPr firstRow="1" bandRow="1">
+                <a:tableStyleId>{5940675A-B579-460E-94D1-54222C63F5DA}</a:tableStyleId>
+              </a:tblPr>
+              <a:tblGrid>
+                <a:gridCol w="757912">
+                  <a:extLst>
+                    <a:ext uri="{9D8B030D-6E8A-4147-A177-3AD203B41FA5}">
+                      <a16:colId xmlns:a16="http://schemas.microsoft.com/office/drawing/2014/main" val="2392549934"/>
+                    </a:ext>
+                  </a:extLst>
+                </a:gridCol>
+                <a:gridCol w="757912">
+                  <a:extLst>
+                    <a:ext uri="{9D8B030D-6E8A-4147-A177-3AD203B41FA5}">
+                      <a16:colId xmlns:a16="http://schemas.microsoft.com/office/drawing/2014/main" val="1646960881"/>
+                    </a:ext>
+                  </a:extLst>
+                </a:gridCol>
+                <a:gridCol w="1512585">
+                  <a:extLst>
+                    <a:ext uri="{9D8B030D-6E8A-4147-A177-3AD203B41FA5}">
+                      <a16:colId xmlns:a16="http://schemas.microsoft.com/office/drawing/2014/main" val="948188163"/>
+                    </a:ext>
+                  </a:extLst>
+                </a:gridCol>
+              </a:tblGrid>
+              <a:tr h="724867">
+                <a:tc gridSpan="3">
+                  <a:txBody>
+                    <a:bodyPr/>
+                    <a:lstStyle/>
+                    <a:p>
+                      <a:pPr algn="ctr"/>
+                      <a:r>
+                        <a:rPr lang="en-US" sz="2800" b="1" dirty="0">
+                          <a:solidFill>
+                            <a:schemeClr val="bg1"/>
+                          </a:solidFill>
+                        </a:rPr>
+                        <a:t>AND Gate</a:t>
+                      </a:r>
+                    </a:p>
+                    <a:p>
+                      <a:pPr algn="ctr"/>
+                      <a:r>
+                        <a:rPr lang="en-US" sz="2800" b="1" dirty="0">
+                          <a:solidFill>
+                            <a:schemeClr val="bg1"/>
+                          </a:solidFill>
+                        </a:rPr>
+                        <a:t>Truth Table </a:t>
+                      </a:r>
+                    </a:p>
+                  </a:txBody>
+                  <a:tcPr>
+                    <a:solidFill>
+                      <a:schemeClr val="tx1">
+                        <a:lumMod val="75000"/>
+                        <a:lumOff val="25000"/>
+                      </a:schemeClr>
+                    </a:solidFill>
+                  </a:tcPr>
+                </a:tc>
+                <a:tc hMerge="1">
+                  <a:txBody>
+                    <a:bodyPr/>
+                    <a:lstStyle/>
+                    <a:p>
+                      <a:endParaRPr lang="en-US"/>
+                    </a:p>
+                  </a:txBody>
+                  <a:tcPr/>
+                </a:tc>
+                <a:tc hMerge="1">
+                  <a:txBody>
+                    <a:bodyPr/>
+                    <a:lstStyle/>
+                    <a:p>
+                      <a:pPr algn="ctr"/>
+                      <a:endParaRPr lang="en-US" b="1" dirty="0"/>
+                    </a:p>
+                  </a:txBody>
+                  <a:tcPr/>
+                </a:tc>
+                <a:extLst>
+                  <a:ext uri="{0D108BD9-81ED-4DB2-BD59-A6C34878D82A}">
+                    <a16:rowId xmlns:a16="http://schemas.microsoft.com/office/drawing/2014/main" val="867875689"/>
+                  </a:ext>
+                </a:extLst>
+              </a:tr>
+              <a:tr h="397508">
+                <a:tc gridSpan="2">
+                  <a:txBody>
+                    <a:bodyPr/>
+                    <a:lstStyle/>
+                    <a:p>
+                      <a:pPr algn="ctr"/>
+                      <a:r>
+                        <a:rPr lang="en-US" sz="2800" b="1" dirty="0"/>
+                        <a:t>INPUTS</a:t>
+                      </a:r>
+                    </a:p>
+                  </a:txBody>
+                  <a:tcPr/>
+                </a:tc>
+                <a:tc hMerge="1">
+                  <a:txBody>
+                    <a:bodyPr/>
+                    <a:lstStyle/>
+                    <a:p>
+                      <a:endParaRPr lang="en-US"/>
+                    </a:p>
+                  </a:txBody>
+                  <a:tcPr/>
+                </a:tc>
+                <a:tc rowSpan="2">
+                  <a:txBody>
+                    <a:bodyPr/>
+                    <a:lstStyle/>
+                    <a:p>
+                      <a:pPr algn="ctr"/>
+                      <a:r>
+                        <a:rPr lang="en-US" sz="2800" b="1" dirty="0"/>
+                        <a:t>OUTPUT</a:t>
+                      </a:r>
+                    </a:p>
+                  </a:txBody>
+                  <a:tcPr anchor="ctr"/>
+                </a:tc>
+                <a:extLst>
+                  <a:ext uri="{0D108BD9-81ED-4DB2-BD59-A6C34878D82A}">
+                    <a16:rowId xmlns:a16="http://schemas.microsoft.com/office/drawing/2014/main" val="238136025"/>
+                  </a:ext>
+                </a:extLst>
+              </a:tr>
+              <a:tr h="0">
+                <a:tc>
+                  <a:txBody>
+                    <a:bodyPr/>
+                    <a:lstStyle/>
+                    <a:p>
+                      <a:pPr algn="ctr"/>
+                      <a:r>
+                        <a:rPr lang="en-US" sz="2800" b="1" dirty="0">
+                          <a:solidFill>
+                            <a:sysClr val="windowText" lastClr="000000"/>
+                          </a:solidFill>
+                        </a:rPr>
+                        <a:t>X</a:t>
+                      </a:r>
+                    </a:p>
+                  </a:txBody>
+                  <a:tcPr>
+                    <a:solidFill>
+                      <a:schemeClr val="bg1"/>
+                    </a:solidFill>
+                  </a:tcPr>
+                </a:tc>
+                <a:tc>
+                  <a:txBody>
+                    <a:bodyPr/>
+                    <a:lstStyle/>
+                    <a:p>
+                      <a:pPr algn="ctr"/>
+                      <a:r>
+                        <a:rPr lang="en-US" sz="2800" b="1" dirty="0">
+                          <a:solidFill>
+                            <a:sysClr val="windowText" lastClr="000000"/>
+                          </a:solidFill>
+                        </a:rPr>
+                        <a:t>Y</a:t>
+                      </a:r>
+                    </a:p>
+                  </a:txBody>
+                  <a:tcPr>
+                    <a:solidFill>
+                      <a:schemeClr val="bg1"/>
+                    </a:solidFill>
+                  </a:tcPr>
+                </a:tc>
+                <a:tc vMerge="1">
+                  <a:txBody>
+                    <a:bodyPr/>
+                    <a:lstStyle/>
+                    <a:p>
+                      <a:pPr algn="ctr"/>
+                      <a:endParaRPr lang="en-US" sz="1800" dirty="0">
+                        <a:solidFill>
+                          <a:schemeClr val="bg1"/>
+                        </a:solidFill>
+                      </a:endParaRPr>
+                    </a:p>
+                  </a:txBody>
+                  <a:tcPr>
+                    <a:solidFill>
+                      <a:srgbClr val="0000FF"/>
+                    </a:solidFill>
+                  </a:tcPr>
+                </a:tc>
+                <a:extLst>
+                  <a:ext uri="{0D108BD9-81ED-4DB2-BD59-A6C34878D82A}">
+                    <a16:rowId xmlns:a16="http://schemas.microsoft.com/office/drawing/2014/main" val="291924202"/>
+                  </a:ext>
+                </a:extLst>
+              </a:tr>
+              <a:tr h="397508">
+                <a:tc>
+                  <a:txBody>
+                    <a:bodyPr/>
+                    <a:lstStyle/>
+                    <a:p>
+                      <a:pPr algn="ctr"/>
+                      <a:r>
+                        <a:rPr lang="en-US" sz="2800" b="1" dirty="0">
+                          <a:solidFill>
+                            <a:schemeClr val="bg1"/>
+                          </a:solidFill>
+                        </a:rPr>
+                        <a:t>0</a:t>
+                      </a:r>
+                    </a:p>
+                  </a:txBody>
+                  <a:tcPr>
+                    <a:solidFill>
+                      <a:srgbClr val="FF0000"/>
+                    </a:solidFill>
+                  </a:tcPr>
+                </a:tc>
+                <a:tc>
+                  <a:txBody>
+                    <a:bodyPr/>
+                    <a:lstStyle/>
+                    <a:p>
+                      <a:pPr algn="ctr"/>
+                      <a:r>
+                        <a:rPr lang="en-US" sz="2800" b="1" dirty="0">
+                          <a:solidFill>
+                            <a:schemeClr val="bg1"/>
+                          </a:solidFill>
+                        </a:rPr>
+                        <a:t>0</a:t>
+                      </a:r>
+                    </a:p>
+                  </a:txBody>
+                  <a:tcPr>
+                    <a:solidFill>
+                      <a:srgbClr val="FF0000"/>
+                    </a:solidFill>
+                  </a:tcPr>
+                </a:tc>
+                <a:tc>
+                  <a:txBody>
+                    <a:bodyPr/>
+                    <a:lstStyle/>
+                    <a:p>
+                      <a:pPr algn="ctr"/>
+                      <a:r>
+                        <a:rPr lang="en-US" sz="2800" b="1" dirty="0">
+                          <a:solidFill>
+                            <a:schemeClr val="bg1"/>
+                          </a:solidFill>
+                        </a:rPr>
+                        <a:t>0</a:t>
+                      </a:r>
+                    </a:p>
+                  </a:txBody>
+                  <a:tcPr>
+                    <a:solidFill>
+                      <a:srgbClr val="FF0000"/>
+                    </a:solidFill>
+                  </a:tcPr>
+                </a:tc>
+                <a:extLst>
+                  <a:ext uri="{0D108BD9-81ED-4DB2-BD59-A6C34878D82A}">
+                    <a16:rowId xmlns:a16="http://schemas.microsoft.com/office/drawing/2014/main" val="2120038812"/>
+                  </a:ext>
+                </a:extLst>
+              </a:tr>
+              <a:tr h="397508">
+                <a:tc>
+                  <a:txBody>
+                    <a:bodyPr/>
+                    <a:lstStyle/>
+                    <a:p>
+                      <a:pPr algn="ctr"/>
+                      <a:r>
+                        <a:rPr lang="en-US" sz="2800" b="1" dirty="0">
+                          <a:solidFill>
+                            <a:schemeClr val="bg1"/>
+                          </a:solidFill>
+                        </a:rPr>
+                        <a:t>0</a:t>
+                      </a:r>
+                    </a:p>
+                  </a:txBody>
+                  <a:tcPr>
+                    <a:solidFill>
+                      <a:srgbClr val="FF0000"/>
+                    </a:solidFill>
+                  </a:tcPr>
+                </a:tc>
+                <a:tc>
+                  <a:txBody>
+                    <a:bodyPr/>
+                    <a:lstStyle/>
+                    <a:p>
+                      <a:pPr algn="ctr"/>
+                      <a:r>
+                        <a:rPr lang="en-US" sz="2800" b="1" dirty="0">
+                          <a:solidFill>
+                            <a:schemeClr val="bg1"/>
+                          </a:solidFill>
+                        </a:rPr>
+                        <a:t>1</a:t>
+                      </a:r>
+                    </a:p>
+                  </a:txBody>
+                  <a:tcPr>
+                    <a:solidFill>
+                      <a:srgbClr val="0000FF"/>
+                    </a:solidFill>
+                  </a:tcPr>
+                </a:tc>
+                <a:tc>
+                  <a:txBody>
+                    <a:bodyPr/>
+                    <a:lstStyle/>
+                    <a:p>
+                      <a:pPr algn="ctr"/>
+                      <a:r>
+                        <a:rPr lang="en-US" sz="2800" b="1" dirty="0">
+                          <a:solidFill>
+                            <a:schemeClr val="bg1"/>
+                          </a:solidFill>
+                        </a:rPr>
+                        <a:t>0</a:t>
+                      </a:r>
+                    </a:p>
+                  </a:txBody>
+                  <a:tcPr>
+                    <a:solidFill>
+                      <a:srgbClr val="FF0000"/>
+                    </a:solidFill>
+                  </a:tcPr>
+                </a:tc>
+                <a:extLst>
+                  <a:ext uri="{0D108BD9-81ED-4DB2-BD59-A6C34878D82A}">
+                    <a16:rowId xmlns:a16="http://schemas.microsoft.com/office/drawing/2014/main" val="434520181"/>
+                  </a:ext>
+                </a:extLst>
+              </a:tr>
+              <a:tr h="397508">
+                <a:tc>
+                  <a:txBody>
+                    <a:bodyPr/>
+                    <a:lstStyle/>
+                    <a:p>
+                      <a:pPr algn="ctr"/>
+                      <a:r>
+                        <a:rPr lang="en-US" sz="2800" b="1" dirty="0">
+                          <a:solidFill>
+                            <a:schemeClr val="bg1"/>
+                          </a:solidFill>
+                        </a:rPr>
+                        <a:t>1</a:t>
+                      </a:r>
+                    </a:p>
+                  </a:txBody>
+                  <a:tcPr>
+                    <a:solidFill>
+                      <a:srgbClr val="0000FF"/>
+                    </a:solidFill>
+                  </a:tcPr>
+                </a:tc>
+                <a:tc>
+                  <a:txBody>
+                    <a:bodyPr/>
+                    <a:lstStyle/>
+                    <a:p>
+                      <a:pPr algn="ctr"/>
+                      <a:r>
+                        <a:rPr lang="en-US" sz="2800" b="1" dirty="0">
+                          <a:solidFill>
+                            <a:schemeClr val="bg1"/>
+                          </a:solidFill>
+                        </a:rPr>
+                        <a:t>0</a:t>
+                      </a:r>
+                    </a:p>
+                  </a:txBody>
+                  <a:tcPr>
+                    <a:solidFill>
+                      <a:srgbClr val="FF0000"/>
+                    </a:solidFill>
+                  </a:tcPr>
+                </a:tc>
+                <a:tc>
+                  <a:txBody>
+                    <a:bodyPr/>
+                    <a:lstStyle/>
+                    <a:p>
+                      <a:pPr algn="ctr"/>
+                      <a:r>
+                        <a:rPr lang="en-US" sz="2800" b="1" dirty="0">
+                          <a:solidFill>
+                            <a:schemeClr val="bg1"/>
+                          </a:solidFill>
+                        </a:rPr>
+                        <a:t>0</a:t>
+                      </a:r>
+                    </a:p>
+                  </a:txBody>
+                  <a:tcPr>
+                    <a:solidFill>
+                      <a:srgbClr val="FF0000"/>
+                    </a:solidFill>
+                  </a:tcPr>
+                </a:tc>
+                <a:extLst>
+                  <a:ext uri="{0D108BD9-81ED-4DB2-BD59-A6C34878D82A}">
+                    <a16:rowId xmlns:a16="http://schemas.microsoft.com/office/drawing/2014/main" val="2490001481"/>
+                  </a:ext>
+                </a:extLst>
+              </a:tr>
+              <a:tr h="397508">
+                <a:tc>
+                  <a:txBody>
+                    <a:bodyPr/>
+                    <a:lstStyle/>
+                    <a:p>
+                      <a:pPr algn="ctr"/>
+                      <a:r>
+                        <a:rPr lang="en-US" sz="2800" b="1" dirty="0">
+                          <a:solidFill>
+                            <a:schemeClr val="bg1"/>
+                          </a:solidFill>
+                        </a:rPr>
+                        <a:t>1</a:t>
+                      </a:r>
+                    </a:p>
+                  </a:txBody>
+                  <a:tcPr>
+                    <a:solidFill>
+                      <a:srgbClr val="0000FF"/>
+                    </a:solidFill>
+                  </a:tcPr>
+                </a:tc>
+                <a:tc>
+                  <a:txBody>
+                    <a:bodyPr/>
+                    <a:lstStyle/>
+                    <a:p>
+                      <a:pPr algn="ctr"/>
+                      <a:r>
+                        <a:rPr lang="en-US" sz="2800" b="1" dirty="0">
+                          <a:solidFill>
+                            <a:schemeClr val="bg1"/>
+                          </a:solidFill>
+                        </a:rPr>
+                        <a:t>1</a:t>
+                      </a:r>
+                    </a:p>
+                  </a:txBody>
+                  <a:tcPr>
+                    <a:solidFill>
+                      <a:srgbClr val="0000FF"/>
+                    </a:solidFill>
+                  </a:tcPr>
+                </a:tc>
+                <a:tc>
+                  <a:txBody>
+                    <a:bodyPr/>
+                    <a:lstStyle/>
+                    <a:p>
+                      <a:pPr algn="ctr"/>
+                      <a:r>
+                        <a:rPr lang="en-US" sz="2800" b="1" dirty="0">
+                          <a:solidFill>
+                            <a:schemeClr val="bg1"/>
+                          </a:solidFill>
+                        </a:rPr>
+                        <a:t>1</a:t>
+                      </a:r>
+                    </a:p>
+                  </a:txBody>
+                  <a:tcPr>
+                    <a:solidFill>
+                      <a:srgbClr val="0000FF"/>
+                    </a:solidFill>
+                  </a:tcPr>
+                </a:tc>
+                <a:extLst>
+                  <a:ext uri="{0D108BD9-81ED-4DB2-BD59-A6C34878D82A}">
+                    <a16:rowId xmlns:a16="http://schemas.microsoft.com/office/drawing/2014/main" val="2080203697"/>
+                  </a:ext>
+                </a:extLst>
+              </a:tr>
+            </a:tbl>
+          </a:graphicData>
+        </a:graphic>
+      </p:graphicFrame>
+      <p:graphicFrame>
+        <p:nvGraphicFramePr>
+          <p:cNvPr id="9" name="Table 35">
+            <a:extLst>
+              <a:ext uri="{FF2B5EF4-FFF2-40B4-BE49-F238E27FC236}">
+                <a16:creationId xmlns:a16="http://schemas.microsoft.com/office/drawing/2014/main" id="{D4754008-A434-4890-8BF3-293809F633F4}"/>
+              </a:ext>
+            </a:extLst>
+          </p:cNvPr>
+          <p:cNvGraphicFramePr>
+            <a:graphicFrameLocks noGrp="1"/>
+          </p:cNvGraphicFramePr>
+          <p:nvPr>
+            <p:extLst>
+              <p:ext uri="{D42A27DB-BD31-4B8C-83A1-F6EECF244321}">
+                <p14:modId xmlns:p14="http://schemas.microsoft.com/office/powerpoint/2010/main" val="2092038265"/>
+              </p:ext>
+            </p:extLst>
+          </p:nvPr>
+        </p:nvGraphicFramePr>
+        <p:xfrm>
+          <a:off x="5795186" y="3251915"/>
+          <a:ext cx="3028409" cy="2499360"/>
+        </p:xfrm>
+        <a:graphic>
+          <a:graphicData uri="http://schemas.openxmlformats.org/drawingml/2006/table">
+            <a:tbl>
+              <a:tblPr firstRow="1" bandRow="1">
+                <a:tableStyleId>{5940675A-B579-460E-94D1-54222C63F5DA}</a:tableStyleId>
+              </a:tblPr>
+              <a:tblGrid>
+                <a:gridCol w="1515825">
+                  <a:extLst>
+                    <a:ext uri="{9D8B030D-6E8A-4147-A177-3AD203B41FA5}">
+                      <a16:colId xmlns:a16="http://schemas.microsoft.com/office/drawing/2014/main" val="2392549934"/>
+                    </a:ext>
+                  </a:extLst>
+                </a:gridCol>
+                <a:gridCol w="1512584">
+                  <a:extLst>
+                    <a:ext uri="{9D8B030D-6E8A-4147-A177-3AD203B41FA5}">
+                      <a16:colId xmlns:a16="http://schemas.microsoft.com/office/drawing/2014/main" val="948188163"/>
+                    </a:ext>
+                  </a:extLst>
+                </a:gridCol>
+              </a:tblGrid>
+              <a:tr h="596922">
+                <a:tc gridSpan="2">
+                  <a:txBody>
+                    <a:bodyPr/>
+                    <a:lstStyle/>
+                    <a:p>
+                      <a:pPr algn="ctr"/>
+                      <a:r>
+                        <a:rPr lang="en-US" sz="2800" b="1" dirty="0">
+                          <a:solidFill>
+                            <a:schemeClr val="bg1"/>
+                          </a:solidFill>
+                        </a:rPr>
+                        <a:t>NOT Gate</a:t>
+                      </a:r>
+                    </a:p>
+                    <a:p>
+                      <a:pPr algn="ctr"/>
+                      <a:r>
+                        <a:rPr lang="en-US" sz="2800" b="1" dirty="0">
+                          <a:solidFill>
+                            <a:schemeClr val="bg1"/>
+                          </a:solidFill>
+                        </a:rPr>
+                        <a:t>Truth Table </a:t>
+                      </a:r>
+                    </a:p>
+                  </a:txBody>
+                  <a:tcPr>
+                    <a:solidFill>
+                      <a:schemeClr val="tx1">
+                        <a:lumMod val="75000"/>
+                        <a:lumOff val="25000"/>
+                      </a:schemeClr>
+                    </a:solidFill>
+                  </a:tcPr>
+                </a:tc>
+                <a:tc hMerge="1">
+                  <a:txBody>
+                    <a:bodyPr/>
+                    <a:lstStyle/>
+                    <a:p>
+                      <a:pPr algn="ctr"/>
+                      <a:endParaRPr lang="en-US" b="1" dirty="0"/>
+                    </a:p>
+                  </a:txBody>
+                  <a:tcPr/>
+                </a:tc>
+                <a:extLst>
+                  <a:ext uri="{0D108BD9-81ED-4DB2-BD59-A6C34878D82A}">
+                    <a16:rowId xmlns:a16="http://schemas.microsoft.com/office/drawing/2014/main" val="867875689"/>
+                  </a:ext>
+                </a:extLst>
+              </a:tr>
+              <a:tr h="222957">
+                <a:tc>
+                  <a:txBody>
+                    <a:bodyPr/>
+                    <a:lstStyle/>
+                    <a:p>
+                      <a:pPr algn="ctr"/>
+                      <a:r>
+                        <a:rPr lang="en-US" sz="2800" b="1" dirty="0"/>
+                        <a:t>INPUT</a:t>
+                      </a:r>
+                    </a:p>
+                  </a:txBody>
+                  <a:tcPr/>
+                </a:tc>
+                <a:tc>
+                  <a:txBody>
+                    <a:bodyPr/>
+                    <a:lstStyle/>
+                    <a:p>
+                      <a:pPr algn="ctr"/>
+                      <a:r>
+                        <a:rPr lang="en-US" sz="2800" b="1" dirty="0"/>
+                        <a:t>OUTPUT</a:t>
+                      </a:r>
+                    </a:p>
+                  </a:txBody>
+                  <a:tcPr/>
+                </a:tc>
+                <a:extLst>
+                  <a:ext uri="{0D108BD9-81ED-4DB2-BD59-A6C34878D82A}">
+                    <a16:rowId xmlns:a16="http://schemas.microsoft.com/office/drawing/2014/main" val="238136025"/>
+                  </a:ext>
+                </a:extLst>
+              </a:tr>
+              <a:tr h="222957">
+                <a:tc>
+                  <a:txBody>
+                    <a:bodyPr/>
+                    <a:lstStyle/>
+                    <a:p>
+                      <a:pPr algn="ctr"/>
+                      <a:r>
+                        <a:rPr lang="en-US" sz="2800" b="1" dirty="0">
+                          <a:solidFill>
+                            <a:schemeClr val="bg1"/>
+                          </a:solidFill>
+                        </a:rPr>
+                        <a:t>0</a:t>
+                      </a:r>
+                    </a:p>
+                  </a:txBody>
+                  <a:tcPr>
+                    <a:solidFill>
+                      <a:srgbClr val="FF0000"/>
+                    </a:solidFill>
+                  </a:tcPr>
+                </a:tc>
+                <a:tc>
+                  <a:txBody>
+                    <a:bodyPr/>
+                    <a:lstStyle/>
+                    <a:p>
+                      <a:pPr algn="ctr"/>
+                      <a:r>
+                        <a:rPr lang="en-US" sz="2800" b="1" dirty="0">
+                          <a:solidFill>
+                            <a:schemeClr val="bg1"/>
+                          </a:solidFill>
+                        </a:rPr>
+                        <a:t>1</a:t>
+                      </a:r>
+                    </a:p>
+                  </a:txBody>
+                  <a:tcPr>
+                    <a:solidFill>
+                      <a:srgbClr val="0000FF"/>
+                    </a:solidFill>
+                  </a:tcPr>
+                </a:tc>
+                <a:extLst>
+                  <a:ext uri="{0D108BD9-81ED-4DB2-BD59-A6C34878D82A}">
+                    <a16:rowId xmlns:a16="http://schemas.microsoft.com/office/drawing/2014/main" val="2120038812"/>
+                  </a:ext>
+                </a:extLst>
+              </a:tr>
+              <a:tr h="222957">
+                <a:tc>
+                  <a:txBody>
+                    <a:bodyPr/>
+                    <a:lstStyle/>
+                    <a:p>
+                      <a:pPr algn="ctr"/>
+                      <a:r>
+                        <a:rPr lang="en-US" sz="2800" b="1" dirty="0">
+                          <a:solidFill>
+                            <a:schemeClr val="bg1"/>
+                          </a:solidFill>
+                        </a:rPr>
+                        <a:t>1</a:t>
+                      </a:r>
+                    </a:p>
+                  </a:txBody>
+                  <a:tcPr>
+                    <a:solidFill>
+                      <a:srgbClr val="0000FF"/>
+                    </a:solidFill>
+                  </a:tcPr>
+                </a:tc>
+                <a:tc>
+                  <a:txBody>
+                    <a:bodyPr/>
+                    <a:lstStyle/>
+                    <a:p>
+                      <a:pPr algn="ctr"/>
+                      <a:r>
+                        <a:rPr lang="en-US" sz="2800" b="1" dirty="0">
+                          <a:solidFill>
+                            <a:schemeClr val="bg1"/>
+                          </a:solidFill>
+                        </a:rPr>
+                        <a:t>0</a:t>
+                      </a:r>
+                    </a:p>
+                  </a:txBody>
+                  <a:tcPr>
+                    <a:solidFill>
+                      <a:srgbClr val="FF0000"/>
+                    </a:solidFill>
+                  </a:tcPr>
+                </a:tc>
+                <a:extLst>
+                  <a:ext uri="{0D108BD9-81ED-4DB2-BD59-A6C34878D82A}">
+                    <a16:rowId xmlns:a16="http://schemas.microsoft.com/office/drawing/2014/main" val="434520181"/>
+                  </a:ext>
+                </a:extLst>
+              </a:tr>
+            </a:tbl>
+          </a:graphicData>
+        </a:graphic>
+      </p:graphicFrame>
+    </p:spTree>
+    <p:extLst>
+      <p:ext uri="{BB962C8B-B14F-4D97-AF65-F5344CB8AC3E}">
+        <p14:creationId xmlns:p14="http://schemas.microsoft.com/office/powerpoint/2010/main" val="544637397"/>
+      </p:ext>
+    </p:extLst>
+  </p:cSld>
+  <p:clrMapOvr>
+    <a:masterClrMapping/>
+  </p:clrMapOvr>
+  <p:timing>
+    <p:tnLst>
+      <p:par>
+        <p:cTn id="1" dur="indefinite" restart="never" nodeType="tmRoot">
+          <p:childTnLst>
+            <p:seq concurrent="1" nextAc="seek">
+              <p:cTn id="2" dur="indefinite" nodeType="mainSeq">
+                <p:childTnLst>
+                  <p:par>
+                    <p:cTn id="3" fill="hold">
+                      <p:stCondLst>
+                        <p:cond delay="indefinite"/>
+                        <p:cond evt="onBegin" delay="0">
+                          <p:tn val="2"/>
+                        </p:cond>
+                      </p:stCondLst>
+                      <p:childTnLst>
+                        <p:par>
+                          <p:cTn id="4" fill="hold">
+                            <p:stCondLst>
+                              <p:cond delay="0"/>
+                            </p:stCondLst>
+                            <p:childTnLst>
+                              <p:par>
+                                <p:cTn id="5" presetID="1" presetClass="entr" presetSubtype="0" fill="hold" nodeType="withEffect">
+                                  <p:stCondLst>
+                                    <p:cond delay="0"/>
+                                  </p:stCondLst>
+                                  <p:childTnLst>
+                                    <p:set>
+                                      <p:cBhvr>
+                                        <p:cTn id="6" dur="1" fill="hold">
+                                          <p:stCondLst>
+                                            <p:cond delay="0"/>
+                                          </p:stCondLst>
+                                        </p:cTn>
+                                        <p:tgtEl>
+                                          <p:spTgt spid="9"/>
+                                        </p:tgtEl>
+                                        <p:attrNameLst>
+                                          <p:attrName>style.visibility</p:attrName>
+                                        </p:attrNameLst>
+                                      </p:cBhvr>
+                                      <p:to>
+                                        <p:strVal val="visible"/>
+                                      </p:to>
+                                    </p:set>
+                                  </p:childTnLst>
+                                </p:cTn>
+                              </p:par>
+                            </p:childTnLst>
+                          </p:cTn>
+                        </p:par>
+                      </p:childTnLst>
+                    </p:cTn>
+                  </p:par>
+                  <p:par>
+                    <p:cTn id="7" fill="hold">
+                      <p:stCondLst>
+                        <p:cond delay="indefinite"/>
+                      </p:stCondLst>
+                      <p:childTnLst>
+                        <p:par>
+                          <p:cTn id="8" fill="hold">
+                            <p:stCondLst>
+                              <p:cond delay="0"/>
+                            </p:stCondLst>
+                            <p:childTnLst>
+                              <p:par>
+                                <p:cTn id="9" presetID="1" presetClass="entr" presetSubtype="0" fill="hold" nodeType="clickEffect">
+                                  <p:stCondLst>
+                                    <p:cond delay="0"/>
+                                  </p:stCondLst>
+                                  <p:childTnLst>
+                                    <p:set>
+                                      <p:cBhvr>
+                                        <p:cTn id="10" dur="1" fill="hold">
+                                          <p:stCondLst>
+                                            <p:cond delay="0"/>
+                                          </p:stCondLst>
+                                        </p:cTn>
+                                        <p:tgtEl>
+                                          <p:spTgt spid="3">
+                                            <p:txEl>
+                                              <p:pRg st="1" end="1"/>
+                                            </p:txEl>
+                                          </p:spTgt>
+                                        </p:tgtEl>
+                                        <p:attrNameLst>
+                                          <p:attrName>style.visibility</p:attrName>
+                                        </p:attrNameLst>
+                                      </p:cBhvr>
+                                      <p:to>
+                                        <p:strVal val="visible"/>
+                                      </p:to>
+                                    </p:set>
+                                  </p:childTnLst>
+                                </p:cTn>
+                              </p:par>
+                            </p:childTnLst>
+                          </p:cTn>
+                        </p:par>
+                      </p:childTnLst>
+                    </p:cTn>
+                  </p:par>
+                  <p:par>
+                    <p:cTn id="11" fill="hold">
+                      <p:stCondLst>
+                        <p:cond delay="indefinite"/>
+                      </p:stCondLst>
+                      <p:childTnLst>
+                        <p:par>
+                          <p:cTn id="12" fill="hold">
+                            <p:stCondLst>
+                              <p:cond delay="0"/>
+                            </p:stCondLst>
+                            <p:childTnLst>
+                              <p:par>
+                                <p:cTn id="13" presetID="1" presetClass="entr" presetSubtype="0" fill="hold" nodeType="clickEffect">
+                                  <p:stCondLst>
+                                    <p:cond delay="0"/>
+                                  </p:stCondLst>
+                                  <p:childTnLst>
+                                    <p:set>
+                                      <p:cBhvr>
+                                        <p:cTn id="14" dur="1" fill="hold">
+                                          <p:stCondLst>
+                                            <p:cond delay="0"/>
+                                          </p:stCondLst>
+                                        </p:cTn>
+                                        <p:tgtEl>
+                                          <p:spTgt spid="3">
+                                            <p:txEl>
+                                              <p:pRg st="2" end="2"/>
+                                            </p:txEl>
+                                          </p:spTgt>
+                                        </p:tgtEl>
+                                        <p:attrNameLst>
+                                          <p:attrName>style.visibility</p:attrName>
+                                        </p:attrNameLst>
+                                      </p:cBhvr>
+                                      <p:to>
+                                        <p:strVal val="visible"/>
+                                      </p:to>
+                                    </p:set>
+                                  </p:childTnLst>
+                                </p:cTn>
+                              </p:par>
+                            </p:childTnLst>
+                          </p:cTn>
+                        </p:par>
+                      </p:childTnLst>
+                    </p:cTn>
+                  </p:par>
+                </p:childTnLst>
+              </p:cTn>
+              <p:prevCondLst>
+                <p:cond evt="onPrev" delay="0">
+                  <p:tgtEl>
+                    <p:sldTgt/>
+                  </p:tgtEl>
+                </p:cond>
+              </p:prevCondLst>
+              <p:nextCondLst>
+                <p:cond evt="onNext" delay="0">
+                  <p:tgtEl>
+                    <p:sldTgt/>
+                  </p:tgtEl>
+                </p:cond>
+              </p:nextCondLst>
+            </p:seq>
+          </p:childTnLst>
+        </p:cTn>
+      </p:par>
+    </p:tnLst>
+  </p:timing>
+</p:sld>
+</file>
+
+<file path=ppt/slides/slide8.xml><?xml version="1.0" encoding="utf-8"?>
+<p:sld xmlns:a="http://schemas.openxmlformats.org/drawingml/2006/main" xmlns:r="http://schemas.openxmlformats.org/officeDocument/2006/relationships" xmlns:p="http://schemas.openxmlformats.org/presentationml/2006/main">
+  <p:cSld>
+    <p:spTree>
+      <p:nvGrpSpPr>
+        <p:cNvPr id="1" name=""/>
+        <p:cNvGrpSpPr/>
+        <p:nvPr/>
+      </p:nvGrpSpPr>
+      <p:grpSpPr>
+        <a:xfrm>
+          <a:off x="0" y="0"/>
+          <a:ext cx="0" cy="0"/>
+          <a:chOff x="0" y="0"/>
+          <a:chExt cx="0" cy="0"/>
+        </a:xfrm>
+      </p:grpSpPr>
+      <p:sp>
+        <p:nvSpPr>
+          <p:cNvPr id="2" name="Title 1">
+            <a:extLst>
+              <a:ext uri="{FF2B5EF4-FFF2-40B4-BE49-F238E27FC236}">
+                <a16:creationId xmlns:a16="http://schemas.microsoft.com/office/drawing/2014/main" id="{3F7A1455-3F69-4A02-A2F6-77D7039E35C2}"/>
+              </a:ext>
+            </a:extLst>
+          </p:cNvPr>
+          <p:cNvSpPr>
+            <a:spLocks noGrp="1"/>
+          </p:cNvSpPr>
+          <p:nvPr>
+            <p:ph type="title"/>
+          </p:nvPr>
+        </p:nvSpPr>
+        <p:spPr>
+          <a:xfrm>
+            <a:off x="726911" y="10158"/>
+            <a:ext cx="10515600" cy="1325563"/>
+          </a:xfrm>
+        </p:spPr>
+        <p:txBody>
+          <a:bodyPr/>
+          <a:lstStyle/>
+          <a:p>
+            <a:r>
+              <a:rPr lang="en-US" dirty="0"/>
+              <a:t>Qubit is a quantum bit</a:t>
+            </a:r>
+          </a:p>
+        </p:txBody>
+      </p:sp>
+      <mc:AlternateContent xmlns:mc="http://schemas.openxmlformats.org/markup-compatibility/2006">
+        <mc:Choice xmlns:a14="http://schemas.microsoft.com/office/drawing/2010/main" Requires="a14">
+          <p:sp>
+            <p:nvSpPr>
+              <p:cNvPr id="3" name="Content Placeholder 2">
+                <a:extLst>
+                  <a:ext uri="{FF2B5EF4-FFF2-40B4-BE49-F238E27FC236}">
+                    <a16:creationId xmlns:a16="http://schemas.microsoft.com/office/drawing/2014/main" id="{5BC0424C-2630-4AF2-ADCD-8CC04380F7D8}"/>
+                  </a:ext>
+                </a:extLst>
+              </p:cNvPr>
+              <p:cNvSpPr>
+                <a:spLocks noGrp="1"/>
+              </p:cNvSpPr>
+              <p:nvPr>
+                <p:ph idx="1"/>
+              </p:nvPr>
+            </p:nvSpPr>
+            <p:spPr>
+              <a:xfrm>
+                <a:off x="726911" y="1158681"/>
+                <a:ext cx="9001570" cy="4351338"/>
+              </a:xfrm>
+            </p:spPr>
+            <p:txBody>
+              <a:bodyPr>
+                <a:noAutofit/>
+              </a:bodyPr>
+              <a:lstStyle/>
+              <a:p>
+                <a:r>
+                  <a:rPr lang="en-US" dirty="0"/>
+                  <a:t>The Greek letter </a:t>
+                </a:r>
+                <a14:m>
+                  <m:oMath xmlns:m="http://schemas.openxmlformats.org/officeDocument/2006/math">
+                    <m:r>
+                      <m:rPr>
+                        <m:sty m:val="p"/>
+                      </m:rPr>
+                      <a:rPr lang="en-US" b="0" i="0" smtClean="0">
+                        <a:latin typeface="Cambria Math" panose="02040503050406030204" pitchFamily="18" charset="0"/>
+                      </a:rPr>
+                      <m:t>ψ</m:t>
+                    </m:r>
+                  </m:oMath>
+                </a14:m>
+                <a:r>
+                  <a:rPr lang="en-US" dirty="0"/>
+                  <a:t> denotes a quantum state of a duck.</a:t>
+                </a:r>
+              </a:p>
+              <a:p>
+                <a:r>
+                  <a:rPr lang="en-US" dirty="0"/>
+                  <a:t>A classical duck (bit) has only two possible states: red or blue. </a:t>
+                </a:r>
+              </a:p>
+              <a:p>
+                <a:r>
+                  <a:rPr lang="en-US" dirty="0"/>
+                  <a:t>We can see the color of a classical duck all the time. </a:t>
+                </a:r>
+              </a:p>
+              <a:p>
+                <a:r>
+                  <a:rPr lang="en-US" dirty="0"/>
+                  <a:t>A quantum duck (qubit) has unknown color and we need to</a:t>
+                </a:r>
+                <a:br>
+                  <a:rPr lang="en-US" dirty="0"/>
+                </a:br>
+                <a:r>
+                  <a:rPr lang="en-US" dirty="0"/>
+                  <a:t>do a blood test.</a:t>
+                </a:r>
+              </a:p>
+              <a:p>
+                <a:r>
+                  <a:rPr lang="en-US" dirty="0"/>
+                  <a:t>Before we test the quantum duck’s blood its color can be</a:t>
+                </a:r>
+                <a:br>
+                  <a:rPr lang="en-US" dirty="0"/>
+                </a:br>
+                <a:r>
+                  <a:rPr lang="en-US" dirty="0"/>
+                  <a:t>any color on the Bloch sphere. </a:t>
+                </a:r>
+                <a:br>
+                  <a:rPr lang="en-US" dirty="0"/>
+                </a:br>
+                <a:r>
+                  <a:rPr lang="en-US" dirty="0"/>
+                  <a:t>Any ratio combination of blue and red is possible. </a:t>
+                </a:r>
+              </a:p>
+              <a:p>
+                <a:r>
+                  <a:rPr lang="en-US" dirty="0"/>
+                  <a:t>However, when we measure/test the quantum duck’s blood</a:t>
+                </a:r>
+                <a:br>
+                  <a:rPr lang="en-US" dirty="0"/>
+                </a:br>
+                <a:r>
+                  <a:rPr lang="en-US" dirty="0"/>
+                  <a:t>we will see only two possible colors: red or blue </a:t>
+                </a:r>
+                <a14:m>
+                  <m:oMath xmlns:m="http://schemas.openxmlformats.org/officeDocument/2006/math">
+                    <m:d>
+                      <m:dPr>
+                        <m:ctrlPr>
+                          <a:rPr lang="en-US" b="0" i="1" smtClean="0">
+                            <a:latin typeface="Cambria Math" panose="02040503050406030204" pitchFamily="18" charset="0"/>
+                          </a:rPr>
+                        </m:ctrlPr>
+                      </m:dPr>
+                      <m:e>
+                        <m:d>
+                          <m:dPr>
+                            <m:begChr m:val="|"/>
+                            <m:endChr m:val="|"/>
+                            <m:ctrlPr>
+                              <a:rPr lang="en-US" b="0" i="1" smtClean="0">
+                                <a:latin typeface="Cambria Math" panose="02040503050406030204" pitchFamily="18" charset="0"/>
+                              </a:rPr>
+                            </m:ctrlPr>
+                          </m:dPr>
+                          <m:e>
+                            <m:r>
+                              <a:rPr lang="en-US" b="0" i="1" smtClean="0">
+                                <a:latin typeface="Cambria Math" panose="02040503050406030204" pitchFamily="18" charset="0"/>
+                              </a:rPr>
+                              <m:t>𝛼</m:t>
+                            </m:r>
+                          </m:e>
+                        </m:d>
+                        <m:r>
+                          <a:rPr lang="en-US" b="0" i="1" smtClean="0">
+                            <a:latin typeface="Cambria Math" panose="02040503050406030204" pitchFamily="18" charset="0"/>
+                          </a:rPr>
+                          <m:t>+</m:t>
+                        </m:r>
+                        <m:d>
+                          <m:dPr>
+                            <m:begChr m:val="|"/>
+                            <m:endChr m:val="|"/>
+                            <m:ctrlPr>
+                              <a:rPr lang="en-US" b="0" i="1" smtClean="0">
+                                <a:latin typeface="Cambria Math" panose="02040503050406030204" pitchFamily="18" charset="0"/>
+                              </a:rPr>
+                            </m:ctrlPr>
+                          </m:dPr>
+                          <m:e>
+                            <m:r>
+                              <a:rPr lang="en-US" b="0" i="1" smtClean="0">
+                                <a:latin typeface="Cambria Math" panose="02040503050406030204" pitchFamily="18" charset="0"/>
+                              </a:rPr>
+                              <m:t>𝛽</m:t>
+                            </m:r>
+                          </m:e>
+                        </m:d>
+                        <m:r>
+                          <a:rPr lang="en-US" b="0" i="1" smtClean="0">
+                            <a:latin typeface="Cambria Math" panose="02040503050406030204" pitchFamily="18" charset="0"/>
+                          </a:rPr>
+                          <m:t>=1</m:t>
+                        </m:r>
+                      </m:e>
+                    </m:d>
+                  </m:oMath>
+                </a14:m>
+                <a:r>
+                  <a:rPr lang="en-US" i="1" dirty="0"/>
+                  <a:t>.</a:t>
+                </a:r>
+                <a:br>
+                  <a:rPr lang="en-US" i="1" dirty="0"/>
+                </a:br>
+                <a:br>
+                  <a:rPr lang="en-US" dirty="0"/>
+                </a:br>
+                <a14:m>
+                  <m:oMath xmlns:m="http://schemas.openxmlformats.org/officeDocument/2006/math">
+                    <m:d>
+                      <m:dPr>
+                        <m:begChr m:val="|"/>
+                        <m:endChr m:val="⟩"/>
+                        <m:ctrlPr>
+                          <a:rPr lang="en-US" i="1">
+                            <a:latin typeface="Cambria Math" panose="02040503050406030204" pitchFamily="18" charset="0"/>
+                          </a:rPr>
+                        </m:ctrlPr>
+                      </m:dPr>
+                      <m:e>
+                        <m:r>
+                          <m:rPr>
+                            <m:sty m:val="p"/>
+                          </m:rPr>
+                          <a:rPr lang="en-US">
+                            <a:latin typeface="Cambria Math" panose="02040503050406030204" pitchFamily="18" charset="0"/>
+                          </a:rPr>
+                          <m:t>ψ</m:t>
+                        </m:r>
+                      </m:e>
+                    </m:d>
+                    <m:r>
+                      <a:rPr lang="en-US" i="1">
+                        <a:latin typeface="Cambria Math" panose="02040503050406030204" pitchFamily="18" charset="0"/>
+                      </a:rPr>
+                      <m:t>=</m:t>
+                    </m:r>
+                    <m:r>
+                      <m:rPr>
+                        <m:sty m:val="p"/>
+                      </m:rPr>
+                      <a:rPr lang="en-US">
+                        <a:latin typeface="Cambria Math" panose="02040503050406030204" pitchFamily="18" charset="0"/>
+                      </a:rPr>
+                      <m:t>α</m:t>
+                    </m:r>
+                    <m:d>
+                      <m:dPr>
+                        <m:begChr m:val="|"/>
+                        <m:endChr m:val="⟩"/>
+                        <m:ctrlPr>
+                          <a:rPr lang="en-US" i="1">
+                            <a:latin typeface="Cambria Math" panose="02040503050406030204" pitchFamily="18" charset="0"/>
+                          </a:rPr>
+                        </m:ctrlPr>
+                      </m:dPr>
+                      <m:e>
+                        <m:r>
+                          <a:rPr lang="en-US" i="1">
+                            <a:latin typeface="Cambria Math" panose="02040503050406030204" pitchFamily="18" charset="0"/>
+                          </a:rPr>
+                          <m:t>0</m:t>
+                        </m:r>
+                      </m:e>
+                    </m:d>
+                    <m:r>
+                      <a:rPr lang="en-US" i="1">
+                        <a:latin typeface="Cambria Math" panose="02040503050406030204" pitchFamily="18" charset="0"/>
+                      </a:rPr>
+                      <m:t>+</m:t>
+                    </m:r>
+                    <m:r>
+                      <m:rPr>
+                        <m:sty m:val="p"/>
+                      </m:rPr>
+                      <a:rPr lang="en-US">
+                        <a:latin typeface="Cambria Math" panose="02040503050406030204" pitchFamily="18" charset="0"/>
+                      </a:rPr>
+                      <m:t>β</m:t>
+                    </m:r>
+                    <m:d>
+                      <m:dPr>
+                        <m:begChr m:val="|"/>
+                        <m:endChr m:val="⟩"/>
+                        <m:ctrlPr>
+                          <a:rPr lang="en-US" i="1">
+                            <a:latin typeface="Cambria Math" panose="02040503050406030204" pitchFamily="18" charset="0"/>
+                          </a:rPr>
+                        </m:ctrlPr>
+                      </m:dPr>
+                      <m:e>
+                        <m:r>
+                          <a:rPr lang="en-US" i="1">
+                            <a:latin typeface="Cambria Math" panose="02040503050406030204" pitchFamily="18" charset="0"/>
+                          </a:rPr>
+                          <m:t>1</m:t>
+                        </m:r>
+                      </m:e>
+                    </m:d>
+                  </m:oMath>
+                </a14:m>
+                <a:endParaRPr lang="en-US" dirty="0"/>
+              </a:p>
+              <a:p>
+                <a:r>
+                  <a:rPr lang="en-US" dirty="0"/>
+                  <a:t>After the blood test of the quantum duck it becomes a </a:t>
+                </a:r>
+                <a:br>
+                  <a:rPr lang="en-US" dirty="0"/>
+                </a:br>
+                <a:r>
+                  <a:rPr lang="en-US" dirty="0"/>
+                  <a:t>classical duck (Bit).</a:t>
+                </a:r>
+              </a:p>
+            </p:txBody>
+          </p:sp>
+        </mc:Choice>
+        <mc:Fallback>
+          <p:sp>
+            <p:nvSpPr>
+              <p:cNvPr id="3" name="Content Placeholder 2">
+                <a:extLst>
+                  <a:ext uri="{FF2B5EF4-FFF2-40B4-BE49-F238E27FC236}">
+                    <a16:creationId xmlns:a16="http://schemas.microsoft.com/office/drawing/2014/main" id="{5BC0424C-2630-4AF2-ADCD-8CC04380F7D8}"/>
+                  </a:ext>
+                </a:extLst>
+              </p:cNvPr>
+              <p:cNvSpPr>
+                <a:spLocks noGrp="1" noRot="1" noChangeAspect="1" noMove="1" noResize="1" noEditPoints="1" noAdjustHandles="1" noChangeArrowheads="1" noChangeShapeType="1" noTextEdit="1"/>
+              </p:cNvSpPr>
+              <p:nvPr>
+                <p:ph idx="1"/>
+              </p:nvPr>
+            </p:nvSpPr>
+            <p:spPr>
+              <a:xfrm>
+                <a:off x="726911" y="1158681"/>
+                <a:ext cx="9001570" cy="4351338"/>
+              </a:xfrm>
+              <a:blipFill>
+                <a:blip r:embed="rId2"/>
+                <a:stretch>
+                  <a:fillRect l="-1219" t="-2241" r="-1219" b="-73669"/>
+                </a:stretch>
+              </a:blipFill>
+            </p:spPr>
+            <p:txBody>
+              <a:bodyPr/>
+              <a:lstStyle/>
+              <a:p>
+                <a:r>
+                  <a:rPr lang="en-US">
+                    <a:noFill/>
+                  </a:rPr>
+                  <a:t> </a:t>
+                </a:r>
+              </a:p>
+            </p:txBody>
+          </p:sp>
+        </mc:Fallback>
+      </mc:AlternateContent>
+      <p:grpSp>
+        <p:nvGrpSpPr>
+          <p:cNvPr id="26" name="Group 25">
+            <a:extLst>
+              <a:ext uri="{FF2B5EF4-FFF2-40B4-BE49-F238E27FC236}">
+                <a16:creationId xmlns:a16="http://schemas.microsoft.com/office/drawing/2014/main" id="{C44BA7E6-8E68-48C4-A3DA-D7D42CA2D02E}"/>
+              </a:ext>
+            </a:extLst>
+          </p:cNvPr>
+          <p:cNvGrpSpPr/>
+          <p:nvPr/>
+        </p:nvGrpSpPr>
+        <p:grpSpPr>
+          <a:xfrm>
+            <a:off x="9754459" y="2312501"/>
+            <a:ext cx="2294019" cy="4308539"/>
+            <a:chOff x="9229855" y="2199778"/>
+            <a:chExt cx="2833163" cy="5321138"/>
+          </a:xfrm>
+        </p:grpSpPr>
+        <p:grpSp>
+          <p:nvGrpSpPr>
+            <p:cNvPr id="4" name="Group 3">
+              <a:extLst>
+                <a:ext uri="{FF2B5EF4-FFF2-40B4-BE49-F238E27FC236}">
+                  <a16:creationId xmlns:a16="http://schemas.microsoft.com/office/drawing/2014/main" id="{2023F17D-B3FB-4E31-BD02-22DB477A0977}"/>
+                </a:ext>
+              </a:extLst>
+            </p:cNvPr>
+            <p:cNvGrpSpPr/>
+            <p:nvPr/>
+          </p:nvGrpSpPr>
+          <p:grpSpPr>
+            <a:xfrm>
+              <a:off x="9229855" y="3461783"/>
+              <a:ext cx="2833163" cy="2785782"/>
+              <a:chOff x="2946400" y="1650399"/>
+              <a:chExt cx="2833162" cy="2785782"/>
+            </a:xfrm>
+          </p:grpSpPr>
+          <p:sp>
+            <p:nvSpPr>
+              <p:cNvPr id="5" name="Oval 4">
+                <a:extLst>
+                  <a:ext uri="{FF2B5EF4-FFF2-40B4-BE49-F238E27FC236}">
+                    <a16:creationId xmlns:a16="http://schemas.microsoft.com/office/drawing/2014/main" id="{BC118007-CFFE-4721-ADEF-DCE5FE38742E}"/>
+                  </a:ext>
+                </a:extLst>
+              </p:cNvPr>
+              <p:cNvSpPr/>
+              <p:nvPr/>
+            </p:nvSpPr>
+            <p:spPr>
+              <a:xfrm>
+                <a:off x="2946402" y="1650399"/>
+                <a:ext cx="2833160" cy="2785782"/>
+              </a:xfrm>
+              <a:prstGeom prst="ellipse">
+                <a:avLst/>
+              </a:prstGeom>
+              <a:gradFill>
+                <a:gsLst>
+                  <a:gs pos="0">
+                    <a:srgbClr val="0000FF"/>
+                  </a:gs>
+                  <a:gs pos="50000">
+                    <a:srgbClr val="7D007D"/>
+                  </a:gs>
+                  <a:gs pos="100000">
+                    <a:srgbClr val="FF0000"/>
+                  </a:gs>
+                  <a:gs pos="100000">
+                    <a:srgbClr val="FF0000"/>
+                  </a:gs>
+                </a:gsLst>
+                <a:lin ang="5400000" scaled="1"/>
+              </a:gradFill>
+              <a:ln w="28575">
+                <a:solidFill>
+                  <a:schemeClr val="tx1"/>
+                </a:solidFill>
+              </a:ln>
+            </p:spPr>
+            <p:style>
+              <a:lnRef idx="2">
+                <a:schemeClr val="accent1">
+                  <a:shade val="50000"/>
+                </a:schemeClr>
+              </a:lnRef>
+              <a:fillRef idx="1">
+                <a:schemeClr val="accent1"/>
+              </a:fillRef>
+              <a:effectRef idx="0">
+                <a:schemeClr val="accent1"/>
+              </a:effectRef>
+              <a:fontRef idx="minor">
+                <a:schemeClr val="lt1"/>
+              </a:fontRef>
+            </p:style>
+            <p:txBody>
+              <a:bodyPr rtlCol="0" anchor="ctr"/>
+              <a:lstStyle/>
+              <a:p>
+                <a:pPr algn="ctr"/>
+                <a:endParaRPr lang="en-US" dirty="0"/>
+              </a:p>
+            </p:txBody>
+          </p:sp>
+          <p:sp>
+            <p:nvSpPr>
+              <p:cNvPr id="6" name="Oval 5">
+                <a:extLst>
+                  <a:ext uri="{FF2B5EF4-FFF2-40B4-BE49-F238E27FC236}">
+                    <a16:creationId xmlns:a16="http://schemas.microsoft.com/office/drawing/2014/main" id="{3C770AED-0883-4603-BF57-2F181ADADE61}"/>
+                  </a:ext>
+                </a:extLst>
+              </p:cNvPr>
+              <p:cNvSpPr/>
+              <p:nvPr/>
+            </p:nvSpPr>
+            <p:spPr>
+              <a:xfrm>
+                <a:off x="2946400" y="3014132"/>
+                <a:ext cx="2833159" cy="127220"/>
+              </a:xfrm>
+              <a:prstGeom prst="ellipse">
+                <a:avLst/>
+              </a:prstGeom>
+              <a:noFill/>
+              <a:ln w="28575">
+                <a:solidFill>
+                  <a:srgbClr val="640064">
+                    <a:alpha val="60000"/>
+                  </a:srgbClr>
+                </a:solidFill>
+              </a:ln>
+            </p:spPr>
+            <p:style>
+              <a:lnRef idx="2">
+                <a:schemeClr val="accent1">
+                  <a:shade val="50000"/>
+                </a:schemeClr>
+              </a:lnRef>
+              <a:fillRef idx="1">
+                <a:schemeClr val="accent1"/>
+              </a:fillRef>
+              <a:effectRef idx="0">
+                <a:schemeClr val="accent1"/>
+              </a:effectRef>
+              <a:fontRef idx="minor">
+                <a:schemeClr val="lt1"/>
+              </a:fontRef>
+            </p:style>
+            <p:txBody>
+              <a:bodyPr rtlCol="0" anchor="ctr"/>
+              <a:lstStyle/>
+              <a:p>
+                <a:pPr algn="ctr"/>
+                <a:endParaRPr lang="en-US"/>
+              </a:p>
+            </p:txBody>
+          </p:sp>
+        </p:grpSp>
+        <mc:AlternateContent xmlns:mc="http://schemas.openxmlformats.org/markup-compatibility/2006">
+          <mc:Choice xmlns:a14="http://schemas.microsoft.com/office/drawing/2010/main" Requires="a14">
+            <p:sp>
+              <p:nvSpPr>
+                <p:cNvPr id="7" name="TextBox 6">
+                  <a:extLst>
+                    <a:ext uri="{FF2B5EF4-FFF2-40B4-BE49-F238E27FC236}">
+                      <a16:creationId xmlns:a16="http://schemas.microsoft.com/office/drawing/2014/main" id="{90966910-D35A-4847-9BC7-CB4B2D2A3621}"/>
+                    </a:ext>
+                  </a:extLst>
+                </p:cNvPr>
+                <p:cNvSpPr txBox="1"/>
+                <p:nvPr/>
+              </p:nvSpPr>
+              <p:spPr>
+                <a:xfrm>
+                  <a:off x="10041596" y="3092451"/>
+                  <a:ext cx="1323975" cy="369332"/>
+                </a:xfrm>
+                <a:prstGeom prst="rect">
+                  <a:avLst/>
+                </a:prstGeom>
+                <a:noFill/>
+              </p:spPr>
+              <p:txBody>
+                <a:bodyPr wrap="square" rtlCol="0">
+                  <a:spAutoFit/>
+                </a:bodyPr>
+                <a:lstStyle/>
+                <a:p>
+                  <a14:m>
+                    <m:oMathPara xmlns:m="http://schemas.openxmlformats.org/officeDocument/2006/math">
+                      <m:oMathParaPr>
+                        <m:jc m:val="centerGroup"/>
+                      </m:oMathParaPr>
+                      <m:oMath xmlns:m="http://schemas.openxmlformats.org/officeDocument/2006/math">
+                        <m:r>
+                          <a:rPr lang="en-US" b="0" i="1" smtClean="0">
+                            <a:latin typeface="Cambria Math" panose="02040503050406030204" pitchFamily="18" charset="0"/>
+                          </a:rPr>
+                          <m:t>|1⟩</m:t>
+                        </m:r>
+                      </m:oMath>
+                    </m:oMathPara>
+                  </a14:m>
+                  <a:endParaRPr lang="en-US" dirty="0"/>
+                </a:p>
+              </p:txBody>
+            </p:sp>
+          </mc:Choice>
+          <mc:Fallback>
+            <p:sp>
+              <p:nvSpPr>
+                <p:cNvPr id="7" name="TextBox 6">
+                  <a:extLst>
+                    <a:ext uri="{FF2B5EF4-FFF2-40B4-BE49-F238E27FC236}">
+                      <a16:creationId xmlns:a16="http://schemas.microsoft.com/office/drawing/2014/main" id="{90966910-D35A-4847-9BC7-CB4B2D2A3621}"/>
+                    </a:ext>
+                  </a:extLst>
+                </p:cNvPr>
+                <p:cNvSpPr txBox="1">
+                  <a:spLocks noRot="1" noChangeAspect="1" noMove="1" noResize="1" noEditPoints="1" noAdjustHandles="1" noChangeArrowheads="1" noChangeShapeType="1" noTextEdit="1"/>
+                </p:cNvSpPr>
+                <p:nvPr/>
+              </p:nvSpPr>
+              <p:spPr>
+                <a:xfrm>
+                  <a:off x="10041596" y="3092451"/>
+                  <a:ext cx="1323975" cy="369332"/>
+                </a:xfrm>
+                <a:prstGeom prst="rect">
+                  <a:avLst/>
+                </a:prstGeom>
+                <a:blipFill>
+                  <a:blip r:embed="rId3"/>
+                  <a:stretch>
+                    <a:fillRect b="-38776"/>
+                  </a:stretch>
+                </a:blipFill>
+              </p:spPr>
+              <p:txBody>
+                <a:bodyPr/>
+                <a:lstStyle/>
+                <a:p>
+                  <a:r>
+                    <a:rPr lang="en-US">
+                      <a:noFill/>
+                    </a:rPr>
+                    <a:t> </a:t>
+                  </a:r>
+                </a:p>
+              </p:txBody>
+            </p:sp>
+          </mc:Fallback>
+        </mc:AlternateContent>
+        <mc:AlternateContent xmlns:mc="http://schemas.openxmlformats.org/markup-compatibility/2006">
+          <mc:Choice xmlns:a14="http://schemas.microsoft.com/office/drawing/2010/main" Requires="a14">
+            <p:sp>
+              <p:nvSpPr>
+                <p:cNvPr id="8" name="TextBox 7">
+                  <a:extLst>
+                    <a:ext uri="{FF2B5EF4-FFF2-40B4-BE49-F238E27FC236}">
+                      <a16:creationId xmlns:a16="http://schemas.microsoft.com/office/drawing/2014/main" id="{C7C1432C-74C1-4F53-96D5-48783DD26FFA}"/>
+                    </a:ext>
+                  </a:extLst>
+                </p:cNvPr>
+                <p:cNvSpPr txBox="1"/>
+                <p:nvPr/>
+              </p:nvSpPr>
+              <p:spPr>
+                <a:xfrm>
+                  <a:off x="10041594" y="6226842"/>
+                  <a:ext cx="1323975" cy="369332"/>
+                </a:xfrm>
+                <a:prstGeom prst="rect">
+                  <a:avLst/>
+                </a:prstGeom>
+                <a:noFill/>
+              </p:spPr>
+              <p:txBody>
+                <a:bodyPr wrap="square" rtlCol="0">
+                  <a:spAutoFit/>
+                </a:bodyPr>
+                <a:lstStyle/>
+                <a:p>
+                  <a14:m>
+                    <m:oMathPara xmlns:m="http://schemas.openxmlformats.org/officeDocument/2006/math">
+                      <m:oMathParaPr>
+                        <m:jc m:val="centerGroup"/>
+                      </m:oMathParaPr>
+                      <m:oMath xmlns:m="http://schemas.openxmlformats.org/officeDocument/2006/math">
+                        <m:r>
+                          <a:rPr lang="en-US" b="0" i="1" smtClean="0">
+                            <a:latin typeface="Cambria Math" panose="02040503050406030204" pitchFamily="18" charset="0"/>
+                          </a:rPr>
+                          <m:t>|0⟩</m:t>
+                        </m:r>
+                      </m:oMath>
+                    </m:oMathPara>
+                  </a14:m>
+                  <a:endParaRPr lang="en-US" dirty="0"/>
+                </a:p>
+              </p:txBody>
+            </p:sp>
+          </mc:Choice>
+          <mc:Fallback>
+            <p:sp>
+              <p:nvSpPr>
+                <p:cNvPr id="8" name="TextBox 7">
+                  <a:extLst>
+                    <a:ext uri="{FF2B5EF4-FFF2-40B4-BE49-F238E27FC236}">
+                      <a16:creationId xmlns:a16="http://schemas.microsoft.com/office/drawing/2014/main" id="{C7C1432C-74C1-4F53-96D5-48783DD26FFA}"/>
+                    </a:ext>
+                  </a:extLst>
+                </p:cNvPr>
+                <p:cNvSpPr txBox="1">
+                  <a:spLocks noRot="1" noChangeAspect="1" noMove="1" noResize="1" noEditPoints="1" noAdjustHandles="1" noChangeArrowheads="1" noChangeShapeType="1" noTextEdit="1"/>
+                </p:cNvSpPr>
+                <p:nvPr/>
+              </p:nvSpPr>
+              <p:spPr>
+                <a:xfrm>
+                  <a:off x="10041594" y="6226842"/>
+                  <a:ext cx="1323975" cy="369332"/>
+                </a:xfrm>
+                <a:prstGeom prst="rect">
+                  <a:avLst/>
+                </a:prstGeom>
+                <a:blipFill>
+                  <a:blip r:embed="rId4"/>
+                  <a:stretch>
+                    <a:fillRect b="-40816"/>
+                  </a:stretch>
+                </a:blipFill>
+              </p:spPr>
+              <p:txBody>
+                <a:bodyPr/>
+                <a:lstStyle/>
+                <a:p>
+                  <a:r>
+                    <a:rPr lang="en-US">
+                      <a:noFill/>
+                    </a:rPr>
+                    <a:t> </a:t>
+                  </a:r>
+                </a:p>
+              </p:txBody>
+            </p:sp>
+          </mc:Fallback>
+        </mc:AlternateContent>
+        <p:grpSp>
+          <p:nvGrpSpPr>
+            <p:cNvPr id="9" name="Group 8">
+              <a:extLst>
+                <a:ext uri="{FF2B5EF4-FFF2-40B4-BE49-F238E27FC236}">
+                  <a16:creationId xmlns:a16="http://schemas.microsoft.com/office/drawing/2014/main" id="{29AEC020-ABCD-4652-BE82-154DFF12355E}"/>
+                </a:ext>
+              </a:extLst>
+            </p:cNvPr>
+            <p:cNvGrpSpPr/>
+            <p:nvPr/>
+          </p:nvGrpSpPr>
+          <p:grpSpPr>
+            <a:xfrm>
+              <a:off x="10253470" y="2199778"/>
+              <a:ext cx="914400" cy="914399"/>
+              <a:chOff x="6606974" y="-291426"/>
+              <a:chExt cx="914400" cy="914399"/>
+            </a:xfrm>
+          </p:grpSpPr>
+          <p:pic>
+            <p:nvPicPr>
+              <p:cNvPr id="10" name="Graphic 9">
+                <a:extLst>
+                  <a:ext uri="{FF2B5EF4-FFF2-40B4-BE49-F238E27FC236}">
+                    <a16:creationId xmlns:a16="http://schemas.microsoft.com/office/drawing/2014/main" id="{C205253A-C96F-4862-9019-9BA46B05CC3D}"/>
+                  </a:ext>
+                  <a:ext uri="{C183D7F6-B498-43B3-948B-1728B52AA6E4}">
+                    <adec:decorative xmlns:adec="http://schemas.microsoft.com/office/drawing/2017/decorative" val="1"/>
+                  </a:ext>
+                </a:extLst>
+              </p:cNvPr>
+              <p:cNvPicPr>
+                <a:picLocks noChangeAspect="1"/>
+              </p:cNvPicPr>
+              <p:nvPr/>
+            </p:nvPicPr>
+            <p:blipFill>
+              <a:blip r:embed="rId5">
+                <a:extLst>
+                  <a:ext uri="{28A0092B-C50C-407E-A947-70E740481C1C}">
+                    <a14:useLocalDpi xmlns:a14="http://schemas.microsoft.com/office/drawing/2010/main" val="0"/>
+                  </a:ext>
+                  <a:ext uri="{96DAC541-7B7A-43D3-8B79-37D633B846F1}">
+                    <asvg:svgBlip xmlns:asvg="http://schemas.microsoft.com/office/drawing/2016/SVG/main" r:embed="rId6"/>
+                  </a:ext>
+                </a:extLst>
+              </a:blip>
+              <a:stretch>
+                <a:fillRect/>
+              </a:stretch>
+            </p:blipFill>
+            <p:spPr>
+              <a:xfrm>
+                <a:off x="6606974" y="-291426"/>
+                <a:ext cx="914400" cy="914399"/>
+              </a:xfrm>
+              <a:prstGeom prst="rect">
+                <a:avLst/>
+              </a:prstGeom>
+            </p:spPr>
+          </p:pic>
+          <p:sp>
+            <p:nvSpPr>
+              <p:cNvPr id="11" name="Rectangle 10">
+                <a:extLst>
+                  <a:ext uri="{FF2B5EF4-FFF2-40B4-BE49-F238E27FC236}">
+                    <a16:creationId xmlns:a16="http://schemas.microsoft.com/office/drawing/2014/main" id="{BF3FB095-DB08-4A2B-B34A-9B24D3AF3557}"/>
+                  </a:ext>
+                </a:extLst>
+              </p:cNvPr>
+              <p:cNvSpPr/>
+              <p:nvPr/>
+            </p:nvSpPr>
+            <p:spPr>
+              <a:xfrm>
+                <a:off x="6913330" y="63868"/>
+                <a:ext cx="301685" cy="369332"/>
+              </a:xfrm>
+              <a:prstGeom prst="rect">
+                <a:avLst/>
+              </a:prstGeom>
+            </p:spPr>
+            <p:txBody>
+              <a:bodyPr wrap="none">
+                <a:spAutoFit/>
+              </a:bodyPr>
+              <a:lstStyle/>
+              <a:p>
+                <a:pPr algn="ctr"/>
+                <a:r>
+                  <a:rPr lang="en-US" dirty="0">
+                    <a:solidFill>
+                      <a:schemeClr val="bg1"/>
+                    </a:solidFill>
+                  </a:rPr>
+                  <a:t>1</a:t>
+                </a:r>
+              </a:p>
+            </p:txBody>
+          </p:sp>
+        </p:grpSp>
+        <p:grpSp>
+          <p:nvGrpSpPr>
+            <p:cNvPr id="12" name="Group 11">
+              <a:extLst>
+                <a:ext uri="{FF2B5EF4-FFF2-40B4-BE49-F238E27FC236}">
+                  <a16:creationId xmlns:a16="http://schemas.microsoft.com/office/drawing/2014/main" id="{A2866CB1-499E-4F5A-8E78-EB14E362268B}"/>
+                </a:ext>
+              </a:extLst>
+            </p:cNvPr>
+            <p:cNvGrpSpPr/>
+            <p:nvPr/>
+          </p:nvGrpSpPr>
+          <p:grpSpPr>
+            <a:xfrm>
+              <a:off x="10253471" y="6606516"/>
+              <a:ext cx="914400" cy="914400"/>
+              <a:chOff x="6606976" y="3357371"/>
+              <a:chExt cx="914400" cy="914400"/>
+            </a:xfrm>
+          </p:grpSpPr>
+          <p:pic>
+            <p:nvPicPr>
+              <p:cNvPr id="13" name="Graphic 12">
+                <a:extLst>
+                  <a:ext uri="{FF2B5EF4-FFF2-40B4-BE49-F238E27FC236}">
+                    <a16:creationId xmlns:a16="http://schemas.microsoft.com/office/drawing/2014/main" id="{49F51E58-E315-4DC9-A33B-E73DD276E4AA}"/>
+                  </a:ext>
+                  <a:ext uri="{C183D7F6-B498-43B3-948B-1728B52AA6E4}">
+                    <adec:decorative xmlns:adec="http://schemas.microsoft.com/office/drawing/2017/decorative" val="1"/>
+                  </a:ext>
+                </a:extLst>
+              </p:cNvPr>
+              <p:cNvPicPr>
+                <a:picLocks noChangeAspect="1"/>
+              </p:cNvPicPr>
+              <p:nvPr/>
+            </p:nvPicPr>
+            <p:blipFill>
+              <a:blip r:embed="rId7">
+                <a:extLst>
+                  <a:ext uri="{28A0092B-C50C-407E-A947-70E740481C1C}">
+                    <a14:useLocalDpi xmlns:a14="http://schemas.microsoft.com/office/drawing/2010/main" val="0"/>
+                  </a:ext>
+                  <a:ext uri="{96DAC541-7B7A-43D3-8B79-37D633B846F1}">
+                    <asvg:svgBlip xmlns:asvg="http://schemas.microsoft.com/office/drawing/2016/SVG/main" r:embed="rId8"/>
+                  </a:ext>
+                </a:extLst>
+              </a:blip>
+              <a:stretch>
+                <a:fillRect/>
+              </a:stretch>
+            </p:blipFill>
+            <p:spPr>
+              <a:xfrm>
+                <a:off x="6606976" y="3357371"/>
+                <a:ext cx="914400" cy="914400"/>
+              </a:xfrm>
+              <a:prstGeom prst="rect">
+                <a:avLst/>
+              </a:prstGeom>
+            </p:spPr>
+          </p:pic>
+          <p:sp>
+            <p:nvSpPr>
+              <p:cNvPr id="14" name="Rectangle 13">
+                <a:extLst>
+                  <a:ext uri="{FF2B5EF4-FFF2-40B4-BE49-F238E27FC236}">
+                    <a16:creationId xmlns:a16="http://schemas.microsoft.com/office/drawing/2014/main" id="{3F7DCA0B-886F-47E9-9D02-4FCEF65F8F39}"/>
+                  </a:ext>
+                </a:extLst>
+              </p:cNvPr>
+              <p:cNvSpPr/>
+              <p:nvPr/>
+            </p:nvSpPr>
+            <p:spPr>
+              <a:xfrm>
+                <a:off x="6832923" y="3710265"/>
+                <a:ext cx="301685" cy="369332"/>
+              </a:xfrm>
+              <a:prstGeom prst="rect">
+                <a:avLst/>
+              </a:prstGeom>
+            </p:spPr>
+            <p:txBody>
+              <a:bodyPr wrap="none">
+                <a:spAutoFit/>
+              </a:bodyPr>
+              <a:lstStyle/>
+              <a:p>
+                <a:pPr algn="ctr"/>
+                <a:r>
+                  <a:rPr lang="en-US" dirty="0">
+                    <a:solidFill>
+                      <a:schemeClr val="bg1"/>
+                    </a:solidFill>
+                  </a:rPr>
+                  <a:t>0</a:t>
+                </a:r>
+              </a:p>
+            </p:txBody>
+          </p:sp>
+        </p:grpSp>
+        <p:grpSp>
+          <p:nvGrpSpPr>
+            <p:cNvPr id="15" name="Group 14">
+              <a:extLst>
+                <a:ext uri="{FF2B5EF4-FFF2-40B4-BE49-F238E27FC236}">
+                  <a16:creationId xmlns:a16="http://schemas.microsoft.com/office/drawing/2014/main" id="{FCA2A5CA-39FB-4B6F-8EE1-2D797CAC42C9}"/>
+                </a:ext>
+              </a:extLst>
+            </p:cNvPr>
+            <p:cNvGrpSpPr/>
+            <p:nvPr/>
+          </p:nvGrpSpPr>
+          <p:grpSpPr>
+            <a:xfrm>
+              <a:off x="10135913" y="3447742"/>
+              <a:ext cx="1633811" cy="1431858"/>
+              <a:chOff x="9119913" y="547207"/>
+              <a:chExt cx="1633811" cy="1431858"/>
+            </a:xfrm>
+          </p:grpSpPr>
+          <p:grpSp>
+            <p:nvGrpSpPr>
+              <p:cNvPr id="16" name="Group 15">
+                <a:extLst>
+                  <a:ext uri="{FF2B5EF4-FFF2-40B4-BE49-F238E27FC236}">
+                    <a16:creationId xmlns:a16="http://schemas.microsoft.com/office/drawing/2014/main" id="{07AA42B7-40FE-45DC-AF39-7A16D9087E45}"/>
+                  </a:ext>
+                </a:extLst>
+              </p:cNvPr>
+              <p:cNvGrpSpPr/>
+              <p:nvPr/>
+            </p:nvGrpSpPr>
+            <p:grpSpPr>
+              <a:xfrm>
+                <a:off x="9522410" y="547207"/>
+                <a:ext cx="1231314" cy="1431858"/>
+                <a:chOff x="9522410" y="547207"/>
+                <a:chExt cx="1231314" cy="1431858"/>
+              </a:xfrm>
+            </p:grpSpPr>
+            <p:grpSp>
+              <p:nvGrpSpPr>
+                <p:cNvPr id="18" name="Group 17">
+                  <a:extLst>
+                    <a:ext uri="{FF2B5EF4-FFF2-40B4-BE49-F238E27FC236}">
+                      <a16:creationId xmlns:a16="http://schemas.microsoft.com/office/drawing/2014/main" id="{65A070E5-C38A-4A1D-99DD-E59A625EB7C9}"/>
+                    </a:ext>
+                  </a:extLst>
+                </p:cNvPr>
+                <p:cNvGrpSpPr/>
+                <p:nvPr/>
+              </p:nvGrpSpPr>
+              <p:grpSpPr>
+                <a:xfrm>
+                  <a:off x="9659005" y="547207"/>
+                  <a:ext cx="1094719" cy="1431858"/>
+                  <a:chOff x="9659005" y="547207"/>
+                  <a:chExt cx="1094719" cy="1431858"/>
+                </a:xfrm>
+              </p:grpSpPr>
+              <p:cxnSp>
+                <p:nvCxnSpPr>
+                  <p:cNvPr id="20" name="Straight Arrow Connector 19">
+                    <a:extLst>
+                      <a:ext uri="{FF2B5EF4-FFF2-40B4-BE49-F238E27FC236}">
+                        <a16:creationId xmlns:a16="http://schemas.microsoft.com/office/drawing/2014/main" id="{EA5121DA-93B9-4C75-B546-B6242796DD7F}"/>
+                      </a:ext>
+                    </a:extLst>
+                  </p:cNvPr>
+                  <p:cNvCxnSpPr>
+                    <a:cxnSpLocks/>
+                    <a:stCxn id="22" idx="7"/>
+                  </p:cNvCxnSpPr>
+                  <p:nvPr/>
+                </p:nvCxnSpPr>
+                <p:spPr>
+                  <a:xfrm flipV="1">
+                    <a:off x="9707786" y="1128176"/>
+                    <a:ext cx="1045938" cy="802108"/>
+                  </a:xfrm>
+                  <a:prstGeom prst="straightConnector1">
+                    <a:avLst/>
+                  </a:prstGeom>
+                  <a:ln w="28575">
+                    <a:solidFill>
+                      <a:schemeClr val="bg1"/>
+                    </a:solidFill>
+                    <a:tailEnd type="triangle"/>
+                  </a:ln>
+                </p:spPr>
+                <p:style>
+                  <a:lnRef idx="3">
+                    <a:schemeClr val="dk1"/>
+                  </a:lnRef>
+                  <a:fillRef idx="0">
+                    <a:schemeClr val="dk1"/>
+                  </a:fillRef>
+                  <a:effectRef idx="2">
+                    <a:schemeClr val="dk1"/>
+                  </a:effectRef>
+                  <a:fontRef idx="minor">
+                    <a:schemeClr val="tx1"/>
+                  </a:fontRef>
+                </p:style>
+              </p:cxnSp>
+              <p:cxnSp>
+                <p:nvCxnSpPr>
+                  <p:cNvPr id="21" name="Straight Arrow Connector 20">
+                    <a:extLst>
+                      <a:ext uri="{FF2B5EF4-FFF2-40B4-BE49-F238E27FC236}">
+                        <a16:creationId xmlns:a16="http://schemas.microsoft.com/office/drawing/2014/main" id="{B6D624F6-38CA-4312-930E-00754DC62D6A}"/>
+                      </a:ext>
+                    </a:extLst>
+                  </p:cNvPr>
+                  <p:cNvCxnSpPr>
+                    <a:cxnSpLocks/>
+                    <a:stCxn id="22" idx="0"/>
+                  </p:cNvCxnSpPr>
+                  <p:nvPr/>
+                </p:nvCxnSpPr>
+                <p:spPr>
+                  <a:xfrm flipH="1" flipV="1">
+                    <a:off x="9677594" y="547207"/>
+                    <a:ext cx="9986" cy="1374708"/>
+                  </a:xfrm>
+                  <a:prstGeom prst="straightConnector1">
+                    <a:avLst/>
+                  </a:prstGeom>
+                  <a:ln w="28575">
+                    <a:solidFill>
+                      <a:schemeClr val="bg1"/>
+                    </a:solidFill>
+                    <a:tailEnd type="triangle"/>
+                  </a:ln>
+                </p:spPr>
+                <p:style>
+                  <a:lnRef idx="3">
+                    <a:schemeClr val="dk1"/>
+                  </a:lnRef>
+                  <a:fillRef idx="0">
+                    <a:schemeClr val="dk1"/>
+                  </a:fillRef>
+                  <a:effectRef idx="2">
+                    <a:schemeClr val="dk1"/>
+                  </a:effectRef>
+                  <a:fontRef idx="minor">
+                    <a:schemeClr val="tx1"/>
+                  </a:fontRef>
+                </p:style>
+              </p:cxnSp>
+              <p:sp>
+                <p:nvSpPr>
+                  <p:cNvPr id="22" name="Oval 21">
+                    <a:extLst>
+                      <a:ext uri="{FF2B5EF4-FFF2-40B4-BE49-F238E27FC236}">
+                        <a16:creationId xmlns:a16="http://schemas.microsoft.com/office/drawing/2014/main" id="{5B8D3B68-BB9F-4AD8-95E9-7BFA79812372}"/>
+                      </a:ext>
+                    </a:extLst>
+                  </p:cNvPr>
+                  <p:cNvSpPr/>
+                  <p:nvPr/>
+                </p:nvSpPr>
+                <p:spPr>
+                  <a:xfrm>
+                    <a:off x="9659005" y="1921915"/>
+                    <a:ext cx="57150" cy="57150"/>
+                  </a:xfrm>
+                  <a:prstGeom prst="ellipse">
+                    <a:avLst/>
+                  </a:prstGeom>
+                  <a:solidFill>
+                    <a:schemeClr val="bg1"/>
+                  </a:solidFill>
+                  <a:ln>
+                    <a:solidFill>
+                      <a:schemeClr val="bg1"/>
+                    </a:solidFill>
+                  </a:ln>
+                </p:spPr>
+                <p:style>
+                  <a:lnRef idx="2">
+                    <a:schemeClr val="accent1">
+                      <a:shade val="50000"/>
+                    </a:schemeClr>
+                  </a:lnRef>
+                  <a:fillRef idx="1">
+                    <a:schemeClr val="accent1"/>
+                  </a:fillRef>
+                  <a:effectRef idx="0">
+                    <a:schemeClr val="accent1"/>
+                  </a:effectRef>
+                  <a:fontRef idx="minor">
+                    <a:schemeClr val="lt1"/>
+                  </a:fontRef>
+                </p:style>
+                <p:txBody>
+                  <a:bodyPr rtlCol="0" anchor="ctr"/>
+                  <a:lstStyle/>
+                  <a:p>
+                    <a:pPr algn="ctr"/>
+                    <a:endParaRPr lang="en-US"/>
+                  </a:p>
+                </p:txBody>
+              </p:sp>
+            </p:grpSp>
+            <p:sp>
+              <p:nvSpPr>
+                <p:cNvPr id="19" name="Arc 18">
+                  <a:extLst>
+                    <a:ext uri="{FF2B5EF4-FFF2-40B4-BE49-F238E27FC236}">
+                      <a16:creationId xmlns:a16="http://schemas.microsoft.com/office/drawing/2014/main" id="{A1333640-5290-41B1-A6D9-DBD6EEE2ADFC}"/>
+                    </a:ext>
+                  </a:extLst>
+                </p:cNvPr>
+                <p:cNvSpPr/>
+                <p:nvPr/>
+              </p:nvSpPr>
+              <p:spPr>
+                <a:xfrm>
+                  <a:off x="9522410" y="1542224"/>
+                  <a:ext cx="387489" cy="402100"/>
+                </a:xfrm>
+                <a:prstGeom prst="arc">
+                  <a:avLst>
+                    <a:gd name="adj1" fmla="val 15899889"/>
+                    <a:gd name="adj2" fmla="val 331360"/>
+                  </a:avLst>
+                </a:prstGeom>
+                <a:ln w="12700">
+                  <a:solidFill>
+                    <a:schemeClr val="bg1"/>
+                  </a:solidFill>
+                  <a:prstDash val="sysDot"/>
+                </a:ln>
+              </p:spPr>
+              <p:style>
+                <a:lnRef idx="1">
+                  <a:schemeClr val="accent1"/>
+                </a:lnRef>
+                <a:fillRef idx="0">
+                  <a:schemeClr val="accent1"/>
+                </a:fillRef>
+                <a:effectRef idx="0">
+                  <a:schemeClr val="accent1"/>
+                </a:effectRef>
+                <a:fontRef idx="minor">
+                  <a:schemeClr val="tx1"/>
+                </a:fontRef>
+              </p:style>
+              <p:txBody>
+                <a:bodyPr rtlCol="0" anchor="ctr"/>
+                <a:lstStyle/>
+                <a:p>
+                  <a:pPr algn="ctr"/>
+                  <a:endParaRPr lang="en-US"/>
+                </a:p>
+              </p:txBody>
+            </p:sp>
+          </p:grpSp>
+          <mc:AlternateContent xmlns:mc="http://schemas.openxmlformats.org/markup-compatibility/2006">
+            <mc:Choice xmlns:a14="http://schemas.microsoft.com/office/drawing/2010/main" Requires="a14">
+              <p:sp>
+                <p:nvSpPr>
+                  <p:cNvPr id="17" name="TextBox 16">
+                    <a:extLst>
+                      <a:ext uri="{FF2B5EF4-FFF2-40B4-BE49-F238E27FC236}">
+                        <a16:creationId xmlns:a16="http://schemas.microsoft.com/office/drawing/2014/main" id="{E7C2D2AF-7FD4-4BAD-B2A4-CFBE13CAAD9E}"/>
+                      </a:ext>
+                    </a:extLst>
+                  </p:cNvPr>
+                  <p:cNvSpPr txBox="1"/>
+                  <p:nvPr/>
+                </p:nvSpPr>
+                <p:spPr>
+                  <a:xfrm>
+                    <a:off x="9119913" y="1525321"/>
+                    <a:ext cx="1323975" cy="369332"/>
+                  </a:xfrm>
+                  <a:prstGeom prst="rect">
+                    <a:avLst/>
+                  </a:prstGeom>
+                  <a:noFill/>
+                </p:spPr>
+                <p:txBody>
+                  <a:bodyPr wrap="square" rtlCol="0">
+                    <a:spAutoFit/>
+                  </a:bodyPr>
+                  <a:lstStyle/>
+                  <a:p>
+                    <a14:m>
+                      <m:oMathPara xmlns:m="http://schemas.openxmlformats.org/officeDocument/2006/math">
+                        <m:oMathParaPr>
+                          <m:jc m:val="centerGroup"/>
+                        </m:oMathParaPr>
+                        <m:oMath xmlns:m="http://schemas.openxmlformats.org/officeDocument/2006/math">
+                          <m:r>
+                            <a:rPr lang="en-US" b="0" i="1" smtClean="0">
+                              <a:solidFill>
+                                <a:schemeClr val="bg1"/>
+                              </a:solidFill>
+                              <a:latin typeface="Cambria Math" panose="02040503050406030204" pitchFamily="18" charset="0"/>
+                            </a:rPr>
+                            <m:t>𝜃</m:t>
+                          </m:r>
+                        </m:oMath>
+                      </m:oMathPara>
+                    </a14:m>
+                    <a:endParaRPr lang="en-US" i="1" dirty="0"/>
+                  </a:p>
+                </p:txBody>
+              </p:sp>
+            </mc:Choice>
+            <mc:Fallback>
+              <p:sp>
+                <p:nvSpPr>
+                  <p:cNvPr id="17" name="TextBox 16">
+                    <a:extLst>
+                      <a:ext uri="{FF2B5EF4-FFF2-40B4-BE49-F238E27FC236}">
+                        <a16:creationId xmlns:a16="http://schemas.microsoft.com/office/drawing/2014/main" id="{E7C2D2AF-7FD4-4BAD-B2A4-CFBE13CAAD9E}"/>
+                      </a:ext>
+                    </a:extLst>
+                  </p:cNvPr>
+                  <p:cNvSpPr txBox="1">
+                    <a:spLocks noRot="1" noChangeAspect="1" noMove="1" noResize="1" noEditPoints="1" noAdjustHandles="1" noChangeArrowheads="1" noChangeShapeType="1" noTextEdit="1"/>
+                  </p:cNvSpPr>
+                  <p:nvPr/>
+                </p:nvSpPr>
+                <p:spPr>
+                  <a:xfrm>
+                    <a:off x="9119913" y="1525321"/>
+                    <a:ext cx="1323975" cy="369332"/>
+                  </a:xfrm>
+                  <a:prstGeom prst="rect">
+                    <a:avLst/>
+                  </a:prstGeom>
+                  <a:blipFill>
+                    <a:blip r:embed="rId9"/>
+                    <a:stretch>
+                      <a:fillRect b="-14286"/>
+                    </a:stretch>
+                  </a:blipFill>
+                </p:spPr>
+                <p:txBody>
+                  <a:bodyPr/>
+                  <a:lstStyle/>
+                  <a:p>
+                    <a:r>
+                      <a:rPr lang="en-US">
+                        <a:noFill/>
+                      </a:rPr>
+                      <a:t> </a:t>
+                    </a:r>
+                  </a:p>
+                </p:txBody>
+              </p:sp>
+            </mc:Fallback>
+          </mc:AlternateContent>
+        </p:grpSp>
+      </p:grpSp>
+      <p:grpSp>
+        <p:nvGrpSpPr>
+          <p:cNvPr id="23" name="Group 22">
+            <a:extLst>
+              <a:ext uri="{FF2B5EF4-FFF2-40B4-BE49-F238E27FC236}">
+                <a16:creationId xmlns:a16="http://schemas.microsoft.com/office/drawing/2014/main" id="{4F4E03DB-E0EA-4870-93A6-C2FF390AB0D9}"/>
+              </a:ext>
+            </a:extLst>
+          </p:cNvPr>
+          <p:cNvGrpSpPr/>
+          <p:nvPr/>
+        </p:nvGrpSpPr>
+        <p:grpSpPr>
+          <a:xfrm>
+            <a:off x="10681693" y="752926"/>
+            <a:ext cx="914400" cy="914400"/>
+            <a:chOff x="4617629" y="601247"/>
+            <a:chExt cx="914400" cy="914400"/>
+          </a:xfrm>
+        </p:grpSpPr>
+        <p:pic>
+          <p:nvPicPr>
+            <p:cNvPr id="24" name="Graphic 23">
+              <a:extLst>
+                <a:ext uri="{FF2B5EF4-FFF2-40B4-BE49-F238E27FC236}">
+                  <a16:creationId xmlns:a16="http://schemas.microsoft.com/office/drawing/2014/main" id="{D93092A3-AD60-4083-8746-B0F6CB1F43A1}"/>
+                </a:ext>
+                <a:ext uri="{C183D7F6-B498-43B3-948B-1728B52AA6E4}">
+                  <adec:decorative xmlns:adec="http://schemas.microsoft.com/office/drawing/2017/decorative" val="1"/>
+                </a:ext>
+              </a:extLst>
+            </p:cNvPr>
+            <p:cNvPicPr>
+              <a:picLocks noChangeAspect="1"/>
+            </p:cNvPicPr>
+            <p:nvPr/>
+          </p:nvPicPr>
+          <p:blipFill>
+            <a:blip r:embed="rId10">
+              <a:extLst>
+                <a:ext uri="{28A0092B-C50C-407E-A947-70E740481C1C}">
+                  <a14:useLocalDpi xmlns:a14="http://schemas.microsoft.com/office/drawing/2010/main" val="0"/>
+                </a:ext>
+                <a:ext uri="{96DAC541-7B7A-43D3-8B79-37D633B846F1}">
+                  <asvg:svgBlip xmlns:asvg="http://schemas.microsoft.com/office/drawing/2016/SVG/main" r:embed="rId11"/>
+                </a:ext>
+              </a:extLst>
+            </a:blip>
+            <a:stretch>
+              <a:fillRect/>
+            </a:stretch>
+          </p:blipFill>
+          <p:spPr>
+            <a:xfrm>
+              <a:off x="4617629" y="601247"/>
+              <a:ext cx="914400" cy="914400"/>
+            </a:xfrm>
+            <a:prstGeom prst="rect">
+              <a:avLst/>
+            </a:prstGeom>
+          </p:spPr>
+        </p:pic>
+        <p:sp>
+          <p:nvSpPr>
+            <p:cNvPr id="25" name="Rectangle 24">
+              <a:extLst>
+                <a:ext uri="{FF2B5EF4-FFF2-40B4-BE49-F238E27FC236}">
+                  <a16:creationId xmlns:a16="http://schemas.microsoft.com/office/drawing/2014/main" id="{08372F8E-F18A-48F2-9EA7-D4E245F6BA4B}"/>
+                </a:ext>
+              </a:extLst>
+            </p:cNvPr>
+            <p:cNvSpPr/>
+            <p:nvPr/>
+          </p:nvSpPr>
+          <p:spPr>
+            <a:xfrm>
+              <a:off x="4674541" y="1017333"/>
+              <a:ext cx="726482" cy="369332"/>
+            </a:xfrm>
+            <a:prstGeom prst="rect">
+              <a:avLst/>
+            </a:prstGeom>
+          </p:spPr>
+          <p:txBody>
+            <a:bodyPr wrap="none">
+              <a:spAutoFit/>
+            </a:bodyPr>
+            <a:lstStyle/>
+            <a:p>
+              <a:pPr algn="ctr"/>
+              <a:r>
+                <a:rPr lang="en-US" b="1" dirty="0"/>
+                <a:t>Qubit</a:t>
+              </a:r>
+            </a:p>
+          </p:txBody>
+        </p:sp>
+      </p:grpSp>
+      <p:sp>
+        <p:nvSpPr>
+          <p:cNvPr id="30" name="Rectangle 29">
+            <a:extLst>
+              <a:ext uri="{FF2B5EF4-FFF2-40B4-BE49-F238E27FC236}">
+                <a16:creationId xmlns:a16="http://schemas.microsoft.com/office/drawing/2014/main" id="{E2AAE053-B852-48AC-9729-DB4E5655541E}"/>
+              </a:ext>
+            </a:extLst>
+          </p:cNvPr>
+          <p:cNvSpPr/>
+          <p:nvPr/>
+        </p:nvSpPr>
+        <p:spPr>
+          <a:xfrm>
+            <a:off x="9652000" y="3061267"/>
+            <a:ext cx="2539999" cy="2854508"/>
+          </a:xfrm>
+          <a:prstGeom prst="rect">
+            <a:avLst/>
+          </a:prstGeom>
+          <a:solidFill>
+            <a:schemeClr val="bg1"/>
+          </a:solidFill>
+          <a:ln>
+            <a:solidFill>
+              <a:schemeClr val="bg1"/>
+            </a:solidFill>
+          </a:ln>
+        </p:spPr>
+        <p:style>
+          <a:lnRef idx="2">
+            <a:schemeClr val="dk1"/>
+          </a:lnRef>
+          <a:fillRef idx="1">
+            <a:schemeClr val="lt1"/>
+          </a:fillRef>
+          <a:effectRef idx="0">
+            <a:schemeClr val="dk1"/>
+          </a:effectRef>
+          <a:fontRef idx="minor">
+            <a:schemeClr val="dk1"/>
+          </a:fontRef>
+        </p:style>
+        <p:txBody>
+          <a:bodyPr rtlCol="0" anchor="ctr"/>
+          <a:lstStyle/>
+          <a:p>
+            <a:pPr algn="ctr"/>
+            <a:endParaRPr lang="en-US"/>
+          </a:p>
+        </p:txBody>
+      </p:sp>
+    </p:spTree>
+    <p:extLst>
+      <p:ext uri="{BB962C8B-B14F-4D97-AF65-F5344CB8AC3E}">
+        <p14:creationId xmlns:p14="http://schemas.microsoft.com/office/powerpoint/2010/main" val="367760666"/>
+      </p:ext>
+    </p:extLst>
+  </p:cSld>
+  <p:clrMapOvr>
+    <a:masterClrMapping/>
+  </p:clrMapOvr>
+  <p:timing>
+    <p:tnLst>
+      <p:par>
+        <p:cTn id="1" dur="indefinite" restart="never" nodeType="tmRoot">
+          <p:childTnLst>
+            <p:seq concurrent="1" nextAc="seek">
+              <p:cTn id="2" dur="indefinite" nodeType="mainSeq">
+                <p:childTnLst>
+                  <p:par>
+                    <p:cTn id="3" fill="hold">
+                      <p:stCondLst>
+                        <p:cond delay="indefinite"/>
+                      </p:stCondLst>
+                      <p:childTnLst>
+                        <p:par>
+                          <p:cTn id="4" fill="hold">
+                            <p:stCondLst>
+                              <p:cond delay="0"/>
+                            </p:stCondLst>
+                            <p:childTnLst>
+                              <p:par>
+                                <p:cTn id="5" presetID="10" presetClass="exit" presetSubtype="0" fill="hold" grpId="0" nodeType="clickEffect">
+                                  <p:stCondLst>
+                                    <p:cond delay="0"/>
+                                  </p:stCondLst>
+                                  <p:childTnLst>
+                                    <p:animEffect transition="out" filter="fade">
+                                      <p:cBhvr>
+                                        <p:cTn id="6" dur="500"/>
+                                        <p:tgtEl>
+                                          <p:spTgt spid="30"/>
+                                        </p:tgtEl>
+                                      </p:cBhvr>
+                                    </p:animEffect>
+                                    <p:set>
+                                      <p:cBhvr>
+                                        <p:cTn id="7" dur="1" fill="hold">
+                                          <p:stCondLst>
+                                            <p:cond delay="499"/>
+                                          </p:stCondLst>
+                                        </p:cTn>
+                                        <p:tgtEl>
+                                          <p:spTgt spid="30"/>
+                                        </p:tgtEl>
+                                        <p:attrNameLst>
+                                          <p:attrName>style.visibility</p:attrName>
+                                        </p:attrNameLst>
+                                      </p:cBhvr>
+                                      <p:to>
+                                        <p:strVal val="hidden"/>
+                                      </p:to>
+                                    </p:set>
+                                  </p:childTnLst>
+                                </p:cTn>
+                              </p:par>
+                            </p:childTnLst>
+                          </p:cTn>
+                        </p:par>
+                      </p:childTnLst>
+                    </p:cTn>
+                  </p:par>
+                  <p:par>
+                    <p:cTn id="8" fill="hold">
+                      <p:stCondLst>
+                        <p:cond delay="indefinite"/>
+                      </p:stCondLst>
+                      <p:childTnLst>
+                        <p:par>
+                          <p:cTn id="9" fill="hold">
+                            <p:stCondLst>
+                              <p:cond delay="0"/>
+                            </p:stCondLst>
+                            <p:childTnLst>
+                              <p:par>
+                                <p:cTn id="10" presetID="1" presetClass="entr" presetSubtype="0" fill="hold" nodeType="clickEffect">
+                                  <p:stCondLst>
+                                    <p:cond delay="0"/>
+                                  </p:stCondLst>
+                                  <p:childTnLst>
+                                    <p:set>
+                                      <p:cBhvr>
+                                        <p:cTn id="11" dur="1" fill="hold">
+                                          <p:stCondLst>
+                                            <p:cond delay="0"/>
+                                          </p:stCondLst>
+                                        </p:cTn>
+                                        <p:tgtEl>
+                                          <p:spTgt spid="26"/>
+                                        </p:tgtEl>
+                                        <p:attrNameLst>
+                                          <p:attrName>style.visibility</p:attrName>
+                                        </p:attrNameLst>
+                                      </p:cBhvr>
+                                      <p:to>
+                                        <p:strVal val="visible"/>
+                                      </p:to>
+                                    </p:set>
+                                  </p:childTnLst>
+                                </p:cTn>
+                              </p:par>
+                            </p:childTnLst>
+                          </p:cTn>
+                        </p:par>
+                      </p:childTnLst>
+                    </p:cTn>
+                  </p:par>
+                  <p:par>
+                    <p:cTn id="12" fill="hold">
+                      <p:stCondLst>
+                        <p:cond delay="indefinite"/>
+                      </p:stCondLst>
+                      <p:childTnLst>
+                        <p:par>
+                          <p:cTn id="13" fill="hold">
+                            <p:stCondLst>
+                              <p:cond delay="0"/>
+                            </p:stCondLst>
+                            <p:childTnLst>
+                              <p:par>
+                                <p:cTn id="14" presetID="1" presetClass="entr" presetSubtype="0" fill="hold" nodeType="clickEffect">
+                                  <p:stCondLst>
+                                    <p:cond delay="0"/>
+                                  </p:stCondLst>
+                                  <p:childTnLst>
+                                    <p:set>
+                                      <p:cBhvr>
+                                        <p:cTn id="15" dur="1" fill="hold">
+                                          <p:stCondLst>
+                                            <p:cond delay="0"/>
+                                          </p:stCondLst>
+                                        </p:cTn>
+                                        <p:tgtEl>
+                                          <p:spTgt spid="3">
+                                            <p:txEl>
+                                              <p:pRg st="1" end="1"/>
+                                            </p:txEl>
+                                          </p:spTgt>
+                                        </p:tgtEl>
+                                        <p:attrNameLst>
+                                          <p:attrName>style.visibility</p:attrName>
+                                        </p:attrNameLst>
+                                      </p:cBhvr>
+                                      <p:to>
+                                        <p:strVal val="visible"/>
+                                      </p:to>
+                                    </p:set>
+                                  </p:childTnLst>
+                                </p:cTn>
+                              </p:par>
+                            </p:childTnLst>
+                          </p:cTn>
+                        </p:par>
+                      </p:childTnLst>
+                    </p:cTn>
+                  </p:par>
+                  <p:par>
+                    <p:cTn id="16" fill="hold">
+                      <p:stCondLst>
+                        <p:cond delay="indefinite"/>
+                      </p:stCondLst>
+                      <p:childTnLst>
+                        <p:par>
+                          <p:cTn id="17" fill="hold">
+                            <p:stCondLst>
+                              <p:cond delay="0"/>
+                            </p:stCondLst>
+                            <p:childTnLst>
+                              <p:par>
+                                <p:cTn id="18" presetID="1" presetClass="entr" presetSubtype="0" fill="hold" nodeType="clickEffect">
+                                  <p:stCondLst>
+                                    <p:cond delay="0"/>
+                                  </p:stCondLst>
+                                  <p:childTnLst>
+                                    <p:set>
+                                      <p:cBhvr>
+                                        <p:cTn id="19" dur="1" fill="hold">
+                                          <p:stCondLst>
+                                            <p:cond delay="0"/>
+                                          </p:stCondLst>
+                                        </p:cTn>
+                                        <p:tgtEl>
+                                          <p:spTgt spid="3">
+                                            <p:txEl>
+                                              <p:pRg st="2" end="2"/>
+                                            </p:txEl>
+                                          </p:spTgt>
+                                        </p:tgtEl>
+                                        <p:attrNameLst>
+                                          <p:attrName>style.visibility</p:attrName>
+                                        </p:attrNameLst>
+                                      </p:cBhvr>
+                                      <p:to>
+                                        <p:strVal val="visible"/>
+                                      </p:to>
+                                    </p:set>
+                                  </p:childTnLst>
+                                </p:cTn>
+                              </p:par>
+                            </p:childTnLst>
+                          </p:cTn>
+                        </p:par>
+                      </p:childTnLst>
+                    </p:cTn>
+                  </p:par>
+                </p:childTnLst>
+              </p:cTn>
+              <p:prevCondLst>
+                <p:cond evt="onPrev" delay="0">
+                  <p:tgtEl>
+                    <p:sldTgt/>
+                  </p:tgtEl>
+                </p:cond>
+              </p:prevCondLst>
+              <p:nextCondLst>
+                <p:cond evt="onNext" delay="0">
+                  <p:tgtEl>
+                    <p:sldTgt/>
+                  </p:tgtEl>
+                </p:cond>
+              </p:nextCondLst>
+            </p:seq>
+          </p:childTnLst>
+        </p:cTn>
+      </p:par>
+    </p:tnLst>
+    <p:bldLst>
+      <p:bldP spid="30" grpId="0" animBg="1"/>
+    </p:bldLst>
+  </p:timing>
+</p:sld>
+</file>
+
+<file path=ppt/slides/slide9.xml><?xml version="1.0" encoding="utf-8"?>
+<p:sld xmlns:a="http://schemas.openxmlformats.org/drawingml/2006/main" xmlns:r="http://schemas.openxmlformats.org/officeDocument/2006/relationships" xmlns:p="http://schemas.openxmlformats.org/presentationml/2006/main">
+  <p:cSld>
+    <p:spTree>
+      <p:nvGrpSpPr>
+        <p:cNvPr id="1" name=""/>
+        <p:cNvGrpSpPr/>
+        <p:nvPr/>
+      </p:nvGrpSpPr>
+      <p:grpSpPr>
+        <a:xfrm>
+          <a:off x="0" y="0"/>
+          <a:ext cx="0" cy="0"/>
+          <a:chOff x="0" y="0"/>
+          <a:chExt cx="0" cy="0"/>
+        </a:xfrm>
+      </p:grpSpPr>
+      <p:sp>
+        <p:nvSpPr>
+          <p:cNvPr id="2" name="Title 1">
+            <a:extLst>
+              <a:ext uri="{FF2B5EF4-FFF2-40B4-BE49-F238E27FC236}">
+                <a16:creationId xmlns:a16="http://schemas.microsoft.com/office/drawing/2014/main" id="{143844C1-81B0-4491-B704-75774200AB68}"/>
+              </a:ext>
+            </a:extLst>
+          </p:cNvPr>
+          <p:cNvSpPr>
+            <a:spLocks noGrp="1"/>
+          </p:cNvSpPr>
+          <p:nvPr>
+            <p:ph type="title"/>
+          </p:nvPr>
+        </p:nvSpPr>
+        <p:spPr/>
+        <p:txBody>
+          <a:bodyPr/>
+          <a:lstStyle/>
+          <a:p>
+            <a:r>
+              <a:rPr lang="en-US" dirty="0"/>
+              <a:t>Quantum </a:t>
+            </a:r>
+          </a:p>
+        </p:txBody>
+      </p:sp>
+      <mc:AlternateContent xmlns:mc="http://schemas.openxmlformats.org/markup-compatibility/2006">
+        <mc:Choice xmlns:a14="http://schemas.microsoft.com/office/drawing/2010/main" Requires="a14">
+          <p:sp>
+            <p:nvSpPr>
+              <p:cNvPr id="3" name="Content Placeholder 2">
+                <a:extLst>
+                  <a:ext uri="{FF2B5EF4-FFF2-40B4-BE49-F238E27FC236}">
+                    <a16:creationId xmlns:a16="http://schemas.microsoft.com/office/drawing/2014/main" id="{2787AC42-B264-4F70-B61D-F13F3022B9A7}"/>
+                  </a:ext>
+                </a:extLst>
+              </p:cNvPr>
+              <p:cNvSpPr>
+                <a:spLocks noGrp="1"/>
+              </p:cNvSpPr>
+              <p:nvPr>
+                <p:ph idx="1"/>
+              </p:nvPr>
+            </p:nvSpPr>
+            <p:spPr/>
+            <p:txBody>
+              <a:bodyPr/>
+              <a:lstStyle/>
+              <a:p>
+                <a:r>
+                  <a:rPr lang="en-US" dirty="0"/>
+                  <a:t>A quantum computer performs computations by using quantum mechanics properties.</a:t>
+                </a:r>
+              </a:p>
+              <a:p>
+                <a:r>
+                  <a:rPr lang="en-US" dirty="0"/>
+                  <a:t>The Born rule implies that </a:t>
+                </a:r>
+                <a14:m>
+                  <m:oMath xmlns:m="http://schemas.openxmlformats.org/officeDocument/2006/math">
+                    <m:d>
+                      <m:dPr>
+                        <m:begChr m:val="|"/>
+                        <m:endChr m:val="|"/>
+                        <m:ctrlPr>
+                          <a:rPr lang="en-US" i="1">
+                            <a:latin typeface="Cambria Math" panose="02040503050406030204" pitchFamily="18" charset="0"/>
+                          </a:rPr>
+                        </m:ctrlPr>
+                      </m:dPr>
+                      <m:e>
+                        <m:r>
+                          <a:rPr lang="en-US" i="1">
+                            <a:latin typeface="Cambria Math" panose="02040503050406030204" pitchFamily="18" charset="0"/>
+                          </a:rPr>
+                          <m:t>𝛼</m:t>
+                        </m:r>
+                      </m:e>
+                    </m:d>
+                    <m:r>
+                      <a:rPr lang="en-US" i="1">
+                        <a:latin typeface="Cambria Math" panose="02040503050406030204" pitchFamily="18" charset="0"/>
+                      </a:rPr>
+                      <m:t>+</m:t>
+                    </m:r>
+                    <m:d>
+                      <m:dPr>
+                        <m:begChr m:val="|"/>
+                        <m:endChr m:val="|"/>
+                        <m:ctrlPr>
+                          <a:rPr lang="en-US" i="1">
+                            <a:latin typeface="Cambria Math" panose="02040503050406030204" pitchFamily="18" charset="0"/>
+                          </a:rPr>
+                        </m:ctrlPr>
+                      </m:dPr>
+                      <m:e>
+                        <m:r>
+                          <a:rPr lang="en-US" i="1">
+                            <a:latin typeface="Cambria Math" panose="02040503050406030204" pitchFamily="18" charset="0"/>
+                          </a:rPr>
+                          <m:t>𝛽</m:t>
+                        </m:r>
+                      </m:e>
+                    </m:d>
+                    <m:r>
+                      <a:rPr lang="en-US" i="1">
+                        <a:latin typeface="Cambria Math" panose="02040503050406030204" pitchFamily="18" charset="0"/>
+                      </a:rPr>
+                      <m:t>=</m:t>
+                    </m:r>
+                    <m:r>
+                      <a:rPr lang="en-US" i="1">
+                        <a:latin typeface="Cambria Math" panose="02040503050406030204" pitchFamily="18" charset="0"/>
+                      </a:rPr>
+                      <m:t>1</m:t>
+                    </m:r>
+                  </m:oMath>
+                </a14:m>
+                <a:r>
+                  <a:rPr lang="en-US" dirty="0"/>
+                  <a:t> for any quantum state:</a:t>
+                </a:r>
+                <a:br>
+                  <a:rPr lang="en-US" dirty="0"/>
+                </a:br>
+                <a:br>
+                  <a:rPr lang="en-US" dirty="0"/>
+                </a:br>
+                <a14:m>
+                  <m:oMath xmlns:m="http://schemas.openxmlformats.org/officeDocument/2006/math">
+                    <m:d>
+                      <m:dPr>
+                        <m:begChr m:val="|"/>
+                        <m:endChr m:val="⟩"/>
+                        <m:ctrlPr>
+                          <a:rPr lang="en-US" i="1">
+                            <a:latin typeface="Cambria Math" panose="02040503050406030204" pitchFamily="18" charset="0"/>
+                          </a:rPr>
+                        </m:ctrlPr>
+                      </m:dPr>
+                      <m:e>
+                        <m:r>
+                          <m:rPr>
+                            <m:sty m:val="p"/>
+                          </m:rPr>
+                          <a:rPr lang="en-US">
+                            <a:latin typeface="Cambria Math" panose="02040503050406030204" pitchFamily="18" charset="0"/>
+                          </a:rPr>
+                          <m:t>ψ</m:t>
+                        </m:r>
+                      </m:e>
+                    </m:d>
+                    <m:r>
+                      <a:rPr lang="en-US" i="1">
+                        <a:latin typeface="Cambria Math" panose="02040503050406030204" pitchFamily="18" charset="0"/>
+                      </a:rPr>
+                      <m:t>=</m:t>
+                    </m:r>
+                    <m:r>
+                      <m:rPr>
+                        <m:sty m:val="p"/>
+                      </m:rPr>
+                      <a:rPr lang="en-US">
+                        <a:latin typeface="Cambria Math" panose="02040503050406030204" pitchFamily="18" charset="0"/>
+                      </a:rPr>
+                      <m:t>α</m:t>
+                    </m:r>
+                    <m:d>
+                      <m:dPr>
+                        <m:begChr m:val="|"/>
+                        <m:endChr m:val="⟩"/>
+                        <m:ctrlPr>
+                          <a:rPr lang="en-US" i="1">
+                            <a:latin typeface="Cambria Math" panose="02040503050406030204" pitchFamily="18" charset="0"/>
+                          </a:rPr>
+                        </m:ctrlPr>
+                      </m:dPr>
+                      <m:e>
+                        <m:r>
+                          <a:rPr lang="en-US" i="1">
+                            <a:latin typeface="Cambria Math" panose="02040503050406030204" pitchFamily="18" charset="0"/>
+                          </a:rPr>
+                          <m:t>0</m:t>
+                        </m:r>
+                      </m:e>
+                    </m:d>
+                    <m:r>
+                      <a:rPr lang="en-US" i="1">
+                        <a:latin typeface="Cambria Math" panose="02040503050406030204" pitchFamily="18" charset="0"/>
+                      </a:rPr>
+                      <m:t>+</m:t>
+                    </m:r>
+                    <m:r>
+                      <m:rPr>
+                        <m:sty m:val="p"/>
+                      </m:rPr>
+                      <a:rPr lang="en-US">
+                        <a:latin typeface="Cambria Math" panose="02040503050406030204" pitchFamily="18" charset="0"/>
+                      </a:rPr>
+                      <m:t>β</m:t>
+                    </m:r>
+                    <m:d>
+                      <m:dPr>
+                        <m:begChr m:val="|"/>
+                        <m:endChr m:val="⟩"/>
+                        <m:ctrlPr>
+                          <a:rPr lang="en-US" i="1">
+                            <a:latin typeface="Cambria Math" panose="02040503050406030204" pitchFamily="18" charset="0"/>
+                          </a:rPr>
+                        </m:ctrlPr>
+                      </m:dPr>
+                      <m:e>
+                        <m:r>
+                          <a:rPr lang="en-US" i="1">
+                            <a:latin typeface="Cambria Math" panose="02040503050406030204" pitchFamily="18" charset="0"/>
+                          </a:rPr>
+                          <m:t>1</m:t>
+                        </m:r>
+                      </m:e>
+                    </m:d>
+                  </m:oMath>
+                </a14:m>
+                <a:endParaRPr lang="en-US" dirty="0"/>
+              </a:p>
+            </p:txBody>
+          </p:sp>
+        </mc:Choice>
+        <mc:Fallback>
+          <p:sp>
+            <p:nvSpPr>
+              <p:cNvPr id="3" name="Content Placeholder 2">
+                <a:extLst>
+                  <a:ext uri="{FF2B5EF4-FFF2-40B4-BE49-F238E27FC236}">
+                    <a16:creationId xmlns:a16="http://schemas.microsoft.com/office/drawing/2014/main" id="{2787AC42-B264-4F70-B61D-F13F3022B9A7}"/>
+                  </a:ext>
+                </a:extLst>
+              </p:cNvPr>
+              <p:cNvSpPr>
+                <a:spLocks noGrp="1" noRot="1" noChangeAspect="1" noMove="1" noResize="1" noEditPoints="1" noAdjustHandles="1" noChangeArrowheads="1" noChangeShapeType="1" noTextEdit="1"/>
+              </p:cNvSpPr>
+              <p:nvPr>
+                <p:ph idx="1"/>
+              </p:nvPr>
+            </p:nvSpPr>
+            <p:spPr>
+              <a:blipFill>
+                <a:blip r:embed="rId2"/>
+                <a:stretch>
+                  <a:fillRect l="-1043" t="-2241"/>
+                </a:stretch>
+              </a:blipFill>
+            </p:spPr>
+            <p:txBody>
+              <a:bodyPr/>
+              <a:lstStyle/>
+              <a:p>
+                <a:r>
+                  <a:rPr lang="en-US">
+                    <a:noFill/>
+                  </a:rPr>
+                  <a:t> </a:t>
+                </a:r>
+              </a:p>
+            </p:txBody>
+          </p:sp>
+        </mc:Fallback>
+      </mc:AlternateContent>
+    </p:spTree>
+    <p:extLst>
+      <p:ext uri="{BB962C8B-B14F-4D97-AF65-F5344CB8AC3E}">
+        <p14:creationId xmlns:p14="http://schemas.microsoft.com/office/powerpoint/2010/main" val="2810256251"/>
       </p:ext>
     </p:extLst>
   </p:cSld>
